--- a/document/course2-3.pptx
+++ b/document/course2-3.pptx
@@ -237,7 +237,7 @@
           <a:p>
             <a:fld id="{90C9A26C-E32A-0842-B5B6-EF949C454305}" type="datetimeFigureOut">
               <a:rPr lang="en-US" smtClean="0"/>
-              <a:t>9/24/2017</a:t>
+              <a:t>11/19/17</a:t>
             </a:fld>
             <a:endParaRPr lang="en-US"/>
           </a:p>
@@ -693,7 +693,7 @@
           <a:p>
             <a:fld id="{48A87A34-81AB-432B-8DAE-1953F412C126}" type="datetimeFigureOut">
               <a:rPr lang="en-US" smtClean="0"/>
-              <a:t>9/24/2017</a:t>
+              <a:t>11/19/17</a:t>
             </a:fld>
             <a:endParaRPr lang="en-US" dirty="0"/>
           </a:p>
@@ -1027,7 +1027,7 @@
             <a:fld id="{48A87A34-81AB-432B-8DAE-1953F412C126}" type="datetimeFigureOut">
               <a:rPr lang="en-US" smtClean="0"/>
               <a:pPr/>
-              <a:t>9/24/2017</a:t>
+              <a:t>11/19/17</a:t>
             </a:fld>
             <a:endParaRPr lang="en-US" dirty="0"/>
           </a:p>
@@ -1425,7 +1425,7 @@
             <a:fld id="{48A87A34-81AB-432B-8DAE-1953F412C126}" type="datetimeFigureOut">
               <a:rPr lang="en-US" smtClean="0"/>
               <a:pPr/>
-              <a:t>9/24/2017</a:t>
+              <a:t>11/19/17</a:t>
             </a:fld>
             <a:endParaRPr lang="en-US" dirty="0"/>
           </a:p>
@@ -1758,7 +1758,7 @@
             <a:fld id="{48A87A34-81AB-432B-8DAE-1953F412C126}" type="datetimeFigureOut">
               <a:rPr lang="en-US" smtClean="0"/>
               <a:pPr/>
-              <a:t>9/24/2017</a:t>
+              <a:t>11/19/17</a:t>
             </a:fld>
             <a:endParaRPr lang="en-US" dirty="0"/>
           </a:p>
@@ -2075,7 +2075,7 @@
             <a:fld id="{48A87A34-81AB-432B-8DAE-1953F412C126}" type="datetimeFigureOut">
               <a:rPr lang="en-US" smtClean="0"/>
               <a:pPr/>
-              <a:t>9/24/2017</a:t>
+              <a:t>11/19/17</a:t>
             </a:fld>
             <a:endParaRPr lang="en-US" dirty="0"/>
           </a:p>
@@ -2468,7 +2468,7 @@
             <a:fld id="{48A87A34-81AB-432B-8DAE-1953F412C126}" type="datetimeFigureOut">
               <a:rPr lang="en-US" smtClean="0"/>
               <a:pPr/>
-              <a:t>9/24/2017</a:t>
+              <a:t>11/19/17</a:t>
             </a:fld>
             <a:endParaRPr lang="en-US" dirty="0"/>
           </a:p>
@@ -2721,7 +2721,7 @@
           <a:p>
             <a:fld id="{48A87A34-81AB-432B-8DAE-1953F412C126}" type="datetimeFigureOut">
               <a:rPr lang="en-US" smtClean="0"/>
-              <a:t>9/24/2017</a:t>
+              <a:t>11/19/17</a:t>
             </a:fld>
             <a:endParaRPr lang="en-US" dirty="0"/>
           </a:p>
@@ -2978,7 +2978,7 @@
           <a:p>
             <a:fld id="{48A87A34-81AB-432B-8DAE-1953F412C126}" type="datetimeFigureOut">
               <a:rPr lang="en-US" smtClean="0"/>
-              <a:t>9/24/2017</a:t>
+              <a:t>11/19/17</a:t>
             </a:fld>
             <a:endParaRPr lang="en-US" dirty="0"/>
           </a:p>
@@ -3235,7 +3235,7 @@
           <a:p>
             <a:fld id="{48A87A34-81AB-432B-8DAE-1953F412C126}" type="datetimeFigureOut">
               <a:rPr lang="en-US" smtClean="0"/>
-              <a:t>9/24/2017</a:t>
+              <a:t>11/19/17</a:t>
             </a:fld>
             <a:endParaRPr lang="en-US" dirty="0"/>
           </a:p>
@@ -3559,7 +3559,7 @@
           <a:p>
             <a:fld id="{48A87A34-81AB-432B-8DAE-1953F412C126}" type="datetimeFigureOut">
               <a:rPr lang="en-US" smtClean="0"/>
-              <a:t>9/24/2017</a:t>
+              <a:t>11/19/17</a:t>
             </a:fld>
             <a:endParaRPr lang="en-US" dirty="0"/>
           </a:p>
@@ -3877,7 +3877,7 @@
           <a:p>
             <a:fld id="{48A87A34-81AB-432B-8DAE-1953F412C126}" type="datetimeFigureOut">
               <a:rPr lang="en-US" smtClean="0"/>
-              <a:t>9/24/2017</a:t>
+              <a:t>11/19/17</a:t>
             </a:fld>
             <a:endParaRPr lang="en-US" dirty="0"/>
           </a:p>
@@ -4329,7 +4329,7 @@
           <a:p>
             <a:fld id="{48A87A34-81AB-432B-8DAE-1953F412C126}" type="datetimeFigureOut">
               <a:rPr lang="en-US" smtClean="0"/>
-              <a:t>9/24/2017</a:t>
+              <a:t>11/19/17</a:t>
             </a:fld>
             <a:endParaRPr lang="en-US" dirty="0"/>
           </a:p>
@@ -4529,7 +4529,7 @@
           <a:p>
             <a:fld id="{48A87A34-81AB-432B-8DAE-1953F412C126}" type="datetimeFigureOut">
               <a:rPr lang="en-US" smtClean="0"/>
-              <a:t>9/24/2017</a:t>
+              <a:t>11/19/17</a:t>
             </a:fld>
             <a:endParaRPr lang="en-US" dirty="0"/>
           </a:p>
@@ -4701,7 +4701,7 @@
           <a:p>
             <a:fld id="{48A87A34-81AB-432B-8DAE-1953F412C126}" type="datetimeFigureOut">
               <a:rPr lang="en-US" smtClean="0"/>
-              <a:t>9/24/2017</a:t>
+              <a:t>11/19/17</a:t>
             </a:fld>
             <a:endParaRPr lang="en-US" dirty="0"/>
           </a:p>
@@ -5029,7 +5029,7 @@
           <a:p>
             <a:fld id="{48A87A34-81AB-432B-8DAE-1953F412C126}" type="datetimeFigureOut">
               <a:rPr lang="en-US" smtClean="0"/>
-              <a:t>9/24/2017</a:t>
+              <a:t>11/19/17</a:t>
             </a:fld>
             <a:endParaRPr lang="en-US" dirty="0"/>
           </a:p>
@@ -5369,7 +5369,7 @@
           <a:p>
             <a:fld id="{48A87A34-81AB-432B-8DAE-1953F412C126}" type="datetimeFigureOut">
               <a:rPr lang="en-US" smtClean="0"/>
-              <a:t>9/24/2017</a:t>
+              <a:t>11/19/17</a:t>
             </a:fld>
             <a:endParaRPr lang="en-US" dirty="0"/>
           </a:p>
@@ -7482,7 +7482,7 @@
             <a:fld id="{48A87A34-81AB-432B-8DAE-1953F412C126}" type="datetimeFigureOut">
               <a:rPr lang="en-US" smtClean="0"/>
               <a:pPr/>
-              <a:t>9/24/2017</a:t>
+              <a:t>11/19/17</a:t>
             </a:fld>
             <a:endParaRPr lang="en-US" dirty="0"/>
           </a:p>
@@ -8074,21 +8074,21 @@
                 <a:gridCol w="1780800">
                   <a:extLst>
                     <a:ext uri="{9D8B030D-6E8A-4147-A177-3AD203B41FA5}">
-                      <a16:colId xmlns:a16="http://schemas.microsoft.com/office/drawing/2014/main" val="20000"/>
+                      <a16:colId xmlns:a16="http://schemas.microsoft.com/office/drawing/2014/main" xmlns="" val="20000"/>
                     </a:ext>
                   </a:extLst>
                 </a:gridCol>
                 <a:gridCol w="4324350">
                   <a:extLst>
                     <a:ext uri="{9D8B030D-6E8A-4147-A177-3AD203B41FA5}">
-                      <a16:colId xmlns:a16="http://schemas.microsoft.com/office/drawing/2014/main" val="20001"/>
+                      <a16:colId xmlns:a16="http://schemas.microsoft.com/office/drawing/2014/main" xmlns="" val="20001"/>
                     </a:ext>
                   </a:extLst>
                 </a:gridCol>
                 <a:gridCol w="2810250">
                   <a:extLst>
                     <a:ext uri="{9D8B030D-6E8A-4147-A177-3AD203B41FA5}">
-                      <a16:colId xmlns:a16="http://schemas.microsoft.com/office/drawing/2014/main" val="20002"/>
+                      <a16:colId xmlns:a16="http://schemas.microsoft.com/office/drawing/2014/main" xmlns="" val="20002"/>
                     </a:ext>
                   </a:extLst>
                 </a:gridCol>
@@ -8142,7 +8142,7 @@
                 </a:tc>
                 <a:extLst>
                   <a:ext uri="{0D108BD9-81ED-4DB2-BD59-A6C34878D82A}">
-                    <a16:rowId xmlns:a16="http://schemas.microsoft.com/office/drawing/2014/main" val="10000"/>
+                    <a16:rowId xmlns:a16="http://schemas.microsoft.com/office/drawing/2014/main" xmlns="" val="10000"/>
                   </a:ext>
                 </a:extLst>
               </a:tr>
@@ -8278,7 +8278,7 @@
                 </a:tc>
                 <a:extLst>
                   <a:ext uri="{0D108BD9-81ED-4DB2-BD59-A6C34878D82A}">
-                    <a16:rowId xmlns:a16="http://schemas.microsoft.com/office/drawing/2014/main" val="10001"/>
+                    <a16:rowId xmlns:a16="http://schemas.microsoft.com/office/drawing/2014/main" xmlns="" val="10001"/>
                   </a:ext>
                 </a:extLst>
               </a:tr>
@@ -8343,7 +8343,7 @@
                 </a:tc>
                 <a:extLst>
                   <a:ext uri="{0D108BD9-81ED-4DB2-BD59-A6C34878D82A}">
-                    <a16:rowId xmlns:a16="http://schemas.microsoft.com/office/drawing/2014/main" val="2334112346"/>
+                    <a16:rowId xmlns:a16="http://schemas.microsoft.com/office/drawing/2014/main" xmlns="" val="2334112346"/>
                   </a:ext>
                 </a:extLst>
               </a:tr>
@@ -8606,7 +8606,7 @@
                 </a:tc>
                 <a:extLst>
                   <a:ext uri="{0D108BD9-81ED-4DB2-BD59-A6C34878D82A}">
-                    <a16:rowId xmlns:a16="http://schemas.microsoft.com/office/drawing/2014/main" val="745536708"/>
+                    <a16:rowId xmlns:a16="http://schemas.microsoft.com/office/drawing/2014/main" xmlns="" val="745536708"/>
                   </a:ext>
                 </a:extLst>
               </a:tr>
@@ -8845,7 +8845,7 @@
                 </a:tc>
                 <a:extLst>
                   <a:ext uri="{0D108BD9-81ED-4DB2-BD59-A6C34878D82A}">
-                    <a16:rowId xmlns:a16="http://schemas.microsoft.com/office/drawing/2014/main" val="3584613779"/>
+                    <a16:rowId xmlns:a16="http://schemas.microsoft.com/office/drawing/2014/main" xmlns="" val="3584613779"/>
                   </a:ext>
                 </a:extLst>
               </a:tr>
@@ -9055,7 +9055,7 @@
                 </a:tc>
                 <a:extLst>
                   <a:ext uri="{0D108BD9-81ED-4DB2-BD59-A6C34878D82A}">
-                    <a16:rowId xmlns:a16="http://schemas.microsoft.com/office/drawing/2014/main" val="2804741469"/>
+                    <a16:rowId xmlns:a16="http://schemas.microsoft.com/office/drawing/2014/main" xmlns="" val="2804741469"/>
                   </a:ext>
                 </a:extLst>
               </a:tr>
@@ -9726,11 +9726,7 @@
             </a:r>
             <a:r>
               <a:rPr lang="en-US" dirty="0"/>
-              <a:t>= </a:t>
-            </a:r>
-            <a:r>
-              <a:rPr lang="en-US" dirty="0"/>
-              <a:t>""</a:t>
+              <a:t>= ""</a:t>
             </a:r>
           </a:p>
           <a:p>
@@ -10087,21 +10083,21 @@
                 <a:gridCol w="2667000">
                   <a:extLst>
                     <a:ext uri="{9D8B030D-6E8A-4147-A177-3AD203B41FA5}">
-                      <a16:colId xmlns:a16="http://schemas.microsoft.com/office/drawing/2014/main" val="20000"/>
+                      <a16:colId xmlns:a16="http://schemas.microsoft.com/office/drawing/2014/main" xmlns="" val="20000"/>
                     </a:ext>
                   </a:extLst>
                 </a:gridCol>
                 <a:gridCol w="4030024">
                   <a:extLst>
                     <a:ext uri="{9D8B030D-6E8A-4147-A177-3AD203B41FA5}">
-                      <a16:colId xmlns:a16="http://schemas.microsoft.com/office/drawing/2014/main" val="20001"/>
+                      <a16:colId xmlns:a16="http://schemas.microsoft.com/office/drawing/2014/main" xmlns="" val="20001"/>
                     </a:ext>
                   </a:extLst>
                 </a:gridCol>
                 <a:gridCol w="3348512">
                   <a:extLst>
                     <a:ext uri="{9D8B030D-6E8A-4147-A177-3AD203B41FA5}">
-                      <a16:colId xmlns:a16="http://schemas.microsoft.com/office/drawing/2014/main" val="20002"/>
+                      <a16:colId xmlns:a16="http://schemas.microsoft.com/office/drawing/2014/main" xmlns="" val="20002"/>
                     </a:ext>
                   </a:extLst>
                 </a:gridCol>
@@ -10155,7 +10151,7 @@
                 </a:tc>
                 <a:extLst>
                   <a:ext uri="{0D108BD9-81ED-4DB2-BD59-A6C34878D82A}">
-                    <a16:rowId xmlns:a16="http://schemas.microsoft.com/office/drawing/2014/main" val="10000"/>
+                    <a16:rowId xmlns:a16="http://schemas.microsoft.com/office/drawing/2014/main" xmlns="" val="10000"/>
                   </a:ext>
                 </a:extLst>
               </a:tr>
@@ -10339,7 +10335,7 @@
                 </a:tc>
                 <a:extLst>
                   <a:ext uri="{0D108BD9-81ED-4DB2-BD59-A6C34878D82A}">
-                    <a16:rowId xmlns:a16="http://schemas.microsoft.com/office/drawing/2014/main" val="10001"/>
+                    <a16:rowId xmlns:a16="http://schemas.microsoft.com/office/drawing/2014/main" xmlns="" val="10001"/>
                   </a:ext>
                 </a:extLst>
               </a:tr>
@@ -10511,7 +10507,7 @@
                 </a:tc>
                 <a:extLst>
                   <a:ext uri="{0D108BD9-81ED-4DB2-BD59-A6C34878D82A}">
-                    <a16:rowId xmlns:a16="http://schemas.microsoft.com/office/drawing/2014/main" val="10002"/>
+                    <a16:rowId xmlns:a16="http://schemas.microsoft.com/office/drawing/2014/main" xmlns="" val="10002"/>
                   </a:ext>
                 </a:extLst>
               </a:tr>
@@ -10671,7 +10667,7 @@
                 </a:tc>
                 <a:extLst>
                   <a:ext uri="{0D108BD9-81ED-4DB2-BD59-A6C34878D82A}">
-                    <a16:rowId xmlns:a16="http://schemas.microsoft.com/office/drawing/2014/main" val="1860780884"/>
+                    <a16:rowId xmlns:a16="http://schemas.microsoft.com/office/drawing/2014/main" xmlns="" val="1860780884"/>
                   </a:ext>
                 </a:extLst>
               </a:tr>
@@ -10853,7 +10849,7 @@
                 </a:tc>
                 <a:extLst>
                   <a:ext uri="{0D108BD9-81ED-4DB2-BD59-A6C34878D82A}">
-                    <a16:rowId xmlns:a16="http://schemas.microsoft.com/office/drawing/2014/main" val="2323740672"/>
+                    <a16:rowId xmlns:a16="http://schemas.microsoft.com/office/drawing/2014/main" xmlns="" val="2323740672"/>
                   </a:ext>
                 </a:extLst>
               </a:tr>
@@ -11001,7 +10997,7 @@
                 </a:tc>
                 <a:extLst>
                   <a:ext uri="{0D108BD9-81ED-4DB2-BD59-A6C34878D82A}">
-                    <a16:rowId xmlns:a16="http://schemas.microsoft.com/office/drawing/2014/main" val="2215591080"/>
+                    <a16:rowId xmlns:a16="http://schemas.microsoft.com/office/drawing/2014/main" xmlns="" val="2215591080"/>
                   </a:ext>
                 </a:extLst>
               </a:tr>
@@ -11412,21 +11408,21 @@
                 <a:gridCol w="1780800">
                   <a:extLst>
                     <a:ext uri="{9D8B030D-6E8A-4147-A177-3AD203B41FA5}">
-                      <a16:colId xmlns:a16="http://schemas.microsoft.com/office/drawing/2014/main" val="20000"/>
+                      <a16:colId xmlns:a16="http://schemas.microsoft.com/office/drawing/2014/main" xmlns="" val="20000"/>
                     </a:ext>
                   </a:extLst>
                 </a:gridCol>
                 <a:gridCol w="4324350">
                   <a:extLst>
                     <a:ext uri="{9D8B030D-6E8A-4147-A177-3AD203B41FA5}">
-                      <a16:colId xmlns:a16="http://schemas.microsoft.com/office/drawing/2014/main" val="20001"/>
+                      <a16:colId xmlns:a16="http://schemas.microsoft.com/office/drawing/2014/main" xmlns="" val="20001"/>
                     </a:ext>
                   </a:extLst>
                 </a:gridCol>
                 <a:gridCol w="2810250">
                   <a:extLst>
                     <a:ext uri="{9D8B030D-6E8A-4147-A177-3AD203B41FA5}">
-                      <a16:colId xmlns:a16="http://schemas.microsoft.com/office/drawing/2014/main" val="20002"/>
+                      <a16:colId xmlns:a16="http://schemas.microsoft.com/office/drawing/2014/main" xmlns="" val="20002"/>
                     </a:ext>
                   </a:extLst>
                 </a:gridCol>
@@ -11480,7 +11476,7 @@
                 </a:tc>
                 <a:extLst>
                   <a:ext uri="{0D108BD9-81ED-4DB2-BD59-A6C34878D82A}">
-                    <a16:rowId xmlns:a16="http://schemas.microsoft.com/office/drawing/2014/main" val="10000"/>
+                    <a16:rowId xmlns:a16="http://schemas.microsoft.com/office/drawing/2014/main" xmlns="" val="10000"/>
                   </a:ext>
                 </a:extLst>
               </a:tr>
@@ -11553,7 +11549,7 @@
                 </a:tc>
                 <a:extLst>
                   <a:ext uri="{0D108BD9-81ED-4DB2-BD59-A6C34878D82A}">
-                    <a16:rowId xmlns:a16="http://schemas.microsoft.com/office/drawing/2014/main" val="10001"/>
+                    <a16:rowId xmlns:a16="http://schemas.microsoft.com/office/drawing/2014/main" xmlns="" val="10001"/>
                   </a:ext>
                 </a:extLst>
               </a:tr>
@@ -11961,7 +11957,7 @@
                 </a:tc>
                 <a:extLst>
                   <a:ext uri="{0D108BD9-81ED-4DB2-BD59-A6C34878D82A}">
-                    <a16:rowId xmlns:a16="http://schemas.microsoft.com/office/drawing/2014/main" val="2334112346"/>
+                    <a16:rowId xmlns:a16="http://schemas.microsoft.com/office/drawing/2014/main" xmlns="" val="2334112346"/>
                   </a:ext>
                 </a:extLst>
               </a:tr>
@@ -12050,7 +12046,7 @@
                 </a:tc>
                 <a:extLst>
                   <a:ext uri="{0D108BD9-81ED-4DB2-BD59-A6C34878D82A}">
-                    <a16:rowId xmlns:a16="http://schemas.microsoft.com/office/drawing/2014/main" val="745536708"/>
+                    <a16:rowId xmlns:a16="http://schemas.microsoft.com/office/drawing/2014/main" xmlns="" val="745536708"/>
                   </a:ext>
                 </a:extLst>
               </a:tr>
@@ -12289,7 +12285,7 @@
                 </a:tc>
                 <a:extLst>
                   <a:ext uri="{0D108BD9-81ED-4DB2-BD59-A6C34878D82A}">
-                    <a16:rowId xmlns:a16="http://schemas.microsoft.com/office/drawing/2014/main" val="3584613779"/>
+                    <a16:rowId xmlns:a16="http://schemas.microsoft.com/office/drawing/2014/main" xmlns="" val="3584613779"/>
                   </a:ext>
                 </a:extLst>
               </a:tr>
@@ -12487,7 +12483,7 @@
                 </a:tc>
                 <a:extLst>
                   <a:ext uri="{0D108BD9-81ED-4DB2-BD59-A6C34878D82A}">
-                    <a16:rowId xmlns:a16="http://schemas.microsoft.com/office/drawing/2014/main" val="2804741469"/>
+                    <a16:rowId xmlns:a16="http://schemas.microsoft.com/office/drawing/2014/main" xmlns="" val="2804741469"/>
                   </a:ext>
                 </a:extLst>
               </a:tr>
@@ -12606,21 +12602,21 @@
                 <a:gridCol w="3348512">
                   <a:extLst>
                     <a:ext uri="{9D8B030D-6E8A-4147-A177-3AD203B41FA5}">
-                      <a16:colId xmlns:a16="http://schemas.microsoft.com/office/drawing/2014/main" val="20000"/>
+                      <a16:colId xmlns:a16="http://schemas.microsoft.com/office/drawing/2014/main" xmlns="" val="20000"/>
                     </a:ext>
                   </a:extLst>
                 </a:gridCol>
                 <a:gridCol w="3348512">
                   <a:extLst>
                     <a:ext uri="{9D8B030D-6E8A-4147-A177-3AD203B41FA5}">
-                      <a16:colId xmlns:a16="http://schemas.microsoft.com/office/drawing/2014/main" val="20001"/>
+                      <a16:colId xmlns:a16="http://schemas.microsoft.com/office/drawing/2014/main" xmlns="" val="20001"/>
                     </a:ext>
                   </a:extLst>
                 </a:gridCol>
                 <a:gridCol w="3348512">
                   <a:extLst>
                     <a:ext uri="{9D8B030D-6E8A-4147-A177-3AD203B41FA5}">
-                      <a16:colId xmlns:a16="http://schemas.microsoft.com/office/drawing/2014/main" val="20002"/>
+                      <a16:colId xmlns:a16="http://schemas.microsoft.com/office/drawing/2014/main" xmlns="" val="20002"/>
                     </a:ext>
                   </a:extLst>
                 </a:gridCol>
@@ -12674,7 +12670,7 @@
                 </a:tc>
                 <a:extLst>
                   <a:ext uri="{0D108BD9-81ED-4DB2-BD59-A6C34878D82A}">
-                    <a16:rowId xmlns:a16="http://schemas.microsoft.com/office/drawing/2014/main" val="10000"/>
+                    <a16:rowId xmlns:a16="http://schemas.microsoft.com/office/drawing/2014/main" xmlns="" val="10000"/>
                   </a:ext>
                 </a:extLst>
               </a:tr>
@@ -12816,7 +12812,7 @@
                 </a:tc>
                 <a:extLst>
                   <a:ext uri="{0D108BD9-81ED-4DB2-BD59-A6C34878D82A}">
-                    <a16:rowId xmlns:a16="http://schemas.microsoft.com/office/drawing/2014/main" val="10001"/>
+                    <a16:rowId xmlns:a16="http://schemas.microsoft.com/office/drawing/2014/main" xmlns="" val="10001"/>
                   </a:ext>
                 </a:extLst>
               </a:tr>
@@ -12957,7 +12953,7 @@
                 </a:tc>
                 <a:extLst>
                   <a:ext uri="{0D108BD9-81ED-4DB2-BD59-A6C34878D82A}">
-                    <a16:rowId xmlns:a16="http://schemas.microsoft.com/office/drawing/2014/main" val="10002"/>
+                    <a16:rowId xmlns:a16="http://schemas.microsoft.com/office/drawing/2014/main" xmlns="" val="10002"/>
                   </a:ext>
                 </a:extLst>
               </a:tr>
@@ -13188,7 +13184,7 @@
                 </a:tc>
                 <a:extLst>
                   <a:ext uri="{0D108BD9-81ED-4DB2-BD59-A6C34878D82A}">
-                    <a16:rowId xmlns:a16="http://schemas.microsoft.com/office/drawing/2014/main" val="1860780884"/>
+                    <a16:rowId xmlns:a16="http://schemas.microsoft.com/office/drawing/2014/main" xmlns="" val="1860780884"/>
                   </a:ext>
                 </a:extLst>
               </a:tr>
@@ -13280,14 +13276,14 @@
             <p:ph idx="1"/>
             <p:extLst>
               <p:ext uri="{D42A27DB-BD31-4B8C-83A1-F6EECF244321}">
-                <p14:modId xmlns:p14="http://schemas.microsoft.com/office/powerpoint/2010/main" val="343296685"/>
+                <p14:modId xmlns:p14="http://schemas.microsoft.com/office/powerpoint/2010/main" val="1550542303"/>
               </p:ext>
             </p:extLst>
           </p:nvPr>
         </p:nvGraphicFramePr>
         <p:xfrm>
           <a:off x="1543050" y="928342"/>
-          <a:ext cx="10045536" cy="4114800"/>
+          <a:ext cx="10045536" cy="3779520"/>
         </p:xfrm>
         <a:graphic>
           <a:graphicData uri="http://schemas.openxmlformats.org/drawingml/2006/table">
@@ -13299,21 +13295,21 @@
                 <a:gridCol w="2667000">
                   <a:extLst>
                     <a:ext uri="{9D8B030D-6E8A-4147-A177-3AD203B41FA5}">
-                      <a16:colId xmlns:a16="http://schemas.microsoft.com/office/drawing/2014/main" val="20000"/>
+                      <a16:colId xmlns:a16="http://schemas.microsoft.com/office/drawing/2014/main" xmlns="" val="20000"/>
                     </a:ext>
                   </a:extLst>
                 </a:gridCol>
                 <a:gridCol w="4030024">
                   <a:extLst>
                     <a:ext uri="{9D8B030D-6E8A-4147-A177-3AD203B41FA5}">
-                      <a16:colId xmlns:a16="http://schemas.microsoft.com/office/drawing/2014/main" val="20001"/>
+                      <a16:colId xmlns:a16="http://schemas.microsoft.com/office/drawing/2014/main" xmlns="" val="20001"/>
                     </a:ext>
                   </a:extLst>
                 </a:gridCol>
                 <a:gridCol w="3348512">
                   <a:extLst>
                     <a:ext uri="{9D8B030D-6E8A-4147-A177-3AD203B41FA5}">
-                      <a16:colId xmlns:a16="http://schemas.microsoft.com/office/drawing/2014/main" val="20002"/>
+                      <a16:colId xmlns:a16="http://schemas.microsoft.com/office/drawing/2014/main" xmlns="" val="20002"/>
                     </a:ext>
                   </a:extLst>
                 </a:gridCol>
@@ -13367,7 +13363,7 @@
                 </a:tc>
                 <a:extLst>
                   <a:ext uri="{0D108BD9-81ED-4DB2-BD59-A6C34878D82A}">
-                    <a16:rowId xmlns:a16="http://schemas.microsoft.com/office/drawing/2014/main" val="10000"/>
+                    <a16:rowId xmlns:a16="http://schemas.microsoft.com/office/drawing/2014/main" xmlns="" val="10000"/>
                   </a:ext>
                 </a:extLst>
               </a:tr>
@@ -13476,7 +13472,7 @@
                 </a:tc>
                 <a:extLst>
                   <a:ext uri="{0D108BD9-81ED-4DB2-BD59-A6C34878D82A}">
-                    <a16:rowId xmlns:a16="http://schemas.microsoft.com/office/drawing/2014/main" val="10001"/>
+                    <a16:rowId xmlns:a16="http://schemas.microsoft.com/office/drawing/2014/main" xmlns="" val="10001"/>
                   </a:ext>
                 </a:extLst>
               </a:tr>
@@ -13530,87 +13526,64 @@
                     <a:lstStyle/>
                     <a:p>
                       <a:r>
-                        <a:rPr lang="en-US" dirty="0" err="1" smtClean="0"/>
-                        <a:t>var</a:t>
-                      </a:r>
-                      <a:r>
                         <a:rPr lang="en-US" dirty="0" smtClean="0"/>
-                        <a:t> = 100</a:t>
+                        <a:t>For x</a:t>
+                      </a:r>
+                      <a:r>
+                        <a:rPr lang="en-US" baseline="0" dirty="0" smtClean="0"/>
+                        <a:t> in range(20):</a:t>
                       </a:r>
                     </a:p>
                     <a:p>
                       <a:r>
-                        <a:rPr lang="en-US" dirty="0" smtClean="0"/>
-                        <a:t>if ( </a:t>
-                      </a:r>
-                      <a:r>
-                        <a:rPr lang="en-US" dirty="0" err="1" smtClean="0"/>
-                        <a:t>var</a:t>
-                      </a:r>
-                      <a:r>
-                        <a:rPr lang="en-US" dirty="0" smtClean="0"/>
-                        <a:t> == 100 ) : </a:t>
-                      </a:r>
-                    </a:p>
-                    <a:p>
-                      <a:r>
-                        <a:rPr lang="en-US" dirty="0" smtClean="0"/>
-                        <a:t>     print</a:t>
-                      </a:r>
-                      <a:r>
                         <a:rPr lang="en-US" baseline="0" dirty="0" smtClean="0"/>
-                        <a:t> “something”</a:t>
-                      </a:r>
-                    </a:p>
-                    <a:p>
-                      <a:r>
-                        <a:rPr lang="en-US" baseline="0" dirty="0" err="1" smtClean="0"/>
-                        <a:t>Elif</a:t>
-                      </a:r>
-                      <a:r>
-                        <a:rPr lang="en-US" baseline="0" dirty="0" smtClean="0"/>
-                        <a:t> </a:t>
-                      </a:r>
-                      <a:r>
-                        <a:rPr lang="en-US" baseline="0" dirty="0" err="1" smtClean="0"/>
-                        <a:t>var</a:t>
-                      </a:r>
-                      <a:r>
-                        <a:rPr lang="en-US" baseline="0" dirty="0" smtClean="0"/>
-                        <a:t>==150:</a:t>
-                      </a:r>
-                    </a:p>
-                    <a:p>
-                      <a:r>
-                        <a:rPr lang="en-US" baseline="0" dirty="0" smtClean="0"/>
-                        <a:t>     print (“150”)</a:t>
-                      </a:r>
-                    </a:p>
-                    <a:p>
-                      <a:r>
-                        <a:rPr lang="en-US" baseline="0" dirty="0" smtClean="0"/>
-                        <a:t>else:</a:t>
-                      </a:r>
-                    </a:p>
-                    <a:p>
-                      <a:r>
-                        <a:rPr lang="en-US" dirty="0" smtClean="0"/>
-                        <a:t>     print</a:t>
-                      </a:r>
-                      <a:r>
-                        <a:rPr lang="en-US" baseline="0" dirty="0" smtClean="0"/>
-                        <a:t> “nothing”</a:t>
-                      </a:r>
-                      <a:endParaRPr lang="en-US" dirty="0"/>
+                        <a:t>     print x</a:t>
+                      </a:r>
+                      <a:endParaRPr lang="en-US" baseline="0" dirty="0" smtClean="0"/>
                     </a:p>
                   </a:txBody>
                   <a:tcPr anchor="ctr"/>
                 </a:tc>
                 <a:extLst>
                   <a:ext uri="{0D108BD9-81ED-4DB2-BD59-A6C34878D82A}">
-                    <a16:rowId xmlns:a16="http://schemas.microsoft.com/office/drawing/2014/main" val="10002"/>
+                    <a16:rowId xmlns:a16="http://schemas.microsoft.com/office/drawing/2014/main" xmlns="" val="10002"/>
                   </a:ext>
                 </a:extLst>
+              </a:tr>
+              <a:tr h="370840">
+                <a:tc>
+                  <a:txBody>
+                    <a:bodyPr/>
+                    <a:lstStyle/>
+                    <a:p>
+                      <a:endParaRPr lang="en-US" dirty="0"/>
+                    </a:p>
+                  </a:txBody>
+                  <a:tcPr anchor="ctr"/>
+                </a:tc>
+                <a:tc>
+                  <a:txBody>
+                    <a:bodyPr/>
+                    <a:lstStyle/>
+                    <a:p>
+                      <a:pPr fontAlgn="t"/>
+                      <a:endParaRPr lang="en-US" dirty="0">
+                        <a:effectLst/>
+                      </a:endParaRPr>
+                    </a:p>
+                  </a:txBody>
+                  <a:tcPr marL="76200" marR="76200" marT="76200" marB="76200"/>
+                </a:tc>
+                <a:tc>
+                  <a:txBody>
+                    <a:bodyPr/>
+                    <a:lstStyle/>
+                    <a:p>
+                      <a:endParaRPr lang="en-US" baseline="0" dirty="0" smtClean="0"/>
+                    </a:p>
+                  </a:txBody>
+                  <a:tcPr anchor="ctr"/>
+                </a:tc>
               </a:tr>
             </a:tbl>
           </a:graphicData>
@@ -13723,21 +13696,21 @@
                 <a:gridCol w="2667000">
                   <a:extLst>
                     <a:ext uri="{9D8B030D-6E8A-4147-A177-3AD203B41FA5}">
-                      <a16:colId xmlns:a16="http://schemas.microsoft.com/office/drawing/2014/main" val="20000"/>
+                      <a16:colId xmlns:a16="http://schemas.microsoft.com/office/drawing/2014/main" xmlns="" val="20000"/>
                     </a:ext>
                   </a:extLst>
                 </a:gridCol>
                 <a:gridCol w="4030024">
                   <a:extLst>
                     <a:ext uri="{9D8B030D-6E8A-4147-A177-3AD203B41FA5}">
-                      <a16:colId xmlns:a16="http://schemas.microsoft.com/office/drawing/2014/main" val="20001"/>
+                      <a16:colId xmlns:a16="http://schemas.microsoft.com/office/drawing/2014/main" xmlns="" val="20001"/>
                     </a:ext>
                   </a:extLst>
                 </a:gridCol>
                 <a:gridCol w="3348512">
                   <a:extLst>
                     <a:ext uri="{9D8B030D-6E8A-4147-A177-3AD203B41FA5}">
-                      <a16:colId xmlns:a16="http://schemas.microsoft.com/office/drawing/2014/main" val="20002"/>
+                      <a16:colId xmlns:a16="http://schemas.microsoft.com/office/drawing/2014/main" xmlns="" val="20002"/>
                     </a:ext>
                   </a:extLst>
                 </a:gridCol>
@@ -13791,7 +13764,7 @@
                 </a:tc>
                 <a:extLst>
                   <a:ext uri="{0D108BD9-81ED-4DB2-BD59-A6C34878D82A}">
-                    <a16:rowId xmlns:a16="http://schemas.microsoft.com/office/drawing/2014/main" val="10000"/>
+                    <a16:rowId xmlns:a16="http://schemas.microsoft.com/office/drawing/2014/main" xmlns="" val="10000"/>
                   </a:ext>
                 </a:extLst>
               </a:tr>
@@ -13873,7 +13846,7 @@
                 </a:tc>
                 <a:extLst>
                   <a:ext uri="{0D108BD9-81ED-4DB2-BD59-A6C34878D82A}">
-                    <a16:rowId xmlns:a16="http://schemas.microsoft.com/office/drawing/2014/main" val="10001"/>
+                    <a16:rowId xmlns:a16="http://schemas.microsoft.com/office/drawing/2014/main" xmlns="" val="10001"/>
                   </a:ext>
                 </a:extLst>
               </a:tr>
@@ -13957,7 +13930,7 @@
                 </a:tc>
                 <a:extLst>
                   <a:ext uri="{0D108BD9-81ED-4DB2-BD59-A6C34878D82A}">
-                    <a16:rowId xmlns:a16="http://schemas.microsoft.com/office/drawing/2014/main" val="10002"/>
+                    <a16:rowId xmlns:a16="http://schemas.microsoft.com/office/drawing/2014/main" xmlns="" val="10002"/>
                   </a:ext>
                 </a:extLst>
               </a:tr>
@@ -14037,7 +14010,7 @@
                 </a:tc>
                 <a:extLst>
                   <a:ext uri="{0D108BD9-81ED-4DB2-BD59-A6C34878D82A}">
-                    <a16:rowId xmlns:a16="http://schemas.microsoft.com/office/drawing/2014/main" val="1860780884"/>
+                    <a16:rowId xmlns:a16="http://schemas.microsoft.com/office/drawing/2014/main" xmlns="" val="1860780884"/>
                   </a:ext>
                 </a:extLst>
               </a:tr>
@@ -14077,7 +14050,7 @@
                 </a:tc>
                 <a:extLst>
                   <a:ext uri="{0D108BD9-81ED-4DB2-BD59-A6C34878D82A}">
-                    <a16:rowId xmlns:a16="http://schemas.microsoft.com/office/drawing/2014/main" val="2323740672"/>
+                    <a16:rowId xmlns:a16="http://schemas.microsoft.com/office/drawing/2014/main" xmlns="" val="2323740672"/>
                   </a:ext>
                 </a:extLst>
               </a:tr>
@@ -14448,8 +14421,16 @@
               <a:buNone/>
             </a:pPr>
             <a:r>
+              <a:rPr lang="en-US" altLang="zh-CN" dirty="0" err="1"/>
+              <a:t>d</a:t>
+            </a:r>
+            <a:r>
+              <a:rPr lang="en-US" dirty="0" err="1" smtClean="0"/>
+              <a:t>ef</a:t>
+            </a:r>
+            <a:r>
               <a:rPr lang="en-US" dirty="0" smtClean="0"/>
-              <a:t>Def </a:t>
+              <a:t> </a:t>
             </a:r>
             <a:r>
               <a:rPr lang="en-US" dirty="0" err="1" smtClean="0"/>
@@ -14495,8 +14476,12 @@
               <a:buNone/>
             </a:pPr>
             <a:r>
+              <a:rPr lang="en-US" altLang="zh-CN" dirty="0" err="1"/>
+              <a:t>p</a:t>
+            </a:r>
+            <a:r>
               <a:rPr lang="en-US" dirty="0" err="1" smtClean="0"/>
-              <a:t>Printme</a:t>
+              <a:t>rintme</a:t>
             </a:r>
             <a:r>
               <a:rPr lang="en-US" dirty="0" smtClean="0"/>
@@ -14508,8 +14493,12 @@
               <a:buNone/>
             </a:pPr>
             <a:r>
+              <a:rPr lang="en-US" altLang="zh-CN" dirty="0" err="1"/>
+              <a:t>p</a:t>
+            </a:r>
+            <a:r>
               <a:rPr lang="en-US" dirty="0" err="1" smtClean="0"/>
-              <a:t>Printme</a:t>
+              <a:t>rintme</a:t>
             </a:r>
             <a:r>
               <a:rPr lang="en-US" dirty="0" smtClean="0"/>

--- a/document/course2-3.pptx
+++ b/document/course2-3.pptx
@@ -237,7 +237,7 @@
           <a:p>
             <a:fld id="{90C9A26C-E32A-0842-B5B6-EF949C454305}" type="datetimeFigureOut">
               <a:rPr lang="en-US" smtClean="0"/>
-              <a:t>11/19/17</a:t>
+              <a:t>11/3/18</a:t>
             </a:fld>
             <a:endParaRPr lang="en-US"/>
           </a:p>
@@ -301,38 +301,37 @@
           <a:p>
             <a:pPr lvl="0"/>
             <a:r>
-              <a:rPr lang="en-US" smtClean="0"/>
+              <a:rPr lang="en-US"/>
               <a:t>Click to edit Master text styles</a:t>
             </a:r>
           </a:p>
           <a:p>
             <a:pPr lvl="1"/>
             <a:r>
-              <a:rPr lang="en-US" smtClean="0"/>
+              <a:rPr lang="en-US"/>
               <a:t>Second level</a:t>
             </a:r>
           </a:p>
           <a:p>
             <a:pPr lvl="2"/>
             <a:r>
-              <a:rPr lang="en-US" smtClean="0"/>
+              <a:rPr lang="en-US"/>
               <a:t>Third level</a:t>
             </a:r>
           </a:p>
           <a:p>
             <a:pPr lvl="3"/>
             <a:r>
-              <a:rPr lang="en-US" smtClean="0"/>
+              <a:rPr lang="en-US"/>
               <a:t>Fourth level</a:t>
             </a:r>
           </a:p>
           <a:p>
             <a:pPr lvl="4"/>
             <a:r>
-              <a:rPr lang="en-US" smtClean="0"/>
+              <a:rPr lang="en-US"/>
               <a:t>Fifth level</a:t>
             </a:r>
-            <a:endParaRPr lang="en-US"/>
           </a:p>
         </p:txBody>
       </p:sp>
@@ -549,7 +548,7 @@
           </a:lstStyle>
           <a:p>
             <a:r>
-              <a:rPr lang="en-US" smtClean="0"/>
+              <a:rPr lang="en-US"/>
               <a:t>Click to edit Master title style</a:t>
             </a:r>
             <a:endParaRPr lang="en-US" dirty="0"/>
@@ -669,7 +668,7 @@
           </a:lstStyle>
           <a:p>
             <a:r>
-              <a:rPr lang="en-US" smtClean="0"/>
+              <a:rPr lang="en-US"/>
               <a:t>Click to edit Master subtitle style</a:t>
             </a:r>
             <a:endParaRPr lang="en-US" dirty="0"/>
@@ -693,7 +692,7 @@
           <a:p>
             <a:fld id="{48A87A34-81AB-432B-8DAE-1953F412C126}" type="datetimeFigureOut">
               <a:rPr lang="en-US" smtClean="0"/>
-              <a:t>11/19/17</a:t>
+              <a:t>11/3/18</a:t>
             </a:fld>
             <a:endParaRPr lang="en-US" dirty="0"/>
           </a:p>
@@ -880,7 +879,7 @@
           </a:lstStyle>
           <a:p>
             <a:r>
-              <a:rPr lang="en-US" smtClean="0"/>
+              <a:rPr lang="en-US"/>
               <a:t>Click to edit Master title style</a:t>
             </a:r>
             <a:endParaRPr lang="en-US" dirty="0"/>
@@ -1003,7 +1002,7 @@
           <a:p>
             <a:pPr lvl="0"/>
             <a:r>
-              <a:rPr lang="en-US" smtClean="0"/>
+              <a:rPr lang="en-US"/>
               <a:t>Click to edit Master text styles</a:t>
             </a:r>
           </a:p>
@@ -1027,7 +1026,7 @@
             <a:fld id="{48A87A34-81AB-432B-8DAE-1953F412C126}" type="datetimeFigureOut">
               <a:rPr lang="en-US" smtClean="0"/>
               <a:pPr/>
-              <a:t>11/19/17</a:t>
+              <a:t>11/3/18</a:t>
             </a:fld>
             <a:endParaRPr lang="en-US" dirty="0"/>
           </a:p>
@@ -1215,7 +1214,7 @@
           </a:lstStyle>
           <a:p>
             <a:r>
-              <a:rPr lang="en-US" smtClean="0"/>
+              <a:rPr lang="en-US"/>
               <a:t>Click to edit Master title style</a:t>
             </a:r>
             <a:endParaRPr lang="en-US" dirty="0"/>
@@ -1279,7 +1278,7 @@
           <a:p>
             <a:pPr lvl="0"/>
             <a:r>
-              <a:rPr lang="en-US" smtClean="0"/>
+              <a:rPr lang="en-US"/>
               <a:t>Click to edit Master text styles</a:t>
             </a:r>
           </a:p>
@@ -1401,7 +1400,7 @@
           <a:p>
             <a:pPr lvl="0"/>
             <a:r>
-              <a:rPr lang="en-US" smtClean="0"/>
+              <a:rPr lang="en-US"/>
               <a:t>Click to edit Master text styles</a:t>
             </a:r>
           </a:p>
@@ -1425,7 +1424,7 @@
             <a:fld id="{48A87A34-81AB-432B-8DAE-1953F412C126}" type="datetimeFigureOut">
               <a:rPr lang="en-US" smtClean="0"/>
               <a:pPr/>
-              <a:t>11/19/17</a:t>
+              <a:t>11/3/18</a:t>
             </a:fld>
             <a:endParaRPr lang="en-US" dirty="0"/>
           </a:p>
@@ -1689,7 +1688,7 @@
           </a:lstStyle>
           <a:p>
             <a:r>
-              <a:rPr lang="en-US" smtClean="0"/>
+              <a:rPr lang="en-US"/>
               <a:t>Click to edit Master title style</a:t>
             </a:r>
             <a:endParaRPr lang="en-US" dirty="0"/>
@@ -1734,7 +1733,7 @@
               <a:buNone/>
             </a:pPr>
             <a:r>
-              <a:rPr lang="en-US" smtClean="0"/>
+              <a:rPr lang="en-US"/>
               <a:t>Click to edit Master text styles</a:t>
             </a:r>
           </a:p>
@@ -1758,7 +1757,7 @@
             <a:fld id="{48A87A34-81AB-432B-8DAE-1953F412C126}" type="datetimeFigureOut">
               <a:rPr lang="en-US" smtClean="0"/>
               <a:pPr/>
-              <a:t>11/19/17</a:t>
+              <a:t>11/3/18</a:t>
             </a:fld>
             <a:endParaRPr lang="en-US" dirty="0"/>
           </a:p>
@@ -1946,7 +1945,7 @@
           </a:lstStyle>
           <a:p>
             <a:r>
-              <a:rPr lang="en-US" smtClean="0"/>
+              <a:rPr lang="en-US"/>
               <a:t>Click to edit Master title style</a:t>
             </a:r>
             <a:endParaRPr lang="en-US" dirty="0"/>
@@ -2007,7 +2006,7 @@
           <a:p>
             <a:pPr lvl="0"/>
             <a:r>
-              <a:rPr lang="en-US" smtClean="0"/>
+              <a:rPr lang="en-US"/>
               <a:t>Click to edit Master text styles</a:t>
             </a:r>
           </a:p>
@@ -2051,7 +2050,7 @@
               <a:buNone/>
             </a:pPr>
             <a:r>
-              <a:rPr lang="en-US" smtClean="0"/>
+              <a:rPr lang="en-US"/>
               <a:t>Click to edit Master text styles</a:t>
             </a:r>
           </a:p>
@@ -2075,7 +2074,7 @@
             <a:fld id="{48A87A34-81AB-432B-8DAE-1953F412C126}" type="datetimeFigureOut">
               <a:rPr lang="en-US" smtClean="0"/>
               <a:pPr/>
-              <a:t>11/19/17</a:t>
+              <a:t>11/3/18</a:t>
             </a:fld>
             <a:endParaRPr lang="en-US" dirty="0"/>
           </a:p>
@@ -2339,7 +2338,7 @@
           </a:lstStyle>
           <a:p>
             <a:r>
-              <a:rPr lang="en-US" smtClean="0"/>
+              <a:rPr lang="en-US"/>
               <a:t>Click to edit Master title style</a:t>
             </a:r>
             <a:endParaRPr lang="en-US" dirty="0"/>
@@ -2400,7 +2399,7 @@
           <a:p>
             <a:pPr lvl="0"/>
             <a:r>
-              <a:rPr lang="en-US" smtClean="0"/>
+              <a:rPr lang="en-US"/>
               <a:t>Click to edit Master text styles</a:t>
             </a:r>
           </a:p>
@@ -2444,7 +2443,7 @@
               <a:buNone/>
             </a:pPr>
             <a:r>
-              <a:rPr lang="en-US" smtClean="0"/>
+              <a:rPr lang="en-US"/>
               <a:t>Click to edit Master text styles</a:t>
             </a:r>
           </a:p>
@@ -2468,7 +2467,7 @@
             <a:fld id="{48A87A34-81AB-432B-8DAE-1953F412C126}" type="datetimeFigureOut">
               <a:rPr lang="en-US" smtClean="0"/>
               <a:pPr/>
-              <a:t>11/19/17</a:t>
+              <a:t>11/3/18</a:t>
             </a:fld>
             <a:endParaRPr lang="en-US" dirty="0"/>
           </a:p>
@@ -2645,7 +2644,7 @@
           <a:lstStyle/>
           <a:p>
             <a:r>
-              <a:rPr lang="en-US" smtClean="0"/>
+              <a:rPr lang="en-US"/>
               <a:t>Click to edit Master title style</a:t>
             </a:r>
             <a:endParaRPr lang="en-US" dirty="0"/>
@@ -2669,35 +2668,35 @@
           <a:p>
             <a:pPr lvl="0"/>
             <a:r>
-              <a:rPr lang="en-US" smtClean="0"/>
+              <a:rPr lang="en-US"/>
               <a:t>Click to edit Master text styles</a:t>
             </a:r>
           </a:p>
           <a:p>
             <a:pPr lvl="1"/>
             <a:r>
-              <a:rPr lang="en-US" smtClean="0"/>
+              <a:rPr lang="en-US"/>
               <a:t>Second level</a:t>
             </a:r>
           </a:p>
           <a:p>
             <a:pPr lvl="2"/>
             <a:r>
-              <a:rPr lang="en-US" smtClean="0"/>
+              <a:rPr lang="en-US"/>
               <a:t>Third level</a:t>
             </a:r>
           </a:p>
           <a:p>
             <a:pPr lvl="3"/>
             <a:r>
-              <a:rPr lang="en-US" smtClean="0"/>
+              <a:rPr lang="en-US"/>
               <a:t>Fourth level</a:t>
             </a:r>
           </a:p>
           <a:p>
             <a:pPr lvl="4"/>
             <a:r>
-              <a:rPr lang="en-US" smtClean="0"/>
+              <a:rPr lang="en-US"/>
               <a:t>Fifth level</a:t>
             </a:r>
             <a:endParaRPr lang="en-US" dirty="0"/>
@@ -2721,7 +2720,7 @@
           <a:p>
             <a:fld id="{48A87A34-81AB-432B-8DAE-1953F412C126}" type="datetimeFigureOut">
               <a:rPr lang="en-US" smtClean="0"/>
-              <a:t>11/19/17</a:t>
+              <a:t>11/3/18</a:t>
             </a:fld>
             <a:endParaRPr lang="en-US" dirty="0"/>
           </a:p>
@@ -2897,7 +2896,7 @@
           <a:lstStyle/>
           <a:p>
             <a:r>
-              <a:rPr lang="en-US" smtClean="0"/>
+              <a:rPr lang="en-US"/>
               <a:t>Click to edit Master title style</a:t>
             </a:r>
             <a:endParaRPr lang="en-US" dirty="0"/>
@@ -2926,35 +2925,35 @@
           <a:p>
             <a:pPr lvl="0"/>
             <a:r>
-              <a:rPr lang="en-US" smtClean="0"/>
+              <a:rPr lang="en-US"/>
               <a:t>Click to edit Master text styles</a:t>
             </a:r>
           </a:p>
           <a:p>
             <a:pPr lvl="1"/>
             <a:r>
-              <a:rPr lang="en-US" smtClean="0"/>
+              <a:rPr lang="en-US"/>
               <a:t>Second level</a:t>
             </a:r>
           </a:p>
           <a:p>
             <a:pPr lvl="2"/>
             <a:r>
-              <a:rPr lang="en-US" smtClean="0"/>
+              <a:rPr lang="en-US"/>
               <a:t>Third level</a:t>
             </a:r>
           </a:p>
           <a:p>
             <a:pPr lvl="3"/>
             <a:r>
-              <a:rPr lang="en-US" smtClean="0"/>
+              <a:rPr lang="en-US"/>
               <a:t>Fourth level</a:t>
             </a:r>
           </a:p>
           <a:p>
             <a:pPr lvl="4"/>
             <a:r>
-              <a:rPr lang="en-US" smtClean="0"/>
+              <a:rPr lang="en-US"/>
               <a:t>Fifth level</a:t>
             </a:r>
             <a:endParaRPr lang="en-US" dirty="0"/>
@@ -2978,7 +2977,7 @@
           <a:p>
             <a:fld id="{48A87A34-81AB-432B-8DAE-1953F412C126}" type="datetimeFigureOut">
               <a:rPr lang="en-US" smtClean="0"/>
-              <a:t>11/19/17</a:t>
+              <a:t>11/3/18</a:t>
             </a:fld>
             <a:endParaRPr lang="en-US" dirty="0"/>
           </a:p>
@@ -3154,7 +3153,7 @@
           <a:lstStyle/>
           <a:p>
             <a:r>
-              <a:rPr lang="en-US" smtClean="0"/>
+              <a:rPr lang="en-US"/>
               <a:t>Click to edit Master title style</a:t>
             </a:r>
             <a:endParaRPr lang="en-US" dirty="0"/>
@@ -3183,35 +3182,35 @@
           <a:p>
             <a:pPr lvl="0"/>
             <a:r>
-              <a:rPr lang="en-US" smtClean="0"/>
+              <a:rPr lang="en-US"/>
               <a:t>Click to edit Master text styles</a:t>
             </a:r>
           </a:p>
           <a:p>
             <a:pPr lvl="1"/>
             <a:r>
-              <a:rPr lang="en-US" smtClean="0"/>
+              <a:rPr lang="en-US"/>
               <a:t>Second level</a:t>
             </a:r>
           </a:p>
           <a:p>
             <a:pPr lvl="2"/>
             <a:r>
-              <a:rPr lang="en-US" smtClean="0"/>
+              <a:rPr lang="en-US"/>
               <a:t>Third level</a:t>
             </a:r>
           </a:p>
           <a:p>
             <a:pPr lvl="3"/>
             <a:r>
-              <a:rPr lang="en-US" smtClean="0"/>
+              <a:rPr lang="en-US"/>
               <a:t>Fourth level</a:t>
             </a:r>
           </a:p>
           <a:p>
             <a:pPr lvl="4"/>
             <a:r>
-              <a:rPr lang="en-US" smtClean="0"/>
+              <a:rPr lang="en-US"/>
               <a:t>Fifth level</a:t>
             </a:r>
             <a:endParaRPr lang="en-US" dirty="0"/>
@@ -3235,7 +3234,7 @@
           <a:p>
             <a:fld id="{48A87A34-81AB-432B-8DAE-1953F412C126}" type="datetimeFigureOut">
               <a:rPr lang="en-US" smtClean="0"/>
-              <a:t>11/19/17</a:t>
+              <a:t>11/3/18</a:t>
             </a:fld>
             <a:endParaRPr lang="en-US" dirty="0"/>
           </a:p>
@@ -3415,7 +3414,7 @@
           </a:lstStyle>
           <a:p>
             <a:r>
-              <a:rPr lang="en-US" smtClean="0"/>
+              <a:rPr lang="en-US"/>
               <a:t>Click to edit Master title style</a:t>
             </a:r>
             <a:endParaRPr lang="en-US" dirty="0"/>
@@ -3536,7 +3535,7 @@
           <a:p>
             <a:pPr lvl="0"/>
             <a:r>
-              <a:rPr lang="en-US" smtClean="0"/>
+              <a:rPr lang="en-US"/>
               <a:t>Click to edit Master text styles</a:t>
             </a:r>
           </a:p>
@@ -3559,7 +3558,7 @@
           <a:p>
             <a:fld id="{48A87A34-81AB-432B-8DAE-1953F412C126}" type="datetimeFigureOut">
               <a:rPr lang="en-US" smtClean="0"/>
-              <a:t>11/19/17</a:t>
+              <a:t>11/3/18</a:t>
             </a:fld>
             <a:endParaRPr lang="en-US" dirty="0"/>
           </a:p>
@@ -3735,7 +3734,7 @@
           <a:lstStyle/>
           <a:p>
             <a:r>
-              <a:rPr lang="en-US" smtClean="0"/>
+              <a:rPr lang="en-US"/>
               <a:t>Click to edit Master title style</a:t>
             </a:r>
             <a:endParaRPr lang="en-US" dirty="0"/>
@@ -3766,35 +3765,35 @@
           <a:p>
             <a:pPr lvl="0"/>
             <a:r>
-              <a:rPr lang="en-US" smtClean="0"/>
+              <a:rPr lang="en-US"/>
               <a:t>Click to edit Master text styles</a:t>
             </a:r>
           </a:p>
           <a:p>
             <a:pPr lvl="1"/>
             <a:r>
-              <a:rPr lang="en-US" smtClean="0"/>
+              <a:rPr lang="en-US"/>
               <a:t>Second level</a:t>
             </a:r>
           </a:p>
           <a:p>
             <a:pPr lvl="2"/>
             <a:r>
-              <a:rPr lang="en-US" smtClean="0"/>
+              <a:rPr lang="en-US"/>
               <a:t>Third level</a:t>
             </a:r>
           </a:p>
           <a:p>
             <a:pPr lvl="3"/>
             <a:r>
-              <a:rPr lang="en-US" smtClean="0"/>
+              <a:rPr lang="en-US"/>
               <a:t>Fourth level</a:t>
             </a:r>
           </a:p>
           <a:p>
             <a:pPr lvl="4"/>
             <a:r>
-              <a:rPr lang="en-US" smtClean="0"/>
+              <a:rPr lang="en-US"/>
               <a:t>Fifth level</a:t>
             </a:r>
             <a:endParaRPr lang="en-US" dirty="0"/>
@@ -3825,35 +3824,35 @@
           <a:p>
             <a:pPr lvl="0"/>
             <a:r>
-              <a:rPr lang="en-US" smtClean="0"/>
+              <a:rPr lang="en-US"/>
               <a:t>Click to edit Master text styles</a:t>
             </a:r>
           </a:p>
           <a:p>
             <a:pPr lvl="1"/>
             <a:r>
-              <a:rPr lang="en-US" smtClean="0"/>
+              <a:rPr lang="en-US"/>
               <a:t>Second level</a:t>
             </a:r>
           </a:p>
           <a:p>
             <a:pPr lvl="2"/>
             <a:r>
-              <a:rPr lang="en-US" smtClean="0"/>
+              <a:rPr lang="en-US"/>
               <a:t>Third level</a:t>
             </a:r>
           </a:p>
           <a:p>
             <a:pPr lvl="3"/>
             <a:r>
-              <a:rPr lang="en-US" smtClean="0"/>
+              <a:rPr lang="en-US"/>
               <a:t>Fourth level</a:t>
             </a:r>
           </a:p>
           <a:p>
             <a:pPr lvl="4"/>
             <a:r>
-              <a:rPr lang="en-US" smtClean="0"/>
+              <a:rPr lang="en-US"/>
               <a:t>Fifth level</a:t>
             </a:r>
             <a:endParaRPr lang="en-US" dirty="0"/>
@@ -3877,7 +3876,7 @@
           <a:p>
             <a:fld id="{48A87A34-81AB-432B-8DAE-1953F412C126}" type="datetimeFigureOut">
               <a:rPr lang="en-US" smtClean="0"/>
-              <a:t>11/19/17</a:t>
+              <a:t>11/3/18</a:t>
             </a:fld>
             <a:endParaRPr lang="en-US" dirty="0"/>
           </a:p>
@@ -4053,7 +4052,7 @@
           <a:lstStyle/>
           <a:p>
             <a:r>
-              <a:rPr lang="en-US" smtClean="0"/>
+              <a:rPr lang="en-US"/>
               <a:t>Click to edit Master title style</a:t>
             </a:r>
             <a:endParaRPr lang="en-US" dirty="0"/>
@@ -4121,7 +4120,7 @@
           <a:p>
             <a:pPr lvl="0"/>
             <a:r>
-              <a:rPr lang="en-US" smtClean="0"/>
+              <a:rPr lang="en-US"/>
               <a:t>Click to edit Master text styles</a:t>
             </a:r>
           </a:p>
@@ -4151,35 +4150,35 @@
           <a:p>
             <a:pPr lvl="0"/>
             <a:r>
-              <a:rPr lang="en-US" smtClean="0"/>
+              <a:rPr lang="en-US"/>
               <a:t>Click to edit Master text styles</a:t>
             </a:r>
           </a:p>
           <a:p>
             <a:pPr lvl="1"/>
             <a:r>
-              <a:rPr lang="en-US" smtClean="0"/>
+              <a:rPr lang="en-US"/>
               <a:t>Second level</a:t>
             </a:r>
           </a:p>
           <a:p>
             <a:pPr lvl="2"/>
             <a:r>
-              <a:rPr lang="en-US" smtClean="0"/>
+              <a:rPr lang="en-US"/>
               <a:t>Third level</a:t>
             </a:r>
           </a:p>
           <a:p>
             <a:pPr lvl="3"/>
             <a:r>
-              <a:rPr lang="en-US" smtClean="0"/>
+              <a:rPr lang="en-US"/>
               <a:t>Fourth level</a:t>
             </a:r>
           </a:p>
           <a:p>
             <a:pPr lvl="4"/>
             <a:r>
-              <a:rPr lang="en-US" smtClean="0"/>
+              <a:rPr lang="en-US"/>
               <a:t>Fifth level</a:t>
             </a:r>
             <a:endParaRPr lang="en-US" dirty="0"/>
@@ -4247,7 +4246,7 @@
           <a:p>
             <a:pPr lvl="0"/>
             <a:r>
-              <a:rPr lang="en-US" smtClean="0"/>
+              <a:rPr lang="en-US"/>
               <a:t>Click to edit Master text styles</a:t>
             </a:r>
           </a:p>
@@ -4277,35 +4276,35 @@
           <a:p>
             <a:pPr lvl="0"/>
             <a:r>
-              <a:rPr lang="en-US" smtClean="0"/>
+              <a:rPr lang="en-US"/>
               <a:t>Click to edit Master text styles</a:t>
             </a:r>
           </a:p>
           <a:p>
             <a:pPr lvl="1"/>
             <a:r>
-              <a:rPr lang="en-US" smtClean="0"/>
+              <a:rPr lang="en-US"/>
               <a:t>Second level</a:t>
             </a:r>
           </a:p>
           <a:p>
             <a:pPr lvl="2"/>
             <a:r>
-              <a:rPr lang="en-US" smtClean="0"/>
+              <a:rPr lang="en-US"/>
               <a:t>Third level</a:t>
             </a:r>
           </a:p>
           <a:p>
             <a:pPr lvl="3"/>
             <a:r>
-              <a:rPr lang="en-US" smtClean="0"/>
+              <a:rPr lang="en-US"/>
               <a:t>Fourth level</a:t>
             </a:r>
           </a:p>
           <a:p>
             <a:pPr lvl="4"/>
             <a:r>
-              <a:rPr lang="en-US" smtClean="0"/>
+              <a:rPr lang="en-US"/>
               <a:t>Fifth level</a:t>
             </a:r>
             <a:endParaRPr lang="en-US" dirty="0"/>
@@ -4329,7 +4328,7 @@
           <a:p>
             <a:fld id="{48A87A34-81AB-432B-8DAE-1953F412C126}" type="datetimeFigureOut">
               <a:rPr lang="en-US" smtClean="0"/>
-              <a:t>11/19/17</a:t>
+              <a:t>11/3/18</a:t>
             </a:fld>
             <a:endParaRPr lang="en-US" dirty="0"/>
           </a:p>
@@ -4505,7 +4504,7 @@
           <a:lstStyle/>
           <a:p>
             <a:r>
-              <a:rPr lang="en-US" smtClean="0"/>
+              <a:rPr lang="en-US"/>
               <a:t>Click to edit Master title style</a:t>
             </a:r>
             <a:endParaRPr lang="en-US" dirty="0"/>
@@ -4529,7 +4528,7 @@
           <a:p>
             <a:fld id="{48A87A34-81AB-432B-8DAE-1953F412C126}" type="datetimeFigureOut">
               <a:rPr lang="en-US" smtClean="0"/>
-              <a:t>11/19/17</a:t>
+              <a:t>11/3/18</a:t>
             </a:fld>
             <a:endParaRPr lang="en-US" dirty="0"/>
           </a:p>
@@ -4701,7 +4700,7 @@
           <a:p>
             <a:fld id="{48A87A34-81AB-432B-8DAE-1953F412C126}" type="datetimeFigureOut">
               <a:rPr lang="en-US" smtClean="0"/>
-              <a:t>11/19/17</a:t>
+              <a:t>11/3/18</a:t>
             </a:fld>
             <a:endParaRPr lang="en-US" dirty="0"/>
           </a:p>
@@ -4881,7 +4880,7 @@
           </a:lstStyle>
           <a:p>
             <a:r>
-              <a:rPr lang="en-US" smtClean="0"/>
+              <a:rPr lang="en-US"/>
               <a:t>Click to edit Master title style</a:t>
             </a:r>
             <a:endParaRPr lang="en-US" dirty="0"/>
@@ -4912,35 +4911,35 @@
           <a:p>
             <a:pPr lvl="0"/>
             <a:r>
-              <a:rPr lang="en-US" smtClean="0"/>
+              <a:rPr lang="en-US"/>
               <a:t>Click to edit Master text styles</a:t>
             </a:r>
           </a:p>
           <a:p>
             <a:pPr lvl="1"/>
             <a:r>
-              <a:rPr lang="en-US" smtClean="0"/>
+              <a:rPr lang="en-US"/>
               <a:t>Second level</a:t>
             </a:r>
           </a:p>
           <a:p>
             <a:pPr lvl="2"/>
             <a:r>
-              <a:rPr lang="en-US" smtClean="0"/>
+              <a:rPr lang="en-US"/>
               <a:t>Third level</a:t>
             </a:r>
           </a:p>
           <a:p>
             <a:pPr lvl="3"/>
             <a:r>
-              <a:rPr lang="en-US" smtClean="0"/>
+              <a:rPr lang="en-US"/>
               <a:t>Fourth level</a:t>
             </a:r>
           </a:p>
           <a:p>
             <a:pPr lvl="4"/>
             <a:r>
-              <a:rPr lang="en-US" smtClean="0"/>
+              <a:rPr lang="en-US"/>
               <a:t>Fifth level</a:t>
             </a:r>
             <a:endParaRPr lang="en-US" dirty="0"/>
@@ -5006,7 +5005,7 @@
           <a:p>
             <a:pPr lvl="0"/>
             <a:r>
-              <a:rPr lang="en-US" smtClean="0"/>
+              <a:rPr lang="en-US"/>
               <a:t>Click to edit Master text styles</a:t>
             </a:r>
           </a:p>
@@ -5029,7 +5028,7 @@
           <a:p>
             <a:fld id="{48A87A34-81AB-432B-8DAE-1953F412C126}" type="datetimeFigureOut">
               <a:rPr lang="en-US" smtClean="0"/>
-              <a:t>11/19/17</a:t>
+              <a:t>11/3/18</a:t>
             </a:fld>
             <a:endParaRPr lang="en-US" dirty="0"/>
           </a:p>
@@ -5211,7 +5210,7 @@
           </a:lstStyle>
           <a:p>
             <a:r>
-              <a:rPr lang="en-US" smtClean="0"/>
+              <a:rPr lang="en-US"/>
               <a:t>Click to edit Master title style</a:t>
             </a:r>
             <a:endParaRPr lang="en-US" dirty="0"/>
@@ -5278,7 +5277,7 @@
           </a:lstStyle>
           <a:p>
             <a:r>
-              <a:rPr lang="en-US" smtClean="0"/>
+              <a:rPr lang="en-US"/>
               <a:t>Drag picture to placeholder or click icon to add</a:t>
             </a:r>
             <a:endParaRPr lang="en-US" dirty="0"/>
@@ -5346,7 +5345,7 @@
           <a:p>
             <a:pPr lvl="0"/>
             <a:r>
-              <a:rPr lang="en-US" smtClean="0"/>
+              <a:rPr lang="en-US"/>
               <a:t>Click to edit Master text styles</a:t>
             </a:r>
           </a:p>
@@ -5369,7 +5368,7 @@
           <a:p>
             <a:fld id="{48A87A34-81AB-432B-8DAE-1953F412C126}" type="datetimeFigureOut">
               <a:rPr lang="en-US" smtClean="0"/>
-              <a:t>11/19/17</a:t>
+              <a:t>11/3/18</a:t>
             </a:fld>
             <a:endParaRPr lang="en-US" dirty="0"/>
           </a:p>
@@ -7377,7 +7376,7 @@
           <a:lstStyle/>
           <a:p>
             <a:r>
-              <a:rPr lang="en-US" smtClean="0"/>
+              <a:rPr lang="en-US"/>
               <a:t>Click to edit Master title style</a:t>
             </a:r>
             <a:endParaRPr lang="en-US" dirty="0"/>
@@ -7411,35 +7410,35 @@
           <a:p>
             <a:pPr lvl="0"/>
             <a:r>
-              <a:rPr lang="en-US" smtClean="0"/>
+              <a:rPr lang="en-US"/>
               <a:t>Click to edit Master text styles</a:t>
             </a:r>
           </a:p>
           <a:p>
             <a:pPr lvl="1"/>
             <a:r>
-              <a:rPr lang="en-US" smtClean="0"/>
+              <a:rPr lang="en-US"/>
               <a:t>Second level</a:t>
             </a:r>
           </a:p>
           <a:p>
             <a:pPr lvl="2"/>
             <a:r>
-              <a:rPr lang="en-US" smtClean="0"/>
+              <a:rPr lang="en-US"/>
               <a:t>Third level</a:t>
             </a:r>
           </a:p>
           <a:p>
             <a:pPr lvl="3"/>
             <a:r>
-              <a:rPr lang="en-US" smtClean="0"/>
+              <a:rPr lang="en-US"/>
               <a:t>Fourth level</a:t>
             </a:r>
           </a:p>
           <a:p>
             <a:pPr lvl="4"/>
             <a:r>
-              <a:rPr lang="en-US" smtClean="0"/>
+              <a:rPr lang="en-US"/>
               <a:t>Fifth level</a:t>
             </a:r>
             <a:endParaRPr lang="en-US" dirty="0"/>
@@ -7482,7 +7481,7 @@
             <a:fld id="{48A87A34-81AB-432B-8DAE-1953F412C126}" type="datetimeFigureOut">
               <a:rPr lang="en-US" smtClean="0"/>
               <a:pPr/>
-              <a:t>11/19/17</a:t>
+              <a:t>11/3/18</a:t>
             </a:fld>
             <a:endParaRPr lang="en-US" dirty="0"/>
           </a:p>
@@ -8027,17 +8026,9 @@
               <a:rPr lang="fr-FR" b="1" dirty="0"/>
               <a:t>Variable Types</a:t>
             </a:r>
-            <a:r>
-              <a:rPr lang="fr-FR" dirty="0"/>
-              <a:t/>
-            </a:r>
             <a:br>
               <a:rPr lang="fr-FR" dirty="0"/>
             </a:br>
-            <a:r>
-              <a:rPr lang="en-US" b="1" dirty="0"/>
-              <a:t/>
-            </a:r>
             <a:br>
               <a:rPr lang="en-US" b="1" dirty="0"/>
             </a:br>
@@ -8074,21 +8065,21 @@
                 <a:gridCol w="1780800">
                   <a:extLst>
                     <a:ext uri="{9D8B030D-6E8A-4147-A177-3AD203B41FA5}">
-                      <a16:colId xmlns:a16="http://schemas.microsoft.com/office/drawing/2014/main" xmlns="" val="20000"/>
+                      <a16:colId xmlns:a16="http://schemas.microsoft.com/office/drawing/2014/main" val="20000"/>
                     </a:ext>
                   </a:extLst>
                 </a:gridCol>
                 <a:gridCol w="4324350">
                   <a:extLst>
                     <a:ext uri="{9D8B030D-6E8A-4147-A177-3AD203B41FA5}">
-                      <a16:colId xmlns:a16="http://schemas.microsoft.com/office/drawing/2014/main" xmlns="" val="20001"/>
+                      <a16:colId xmlns:a16="http://schemas.microsoft.com/office/drawing/2014/main" val="20001"/>
                     </a:ext>
                   </a:extLst>
                 </a:gridCol>
                 <a:gridCol w="2810250">
                   <a:extLst>
                     <a:ext uri="{9D8B030D-6E8A-4147-A177-3AD203B41FA5}">
-                      <a16:colId xmlns:a16="http://schemas.microsoft.com/office/drawing/2014/main" xmlns="" val="20002"/>
+                      <a16:colId xmlns:a16="http://schemas.microsoft.com/office/drawing/2014/main" val="20002"/>
                     </a:ext>
                   </a:extLst>
                 </a:gridCol>
@@ -8100,14 +8091,11 @@
                     <a:lstStyle/>
                     <a:p>
                       <a:r>
-                        <a:rPr lang="en-US" dirty="0" smtClean="0">
+                        <a:rPr lang="en-US" dirty="0">
                           <a:effectLst/>
                         </a:rPr>
                         <a:t>Type</a:t>
                       </a:r>
-                      <a:endParaRPr lang="en-US" dirty="0">
-                        <a:effectLst/>
-                      </a:endParaRPr>
                     </a:p>
                   </a:txBody>
                   <a:tcPr anchor="ctr"/>
@@ -8142,7 +8130,7 @@
                 </a:tc>
                 <a:extLst>
                   <a:ext uri="{0D108BD9-81ED-4DB2-BD59-A6C34878D82A}">
-                    <a16:rowId xmlns:a16="http://schemas.microsoft.com/office/drawing/2014/main" xmlns="" val="10000"/>
+                    <a16:rowId xmlns:a16="http://schemas.microsoft.com/office/drawing/2014/main" val="10000"/>
                   </a:ext>
                 </a:extLst>
               </a:tr>
@@ -8153,8 +8141,29 @@
                     <a:lstStyle/>
                     <a:p>
                       <a:r>
-                        <a:rPr lang="en-US" dirty="0" smtClean="0"/>
+                        <a:rPr lang="en-US" dirty="0"/>
                         <a:t>Numbers</a:t>
+                      </a:r>
+                    </a:p>
+                  </a:txBody>
+                  <a:tcPr anchor="ctr"/>
+                </a:tc>
+                <a:tc>
+                  <a:txBody>
+                    <a:bodyPr/>
+                    <a:lstStyle/>
+                    <a:p>
+                      <a:r>
+                        <a:rPr lang="en-US" dirty="0" err="1"/>
+                        <a:t>int</a:t>
+                      </a:r>
+                      <a:r>
+                        <a:rPr lang="en-US" dirty="0"/>
+                        <a:t>,</a:t>
+                      </a:r>
+                      <a:r>
+                        <a:rPr lang="en-US" baseline="0" dirty="0"/>
+                        <a:t> long, float, complex</a:t>
                       </a:r>
                       <a:endParaRPr lang="en-US" dirty="0"/>
                     </a:p>
@@ -8167,16 +8176,129 @@
                     <a:lstStyle/>
                     <a:p>
                       <a:r>
-                        <a:rPr lang="en-US" dirty="0" err="1" smtClean="0"/>
-                        <a:t>int</a:t>
-                      </a:r>
-                      <a:r>
-                        <a:rPr lang="en-US" dirty="0" smtClean="0"/>
-                        <a:t>,</a:t>
-                      </a:r>
-                      <a:r>
-                        <a:rPr lang="en-US" baseline="0" dirty="0" smtClean="0"/>
-                        <a:t> long, float, complex</a:t>
+                        <a:rPr lang="en-US" dirty="0">
+                          <a:effectLst/>
+                        </a:rPr>
+                        <a:t>counter </a:t>
+                      </a:r>
+                      <a:r>
+                        <a:rPr lang="en-US" sz="1800" kern="1200" dirty="0">
+                          <a:solidFill>
+                            <a:schemeClr val="dk1"/>
+                          </a:solidFill>
+                          <a:effectLst/>
+                          <a:latin typeface="+mn-lt"/>
+                          <a:ea typeface="+mn-ea"/>
+                          <a:cs typeface="+mn-cs"/>
+                        </a:rPr>
+                        <a:t>=</a:t>
+                      </a:r>
+                      <a:r>
+                        <a:rPr lang="en-US" dirty="0">
+                          <a:effectLst/>
+                        </a:rPr>
+                        <a:t> </a:t>
+                      </a:r>
+                      <a:r>
+                        <a:rPr lang="en-US" sz="1800" kern="1200" dirty="0">
+                          <a:solidFill>
+                            <a:schemeClr val="dk1"/>
+                          </a:solidFill>
+                          <a:effectLst/>
+                          <a:latin typeface="+mn-lt"/>
+                          <a:ea typeface="+mn-ea"/>
+                          <a:cs typeface="+mn-cs"/>
+                        </a:rPr>
+                        <a:t>100</a:t>
+                      </a:r>
+                      <a:r>
+                        <a:rPr lang="en-US" dirty="0">
+                          <a:effectLst/>
+                        </a:rPr>
+                        <a:t> </a:t>
+                      </a:r>
+                      <a:endParaRPr lang="en-US" sz="1800" kern="1200" dirty="0">
+                        <a:solidFill>
+                          <a:schemeClr val="dk1"/>
+                        </a:solidFill>
+                        <a:effectLst/>
+                        <a:latin typeface="+mn-lt"/>
+                        <a:ea typeface="+mn-ea"/>
+                        <a:cs typeface="+mn-cs"/>
+                      </a:endParaRPr>
+                    </a:p>
+                    <a:p>
+                      <a:r>
+                        <a:rPr lang="en-US" sz="1800" kern="1200" dirty="0">
+                          <a:solidFill>
+                            <a:schemeClr val="dk1"/>
+                          </a:solidFill>
+                          <a:effectLst/>
+                          <a:latin typeface="+mn-lt"/>
+                          <a:ea typeface="+mn-ea"/>
+                          <a:cs typeface="+mn-cs"/>
+                        </a:rPr>
+                        <a:t>miles=</a:t>
+                      </a:r>
+                      <a:r>
+                        <a:rPr lang="en-US" dirty="0">
+                          <a:effectLst/>
+                        </a:rPr>
+                        <a:t> </a:t>
+                      </a:r>
+                      <a:r>
+                        <a:rPr lang="en-US" sz="1800" kern="1200" dirty="0">
+                          <a:solidFill>
+                            <a:schemeClr val="dk1"/>
+                          </a:solidFill>
+                          <a:effectLst/>
+                          <a:latin typeface="+mn-lt"/>
+                          <a:ea typeface="+mn-ea"/>
+                          <a:cs typeface="+mn-cs"/>
+                        </a:rPr>
+                        <a:t>1000.0</a:t>
+                      </a:r>
+                      <a:endParaRPr lang="en-US" dirty="0"/>
+                    </a:p>
+                  </a:txBody>
+                  <a:tcPr anchor="ctr"/>
+                </a:tc>
+                <a:extLst>
+                  <a:ext uri="{0D108BD9-81ED-4DB2-BD59-A6C34878D82A}">
+                    <a16:rowId xmlns:a16="http://schemas.microsoft.com/office/drawing/2014/main" val="10001"/>
+                  </a:ext>
+                </a:extLst>
+              </a:tr>
+              <a:tr h="370840">
+                <a:tc>
+                  <a:txBody>
+                    <a:bodyPr/>
+                    <a:lstStyle/>
+                    <a:p>
+                      <a:r>
+                        <a:rPr lang="en-US" dirty="0"/>
+                        <a:t>String</a:t>
+                      </a:r>
+                    </a:p>
+                  </a:txBody>
+                  <a:tcPr anchor="ctr"/>
+                </a:tc>
+                <a:tc>
+                  <a:txBody>
+                    <a:bodyPr/>
+                    <a:lstStyle/>
+                    <a:p>
+                      <a:r>
+                        <a:rPr lang="en-US" sz="1800" b="0" i="0" kern="1200" dirty="0">
+                          <a:solidFill>
+                            <a:schemeClr val="dk1"/>
+                          </a:solidFill>
+                          <a:effectLst/>
+                          <a:latin typeface="+mn-lt"/>
+                          <a:ea typeface="+mn-ea"/>
+                          <a:cs typeface="+mn-cs"/>
+                        </a:rPr>
+                        <a:t>Strings in Python are identified as a contiguous set of characters represented in the quotation marks. </a:t>
                       </a:r>
                       <a:endParaRPr lang="en-US" dirty="0"/>
                     </a:p>
@@ -8189,87 +8311,16 @@
                     <a:lstStyle/>
                     <a:p>
                       <a:r>
-                        <a:rPr lang="en-US" dirty="0" smtClean="0">
-                          <a:effectLst/>
-                        </a:rPr>
-                        <a:t>counter </a:t>
-                      </a:r>
-                      <a:r>
-                        <a:rPr lang="en-US" sz="1800" kern="1200" dirty="0" smtClean="0">
-                          <a:solidFill>
-                            <a:schemeClr val="dk1"/>
-                          </a:solidFill>
-                          <a:effectLst/>
-                          <a:latin typeface="+mn-lt"/>
-                          <a:ea typeface="+mn-ea"/>
-                          <a:cs typeface="+mn-cs"/>
-                        </a:rPr>
-                        <a:t>=</a:t>
-                      </a:r>
-                      <a:r>
-                        <a:rPr lang="en-US" dirty="0" smtClean="0">
-                          <a:effectLst/>
-                        </a:rPr>
-                        <a:t> </a:t>
-                      </a:r>
-                      <a:r>
-                        <a:rPr lang="en-US" sz="1800" kern="1200" dirty="0" smtClean="0">
-                          <a:solidFill>
-                            <a:schemeClr val="dk1"/>
-                          </a:solidFill>
-                          <a:effectLst/>
-                          <a:latin typeface="+mn-lt"/>
-                          <a:ea typeface="+mn-ea"/>
-                          <a:cs typeface="+mn-cs"/>
-                        </a:rPr>
-                        <a:t>100</a:t>
-                      </a:r>
-                      <a:r>
-                        <a:rPr lang="en-US" dirty="0" smtClean="0">
-                          <a:effectLst/>
-                        </a:rPr>
-                        <a:t> </a:t>
-                      </a:r>
-                      <a:endParaRPr lang="en-US" sz="1800" kern="1200" dirty="0" smtClean="0">
-                        <a:solidFill>
-                          <a:schemeClr val="dk1"/>
-                        </a:solidFill>
-                        <a:effectLst/>
-                        <a:latin typeface="+mn-lt"/>
-                        <a:ea typeface="+mn-ea"/>
-                        <a:cs typeface="+mn-cs"/>
-                      </a:endParaRPr>
-                    </a:p>
-                    <a:p>
-                      <a:r>
-                        <a:rPr lang="en-US" sz="1800" kern="1200" dirty="0" smtClean="0">
-                          <a:solidFill>
-                            <a:schemeClr val="dk1"/>
-                          </a:solidFill>
-                          <a:effectLst/>
-                          <a:latin typeface="+mn-lt"/>
-                          <a:ea typeface="+mn-ea"/>
-                          <a:cs typeface="+mn-cs"/>
-                        </a:rPr>
-                        <a:t>miles=</a:t>
-                      </a:r>
-                      <a:r>
-                        <a:rPr lang="en-US" dirty="0" smtClean="0">
-                          <a:effectLst/>
-                        </a:rPr>
-                        <a:t> </a:t>
-                      </a:r>
-                      <a:r>
-                        <a:rPr lang="en-US" sz="1800" kern="1200" dirty="0" smtClean="0">
-                          <a:solidFill>
-                            <a:schemeClr val="dk1"/>
-                          </a:solidFill>
-                          <a:effectLst/>
-                          <a:latin typeface="+mn-lt"/>
-                          <a:ea typeface="+mn-ea"/>
-                          <a:cs typeface="+mn-cs"/>
-                        </a:rPr>
-                        <a:t>1000.0</a:t>
+                        <a:rPr lang="en-US" dirty="0" err="1"/>
+                        <a:t>str</a:t>
+                      </a:r>
+                      <a:r>
+                        <a:rPr lang="en-US" dirty="0"/>
+                        <a:t> = “Hello</a:t>
+                      </a:r>
+                      <a:r>
+                        <a:rPr lang="en-US" baseline="0" dirty="0"/>
+                        <a:t> world” </a:t>
                       </a:r>
                       <a:endParaRPr lang="en-US" dirty="0"/>
                     </a:p>
@@ -8278,7 +8329,7 @@
                 </a:tc>
                 <a:extLst>
                   <a:ext uri="{0D108BD9-81ED-4DB2-BD59-A6C34878D82A}">
-                    <a16:rowId xmlns:a16="http://schemas.microsoft.com/office/drawing/2014/main" xmlns="" val="10001"/>
+                    <a16:rowId xmlns:a16="http://schemas.microsoft.com/office/drawing/2014/main" val="2334112346"/>
                   </a:ext>
                 </a:extLst>
               </a:tr>
@@ -8289,8 +8340,53 @@
                     <a:lstStyle/>
                     <a:p>
                       <a:r>
-                        <a:rPr lang="en-US" dirty="0" smtClean="0"/>
-                        <a:t>String</a:t>
+                        <a:rPr lang="en-US" dirty="0"/>
+                        <a:t>Tuple</a:t>
+                      </a:r>
+                    </a:p>
+                  </a:txBody>
+                  <a:tcPr anchor="ctr"/>
+                </a:tc>
+                <a:tc>
+                  <a:txBody>
+                    <a:bodyPr/>
+                    <a:lstStyle/>
+                    <a:p>
+                      <a:r>
+                        <a:rPr lang="en-US" sz="1800" b="0" i="0" kern="1200" dirty="0">
+                          <a:solidFill>
+                            <a:schemeClr val="dk1"/>
+                          </a:solidFill>
+                          <a:effectLst/>
+                          <a:latin typeface="+mn-lt"/>
+                          <a:ea typeface="+mn-ea"/>
+                          <a:cs typeface="+mn-cs"/>
+                        </a:rPr>
+                        <a:t> Tuples can be thought of as </a:t>
+                      </a:r>
+                      <a:r>
+                        <a:rPr lang="en-US" sz="1800" b="1" i="0" kern="1200" dirty="0">
+                          <a:solidFill>
+                            <a:schemeClr val="dk1"/>
+                          </a:solidFill>
+                          <a:effectLst/>
+                          <a:latin typeface="+mn-lt"/>
+                          <a:ea typeface="+mn-ea"/>
+                          <a:cs typeface="+mn-cs"/>
+                        </a:rPr>
+                        <a:t>read-only</a:t>
+                      </a:r>
+                      <a:r>
+                        <a:rPr lang="en-US" sz="1800" b="0" i="0" kern="1200" dirty="0">
+                          <a:solidFill>
+                            <a:schemeClr val="dk1"/>
+                          </a:solidFill>
+                          <a:effectLst/>
+                          <a:latin typeface="+mn-lt"/>
+                          <a:ea typeface="+mn-ea"/>
+                          <a:cs typeface="+mn-cs"/>
+                        </a:rPr>
+                        <a:t> lists. tuples are enclosed in parentheses ( ( ) )</a:t>
                       </a:r>
                       <a:endParaRPr lang="en-US" dirty="0"/>
                     </a:p>
@@ -8303,16 +8399,232 @@
                     <a:lstStyle/>
                     <a:p>
                       <a:r>
-                        <a:rPr lang="en-US" sz="1800" b="0" i="0" kern="1200" dirty="0" smtClean="0">
-                          <a:solidFill>
-                            <a:schemeClr val="dk1"/>
-                          </a:solidFill>
-                          <a:effectLst/>
-                          <a:latin typeface="+mn-lt"/>
-                          <a:ea typeface="+mn-ea"/>
-                          <a:cs typeface="+mn-cs"/>
-                        </a:rPr>
-                        <a:t>Strings in Python are identified as a contiguous set of characters represented in the quotation marks. </a:t>
+                        <a:rPr lang="en-US" dirty="0">
+                          <a:effectLst/>
+                        </a:rPr>
+                        <a:t>tuple </a:t>
+                      </a:r>
+                      <a:r>
+                        <a:rPr lang="en-US" sz="1800" kern="1200" dirty="0">
+                          <a:solidFill>
+                            <a:schemeClr val="dk1"/>
+                          </a:solidFill>
+                          <a:effectLst/>
+                          <a:latin typeface="+mn-lt"/>
+                          <a:ea typeface="+mn-ea"/>
+                          <a:cs typeface="+mn-cs"/>
+                        </a:rPr>
+                        <a:t>=</a:t>
+                      </a:r>
+                      <a:r>
+                        <a:rPr lang="en-US" dirty="0">
+                          <a:effectLst/>
+                        </a:rPr>
+                        <a:t> </a:t>
+                      </a:r>
+                      <a:r>
+                        <a:rPr lang="en-US" sz="1800" kern="1200" dirty="0">
+                          <a:solidFill>
+                            <a:schemeClr val="dk1"/>
+                          </a:solidFill>
+                          <a:effectLst/>
+                          <a:latin typeface="+mn-lt"/>
+                          <a:ea typeface="+mn-ea"/>
+                          <a:cs typeface="+mn-cs"/>
+                        </a:rPr>
+                        <a:t>(</a:t>
+                      </a:r>
+                      <a:r>
+                        <a:rPr lang="en-US" dirty="0">
+                          <a:effectLst/>
+                        </a:rPr>
+                        <a:t> </a:t>
+                      </a:r>
+                      <a:r>
+                        <a:rPr lang="en-US" sz="1800" kern="1200" dirty="0">
+                          <a:solidFill>
+                            <a:schemeClr val="dk1"/>
+                          </a:solidFill>
+                          <a:effectLst/>
+                          <a:latin typeface="+mn-lt"/>
+                          <a:ea typeface="+mn-ea"/>
+                          <a:cs typeface="+mn-cs"/>
+                        </a:rPr>
+                        <a:t>'</a:t>
+                      </a:r>
+                      <a:r>
+                        <a:rPr lang="en-US" sz="1800" kern="1200" dirty="0" err="1">
+                          <a:solidFill>
+                            <a:schemeClr val="dk1"/>
+                          </a:solidFill>
+                          <a:effectLst/>
+                          <a:latin typeface="+mn-lt"/>
+                          <a:ea typeface="+mn-ea"/>
+                          <a:cs typeface="+mn-cs"/>
+                        </a:rPr>
+                        <a:t>abcd</a:t>
+                      </a:r>
+                      <a:r>
+                        <a:rPr lang="en-US" sz="1800" kern="1200" dirty="0">
+                          <a:solidFill>
+                            <a:schemeClr val="dk1"/>
+                          </a:solidFill>
+                          <a:effectLst/>
+                          <a:latin typeface="+mn-lt"/>
+                          <a:ea typeface="+mn-ea"/>
+                          <a:cs typeface="+mn-cs"/>
+                        </a:rPr>
+                        <a:t>',</a:t>
+                      </a:r>
+                      <a:r>
+                        <a:rPr lang="en-US" dirty="0">
+                          <a:effectLst/>
+                        </a:rPr>
+                        <a:t> </a:t>
+                      </a:r>
+                      <a:r>
+                        <a:rPr lang="en-US" sz="1800" kern="1200" dirty="0">
+                          <a:solidFill>
+                            <a:schemeClr val="dk1"/>
+                          </a:solidFill>
+                          <a:effectLst/>
+                          <a:latin typeface="+mn-lt"/>
+                          <a:ea typeface="+mn-ea"/>
+                          <a:cs typeface="+mn-cs"/>
+                        </a:rPr>
+                        <a:t>786</a:t>
+                      </a:r>
+                      <a:r>
+                        <a:rPr lang="en-US" dirty="0">
+                          <a:effectLst/>
+                        </a:rPr>
+                        <a:t> </a:t>
+                      </a:r>
+                      <a:r>
+                        <a:rPr lang="en-US" sz="1800" kern="1200" dirty="0">
+                          <a:solidFill>
+                            <a:schemeClr val="dk1"/>
+                          </a:solidFill>
+                          <a:effectLst/>
+                          <a:latin typeface="+mn-lt"/>
+                          <a:ea typeface="+mn-ea"/>
+                          <a:cs typeface="+mn-cs"/>
+                        </a:rPr>
+                        <a:t>,</a:t>
+                      </a:r>
+                      <a:r>
+                        <a:rPr lang="en-US" dirty="0">
+                          <a:effectLst/>
+                        </a:rPr>
+                        <a:t> </a:t>
+                      </a:r>
+                      <a:r>
+                        <a:rPr lang="en-US" sz="1800" kern="1200" dirty="0">
+                          <a:solidFill>
+                            <a:schemeClr val="dk1"/>
+                          </a:solidFill>
+                          <a:effectLst/>
+                          <a:latin typeface="+mn-lt"/>
+                          <a:ea typeface="+mn-ea"/>
+                          <a:cs typeface="+mn-cs"/>
+                        </a:rPr>
+                        <a:t>2.23,</a:t>
+                      </a:r>
+                      <a:r>
+                        <a:rPr lang="en-US" dirty="0">
+                          <a:effectLst/>
+                        </a:rPr>
+                        <a:t> </a:t>
+                      </a:r>
+                      <a:r>
+                        <a:rPr lang="en-US" sz="1800" kern="1200" dirty="0">
+                          <a:solidFill>
+                            <a:schemeClr val="dk1"/>
+                          </a:solidFill>
+                          <a:effectLst/>
+                          <a:latin typeface="+mn-lt"/>
+                          <a:ea typeface="+mn-ea"/>
+                          <a:cs typeface="+mn-cs"/>
+                        </a:rPr>
+                        <a:t>'john',</a:t>
+                      </a:r>
+                      <a:r>
+                        <a:rPr lang="en-US" dirty="0">
+                          <a:effectLst/>
+                        </a:rPr>
+                        <a:t> </a:t>
+                      </a:r>
+                      <a:r>
+                        <a:rPr lang="en-US" sz="1800" kern="1200" dirty="0">
+                          <a:solidFill>
+                            <a:schemeClr val="dk1"/>
+                          </a:solidFill>
+                          <a:effectLst/>
+                          <a:latin typeface="+mn-lt"/>
+                          <a:ea typeface="+mn-ea"/>
+                          <a:cs typeface="+mn-cs"/>
+                        </a:rPr>
+                        <a:t>70.2</a:t>
+                      </a:r>
+                      <a:r>
+                        <a:rPr lang="en-US" dirty="0">
+                          <a:effectLst/>
+                        </a:rPr>
+                        <a:t> </a:t>
+                      </a:r>
+                      <a:r>
+                        <a:rPr lang="en-US" sz="1800" kern="1200" dirty="0">
+                          <a:solidFill>
+                            <a:schemeClr val="dk1"/>
+                          </a:solidFill>
+                          <a:effectLst/>
+                          <a:latin typeface="+mn-lt"/>
+                          <a:ea typeface="+mn-ea"/>
+                          <a:cs typeface="+mn-cs"/>
+                        </a:rPr>
+                        <a:t>)</a:t>
+                      </a:r>
+                      <a:endParaRPr lang="en-US" dirty="0"/>
+                    </a:p>
+                  </a:txBody>
+                  <a:tcPr anchor="ctr"/>
+                </a:tc>
+                <a:extLst>
+                  <a:ext uri="{0D108BD9-81ED-4DB2-BD59-A6C34878D82A}">
+                    <a16:rowId xmlns:a16="http://schemas.microsoft.com/office/drawing/2014/main" val="745536708"/>
+                  </a:ext>
+                </a:extLst>
+              </a:tr>
+              <a:tr h="370840">
+                <a:tc>
+                  <a:txBody>
+                    <a:bodyPr/>
+                    <a:lstStyle/>
+                    <a:p>
+                      <a:r>
+                        <a:rPr lang="en-US" dirty="0"/>
+                        <a:t>List</a:t>
+                      </a:r>
+                    </a:p>
+                  </a:txBody>
+                  <a:tcPr anchor="ctr"/>
+                </a:tc>
+                <a:tc>
+                  <a:txBody>
+                    <a:bodyPr/>
+                    <a:lstStyle/>
+                    <a:p>
+                      <a:r>
+                        <a:rPr lang="en-US" sz="1800" b="0" i="0" kern="1200" dirty="0">
+                          <a:solidFill>
+                            <a:schemeClr val="dk1"/>
+                          </a:solidFill>
+                          <a:effectLst/>
+                          <a:latin typeface="+mn-lt"/>
+                          <a:ea typeface="+mn-ea"/>
+                          <a:cs typeface="+mn-cs"/>
+                        </a:rPr>
+                        <a:t>A list contains items separated by commas and enclosed within square brackets ([]).</a:t>
                       </a:r>
                       <a:endParaRPr lang="en-US" dirty="0"/>
                     </a:p>
@@ -8325,16 +8637,190 @@
                     <a:lstStyle/>
                     <a:p>
                       <a:r>
-                        <a:rPr lang="en-US" dirty="0" err="1" smtClean="0"/>
-                        <a:t>str</a:t>
-                      </a:r>
-                      <a:r>
-                        <a:rPr lang="en-US" dirty="0" smtClean="0"/>
-                        <a:t> = “Hello</a:t>
-                      </a:r>
-                      <a:r>
-                        <a:rPr lang="en-US" baseline="0" dirty="0" smtClean="0"/>
-                        <a:t> world” </a:t>
+                        <a:rPr lang="en-US" dirty="0">
+                          <a:effectLst/>
+                        </a:rPr>
+                        <a:t>list </a:t>
+                      </a:r>
+                      <a:r>
+                        <a:rPr lang="en-US" sz="1800" kern="1200" dirty="0">
+                          <a:solidFill>
+                            <a:schemeClr val="dk1"/>
+                          </a:solidFill>
+                          <a:effectLst/>
+                          <a:latin typeface="+mn-lt"/>
+                          <a:ea typeface="+mn-ea"/>
+                          <a:cs typeface="+mn-cs"/>
+                        </a:rPr>
+                        <a:t>=</a:t>
+                      </a:r>
+                      <a:r>
+                        <a:rPr lang="en-US" dirty="0">
+                          <a:effectLst/>
+                        </a:rPr>
+                        <a:t> </a:t>
+                      </a:r>
+                      <a:r>
+                        <a:rPr lang="en-US" sz="1800" kern="1200" dirty="0">
+                          <a:solidFill>
+                            <a:schemeClr val="dk1"/>
+                          </a:solidFill>
+                          <a:effectLst/>
+                          <a:latin typeface="+mn-lt"/>
+                          <a:ea typeface="+mn-ea"/>
+                          <a:cs typeface="+mn-cs"/>
+                        </a:rPr>
+                        <a:t>[</a:t>
+                      </a:r>
+                      <a:r>
+                        <a:rPr lang="en-US" dirty="0">
+                          <a:effectLst/>
+                        </a:rPr>
+                        <a:t> </a:t>
+                      </a:r>
+                      <a:r>
+                        <a:rPr lang="en-US" sz="1800" kern="1200" dirty="0">
+                          <a:solidFill>
+                            <a:schemeClr val="dk1"/>
+                          </a:solidFill>
+                          <a:effectLst/>
+                          <a:latin typeface="+mn-lt"/>
+                          <a:ea typeface="+mn-ea"/>
+                          <a:cs typeface="+mn-cs"/>
+                        </a:rPr>
+                        <a:t>'</a:t>
+                      </a:r>
+                      <a:r>
+                        <a:rPr lang="en-US" sz="1800" kern="1200" dirty="0" err="1">
+                          <a:solidFill>
+                            <a:schemeClr val="dk1"/>
+                          </a:solidFill>
+                          <a:effectLst/>
+                          <a:latin typeface="+mn-lt"/>
+                          <a:ea typeface="+mn-ea"/>
+                          <a:cs typeface="+mn-cs"/>
+                        </a:rPr>
+                        <a:t>abcd</a:t>
+                      </a:r>
+                      <a:r>
+                        <a:rPr lang="en-US" sz="1800" kern="1200" dirty="0">
+                          <a:solidFill>
+                            <a:schemeClr val="dk1"/>
+                          </a:solidFill>
+                          <a:effectLst/>
+                          <a:latin typeface="+mn-lt"/>
+                          <a:ea typeface="+mn-ea"/>
+                          <a:cs typeface="+mn-cs"/>
+                        </a:rPr>
+                        <a:t>',</a:t>
+                      </a:r>
+                      <a:r>
+                        <a:rPr lang="en-US" dirty="0">
+                          <a:effectLst/>
+                        </a:rPr>
+                        <a:t> </a:t>
+                      </a:r>
+                      <a:r>
+                        <a:rPr lang="en-US" sz="1800" kern="1200" dirty="0">
+                          <a:solidFill>
+                            <a:schemeClr val="dk1"/>
+                          </a:solidFill>
+                          <a:effectLst/>
+                          <a:latin typeface="+mn-lt"/>
+                          <a:ea typeface="+mn-ea"/>
+                          <a:cs typeface="+mn-cs"/>
+                        </a:rPr>
+                        <a:t>786</a:t>
+                      </a:r>
+                      <a:r>
+                        <a:rPr lang="en-US" dirty="0">
+                          <a:effectLst/>
+                        </a:rPr>
+                        <a:t> </a:t>
+                      </a:r>
+                      <a:r>
+                        <a:rPr lang="en-US" sz="1800" kern="1200" dirty="0">
+                          <a:solidFill>
+                            <a:schemeClr val="dk1"/>
+                          </a:solidFill>
+                          <a:effectLst/>
+                          <a:latin typeface="+mn-lt"/>
+                          <a:ea typeface="+mn-ea"/>
+                          <a:cs typeface="+mn-cs"/>
+                        </a:rPr>
+                        <a:t>,</a:t>
+                      </a:r>
+                      <a:r>
+                        <a:rPr lang="en-US" dirty="0">
+                          <a:effectLst/>
+                        </a:rPr>
+                        <a:t> </a:t>
+                      </a:r>
+                      <a:r>
+                        <a:rPr lang="en-US" sz="1800" kern="1200" dirty="0">
+                          <a:solidFill>
+                            <a:schemeClr val="dk1"/>
+                          </a:solidFill>
+                          <a:effectLst/>
+                          <a:latin typeface="+mn-lt"/>
+                          <a:ea typeface="+mn-ea"/>
+                          <a:cs typeface="+mn-cs"/>
+                        </a:rPr>
+                        <a:t>2.23,</a:t>
+                      </a:r>
+                      <a:r>
+                        <a:rPr lang="en-US" dirty="0">
+                          <a:effectLst/>
+                        </a:rPr>
+                        <a:t> </a:t>
+                      </a:r>
+                      <a:r>
+                        <a:rPr lang="en-US" sz="1800" kern="1200" dirty="0">
+                          <a:solidFill>
+                            <a:schemeClr val="dk1"/>
+                          </a:solidFill>
+                          <a:effectLst/>
+                          <a:latin typeface="+mn-lt"/>
+                          <a:ea typeface="+mn-ea"/>
+                          <a:cs typeface="+mn-cs"/>
+                        </a:rPr>
+                        <a:t>'john',</a:t>
+                      </a:r>
+                      <a:r>
+                        <a:rPr lang="en-US" dirty="0">
+                          <a:effectLst/>
+                        </a:rPr>
+                        <a:t> </a:t>
+                      </a:r>
+                      <a:r>
+                        <a:rPr lang="en-US" sz="1800" kern="1200" dirty="0">
+                          <a:solidFill>
+                            <a:schemeClr val="dk1"/>
+                          </a:solidFill>
+                          <a:effectLst/>
+                          <a:latin typeface="+mn-lt"/>
+                          <a:ea typeface="+mn-ea"/>
+                          <a:cs typeface="+mn-cs"/>
+                        </a:rPr>
+                        <a:t>70.2</a:t>
+                      </a:r>
+                      <a:r>
+                        <a:rPr lang="en-US" dirty="0">
+                          <a:effectLst/>
+                        </a:rPr>
+                        <a:t> </a:t>
+                      </a:r>
+                      <a:r>
+                        <a:rPr lang="en-US" sz="1800" kern="1200" dirty="0">
+                          <a:solidFill>
+                            <a:schemeClr val="dk1"/>
+                          </a:solidFill>
+                          <a:effectLst/>
+                          <a:latin typeface="+mn-lt"/>
+                          <a:ea typeface="+mn-ea"/>
+                          <a:cs typeface="+mn-cs"/>
+                        </a:rPr>
+                        <a:t>]</a:t>
                       </a:r>
                       <a:endParaRPr lang="en-US" dirty="0"/>
                     </a:p>
@@ -8343,7 +8829,7 @@
                 </a:tc>
                 <a:extLst>
                   <a:ext uri="{0D108BD9-81ED-4DB2-BD59-A6C34878D82A}">
-                    <a16:rowId xmlns:a16="http://schemas.microsoft.com/office/drawing/2014/main" xmlns="" val="2334112346"/>
+                    <a16:rowId xmlns:a16="http://schemas.microsoft.com/office/drawing/2014/main" val="3584613779"/>
                   </a:ext>
                 </a:extLst>
               </a:tr>
@@ -8354,8 +8840,29 @@
                     <a:lstStyle/>
                     <a:p>
                       <a:r>
-                        <a:rPr lang="en-US" dirty="0" smtClean="0"/>
-                        <a:t>Tuple</a:t>
+                        <a:rPr lang="en-US" dirty="0"/>
+                        <a:t>Dictionary</a:t>
+                      </a:r>
+                    </a:p>
+                  </a:txBody>
+                  <a:tcPr anchor="ctr"/>
+                </a:tc>
+                <a:tc>
+                  <a:txBody>
+                    <a:bodyPr/>
+                    <a:lstStyle/>
+                    <a:p>
+                      <a:r>
+                        <a:rPr lang="en-US" sz="1800" b="0" i="0" kern="1200" dirty="0">
+                          <a:solidFill>
+                            <a:schemeClr val="dk1"/>
+                          </a:solidFill>
+                          <a:effectLst/>
+                          <a:latin typeface="+mn-lt"/>
+                          <a:ea typeface="+mn-ea"/>
+                          <a:cs typeface="+mn-cs"/>
+                        </a:rPr>
+                        <a:t>Python's dictionaries are kind of hash table type. Dictionaries are enclosed by curly braces ({ }) </a:t>
                       </a:r>
                       <a:endParaRPr lang="en-US" dirty="0"/>
                     </a:p>
@@ -8368,59 +8875,19 @@
                     <a:lstStyle/>
                     <a:p>
                       <a:r>
-                        <a:rPr lang="en-US" sz="1800" b="0" i="0" kern="1200" dirty="0" smtClean="0">
-                          <a:solidFill>
-                            <a:schemeClr val="dk1"/>
-                          </a:solidFill>
-                          <a:effectLst/>
-                          <a:latin typeface="+mn-lt"/>
-                          <a:ea typeface="+mn-ea"/>
-                          <a:cs typeface="+mn-cs"/>
-                        </a:rPr>
-                        <a:t> Tuples can be thought of as </a:t>
-                      </a:r>
-                      <a:r>
-                        <a:rPr lang="en-US" sz="1800" b="1" i="0" kern="1200" dirty="0" smtClean="0">
-                          <a:solidFill>
-                            <a:schemeClr val="dk1"/>
-                          </a:solidFill>
-                          <a:effectLst/>
-                          <a:latin typeface="+mn-lt"/>
-                          <a:ea typeface="+mn-ea"/>
-                          <a:cs typeface="+mn-cs"/>
-                        </a:rPr>
-                        <a:t>read-only</a:t>
-                      </a:r>
-                      <a:r>
-                        <a:rPr lang="en-US" sz="1800" b="0" i="0" kern="1200" dirty="0" smtClean="0">
-                          <a:solidFill>
-                            <a:schemeClr val="dk1"/>
-                          </a:solidFill>
-                          <a:effectLst/>
-                          <a:latin typeface="+mn-lt"/>
-                          <a:ea typeface="+mn-ea"/>
-                          <a:cs typeface="+mn-cs"/>
-                        </a:rPr>
-                        <a:t> lists. tuples are enclosed in parentheses ( ( ) )</a:t>
-                      </a:r>
-                      <a:endParaRPr lang="en-US" dirty="0"/>
-                    </a:p>
-                  </a:txBody>
-                  <a:tcPr anchor="ctr"/>
-                </a:tc>
-                <a:tc>
-                  <a:txBody>
-                    <a:bodyPr/>
-                    <a:lstStyle/>
-                    <a:p>
-                      <a:r>
-                        <a:rPr lang="en-US" dirty="0" smtClean="0">
-                          <a:effectLst/>
-                        </a:rPr>
-                        <a:t>tuple </a:t>
-                      </a:r>
-                      <a:r>
-                        <a:rPr lang="en-US" sz="1800" kern="1200" dirty="0" smtClean="0">
+                        <a:rPr lang="fr-FR" dirty="0" err="1">
+                          <a:effectLst/>
+                        </a:rPr>
+                        <a:t>tinydict</a:t>
+                      </a:r>
+                      <a:r>
+                        <a:rPr lang="fr-FR" dirty="0">
+                          <a:effectLst/>
+                        </a:rPr>
+                        <a:t> </a:t>
+                      </a:r>
+                      <a:r>
+                        <a:rPr lang="fr-FR" sz="1800" kern="1200" dirty="0">
                           <a:solidFill>
                             <a:schemeClr val="dk1"/>
                           </a:solidFill>
@@ -8432,31 +8899,73 @@
                         <a:t>=</a:t>
                       </a:r>
                       <a:r>
-                        <a:rPr lang="en-US" dirty="0" smtClean="0">
+                        <a:rPr lang="fr-FR" dirty="0">
                           <a:effectLst/>
                         </a:rPr>
                         <a:t> </a:t>
                       </a:r>
                       <a:r>
-                        <a:rPr lang="en-US" sz="1800" kern="1200" dirty="0" smtClean="0">
-                          <a:solidFill>
-                            <a:schemeClr val="dk1"/>
-                          </a:solidFill>
-                          <a:effectLst/>
-                          <a:latin typeface="+mn-lt"/>
-                          <a:ea typeface="+mn-ea"/>
-                          <a:cs typeface="+mn-cs"/>
-                        </a:rPr>
-                        <a:t>(</a:t>
-                      </a:r>
-                      <a:r>
-                        <a:rPr lang="en-US" dirty="0" smtClean="0">
+                        <a:rPr lang="fr-FR" sz="1800" kern="1200" dirty="0">
+                          <a:solidFill>
+                            <a:schemeClr val="dk1"/>
+                          </a:solidFill>
+                          <a:effectLst/>
+                          <a:latin typeface="+mn-lt"/>
+                          <a:ea typeface="+mn-ea"/>
+                          <a:cs typeface="+mn-cs"/>
+                        </a:rPr>
+                        <a:t>{'</a:t>
+                      </a:r>
+                      <a:r>
+                        <a:rPr lang="fr-FR" sz="1800" kern="1200" dirty="0" err="1">
+                          <a:solidFill>
+                            <a:schemeClr val="dk1"/>
+                          </a:solidFill>
+                          <a:effectLst/>
+                          <a:latin typeface="+mn-lt"/>
+                          <a:ea typeface="+mn-ea"/>
+                          <a:cs typeface="+mn-cs"/>
+                        </a:rPr>
+                        <a:t>name</a:t>
+                      </a:r>
+                      <a:r>
+                        <a:rPr lang="fr-FR" sz="1800" kern="1200" dirty="0">
+                          <a:solidFill>
+                            <a:schemeClr val="dk1"/>
+                          </a:solidFill>
+                          <a:effectLst/>
+                          <a:latin typeface="+mn-lt"/>
+                          <a:ea typeface="+mn-ea"/>
+                          <a:cs typeface="+mn-cs"/>
+                        </a:rPr>
+                        <a:t>':</a:t>
+                      </a:r>
+                      <a:r>
+                        <a:rPr lang="fr-FR" dirty="0">
                           <a:effectLst/>
                         </a:rPr>
                         <a:t> </a:t>
                       </a:r>
                       <a:r>
-                        <a:rPr lang="en-US" sz="1800" kern="1200" dirty="0" smtClean="0">
+                        <a:rPr lang="fr-FR" sz="1800" kern="1200" dirty="0">
+                          <a:solidFill>
+                            <a:schemeClr val="dk1"/>
+                          </a:solidFill>
+                          <a:effectLst/>
+                          <a:latin typeface="+mn-lt"/>
+                          <a:ea typeface="+mn-ea"/>
+                          <a:cs typeface="+mn-cs"/>
+                        </a:rPr>
+                        <a:t>'john','code':6734,</a:t>
+                      </a:r>
+                      <a:r>
+                        <a:rPr lang="fr-FR" dirty="0">
+                          <a:effectLst/>
+                        </a:rPr>
+                        <a:t> </a:t>
+                      </a:r>
+                      <a:r>
+                        <a:rPr lang="fr-FR" sz="1800" kern="1200" dirty="0">
                           <a:solidFill>
                             <a:schemeClr val="dk1"/>
                           </a:solidFill>
@@ -8468,585 +8977,55 @@
                         <a:t>'</a:t>
                       </a:r>
                       <a:r>
-                        <a:rPr lang="en-US" sz="1800" kern="1200" dirty="0" err="1" smtClean="0">
-                          <a:solidFill>
-                            <a:schemeClr val="dk1"/>
-                          </a:solidFill>
-                          <a:effectLst/>
-                          <a:latin typeface="+mn-lt"/>
-                          <a:ea typeface="+mn-ea"/>
-                          <a:cs typeface="+mn-cs"/>
-                        </a:rPr>
-                        <a:t>abcd</a:t>
-                      </a:r>
-                      <a:r>
-                        <a:rPr lang="en-US" sz="1800" kern="1200" dirty="0" smtClean="0">
-                          <a:solidFill>
-                            <a:schemeClr val="dk1"/>
-                          </a:solidFill>
-                          <a:effectLst/>
-                          <a:latin typeface="+mn-lt"/>
-                          <a:ea typeface="+mn-ea"/>
-                          <a:cs typeface="+mn-cs"/>
-                        </a:rPr>
-                        <a:t>',</a:t>
-                      </a:r>
-                      <a:r>
-                        <a:rPr lang="en-US" dirty="0" smtClean="0">
+                        <a:rPr lang="fr-FR" sz="1800" kern="1200" dirty="0" err="1">
+                          <a:solidFill>
+                            <a:schemeClr val="dk1"/>
+                          </a:solidFill>
+                          <a:effectLst/>
+                          <a:latin typeface="+mn-lt"/>
+                          <a:ea typeface="+mn-ea"/>
+                          <a:cs typeface="+mn-cs"/>
+                        </a:rPr>
+                        <a:t>dept</a:t>
+                      </a:r>
+                      <a:r>
+                        <a:rPr lang="fr-FR" sz="1800" kern="1200" dirty="0">
+                          <a:solidFill>
+                            <a:schemeClr val="dk1"/>
+                          </a:solidFill>
+                          <a:effectLst/>
+                          <a:latin typeface="+mn-lt"/>
+                          <a:ea typeface="+mn-ea"/>
+                          <a:cs typeface="+mn-cs"/>
+                        </a:rPr>
+                        <a:t>':</a:t>
+                      </a:r>
+                      <a:r>
+                        <a:rPr lang="fr-FR" dirty="0">
                           <a:effectLst/>
                         </a:rPr>
                         <a:t> </a:t>
                       </a:r>
                       <a:r>
-                        <a:rPr lang="en-US" sz="1800" kern="1200" dirty="0" smtClean="0">
-                          <a:solidFill>
-                            <a:schemeClr val="dk1"/>
-                          </a:solidFill>
-                          <a:effectLst/>
-                          <a:latin typeface="+mn-lt"/>
-                          <a:ea typeface="+mn-ea"/>
-                          <a:cs typeface="+mn-cs"/>
-                        </a:rPr>
-                        <a:t>786</a:t>
-                      </a:r>
-                      <a:r>
-                        <a:rPr lang="en-US" dirty="0" smtClean="0">
+                        <a:rPr lang="fr-FR" sz="1800" kern="1200" dirty="0">
+                          <a:solidFill>
+                            <a:schemeClr val="dk1"/>
+                          </a:solidFill>
+                          <a:effectLst/>
+                          <a:latin typeface="+mn-lt"/>
+                          <a:ea typeface="+mn-ea"/>
+                          <a:cs typeface="+mn-cs"/>
+                        </a:rPr>
+                        <a:t>'sales'}</a:t>
+                      </a:r>
+                      <a:r>
+                        <a:rPr lang="fr-FR" dirty="0">
                           <a:effectLst/>
                         </a:rPr>
                         <a:t> </a:t>
                       </a:r>
-                      <a:r>
-                        <a:rPr lang="en-US" sz="1800" kern="1200" dirty="0" smtClean="0">
-                          <a:solidFill>
-                            <a:schemeClr val="dk1"/>
-                          </a:solidFill>
-                          <a:effectLst/>
-                          <a:latin typeface="+mn-lt"/>
-                          <a:ea typeface="+mn-ea"/>
-                          <a:cs typeface="+mn-cs"/>
-                        </a:rPr>
-                        <a:t>,</a:t>
-                      </a:r>
-                      <a:r>
-                        <a:rPr lang="en-US" dirty="0" smtClean="0">
-                          <a:effectLst/>
-                        </a:rPr>
-                        <a:t> </a:t>
-                      </a:r>
-                      <a:r>
-                        <a:rPr lang="en-US" sz="1800" kern="1200" dirty="0" smtClean="0">
-                          <a:solidFill>
-                            <a:schemeClr val="dk1"/>
-                          </a:solidFill>
-                          <a:effectLst/>
-                          <a:latin typeface="+mn-lt"/>
-                          <a:ea typeface="+mn-ea"/>
-                          <a:cs typeface="+mn-cs"/>
-                        </a:rPr>
-                        <a:t>2.23,</a:t>
-                      </a:r>
-                      <a:r>
-                        <a:rPr lang="en-US" dirty="0" smtClean="0">
-                          <a:effectLst/>
-                        </a:rPr>
-                        <a:t> </a:t>
-                      </a:r>
-                      <a:r>
-                        <a:rPr lang="en-US" sz="1800" kern="1200" dirty="0" smtClean="0">
-                          <a:solidFill>
-                            <a:schemeClr val="dk1"/>
-                          </a:solidFill>
-                          <a:effectLst/>
-                          <a:latin typeface="+mn-lt"/>
-                          <a:ea typeface="+mn-ea"/>
-                          <a:cs typeface="+mn-cs"/>
-                        </a:rPr>
-                        <a:t>'john',</a:t>
-                      </a:r>
-                      <a:r>
-                        <a:rPr lang="en-US" dirty="0" smtClean="0">
-                          <a:effectLst/>
-                        </a:rPr>
-                        <a:t> </a:t>
-                      </a:r>
-                      <a:r>
-                        <a:rPr lang="en-US" sz="1800" kern="1200" dirty="0" smtClean="0">
-                          <a:solidFill>
-                            <a:schemeClr val="dk1"/>
-                          </a:solidFill>
-                          <a:effectLst/>
-                          <a:latin typeface="+mn-lt"/>
-                          <a:ea typeface="+mn-ea"/>
-                          <a:cs typeface="+mn-cs"/>
-                        </a:rPr>
-                        <a:t>70.2</a:t>
-                      </a:r>
-                      <a:r>
-                        <a:rPr lang="en-US" dirty="0" smtClean="0">
-                          <a:effectLst/>
-                        </a:rPr>
-                        <a:t> </a:t>
-                      </a:r>
-                      <a:r>
-                        <a:rPr lang="en-US" sz="1800" kern="1200" dirty="0" smtClean="0">
-                          <a:solidFill>
-                            <a:schemeClr val="dk1"/>
-                          </a:solidFill>
-                          <a:effectLst/>
-                          <a:latin typeface="+mn-lt"/>
-                          <a:ea typeface="+mn-ea"/>
-                          <a:cs typeface="+mn-cs"/>
-                        </a:rPr>
-                        <a:t>)</a:t>
-                      </a:r>
-                      <a:endParaRPr lang="en-US" dirty="0"/>
-                    </a:p>
-                  </a:txBody>
-                  <a:tcPr anchor="ctr"/>
-                </a:tc>
-                <a:extLst>
-                  <a:ext uri="{0D108BD9-81ED-4DB2-BD59-A6C34878D82A}">
-                    <a16:rowId xmlns:a16="http://schemas.microsoft.com/office/drawing/2014/main" xmlns="" val="745536708"/>
-                  </a:ext>
-                </a:extLst>
-              </a:tr>
-              <a:tr h="370840">
-                <a:tc>
-                  <a:txBody>
-                    <a:bodyPr/>
-                    <a:lstStyle/>
-                    <a:p>
-                      <a:r>
-                        <a:rPr lang="en-US" dirty="0" smtClean="0"/>
-                        <a:t>List</a:t>
-                      </a:r>
-                      <a:endParaRPr lang="en-US" dirty="0"/>
-                    </a:p>
-                  </a:txBody>
-                  <a:tcPr anchor="ctr"/>
-                </a:tc>
-                <a:tc>
-                  <a:txBody>
-                    <a:bodyPr/>
-                    <a:lstStyle/>
-                    <a:p>
-                      <a:r>
-                        <a:rPr lang="en-US" sz="1800" b="0" i="0" kern="1200" dirty="0" smtClean="0">
-                          <a:solidFill>
-                            <a:schemeClr val="dk1"/>
-                          </a:solidFill>
-                          <a:effectLst/>
-                          <a:latin typeface="+mn-lt"/>
-                          <a:ea typeface="+mn-ea"/>
-                          <a:cs typeface="+mn-cs"/>
-                        </a:rPr>
-                        <a:t>A list contains items separated by commas and enclosed within square brackets ([]).</a:t>
-                      </a:r>
-                      <a:endParaRPr lang="en-US" dirty="0"/>
-                    </a:p>
-                  </a:txBody>
-                  <a:tcPr anchor="ctr"/>
-                </a:tc>
-                <a:tc>
-                  <a:txBody>
-                    <a:bodyPr/>
-                    <a:lstStyle/>
-                    <a:p>
-                      <a:r>
-                        <a:rPr lang="en-US" dirty="0" smtClean="0">
-                          <a:effectLst/>
-                        </a:rPr>
-                        <a:t>list </a:t>
-                      </a:r>
-                      <a:r>
-                        <a:rPr lang="en-US" sz="1800" kern="1200" dirty="0" smtClean="0">
-                          <a:solidFill>
-                            <a:schemeClr val="dk1"/>
-                          </a:solidFill>
-                          <a:effectLst/>
-                          <a:latin typeface="+mn-lt"/>
-                          <a:ea typeface="+mn-ea"/>
-                          <a:cs typeface="+mn-cs"/>
-                        </a:rPr>
-                        <a:t>=</a:t>
-                      </a:r>
-                      <a:r>
-                        <a:rPr lang="en-US" dirty="0" smtClean="0">
-                          <a:effectLst/>
-                        </a:rPr>
-                        <a:t> </a:t>
-                      </a:r>
-                      <a:r>
-                        <a:rPr lang="en-US" sz="1800" kern="1200" dirty="0" smtClean="0">
-                          <a:solidFill>
-                            <a:schemeClr val="dk1"/>
-                          </a:solidFill>
-                          <a:effectLst/>
-                          <a:latin typeface="+mn-lt"/>
-                          <a:ea typeface="+mn-ea"/>
-                          <a:cs typeface="+mn-cs"/>
-                        </a:rPr>
-                        <a:t>[</a:t>
-                      </a:r>
-                      <a:r>
-                        <a:rPr lang="en-US" dirty="0" smtClean="0">
-                          <a:effectLst/>
-                        </a:rPr>
-                        <a:t> </a:t>
-                      </a:r>
-                      <a:r>
-                        <a:rPr lang="en-US" sz="1800" kern="1200" dirty="0" smtClean="0">
-                          <a:solidFill>
-                            <a:schemeClr val="dk1"/>
-                          </a:solidFill>
-                          <a:effectLst/>
-                          <a:latin typeface="+mn-lt"/>
-                          <a:ea typeface="+mn-ea"/>
-                          <a:cs typeface="+mn-cs"/>
-                        </a:rPr>
-                        <a:t>'</a:t>
-                      </a:r>
-                      <a:r>
-                        <a:rPr lang="en-US" sz="1800" kern="1200" dirty="0" err="1" smtClean="0">
-                          <a:solidFill>
-                            <a:schemeClr val="dk1"/>
-                          </a:solidFill>
-                          <a:effectLst/>
-                          <a:latin typeface="+mn-lt"/>
-                          <a:ea typeface="+mn-ea"/>
-                          <a:cs typeface="+mn-cs"/>
-                        </a:rPr>
-                        <a:t>abcd</a:t>
-                      </a:r>
-                      <a:r>
-                        <a:rPr lang="en-US" sz="1800" kern="1200" dirty="0" smtClean="0">
-                          <a:solidFill>
-                            <a:schemeClr val="dk1"/>
-                          </a:solidFill>
-                          <a:effectLst/>
-                          <a:latin typeface="+mn-lt"/>
-                          <a:ea typeface="+mn-ea"/>
-                          <a:cs typeface="+mn-cs"/>
-                        </a:rPr>
-                        <a:t>',</a:t>
-                      </a:r>
-                      <a:r>
-                        <a:rPr lang="en-US" dirty="0" smtClean="0">
-                          <a:effectLst/>
-                        </a:rPr>
-                        <a:t> </a:t>
-                      </a:r>
-                      <a:r>
-                        <a:rPr lang="en-US" sz="1800" kern="1200" dirty="0" smtClean="0">
-                          <a:solidFill>
-                            <a:schemeClr val="dk1"/>
-                          </a:solidFill>
-                          <a:effectLst/>
-                          <a:latin typeface="+mn-lt"/>
-                          <a:ea typeface="+mn-ea"/>
-                          <a:cs typeface="+mn-cs"/>
-                        </a:rPr>
-                        <a:t>786</a:t>
-                      </a:r>
-                      <a:r>
-                        <a:rPr lang="en-US" dirty="0" smtClean="0">
-                          <a:effectLst/>
-                        </a:rPr>
-                        <a:t> </a:t>
-                      </a:r>
-                      <a:r>
-                        <a:rPr lang="en-US" sz="1800" kern="1200" dirty="0" smtClean="0">
-                          <a:solidFill>
-                            <a:schemeClr val="dk1"/>
-                          </a:solidFill>
-                          <a:effectLst/>
-                          <a:latin typeface="+mn-lt"/>
-                          <a:ea typeface="+mn-ea"/>
-                          <a:cs typeface="+mn-cs"/>
-                        </a:rPr>
-                        <a:t>,</a:t>
-                      </a:r>
-                      <a:r>
-                        <a:rPr lang="en-US" dirty="0" smtClean="0">
-                          <a:effectLst/>
-                        </a:rPr>
-                        <a:t> </a:t>
-                      </a:r>
-                      <a:r>
-                        <a:rPr lang="en-US" sz="1800" kern="1200" dirty="0" smtClean="0">
-                          <a:solidFill>
-                            <a:schemeClr val="dk1"/>
-                          </a:solidFill>
-                          <a:effectLst/>
-                          <a:latin typeface="+mn-lt"/>
-                          <a:ea typeface="+mn-ea"/>
-                          <a:cs typeface="+mn-cs"/>
-                        </a:rPr>
-                        <a:t>2.23,</a:t>
-                      </a:r>
-                      <a:r>
-                        <a:rPr lang="en-US" dirty="0" smtClean="0">
-                          <a:effectLst/>
-                        </a:rPr>
-                        <a:t> </a:t>
-                      </a:r>
-                      <a:r>
-                        <a:rPr lang="en-US" sz="1800" kern="1200" dirty="0" smtClean="0">
-                          <a:solidFill>
-                            <a:schemeClr val="dk1"/>
-                          </a:solidFill>
-                          <a:effectLst/>
-                          <a:latin typeface="+mn-lt"/>
-                          <a:ea typeface="+mn-ea"/>
-                          <a:cs typeface="+mn-cs"/>
-                        </a:rPr>
-                        <a:t>'john',</a:t>
-                      </a:r>
-                      <a:r>
-                        <a:rPr lang="en-US" dirty="0" smtClean="0">
-                          <a:effectLst/>
-                        </a:rPr>
-                        <a:t> </a:t>
-                      </a:r>
-                      <a:r>
-                        <a:rPr lang="en-US" sz="1800" kern="1200" dirty="0" smtClean="0">
-                          <a:solidFill>
-                            <a:schemeClr val="dk1"/>
-                          </a:solidFill>
-                          <a:effectLst/>
-                          <a:latin typeface="+mn-lt"/>
-                          <a:ea typeface="+mn-ea"/>
-                          <a:cs typeface="+mn-cs"/>
-                        </a:rPr>
-                        <a:t>70.2</a:t>
-                      </a:r>
-                      <a:r>
-                        <a:rPr lang="en-US" dirty="0" smtClean="0">
-                          <a:effectLst/>
-                        </a:rPr>
-                        <a:t> </a:t>
-                      </a:r>
-                      <a:r>
-                        <a:rPr lang="en-US" sz="1800" kern="1200" dirty="0" smtClean="0">
-                          <a:solidFill>
-                            <a:schemeClr val="dk1"/>
-                          </a:solidFill>
-                          <a:effectLst/>
-                          <a:latin typeface="+mn-lt"/>
-                          <a:ea typeface="+mn-ea"/>
-                          <a:cs typeface="+mn-cs"/>
-                        </a:rPr>
-                        <a:t>]</a:t>
-                      </a:r>
-                      <a:endParaRPr lang="en-US" dirty="0"/>
-                    </a:p>
-                  </a:txBody>
-                  <a:tcPr anchor="ctr"/>
-                </a:tc>
-                <a:extLst>
-                  <a:ext uri="{0D108BD9-81ED-4DB2-BD59-A6C34878D82A}">
-                    <a16:rowId xmlns:a16="http://schemas.microsoft.com/office/drawing/2014/main" xmlns="" val="3584613779"/>
-                  </a:ext>
-                </a:extLst>
-              </a:tr>
-              <a:tr h="370840">
-                <a:tc>
-                  <a:txBody>
-                    <a:bodyPr/>
-                    <a:lstStyle/>
-                    <a:p>
-                      <a:r>
-                        <a:rPr lang="en-US" dirty="0" smtClean="0"/>
-                        <a:t>Dictionary</a:t>
-                      </a:r>
-                      <a:endParaRPr lang="en-US" dirty="0"/>
-                    </a:p>
-                  </a:txBody>
-                  <a:tcPr anchor="ctr"/>
-                </a:tc>
-                <a:tc>
-                  <a:txBody>
-                    <a:bodyPr/>
-                    <a:lstStyle/>
-                    <a:p>
-                      <a:r>
-                        <a:rPr lang="en-US" sz="1800" b="0" i="0" kern="1200" dirty="0" smtClean="0">
-                          <a:solidFill>
-                            <a:schemeClr val="dk1"/>
-                          </a:solidFill>
-                          <a:effectLst/>
-                          <a:latin typeface="+mn-lt"/>
-                          <a:ea typeface="+mn-ea"/>
-                          <a:cs typeface="+mn-cs"/>
-                        </a:rPr>
-                        <a:t>Python's dictionaries are kind of hash table type. Dictionaries are enclosed by curly braces ({ }) </a:t>
-                      </a:r>
-                      <a:endParaRPr lang="en-US" dirty="0"/>
-                    </a:p>
-                  </a:txBody>
-                  <a:tcPr anchor="ctr"/>
-                </a:tc>
-                <a:tc>
-                  <a:txBody>
-                    <a:bodyPr/>
-                    <a:lstStyle/>
-                    <a:p>
-                      <a:r>
-                        <a:rPr lang="fr-FR" dirty="0" err="1" smtClean="0">
-                          <a:effectLst/>
-                        </a:rPr>
-                        <a:t>tinydict</a:t>
-                      </a:r>
-                      <a:r>
-                        <a:rPr lang="fr-FR" dirty="0" smtClean="0">
-                          <a:effectLst/>
-                        </a:rPr>
-                        <a:t> </a:t>
-                      </a:r>
-                      <a:r>
-                        <a:rPr lang="fr-FR" sz="1800" kern="1200" dirty="0" smtClean="0">
-                          <a:solidFill>
-                            <a:schemeClr val="dk1"/>
-                          </a:solidFill>
-                          <a:effectLst/>
-                          <a:latin typeface="+mn-lt"/>
-                          <a:ea typeface="+mn-ea"/>
-                          <a:cs typeface="+mn-cs"/>
-                        </a:rPr>
-                        <a:t>=</a:t>
-                      </a:r>
-                      <a:r>
-                        <a:rPr lang="fr-FR" dirty="0" smtClean="0">
-                          <a:effectLst/>
-                        </a:rPr>
-                        <a:t> </a:t>
-                      </a:r>
-                      <a:r>
-                        <a:rPr lang="fr-FR" sz="1800" kern="1200" dirty="0" smtClean="0">
-                          <a:solidFill>
-                            <a:schemeClr val="dk1"/>
-                          </a:solidFill>
-                          <a:effectLst/>
-                          <a:latin typeface="+mn-lt"/>
-                          <a:ea typeface="+mn-ea"/>
-                          <a:cs typeface="+mn-cs"/>
-                        </a:rPr>
-                        <a:t>{'</a:t>
-                      </a:r>
-                      <a:r>
-                        <a:rPr lang="fr-FR" sz="1800" kern="1200" dirty="0" err="1" smtClean="0">
-                          <a:solidFill>
-                            <a:schemeClr val="dk1"/>
-                          </a:solidFill>
-                          <a:effectLst/>
-                          <a:latin typeface="+mn-lt"/>
-                          <a:ea typeface="+mn-ea"/>
-                          <a:cs typeface="+mn-cs"/>
-                        </a:rPr>
-                        <a:t>name</a:t>
-                      </a:r>
-                      <a:r>
-                        <a:rPr lang="fr-FR" sz="1800" kern="1200" dirty="0" smtClean="0">
-                          <a:solidFill>
-                            <a:schemeClr val="dk1"/>
-                          </a:solidFill>
-                          <a:effectLst/>
-                          <a:latin typeface="+mn-lt"/>
-                          <a:ea typeface="+mn-ea"/>
-                          <a:cs typeface="+mn-cs"/>
-                        </a:rPr>
-                        <a:t>':</a:t>
-                      </a:r>
-                      <a:r>
-                        <a:rPr lang="fr-FR" dirty="0" smtClean="0">
-                          <a:effectLst/>
-                        </a:rPr>
-                        <a:t> </a:t>
-                      </a:r>
-                      <a:r>
-                        <a:rPr lang="fr-FR" sz="1800" kern="1200" dirty="0" smtClean="0">
-                          <a:solidFill>
-                            <a:schemeClr val="dk1"/>
-                          </a:solidFill>
-                          <a:effectLst/>
-                          <a:latin typeface="+mn-lt"/>
-                          <a:ea typeface="+mn-ea"/>
-                          <a:cs typeface="+mn-cs"/>
-                        </a:rPr>
-                        <a:t>'john','code':6734,</a:t>
-                      </a:r>
-                      <a:r>
-                        <a:rPr lang="fr-FR" dirty="0" smtClean="0">
-                          <a:effectLst/>
-                        </a:rPr>
-                        <a:t> </a:t>
-                      </a:r>
-                      <a:r>
-                        <a:rPr lang="fr-FR" sz="1800" kern="1200" dirty="0" smtClean="0">
-                          <a:solidFill>
-                            <a:schemeClr val="dk1"/>
-                          </a:solidFill>
-                          <a:effectLst/>
-                          <a:latin typeface="+mn-lt"/>
-                          <a:ea typeface="+mn-ea"/>
-                          <a:cs typeface="+mn-cs"/>
-                        </a:rPr>
-                        <a:t>'</a:t>
-                      </a:r>
-                      <a:r>
-                        <a:rPr lang="fr-FR" sz="1800" kern="1200" dirty="0" err="1" smtClean="0">
-                          <a:solidFill>
-                            <a:schemeClr val="dk1"/>
-                          </a:solidFill>
-                          <a:effectLst/>
-                          <a:latin typeface="+mn-lt"/>
-                          <a:ea typeface="+mn-ea"/>
-                          <a:cs typeface="+mn-cs"/>
-                        </a:rPr>
-                        <a:t>dept</a:t>
-                      </a:r>
-                      <a:r>
-                        <a:rPr lang="fr-FR" sz="1800" kern="1200" dirty="0" smtClean="0">
-                          <a:solidFill>
-                            <a:schemeClr val="dk1"/>
-                          </a:solidFill>
-                          <a:effectLst/>
-                          <a:latin typeface="+mn-lt"/>
-                          <a:ea typeface="+mn-ea"/>
-                          <a:cs typeface="+mn-cs"/>
-                        </a:rPr>
-                        <a:t>':</a:t>
-                      </a:r>
-                      <a:r>
-                        <a:rPr lang="fr-FR" dirty="0" smtClean="0">
-                          <a:effectLst/>
-                        </a:rPr>
-                        <a:t> </a:t>
-                      </a:r>
-                      <a:r>
-                        <a:rPr lang="fr-FR" sz="1800" kern="1200" dirty="0" smtClean="0">
-                          <a:solidFill>
-                            <a:schemeClr val="dk1"/>
-                          </a:solidFill>
-                          <a:effectLst/>
-                          <a:latin typeface="+mn-lt"/>
-                          <a:ea typeface="+mn-ea"/>
-                          <a:cs typeface="+mn-cs"/>
-                        </a:rPr>
-                        <a:t>'sales'}</a:t>
-                      </a:r>
-                      <a:r>
-                        <a:rPr lang="fr-FR" dirty="0" smtClean="0">
-                          <a:effectLst/>
-                        </a:rPr>
-                        <a:t> </a:t>
-                      </a:r>
-                      <a:r>
-                        <a:rPr lang="fr-FR" dirty="0" smtClean="0"/>
-                        <a:t/>
-                      </a:r>
                       <a:br>
-                        <a:rPr lang="fr-FR" dirty="0" smtClean="0"/>
+                        <a:rPr lang="fr-FR" dirty="0"/>
                       </a:br>
                       <a:endParaRPr lang="en-US" dirty="0"/>
                     </a:p>
@@ -9055,7 +9034,7 @@
                 </a:tc>
                 <a:extLst>
                   <a:ext uri="{0D108BD9-81ED-4DB2-BD59-A6C34878D82A}">
-                    <a16:rowId xmlns:a16="http://schemas.microsoft.com/office/drawing/2014/main" xmlns="" val="2804741469"/>
+                    <a16:rowId xmlns:a16="http://schemas.microsoft.com/office/drawing/2014/main" val="2804741469"/>
                   </a:ext>
                 </a:extLst>
               </a:tr>
@@ -9123,24 +9102,12 @@
               <a:rPr lang="fr-FR" b="1" dirty="0"/>
               <a:t> Modules</a:t>
             </a:r>
-            <a:r>
-              <a:rPr lang="fr-FR" dirty="0"/>
-              <a:t/>
-            </a:r>
             <a:br>
               <a:rPr lang="fr-FR" dirty="0"/>
             </a:br>
-            <a:r>
-              <a:rPr lang="fr-FR" b="1" dirty="0"/>
-              <a:t/>
-            </a:r>
             <a:br>
               <a:rPr lang="fr-FR" b="1" dirty="0"/>
             </a:br>
-            <a:r>
-              <a:rPr lang="en-US" b="1" dirty="0"/>
-              <a:t/>
-            </a:r>
             <a:br>
               <a:rPr lang="en-US" b="1" dirty="0"/>
             </a:br>
@@ -9245,24 +9212,16 @@
           <a:lstStyle/>
           <a:p>
             <a:r>
-              <a:rPr lang="fr-FR" b="1" dirty="0" err="1" smtClean="0"/>
+              <a:rPr lang="fr-FR" b="1" dirty="0" err="1"/>
               <a:t>Function</a:t>
             </a:r>
             <a:r>
-              <a:rPr lang="fr-FR" b="1" dirty="0" smtClean="0"/>
+              <a:rPr lang="fr-FR" b="1" dirty="0"/>
               <a:t> __main__</a:t>
-            </a:r>
-            <a:r>
-              <a:rPr lang="fr-FR" b="1" dirty="0"/>
-              <a:t/>
             </a:r>
             <a:br>
               <a:rPr lang="fr-FR" b="1" dirty="0"/>
             </a:br>
-            <a:r>
-              <a:rPr lang="en-US" b="1" dirty="0"/>
-              <a:t/>
-            </a:r>
             <a:br>
               <a:rPr lang="en-US" b="1" dirty="0"/>
             </a:br>
@@ -9291,16 +9250,8 @@
               <a:buNone/>
             </a:pPr>
             <a:r>
-              <a:rPr lang="en-US" dirty="0" smtClean="0"/>
-              <a:t> __main__ is </a:t>
-            </a:r>
-            <a:r>
               <a:rPr lang="en-US" dirty="0"/>
-              <a:t>the name of the scope in which top-level code executes. A module’s __name__ is set equal to '__main__' when read from standard input, a script, or from an interactive prompt</a:t>
-            </a:r>
-            <a:r>
-              <a:rPr lang="en-US" dirty="0" smtClean="0"/>
-              <a:t>.</a:t>
+              <a:t> __main__ is the name of the scope in which top-level code executes. A module’s __name__ is set equal to '__main__' when read from standard input, a script, or from an interactive prompt.</a:t>
             </a:r>
           </a:p>
           <a:p>
@@ -9309,11 +9260,7 @@
             </a:pPr>
             <a:r>
               <a:rPr lang="en-US" dirty="0"/>
-              <a:t>A module can discover whether or not it is running in the main scope by checking its own __name__, which allows a common idiom for conditionally executing code in a module when it is run as a script or with python -m but not when it is imported</a:t>
-            </a:r>
-            <a:r>
-              <a:rPr lang="en-US" dirty="0" smtClean="0"/>
-              <a:t>:</a:t>
+              <a:t>A module can discover whether or not it is running in the main scope by checking its own __name__, which allows a common idiom for conditionally executing code in a module when it is run as a script or with python -m but not when it is imported:</a:t>
             </a:r>
           </a:p>
           <a:p>
@@ -9343,14 +9290,13 @@
               <a:t>    </a:t>
             </a:r>
             <a:r>
-              <a:rPr lang="en-US" dirty="0" err="1" smtClean="0"/>
+              <a:rPr lang="en-US" dirty="0" err="1"/>
               <a:t>functionname</a:t>
             </a:r>
             <a:r>
-              <a:rPr lang="en-US" dirty="0" smtClean="0"/>
+              <a:rPr lang="en-US" dirty="0"/>
               <a:t>()</a:t>
             </a:r>
-            <a:endParaRPr lang="en-US" dirty="0"/>
           </a:p>
         </p:txBody>
       </p:sp>
@@ -9414,24 +9360,12 @@
               <a:rPr lang="fr-FR" b="1" dirty="0" err="1"/>
               <a:t>Oriented</a:t>
             </a:r>
-            <a:r>
-              <a:rPr lang="fr-FR" dirty="0"/>
-              <a:t/>
-            </a:r>
             <a:br>
               <a:rPr lang="fr-FR" dirty="0"/>
             </a:br>
-            <a:r>
-              <a:rPr lang="fr-FR" b="1" dirty="0"/>
-              <a:t/>
-            </a:r>
             <a:br>
               <a:rPr lang="fr-FR" b="1" dirty="0"/>
             </a:br>
-            <a:r>
-              <a:rPr lang="en-US" b="1" dirty="0"/>
-              <a:t/>
-            </a:r>
             <a:br>
               <a:rPr lang="en-US" b="1" dirty="0"/>
             </a:br>
@@ -9474,11 +9408,7 @@
             </a:r>
             <a:r>
               <a:rPr lang="en-US" dirty="0"/>
-              <a:t>: A user-defined prototype for an object that defines a set of attributes that characterize any object of the class. The attributes are data members (class variables and instance variables) and methods, accessed via dot notation</a:t>
-            </a:r>
-            <a:r>
-              <a:rPr lang="en-US" dirty="0" smtClean="0"/>
-              <a:t>.</a:t>
+              <a:t>: A user-defined prototype for an object that defines a set of attributes that characterize any object of the class. The attributes are data members (class variables and instance variables) and methods, accessed via dot notation.</a:t>
             </a:r>
           </a:p>
           <a:p>
@@ -9486,11 +9416,11 @@
               <a:buNone/>
             </a:pPr>
             <a:r>
-              <a:rPr lang="en-US" b="1" dirty="0" smtClean="0"/>
+              <a:rPr lang="en-US" b="1" dirty="0"/>
               <a:t>Class variable:</a:t>
             </a:r>
             <a:r>
-              <a:rPr lang="en-US" dirty="0" smtClean="0"/>
+              <a:rPr lang="en-US" dirty="0"/>
               <a:t> A variable that is shared by all instances of a class. Class variables are defined within a class but outside any of the class's methods. Class variables are not used as frequently as instance variables are.</a:t>
             </a:r>
           </a:p>
@@ -9499,20 +9429,12 @@
               <a:buNone/>
             </a:pPr>
             <a:r>
-              <a:rPr lang="en-US" b="1" dirty="0" smtClean="0"/>
-              <a:t>Instance </a:t>
-            </a:r>
-            <a:r>
               <a:rPr lang="en-US" b="1" dirty="0"/>
-              <a:t>variable:</a:t>
+              <a:t>Instance variable:</a:t>
             </a:r>
             <a:r>
               <a:rPr lang="en-US" dirty="0"/>
-              <a:t> A variable that is defined inside a method and belongs only to the current instance of a </a:t>
-            </a:r>
-            <a:r>
-              <a:rPr lang="en-US" dirty="0" smtClean="0"/>
-              <a:t>class</a:t>
+              <a:t> A variable that is defined inside a method and belongs only to the current instance of a class</a:t>
             </a:r>
           </a:p>
           <a:p>
@@ -9527,7 +9449,6 @@
               <a:rPr lang="en-US" dirty="0"/>
               <a:t> A special kind of function that is defined in a class definition.</a:t>
             </a:r>
-            <a:endParaRPr lang="en-US" dirty="0" smtClean="0"/>
           </a:p>
           <a:p>
             <a:pPr marL="0" indent="0">
@@ -9547,19 +9468,7 @@
             </a:r>
             <a:r>
               <a:rPr lang="en-US" dirty="0"/>
-              <a:t> that belongs to a </a:t>
-            </a:r>
-            <a:r>
-              <a:rPr lang="en-US" dirty="0" smtClean="0"/>
-              <a:t>class </a:t>
-            </a:r>
-            <a:r>
-              <a:rPr lang="en-US" dirty="0"/>
-              <a:t>Circle, for example, is an instance of the class Circle</a:t>
-            </a:r>
-            <a:r>
-              <a:rPr lang="en-US" dirty="0" smtClean="0"/>
-              <a:t>.</a:t>
+              <a:t> that belongs to a class Circle, for example, is an instance of the class Circle.</a:t>
             </a:r>
           </a:p>
           <a:p>
@@ -9572,11 +9481,7 @@
             </a:r>
             <a:r>
               <a:rPr lang="en-US" dirty="0"/>
-              <a:t> The creation of an instance of a class</a:t>
-            </a:r>
-            <a:r>
-              <a:rPr lang="en-US" dirty="0" smtClean="0"/>
-              <a:t>.</a:t>
+              <a:t> The creation of an instance of a class.</a:t>
             </a:r>
           </a:p>
           <a:p>
@@ -9657,24 +9562,12 @@
             <a:br>
               <a:rPr lang="fr-FR" dirty="0"/>
             </a:br>
-            <a:r>
-              <a:rPr lang="fr-FR" dirty="0"/>
-              <a:t/>
-            </a:r>
             <a:br>
               <a:rPr lang="fr-FR" dirty="0"/>
             </a:br>
-            <a:r>
-              <a:rPr lang="fr-FR" b="1" dirty="0"/>
-              <a:t/>
-            </a:r>
             <a:br>
               <a:rPr lang="fr-FR" b="1" dirty="0"/>
             </a:br>
-            <a:r>
-              <a:rPr lang="en-US" b="1" dirty="0"/>
-              <a:t/>
-            </a:r>
             <a:br>
               <a:rPr lang="en-US" b="1" dirty="0"/>
             </a:br>
@@ -9709,11 +9602,7 @@
             </a:pPr>
             <a:r>
               <a:rPr lang="en-US" dirty="0"/>
-              <a:t>class Person</a:t>
-            </a:r>
-            <a:r>
-              <a:rPr lang="en-US" dirty="0" smtClean="0"/>
-              <a:t>:</a:t>
+              <a:t>class Person:</a:t>
             </a:r>
           </a:p>
           <a:p>
@@ -9721,12 +9610,8 @@
               <a:buNone/>
             </a:pPr>
             <a:r>
-              <a:rPr lang="en-US" dirty="0" smtClean="0"/>
-              <a:t>    __name</a:t>
-            </a:r>
-            <a:r>
               <a:rPr lang="en-US" dirty="0"/>
-              <a:t>= ""</a:t>
+              <a:t>    __name= ""</a:t>
             </a:r>
           </a:p>
           <a:p>
@@ -9827,20 +9712,16 @@
             </a:r>
             <a:r>
               <a:rPr lang="en-US" dirty="0" err="1"/>
-              <a:t>self.__</a:t>
-            </a:r>
-            <a:r>
-              <a:rPr lang="en-US" dirty="0" err="1" smtClean="0"/>
-              <a:t>name</a:t>
-            </a:r>
-            <a:endParaRPr lang="en-US" dirty="0" smtClean="0"/>
+              <a:t>self.__name</a:t>
+            </a:r>
+            <a:endParaRPr lang="en-US" dirty="0"/>
           </a:p>
           <a:p>
             <a:pPr marL="0" indent="0">
               <a:buNone/>
             </a:pPr>
             <a:r>
-              <a:rPr lang="en-US" smtClean="0"/>
+              <a:rPr lang="en-US"/>
               <a:t>  </a:t>
             </a:r>
             <a:endParaRPr lang="en-US" dirty="0"/>
@@ -9880,13 +9761,9 @@
             </a:r>
             <a:r>
               <a:rPr lang="en-US" dirty="0" err="1"/>
-              <a:t>s"%self.__</a:t>
-            </a:r>
-            <a:r>
-              <a:rPr lang="en-US" dirty="0" err="1" smtClean="0"/>
-              <a:t>name</a:t>
-            </a:r>
-            <a:endParaRPr lang="en-US" dirty="0" smtClean="0"/>
+              <a:t>s"%self.__name</a:t>
+            </a:r>
+            <a:endParaRPr lang="en-US" dirty="0"/>
           </a:p>
           <a:p>
             <a:pPr marL="0" indent="0">
@@ -9900,12 +9777,8 @@
               <a:buChar char="•"/>
             </a:pPr>
             <a:r>
-              <a:rPr lang="en-US" dirty="0" smtClean="0"/>
-              <a:t>The </a:t>
-            </a:r>
-            <a:r>
               <a:rPr lang="en-US" dirty="0"/>
-              <a:t>first method </a:t>
+              <a:t>The first method </a:t>
             </a:r>
             <a:r>
               <a:rPr lang="en-US" i="1" dirty="0"/>
@@ -9921,11 +9794,7 @@
             </a:r>
             <a:r>
               <a:rPr lang="en-US" dirty="0"/>
-              <a:t> is a special method, which is called class constructor or initialization method that Python calls when you create a new instance of this class</a:t>
-            </a:r>
-            <a:r>
-              <a:rPr lang="en-US" dirty="0" smtClean="0"/>
-              <a:t>.</a:t>
+              <a:t> is a special method, which is called class constructor or initialization method that Python calls when you create a new instance of this class.</a:t>
             </a:r>
           </a:p>
           <a:p>
@@ -9943,17 +9812,8 @@
             </a:r>
             <a:r>
               <a:rPr lang="en-US" dirty="0"/>
-              <a:t> argument to the </a:t>
-            </a:r>
-            <a:r>
-              <a:rPr lang="en-US" dirty="0" smtClean="0"/>
-              <a:t>method; </a:t>
-            </a:r>
-            <a:r>
-              <a:rPr lang="en-US" dirty="0"/>
-              <a:t>you do not need to include it when you call the methods.</a:t>
-            </a:r>
-            <a:endParaRPr lang="en-US" dirty="0" smtClean="0"/>
+              <a:t> argument to the method; you do not need to include it when you call the methods.</a:t>
+            </a:r>
           </a:p>
         </p:txBody>
       </p:sp>
@@ -10022,31 +9882,19 @@
               <a:t> </a:t>
             </a:r>
             <a:r>
-              <a:rPr lang="fr-FR" b="1" dirty="0" err="1" smtClean="0"/>
+              <a:rPr lang="fr-FR" b="1" dirty="0" err="1"/>
               <a:t>Methods</a:t>
             </a:r>
             <a:r>
-              <a:rPr lang="fr-FR" b="1" dirty="0" smtClean="0"/>
+              <a:rPr lang="fr-FR" b="1" dirty="0"/>
               <a:t> - Object</a:t>
-            </a:r>
-            <a:r>
-              <a:rPr lang="fr-FR" dirty="0"/>
-              <a:t/>
             </a:r>
             <a:br>
               <a:rPr lang="fr-FR" dirty="0"/>
             </a:br>
-            <a:r>
-              <a:rPr lang="fr-FR" b="1" dirty="0"/>
-              <a:t/>
-            </a:r>
             <a:br>
               <a:rPr lang="fr-FR" b="1" dirty="0"/>
             </a:br>
-            <a:r>
-              <a:rPr lang="en-US" b="1" dirty="0"/>
-              <a:t/>
-            </a:r>
             <a:br>
               <a:rPr lang="en-US" b="1" dirty="0"/>
             </a:br>
@@ -10083,21 +9931,21 @@
                 <a:gridCol w="2667000">
                   <a:extLst>
                     <a:ext uri="{9D8B030D-6E8A-4147-A177-3AD203B41FA5}">
-                      <a16:colId xmlns:a16="http://schemas.microsoft.com/office/drawing/2014/main" xmlns="" val="20000"/>
+                      <a16:colId xmlns:a16="http://schemas.microsoft.com/office/drawing/2014/main" val="20000"/>
                     </a:ext>
                   </a:extLst>
                 </a:gridCol>
                 <a:gridCol w="4030024">
                   <a:extLst>
                     <a:ext uri="{9D8B030D-6E8A-4147-A177-3AD203B41FA5}">
-                      <a16:colId xmlns:a16="http://schemas.microsoft.com/office/drawing/2014/main" xmlns="" val="20001"/>
+                      <a16:colId xmlns:a16="http://schemas.microsoft.com/office/drawing/2014/main" val="20001"/>
                     </a:ext>
                   </a:extLst>
                 </a:gridCol>
                 <a:gridCol w="3348512">
                   <a:extLst>
                     <a:ext uri="{9D8B030D-6E8A-4147-A177-3AD203B41FA5}">
-                      <a16:colId xmlns:a16="http://schemas.microsoft.com/office/drawing/2014/main" xmlns="" val="20002"/>
+                      <a16:colId xmlns:a16="http://schemas.microsoft.com/office/drawing/2014/main" val="20002"/>
                     </a:ext>
                   </a:extLst>
                 </a:gridCol>
@@ -10109,14 +9957,11 @@
                     <a:lstStyle/>
                     <a:p>
                       <a:r>
-                        <a:rPr lang="en-US" dirty="0" smtClean="0">
+                        <a:rPr lang="en-US" dirty="0">
                           <a:effectLst/>
                         </a:rPr>
                         <a:t>method</a:t>
                       </a:r>
-                      <a:endParaRPr lang="en-US" dirty="0">
-                        <a:effectLst/>
-                      </a:endParaRPr>
                     </a:p>
                   </a:txBody>
                   <a:tcPr anchor="ctr"/>
@@ -10151,7 +9996,7 @@
                 </a:tc>
                 <a:extLst>
                   <a:ext uri="{0D108BD9-81ED-4DB2-BD59-A6C34878D82A}">
-                    <a16:rowId xmlns:a16="http://schemas.microsoft.com/office/drawing/2014/main" xmlns="" val="10000"/>
+                    <a16:rowId xmlns:a16="http://schemas.microsoft.com/office/drawing/2014/main" val="10000"/>
                   </a:ext>
                 </a:extLst>
               </a:tr>
@@ -10162,7 +10007,7 @@
                     <a:lstStyle/>
                     <a:p>
                       <a:r>
-                        <a:rPr lang="fr-FR" sz="1800" b="1" i="0" kern="1200" dirty="0" smtClean="0">
+                        <a:rPr lang="fr-FR" sz="1800" b="1" i="0" kern="1200" dirty="0">
                           <a:solidFill>
                             <a:schemeClr val="dk1"/>
                           </a:solidFill>
@@ -10174,7 +10019,7 @@
                         <a:t>__</a:t>
                       </a:r>
                       <a:r>
-                        <a:rPr lang="fr-FR" sz="1800" b="1" i="0" kern="1200" dirty="0" err="1" smtClean="0">
+                        <a:rPr lang="fr-FR" sz="1800" b="1" i="0" kern="1200" dirty="0" err="1">
                           <a:solidFill>
                             <a:schemeClr val="dk1"/>
                           </a:solidFill>
@@ -10186,7 +10031,7 @@
                         <a:t>init</a:t>
                       </a:r>
                       <a:r>
-                        <a:rPr lang="fr-FR" sz="1800" b="1" i="0" kern="1200" dirty="0" smtClean="0">
+                        <a:rPr lang="fr-FR" sz="1800" b="1" i="0" kern="1200" dirty="0">
                           <a:solidFill>
                             <a:schemeClr val="dk1"/>
                           </a:solidFill>
@@ -10198,7 +10043,7 @@
                         <a:t>__ ( self [,</a:t>
                       </a:r>
                       <a:r>
-                        <a:rPr lang="fr-FR" sz="1800" b="1" i="0" kern="1200" dirty="0" err="1" smtClean="0">
+                        <a:rPr lang="fr-FR" sz="1800" b="1" i="0" kern="1200" dirty="0" err="1">
                           <a:solidFill>
                             <a:schemeClr val="dk1"/>
                           </a:solidFill>
@@ -10210,7 +10055,7 @@
                         <a:t>args</a:t>
                       </a:r>
                       <a:r>
-                        <a:rPr lang="fr-FR" sz="1800" b="1" i="0" kern="1200" dirty="0" smtClean="0">
+                        <a:rPr lang="fr-FR" sz="1800" b="1" i="0" kern="1200" dirty="0">
                           <a:solidFill>
                             <a:schemeClr val="dk1"/>
                           </a:solidFill>
@@ -10233,7 +10078,7 @@
                     <a:p>
                       <a:pPr fontAlgn="t"/>
                       <a:r>
-                        <a:rPr lang="en-US" sz="1800" b="0" i="0" kern="1200" dirty="0" smtClean="0">
+                        <a:rPr lang="en-US" sz="1800" b="0" i="0" kern="1200" dirty="0">
                           <a:solidFill>
                             <a:schemeClr val="dk1"/>
                           </a:solidFill>
@@ -10257,7 +10102,7 @@
                     <a:lstStyle/>
                     <a:p>
                       <a:r>
-                        <a:rPr lang="fr-FR" sz="1800" b="0" i="1" kern="1200" dirty="0" err="1" smtClean="0">
+                        <a:rPr lang="fr-FR" sz="1800" b="0" i="1" kern="1200" dirty="0" err="1">
                           <a:solidFill>
                             <a:schemeClr val="dk1"/>
                           </a:solidFill>
@@ -10269,7 +10114,7 @@
                         <a:t>obj</a:t>
                       </a:r>
                       <a:r>
-                        <a:rPr lang="fr-FR" sz="1800" b="0" i="1" kern="1200" dirty="0" smtClean="0">
+                        <a:rPr lang="fr-FR" sz="1800" b="0" i="1" kern="1200" dirty="0">
                           <a:solidFill>
                             <a:schemeClr val="dk1"/>
                           </a:solidFill>
@@ -10281,7 +10126,7 @@
                         <a:t> = </a:t>
                       </a:r>
                       <a:r>
-                        <a:rPr lang="fr-FR" sz="1800" b="0" i="1" kern="1200" dirty="0" err="1" smtClean="0">
+                        <a:rPr lang="fr-FR" sz="1800" b="0" i="1" kern="1200" dirty="0" err="1">
                           <a:solidFill>
                             <a:schemeClr val="dk1"/>
                           </a:solidFill>
@@ -10293,7 +10138,7 @@
                         <a:t>className</a:t>
                       </a:r>
                       <a:r>
-                        <a:rPr lang="fr-FR" sz="1800" b="0" i="1" kern="1200" dirty="0" smtClean="0">
+                        <a:rPr lang="fr-FR" sz="1800" b="0" i="1" kern="1200" dirty="0">
                           <a:solidFill>
                             <a:schemeClr val="dk1"/>
                           </a:solidFill>
@@ -10305,7 +10150,7 @@
                         <a:t>(</a:t>
                       </a:r>
                       <a:r>
-                        <a:rPr lang="fr-FR" sz="1800" b="0" i="1" kern="1200" dirty="0" err="1" smtClean="0">
+                        <a:rPr lang="fr-FR" sz="1800" b="0" i="1" kern="1200" dirty="0" err="1">
                           <a:solidFill>
                             <a:schemeClr val="dk1"/>
                           </a:solidFill>
@@ -10317,7 +10162,7 @@
                         <a:t>args</a:t>
                       </a:r>
                       <a:r>
-                        <a:rPr lang="fr-FR" sz="1800" b="0" i="1" kern="1200" dirty="0" smtClean="0">
+                        <a:rPr lang="fr-FR" sz="1800" b="0" i="1" kern="1200" dirty="0">
                           <a:solidFill>
                             <a:schemeClr val="dk1"/>
                           </a:solidFill>
@@ -10328,14 +10173,14 @@
                         </a:rPr>
                         <a:t>)</a:t>
                       </a:r>
-                      <a:endParaRPr lang="en-US" baseline="0" dirty="0" smtClean="0"/>
+                      <a:endParaRPr lang="en-US" baseline="0" dirty="0"/>
                     </a:p>
                   </a:txBody>
                   <a:tcPr anchor="ctr"/>
                 </a:tc>
                 <a:extLst>
                   <a:ext uri="{0D108BD9-81ED-4DB2-BD59-A6C34878D82A}">
-                    <a16:rowId xmlns:a16="http://schemas.microsoft.com/office/drawing/2014/main" xmlns="" val="10001"/>
+                    <a16:rowId xmlns:a16="http://schemas.microsoft.com/office/drawing/2014/main" val="10001"/>
                   </a:ext>
                 </a:extLst>
               </a:tr>
@@ -10346,7 +10191,7 @@
                     <a:lstStyle/>
                     <a:p>
                       <a:r>
-                        <a:rPr lang="fr-FR" sz="1800" b="1" i="0" kern="1200" dirty="0" smtClean="0">
+                        <a:rPr lang="fr-FR" sz="1800" b="1" i="0" kern="1200" dirty="0">
                           <a:solidFill>
                             <a:schemeClr val="dk1"/>
                           </a:solidFill>
@@ -10358,7 +10203,7 @@
                         <a:t>__</a:t>
                       </a:r>
                       <a:r>
-                        <a:rPr lang="fr-FR" sz="1800" b="1" i="0" kern="1200" dirty="0" err="1" smtClean="0">
+                        <a:rPr lang="fr-FR" sz="1800" b="1" i="0" kern="1200" dirty="0" err="1">
                           <a:solidFill>
                             <a:schemeClr val="dk1"/>
                           </a:solidFill>
@@ -10370,7 +10215,7 @@
                         <a:t>del</a:t>
                       </a:r>
                       <a:r>
-                        <a:rPr lang="fr-FR" sz="1800" b="1" i="0" kern="1200" dirty="0" smtClean="0">
+                        <a:rPr lang="fr-FR" sz="1800" b="1" i="0" kern="1200" dirty="0">
                           <a:solidFill>
                             <a:schemeClr val="dk1"/>
                           </a:solidFill>
@@ -10393,7 +10238,7 @@
                     <a:p>
                       <a:pPr fontAlgn="t"/>
                       <a:r>
-                        <a:rPr lang="fr-FR" sz="1800" b="0" i="0" kern="1200" dirty="0" err="1" smtClean="0">
+                        <a:rPr lang="fr-FR" sz="1800" b="0" i="0" kern="1200" dirty="0" err="1">
                           <a:solidFill>
                             <a:schemeClr val="dk1"/>
                           </a:solidFill>
@@ -10405,7 +10250,7 @@
                         <a:t>Destructor</a:t>
                       </a:r>
                       <a:r>
-                        <a:rPr lang="fr-FR" sz="1800" b="0" i="0" kern="1200" dirty="0" smtClean="0">
+                        <a:rPr lang="fr-FR" sz="1800" b="0" i="0" kern="1200" dirty="0">
                           <a:solidFill>
                             <a:schemeClr val="dk1"/>
                           </a:solidFill>
@@ -10417,7 +10262,7 @@
                         <a:t>, </a:t>
                       </a:r>
                       <a:r>
-                        <a:rPr lang="fr-FR" sz="1800" b="0" i="0" kern="1200" dirty="0" err="1" smtClean="0">
+                        <a:rPr lang="fr-FR" sz="1800" b="0" i="0" kern="1200" dirty="0" err="1">
                           <a:solidFill>
                             <a:schemeClr val="dk1"/>
                           </a:solidFill>
@@ -10429,7 +10274,7 @@
                         <a:t>deletes</a:t>
                       </a:r>
                       <a:r>
-                        <a:rPr lang="fr-FR" sz="1800" b="0" i="0" kern="1200" dirty="0" smtClean="0">
+                        <a:rPr lang="fr-FR" sz="1800" b="0" i="0" kern="1200" dirty="0">
                           <a:solidFill>
                             <a:schemeClr val="dk1"/>
                           </a:solidFill>
@@ -10441,7 +10286,7 @@
                         <a:t> an </a:t>
                       </a:r>
                       <a:r>
-                        <a:rPr lang="fr-FR" sz="1800" b="0" i="0" kern="1200" dirty="0" err="1" smtClean="0">
+                        <a:rPr lang="fr-FR" sz="1800" b="0" i="0" kern="1200" dirty="0" err="1">
                           <a:solidFill>
                             <a:schemeClr val="dk1"/>
                           </a:solidFill>
@@ -10465,7 +10310,7 @@
                     <a:lstStyle/>
                     <a:p>
                       <a:r>
-                        <a:rPr lang="fr-FR" sz="1800" b="0" i="1" kern="1200" dirty="0" err="1" smtClean="0">
+                        <a:rPr lang="fr-FR" sz="1800" b="0" i="1" kern="1200" dirty="0" err="1">
                           <a:solidFill>
                             <a:schemeClr val="dk1"/>
                           </a:solidFill>
@@ -10477,7 +10322,7 @@
                         <a:t>del</a:t>
                       </a:r>
                       <a:r>
-                        <a:rPr lang="fr-FR" sz="1800" b="0" i="1" kern="1200" dirty="0" smtClean="0">
+                        <a:rPr lang="fr-FR" sz="1800" b="0" i="1" kern="1200" dirty="0">
                           <a:solidFill>
                             <a:schemeClr val="dk1"/>
                           </a:solidFill>
@@ -10489,7 +10334,7 @@
                         <a:t> </a:t>
                       </a:r>
                       <a:r>
-                        <a:rPr lang="fr-FR" sz="1800" b="0" i="1" kern="1200" dirty="0" err="1" smtClean="0">
+                        <a:rPr lang="fr-FR" sz="1800" b="0" i="1" kern="1200" dirty="0" err="1">
                           <a:solidFill>
                             <a:schemeClr val="dk1"/>
                           </a:solidFill>
@@ -10507,7 +10352,7 @@
                 </a:tc>
                 <a:extLst>
                   <a:ext uri="{0D108BD9-81ED-4DB2-BD59-A6C34878D82A}">
-                    <a16:rowId xmlns:a16="http://schemas.microsoft.com/office/drawing/2014/main" xmlns="" val="10002"/>
+                    <a16:rowId xmlns:a16="http://schemas.microsoft.com/office/drawing/2014/main" val="10002"/>
                   </a:ext>
                 </a:extLst>
               </a:tr>
@@ -10518,7 +10363,7 @@
                     <a:lstStyle/>
                     <a:p>
                       <a:r>
-                        <a:rPr lang="fr-FR" sz="1800" b="1" i="0" kern="1200" dirty="0" smtClean="0">
+                        <a:rPr lang="fr-FR" sz="1800" b="1" i="0" kern="1200" dirty="0">
                           <a:solidFill>
                             <a:schemeClr val="dk1"/>
                           </a:solidFill>
@@ -10530,7 +10375,7 @@
                         <a:t>__</a:t>
                       </a:r>
                       <a:r>
-                        <a:rPr lang="fr-FR" sz="1800" b="1" i="0" kern="1200" dirty="0" err="1" smtClean="0">
+                        <a:rPr lang="fr-FR" sz="1800" b="1" i="0" kern="1200" dirty="0" err="1">
                           <a:solidFill>
                             <a:schemeClr val="dk1"/>
                           </a:solidFill>
@@ -10542,7 +10387,7 @@
                         <a:t>repr</a:t>
                       </a:r>
                       <a:r>
-                        <a:rPr lang="fr-FR" sz="1800" b="1" i="0" kern="1200" dirty="0" smtClean="0">
+                        <a:rPr lang="fr-FR" sz="1800" b="1" i="0" kern="1200" dirty="0">
                           <a:solidFill>
                             <a:schemeClr val="dk1"/>
                           </a:solidFill>
@@ -10565,7 +10410,7 @@
                     <a:p>
                       <a:pPr fontAlgn="t"/>
                       <a:r>
-                        <a:rPr lang="fr-FR" sz="1800" b="0" i="0" kern="1200" dirty="0" err="1" smtClean="0">
+                        <a:rPr lang="fr-FR" sz="1800" b="0" i="0" kern="1200" dirty="0" err="1">
                           <a:solidFill>
                             <a:schemeClr val="dk1"/>
                           </a:solidFill>
@@ -10577,7 +10422,7 @@
                         <a:t>Evaluatable</a:t>
                       </a:r>
                       <a:r>
-                        <a:rPr lang="fr-FR" sz="1800" b="0" i="0" kern="1200" dirty="0" smtClean="0">
+                        <a:rPr lang="fr-FR" sz="1800" b="0" i="0" kern="1200" dirty="0">
                           <a:solidFill>
                             <a:schemeClr val="dk1"/>
                           </a:solidFill>
@@ -10589,7 +10434,7 @@
                         <a:t> string </a:t>
                       </a:r>
                       <a:r>
-                        <a:rPr lang="fr-FR" sz="1800" b="0" i="0" kern="1200" dirty="0" err="1" smtClean="0">
+                        <a:rPr lang="fr-FR" sz="1800" b="0" i="0" kern="1200" dirty="0" err="1">
                           <a:solidFill>
                             <a:schemeClr val="dk1"/>
                           </a:solidFill>
@@ -10613,7 +10458,7 @@
                     <a:lstStyle/>
                     <a:p>
                       <a:r>
-                        <a:rPr lang="fr-FR" sz="1800" b="0" i="1" kern="1200" dirty="0" err="1" smtClean="0">
+                        <a:rPr lang="fr-FR" sz="1800" b="0" i="1" kern="1200" dirty="0" err="1">
                           <a:solidFill>
                             <a:schemeClr val="dk1"/>
                           </a:solidFill>
@@ -10625,7 +10470,7 @@
                         <a:t>repr</a:t>
                       </a:r>
                       <a:r>
-                        <a:rPr lang="fr-FR" sz="1800" b="0" i="1" kern="1200" dirty="0" smtClean="0">
+                        <a:rPr lang="fr-FR" sz="1800" b="0" i="1" kern="1200" dirty="0">
                           <a:solidFill>
                             <a:schemeClr val="dk1"/>
                           </a:solidFill>
@@ -10637,7 +10482,7 @@
                         <a:t>(</a:t>
                       </a:r>
                       <a:r>
-                        <a:rPr lang="fr-FR" sz="1800" b="0" i="1" kern="1200" dirty="0" err="1" smtClean="0">
+                        <a:rPr lang="fr-FR" sz="1800" b="0" i="1" kern="1200" dirty="0" err="1">
                           <a:solidFill>
                             <a:schemeClr val="dk1"/>
                           </a:solidFill>
@@ -10649,7 +10494,7 @@
                         <a:t>obj</a:t>
                       </a:r>
                       <a:r>
-                        <a:rPr lang="fr-FR" sz="1800" b="0" i="1" kern="1200" dirty="0" smtClean="0">
+                        <a:rPr lang="fr-FR" sz="1800" b="0" i="1" kern="1200" dirty="0">
                           <a:solidFill>
                             <a:schemeClr val="dk1"/>
                           </a:solidFill>
@@ -10667,7 +10512,7 @@
                 </a:tc>
                 <a:extLst>
                   <a:ext uri="{0D108BD9-81ED-4DB2-BD59-A6C34878D82A}">
-                    <a16:rowId xmlns:a16="http://schemas.microsoft.com/office/drawing/2014/main" xmlns="" val="1860780884"/>
+                    <a16:rowId xmlns:a16="http://schemas.microsoft.com/office/drawing/2014/main" val="1860780884"/>
                   </a:ext>
                 </a:extLst>
               </a:tr>
@@ -10678,7 +10523,7 @@
                     <a:lstStyle/>
                     <a:p>
                       <a:r>
-                        <a:rPr lang="fr-FR" sz="1800" b="1" i="0" kern="1200" dirty="0" smtClean="0">
+                        <a:rPr lang="fr-FR" sz="1800" b="1" i="0" kern="1200" dirty="0">
                           <a:solidFill>
                             <a:schemeClr val="dk1"/>
                           </a:solidFill>
@@ -10690,7 +10535,7 @@
                         <a:t>__</a:t>
                       </a:r>
                       <a:r>
-                        <a:rPr lang="fr-FR" sz="1800" b="1" i="0" kern="1200" dirty="0" err="1" smtClean="0">
+                        <a:rPr lang="fr-FR" sz="1800" b="1" i="0" kern="1200" dirty="0" err="1">
                           <a:solidFill>
                             <a:schemeClr val="dk1"/>
                           </a:solidFill>
@@ -10702,7 +10547,7 @@
                         <a:t>str</a:t>
                       </a:r>
                       <a:r>
-                        <a:rPr lang="fr-FR" sz="1800" b="1" i="0" kern="1200" dirty="0" smtClean="0">
+                        <a:rPr lang="fr-FR" sz="1800" b="1" i="0" kern="1200" dirty="0">
                           <a:solidFill>
                             <a:schemeClr val="dk1"/>
                           </a:solidFill>
@@ -10741,7 +10586,7 @@
                         <a:defRPr/>
                       </a:pPr>
                       <a:r>
-                        <a:rPr lang="fr-FR" sz="1800" b="0" i="0" kern="1200" dirty="0" err="1" smtClean="0">
+                        <a:rPr lang="fr-FR" sz="1800" b="0" i="0" kern="1200" dirty="0" err="1">
                           <a:solidFill>
                             <a:schemeClr val="dk1"/>
                           </a:solidFill>
@@ -10753,7 +10598,7 @@
                         <a:t>Printable</a:t>
                       </a:r>
                       <a:r>
-                        <a:rPr lang="fr-FR" sz="1800" b="0" i="0" kern="1200" dirty="0" smtClean="0">
+                        <a:rPr lang="fr-FR" sz="1800" b="0" i="0" kern="1200" dirty="0">
                           <a:solidFill>
                             <a:schemeClr val="dk1"/>
                           </a:solidFill>
@@ -10765,7 +10610,7 @@
                         <a:t> string </a:t>
                       </a:r>
                       <a:r>
-                        <a:rPr lang="fr-FR" sz="1800" b="0" i="0" kern="1200" dirty="0" err="1" smtClean="0">
+                        <a:rPr lang="fr-FR" sz="1800" b="0" i="0" kern="1200" dirty="0" err="1">
                           <a:solidFill>
                             <a:schemeClr val="dk1"/>
                           </a:solidFill>
@@ -10776,7 +10621,7 @@
                         </a:rPr>
                         <a:t>representation</a:t>
                       </a:r>
-                      <a:endParaRPr lang="en-US" dirty="0" smtClean="0">
+                      <a:endParaRPr lang="en-US" dirty="0">
                         <a:effectLst/>
                       </a:endParaRPr>
                     </a:p>
@@ -10795,7 +10640,7 @@
                     <a:lstStyle/>
                     <a:p>
                       <a:r>
-                        <a:rPr lang="fr-FR" sz="1800" b="0" i="1" kern="1200" dirty="0" err="1" smtClean="0">
+                        <a:rPr lang="fr-FR" sz="1800" b="0" i="1" kern="1200" dirty="0" err="1">
                           <a:solidFill>
                             <a:schemeClr val="dk1"/>
                           </a:solidFill>
@@ -10807,7 +10652,7 @@
                         <a:t>str</a:t>
                       </a:r>
                       <a:r>
-                        <a:rPr lang="fr-FR" sz="1800" b="0" i="1" kern="1200" dirty="0" smtClean="0">
+                        <a:rPr lang="fr-FR" sz="1800" b="0" i="1" kern="1200" dirty="0">
                           <a:solidFill>
                             <a:schemeClr val="dk1"/>
                           </a:solidFill>
@@ -10819,7 +10664,7 @@
                         <a:t>(</a:t>
                       </a:r>
                       <a:r>
-                        <a:rPr lang="fr-FR" sz="1800" b="0" i="1" kern="1200" dirty="0" err="1" smtClean="0">
+                        <a:rPr lang="fr-FR" sz="1800" b="0" i="1" kern="1200" dirty="0" err="1">
                           <a:solidFill>
                             <a:schemeClr val="dk1"/>
                           </a:solidFill>
@@ -10831,7 +10676,7 @@
                         <a:t>obj</a:t>
                       </a:r>
                       <a:r>
-                        <a:rPr lang="fr-FR" sz="1800" b="0" i="1" kern="1200" dirty="0" smtClean="0">
+                        <a:rPr lang="fr-FR" sz="1800" b="0" i="1" kern="1200" dirty="0">
                           <a:solidFill>
                             <a:schemeClr val="dk1"/>
                           </a:solidFill>
@@ -10849,7 +10694,7 @@
                 </a:tc>
                 <a:extLst>
                   <a:ext uri="{0D108BD9-81ED-4DB2-BD59-A6C34878D82A}">
-                    <a16:rowId xmlns:a16="http://schemas.microsoft.com/office/drawing/2014/main" xmlns="" val="2323740672"/>
+                    <a16:rowId xmlns:a16="http://schemas.microsoft.com/office/drawing/2014/main" val="2323740672"/>
                   </a:ext>
                 </a:extLst>
               </a:tr>
@@ -10860,7 +10705,7 @@
                     <a:lstStyle/>
                     <a:p>
                       <a:r>
-                        <a:rPr lang="fr-FR" sz="1800" b="1" i="0" kern="1200" dirty="0" smtClean="0">
+                        <a:rPr lang="fr-FR" sz="1800" b="1" i="0" kern="1200" dirty="0">
                           <a:solidFill>
                             <a:schemeClr val="dk1"/>
                           </a:solidFill>
@@ -10872,7 +10717,7 @@
                         <a:t>__</a:t>
                       </a:r>
                       <a:r>
-                        <a:rPr lang="fr-FR" sz="1800" b="1" i="0" kern="1200" dirty="0" err="1" smtClean="0">
+                        <a:rPr lang="fr-FR" sz="1800" b="1" i="0" kern="1200" dirty="0" err="1">
                           <a:solidFill>
                             <a:schemeClr val="dk1"/>
                           </a:solidFill>
@@ -10884,7 +10729,7 @@
                         <a:t>cmp</a:t>
                       </a:r>
                       <a:r>
-                        <a:rPr lang="fr-FR" sz="1800" b="1" i="0" kern="1200" dirty="0" smtClean="0">
+                        <a:rPr lang="fr-FR" sz="1800" b="1" i="0" kern="1200" dirty="0">
                           <a:solidFill>
                             <a:schemeClr val="dk1"/>
                           </a:solidFill>
@@ -10907,7 +10752,7 @@
                     <a:p>
                       <a:pPr fontAlgn="t"/>
                       <a:r>
-                        <a:rPr lang="fr-FR" sz="1800" b="0" i="0" kern="1200" dirty="0" smtClean="0">
+                        <a:rPr lang="fr-FR" sz="1800" b="0" i="0" kern="1200" dirty="0">
                           <a:solidFill>
                             <a:schemeClr val="dk1"/>
                           </a:solidFill>
@@ -10919,7 +10764,7 @@
                         <a:t>Object </a:t>
                       </a:r>
                       <a:r>
-                        <a:rPr lang="fr-FR" sz="1800" b="0" i="0" kern="1200" dirty="0" err="1" smtClean="0">
+                        <a:rPr lang="fr-FR" sz="1800" b="0" i="0" kern="1200" dirty="0" err="1">
                           <a:solidFill>
                             <a:schemeClr val="dk1"/>
                           </a:solidFill>
@@ -10943,7 +10788,7 @@
                     <a:lstStyle/>
                     <a:p>
                       <a:r>
-                        <a:rPr lang="fr-FR" sz="1800" b="0" i="1" kern="1200" dirty="0" err="1" smtClean="0">
+                        <a:rPr lang="fr-FR" sz="1800" b="0" i="1" kern="1200" dirty="0" err="1">
                           <a:solidFill>
                             <a:schemeClr val="dk1"/>
                           </a:solidFill>
@@ -10955,7 +10800,7 @@
                         <a:t>cmp</a:t>
                       </a:r>
                       <a:r>
-                        <a:rPr lang="fr-FR" sz="1800" b="0" i="1" kern="1200" dirty="0" smtClean="0">
+                        <a:rPr lang="fr-FR" sz="1800" b="0" i="1" kern="1200" dirty="0">
                           <a:solidFill>
                             <a:schemeClr val="dk1"/>
                           </a:solidFill>
@@ -10967,7 +10812,7 @@
                         <a:t>(</a:t>
                       </a:r>
                       <a:r>
-                        <a:rPr lang="fr-FR" sz="1800" b="0" i="1" kern="1200" dirty="0" err="1" smtClean="0">
+                        <a:rPr lang="fr-FR" sz="1800" b="0" i="1" kern="1200" dirty="0" err="1">
                           <a:solidFill>
                             <a:schemeClr val="dk1"/>
                           </a:solidFill>
@@ -10979,7 +10824,7 @@
                         <a:t>obj</a:t>
                       </a:r>
                       <a:r>
-                        <a:rPr lang="fr-FR" sz="1800" b="0" i="1" kern="1200" dirty="0" smtClean="0">
+                        <a:rPr lang="fr-FR" sz="1800" b="0" i="1" kern="1200" dirty="0">
                           <a:solidFill>
                             <a:schemeClr val="dk1"/>
                           </a:solidFill>
@@ -10997,7 +10842,7 @@
                 </a:tc>
                 <a:extLst>
                   <a:ext uri="{0D108BD9-81ED-4DB2-BD59-A6C34878D82A}">
-                    <a16:rowId xmlns:a16="http://schemas.microsoft.com/office/drawing/2014/main" xmlns="" val="2215591080"/>
+                    <a16:rowId xmlns:a16="http://schemas.microsoft.com/office/drawing/2014/main" val="2215591080"/>
                   </a:ext>
                 </a:extLst>
               </a:tr>
@@ -11065,38 +10910,18 @@
               <a:rPr lang="fr-FR" b="1" dirty="0" err="1"/>
               <a:t>Inheritance</a:t>
             </a:r>
-            <a:r>
-              <a:rPr lang="fr-FR" dirty="0"/>
-              <a:t/>
-            </a:r>
             <a:br>
               <a:rPr lang="fr-FR" dirty="0"/>
             </a:br>
-            <a:r>
-              <a:rPr lang="fr-FR" dirty="0"/>
-              <a:t/>
-            </a:r>
             <a:br>
               <a:rPr lang="fr-FR" dirty="0"/>
             </a:br>
-            <a:r>
-              <a:rPr lang="fr-FR" dirty="0"/>
-              <a:t/>
-            </a:r>
             <a:br>
               <a:rPr lang="fr-FR" dirty="0"/>
             </a:br>
-            <a:r>
-              <a:rPr lang="fr-FR" b="1" dirty="0"/>
-              <a:t/>
-            </a:r>
             <a:br>
               <a:rPr lang="fr-FR" b="1" dirty="0"/>
             </a:br>
-            <a:r>
-              <a:rPr lang="en-US" b="1" dirty="0"/>
-              <a:t/>
-            </a:r>
             <a:br>
               <a:rPr lang="en-US" b="1" dirty="0"/>
             </a:br>
@@ -11134,27 +10959,19 @@
           <a:p>
             <a:r>
               <a:rPr lang="en-US" dirty="0"/>
-              <a:t>The child class inherits the attributes of its parent class, and you can use those attributes as if they were defined in the child class. A child class can also override data members and methods from the parent</a:t>
-            </a:r>
-            <a:r>
-              <a:rPr lang="en-US" dirty="0" smtClean="0"/>
-              <a:t>.</a:t>
-            </a:r>
-          </a:p>
-          <a:p>
-            <a:r>
-              <a:rPr lang="en-US" dirty="0" smtClean="0"/>
+              <a:t>The child class inherits the attributes of its parent class, and you can use those attributes as if they were defined in the child class. A child class can also override data members and methods from the parent.</a:t>
+            </a:r>
+          </a:p>
+          <a:p>
+            <a:r>
+              <a:rPr lang="en-US" dirty="0"/>
               <a:t>Example:</a:t>
             </a:r>
           </a:p>
           <a:p>
             <a:r>
               <a:rPr lang="en-US" sz="1400" dirty="0"/>
-              <a:t> </a:t>
-            </a:r>
-            <a:r>
-              <a:rPr lang="en-US" sz="1400" dirty="0" smtClean="0"/>
-              <a:t>class Parent:</a:t>
+              <a:t> class Parent:</a:t>
             </a:r>
           </a:p>
           <a:p>
@@ -11163,23 +10980,15 @@
             </a:pPr>
             <a:r>
               <a:rPr lang="en-US" sz="1400" dirty="0"/>
-              <a:t>	</a:t>
-            </a:r>
-            <a:r>
-              <a:rPr lang="en-US" sz="1400" dirty="0" smtClean="0"/>
-              <a:t>	</a:t>
-            </a:r>
-            <a:r>
-              <a:rPr lang="en-US" sz="1400" dirty="0" err="1" smtClean="0"/>
+              <a:t>		</a:t>
+            </a:r>
+            <a:r>
+              <a:rPr lang="en-US" sz="1400" dirty="0" err="1"/>
               <a:t>parentAttr</a:t>
             </a:r>
             <a:r>
-              <a:rPr lang="en-US" sz="1400" dirty="0" smtClean="0"/>
-              <a:t> </a:t>
-            </a:r>
-            <a:r>
               <a:rPr lang="en-US" sz="1400" dirty="0"/>
-              <a:t>= 100</a:t>
+              <a:t> = 100</a:t>
             </a:r>
           </a:p>
           <a:p>
@@ -11188,23 +10997,15 @@
             </a:pPr>
             <a:r>
               <a:rPr lang="en-US" sz="1400" dirty="0"/>
-              <a:t>   </a:t>
-            </a:r>
-            <a:r>
-              <a:rPr lang="en-US" sz="1400" dirty="0" smtClean="0"/>
-              <a:t>		</a:t>
-            </a:r>
-            <a:r>
-              <a:rPr lang="en-US" sz="1400" dirty="0" err="1" smtClean="0"/>
+              <a:t>   		</a:t>
+            </a:r>
+            <a:r>
+              <a:rPr lang="en-US" sz="1400" dirty="0" err="1"/>
               <a:t>def</a:t>
             </a:r>
             <a:r>
-              <a:rPr lang="en-US" sz="1400" dirty="0" smtClean="0"/>
-              <a:t> </a:t>
-            </a:r>
-            <a:r>
               <a:rPr lang="en-US" sz="1400" dirty="0"/>
-              <a:t>__</a:t>
+              <a:t> __</a:t>
             </a:r>
             <a:r>
               <a:rPr lang="en-US" sz="1400" dirty="0" err="1"/>
@@ -11221,19 +11022,7 @@
             </a:pPr>
             <a:r>
               <a:rPr lang="en-US" sz="1400" dirty="0"/>
-              <a:t>      </a:t>
-            </a:r>
-            <a:r>
-              <a:rPr lang="en-US" sz="1400" dirty="0" smtClean="0"/>
-              <a:t>			print </a:t>
-            </a:r>
-            <a:r>
-              <a:rPr lang="en-US" sz="1400" dirty="0"/>
-              <a:t>"Calling parent </a:t>
-            </a:r>
-            <a:r>
-              <a:rPr lang="en-US" sz="1400" dirty="0" smtClean="0"/>
-              <a:t>constructor“</a:t>
+              <a:t>      			print "Calling parent constructor“</a:t>
             </a:r>
           </a:p>
           <a:p>
@@ -11242,11 +11031,7 @@
             </a:pPr>
             <a:r>
               <a:rPr lang="en-US" sz="1400" dirty="0"/>
-              <a:t> </a:t>
-            </a:r>
-            <a:r>
-              <a:rPr lang="en-US" sz="1400" dirty="0" smtClean="0"/>
-              <a:t>      class Child (Parent): </a:t>
+              <a:t>       class Child (Parent): </a:t>
             </a:r>
           </a:p>
           <a:p>
@@ -11280,15 +11065,7 @@
             </a:pPr>
             <a:r>
               <a:rPr lang="en-US" sz="1400" dirty="0"/>
-              <a:t>      </a:t>
-            </a:r>
-            <a:r>
-              <a:rPr lang="en-US" sz="1400" dirty="0" smtClean="0"/>
-              <a:t>			print </a:t>
-            </a:r>
-            <a:r>
-              <a:rPr lang="en-US" sz="1400" dirty="0"/>
-              <a:t>"Calling child constructor"</a:t>
+              <a:t>      			print "Calling child constructor"</a:t>
             </a:r>
           </a:p>
         </p:txBody>
@@ -11346,32 +11123,24 @@
           <a:lstStyle/>
           <a:p>
             <a:r>
-              <a:rPr lang="fr-FR" b="1" dirty="0" smtClean="0"/>
+              <a:rPr lang="fr-FR" b="1" dirty="0"/>
               <a:t>Data Type conversion &amp; </a:t>
             </a:r>
             <a:r>
-              <a:rPr lang="fr-FR" b="1" dirty="0" err="1" smtClean="0"/>
+              <a:rPr lang="fr-FR" b="1" dirty="0" err="1"/>
               <a:t>built</a:t>
             </a:r>
             <a:r>
-              <a:rPr lang="fr-FR" b="1" dirty="0" smtClean="0"/>
+              <a:rPr lang="fr-FR" b="1" dirty="0"/>
               <a:t>-in </a:t>
             </a:r>
             <a:r>
-              <a:rPr lang="fr-FR" b="1" dirty="0" err="1" smtClean="0"/>
+              <a:rPr lang="fr-FR" b="1" dirty="0" err="1"/>
               <a:t>functions</a:t>
-            </a:r>
-            <a:r>
-              <a:rPr lang="fr-FR" dirty="0"/>
-              <a:t/>
             </a:r>
             <a:br>
               <a:rPr lang="fr-FR" dirty="0"/>
             </a:br>
-            <a:r>
-              <a:rPr lang="en-US" b="1" dirty="0"/>
-              <a:t/>
-            </a:r>
             <a:br>
               <a:rPr lang="en-US" b="1" dirty="0"/>
             </a:br>
@@ -11408,21 +11177,21 @@
                 <a:gridCol w="1780800">
                   <a:extLst>
                     <a:ext uri="{9D8B030D-6E8A-4147-A177-3AD203B41FA5}">
-                      <a16:colId xmlns:a16="http://schemas.microsoft.com/office/drawing/2014/main" xmlns="" val="20000"/>
+                      <a16:colId xmlns:a16="http://schemas.microsoft.com/office/drawing/2014/main" val="20000"/>
                     </a:ext>
                   </a:extLst>
                 </a:gridCol>
                 <a:gridCol w="4324350">
                   <a:extLst>
                     <a:ext uri="{9D8B030D-6E8A-4147-A177-3AD203B41FA5}">
-                      <a16:colId xmlns:a16="http://schemas.microsoft.com/office/drawing/2014/main" xmlns="" val="20001"/>
+                      <a16:colId xmlns:a16="http://schemas.microsoft.com/office/drawing/2014/main" val="20001"/>
                     </a:ext>
                   </a:extLst>
                 </a:gridCol>
                 <a:gridCol w="2810250">
                   <a:extLst>
                     <a:ext uri="{9D8B030D-6E8A-4147-A177-3AD203B41FA5}">
-                      <a16:colId xmlns:a16="http://schemas.microsoft.com/office/drawing/2014/main" xmlns="" val="20002"/>
+                      <a16:colId xmlns:a16="http://schemas.microsoft.com/office/drawing/2014/main" val="20002"/>
                     </a:ext>
                   </a:extLst>
                 </a:gridCol>
@@ -11434,14 +11203,11 @@
                     <a:lstStyle/>
                     <a:p>
                       <a:r>
-                        <a:rPr lang="en-US" dirty="0" smtClean="0">
+                        <a:rPr lang="en-US" dirty="0">
                           <a:effectLst/>
                         </a:rPr>
                         <a:t>Type</a:t>
                       </a:r>
-                      <a:endParaRPr lang="en-US" dirty="0">
-                        <a:effectLst/>
-                      </a:endParaRPr>
                     </a:p>
                   </a:txBody>
                   <a:tcPr anchor="ctr"/>
@@ -11476,7 +11242,7 @@
                 </a:tc>
                 <a:extLst>
                   <a:ext uri="{0D108BD9-81ED-4DB2-BD59-A6C34878D82A}">
-                    <a16:rowId xmlns:a16="http://schemas.microsoft.com/office/drawing/2014/main" xmlns="" val="10000"/>
+                    <a16:rowId xmlns:a16="http://schemas.microsoft.com/office/drawing/2014/main" val="10000"/>
                   </a:ext>
                 </a:extLst>
               </a:tr>
@@ -11487,8 +11253,29 @@
                     <a:lstStyle/>
                     <a:p>
                       <a:r>
-                        <a:rPr lang="en-US" dirty="0" smtClean="0"/>
+                        <a:rPr lang="en-US" dirty="0"/>
                         <a:t>Numbers</a:t>
+                      </a:r>
+                    </a:p>
+                  </a:txBody>
+                  <a:tcPr anchor="ctr"/>
+                </a:tc>
+                <a:tc>
+                  <a:txBody>
+                    <a:bodyPr/>
+                    <a:lstStyle/>
+                    <a:p>
+                      <a:r>
+                        <a:rPr lang="en-US" dirty="0" err="1"/>
+                        <a:t>Int</a:t>
+                      </a:r>
+                      <a:r>
+                        <a:rPr lang="en-US" dirty="0"/>
+                        <a:t>(x),</a:t>
+                      </a:r>
+                      <a:r>
+                        <a:rPr lang="en-US" baseline="0" dirty="0"/>
+                        <a:t> long(x), float(x), complex(x), abs(x), round(x,2), floor(x), ceil(x)…</a:t>
                       </a:r>
                       <a:endParaRPr lang="en-US" dirty="0"/>
                     </a:p>
@@ -11501,40 +11288,18 @@
                     <a:lstStyle/>
                     <a:p>
                       <a:r>
-                        <a:rPr lang="en-US" dirty="0" err="1" smtClean="0"/>
+                        <a:rPr lang="en-US" dirty="0" err="1">
+                          <a:effectLst/>
+                        </a:rPr>
                         <a:t>Int</a:t>
                       </a:r>
                       <a:r>
-                        <a:rPr lang="en-US" dirty="0" smtClean="0"/>
-                        <a:t>(x),</a:t>
-                      </a:r>
-                      <a:r>
-                        <a:rPr lang="en-US" baseline="0" dirty="0" smtClean="0"/>
-                        <a:t> long(x), float(x), complex(x), abs(x), round(x,2), floor(x), ceil(x)…</a:t>
-                      </a:r>
-                      <a:endParaRPr lang="en-US" dirty="0"/>
-                    </a:p>
-                  </a:txBody>
-                  <a:tcPr anchor="ctr"/>
-                </a:tc>
-                <a:tc>
-                  <a:txBody>
-                    <a:bodyPr/>
-                    <a:lstStyle/>
-                    <a:p>
-                      <a:r>
-                        <a:rPr lang="en-US" dirty="0" err="1" smtClean="0">
-                          <a:effectLst/>
-                        </a:rPr>
-                        <a:t>Int</a:t>
-                      </a:r>
-                      <a:r>
-                        <a:rPr lang="en-US" dirty="0" smtClean="0">
+                        <a:rPr lang="en-US" dirty="0">
                           <a:effectLst/>
                         </a:rPr>
                         <a:t>(10.0), float(10)</a:t>
                       </a:r>
-                      <a:endParaRPr lang="en-US" sz="1800" kern="1200" dirty="0" smtClean="0">
+                      <a:endParaRPr lang="en-US" sz="1800" kern="1200" dirty="0">
                         <a:solidFill>
                           <a:schemeClr val="dk1"/>
                         </a:solidFill>
@@ -11549,7 +11314,7 @@
                 </a:tc>
                 <a:extLst>
                   <a:ext uri="{0D108BD9-81ED-4DB2-BD59-A6C34878D82A}">
-                    <a16:rowId xmlns:a16="http://schemas.microsoft.com/office/drawing/2014/main" xmlns="" val="10001"/>
+                    <a16:rowId xmlns:a16="http://schemas.microsoft.com/office/drawing/2014/main" val="10001"/>
                   </a:ext>
                 </a:extLst>
               </a:tr>
@@ -11560,10 +11325,9 @@
                     <a:lstStyle/>
                     <a:p>
                       <a:r>
-                        <a:rPr lang="en-US" dirty="0" smtClean="0"/>
+                        <a:rPr lang="en-US" dirty="0"/>
                         <a:t>String</a:t>
                       </a:r>
-                      <a:endParaRPr lang="en-US" dirty="0"/>
                     </a:p>
                   </a:txBody>
                   <a:tcPr anchor="ctr"/>
@@ -11574,7 +11338,7 @@
                     <a:lstStyle/>
                     <a:p>
                       <a:r>
-                        <a:rPr lang="fr-FR" sz="1800" b="0" i="0" kern="1200" dirty="0" err="1" smtClean="0">
+                        <a:rPr lang="fr-FR" sz="1800" b="0" i="0" kern="1200" dirty="0" err="1">
                           <a:solidFill>
                             <a:schemeClr val="dk1"/>
                           </a:solidFill>
@@ -11586,7 +11350,7 @@
                         <a:t>str</a:t>
                       </a:r>
                       <a:r>
-                        <a:rPr lang="fr-FR" sz="1800" b="0" i="0" kern="1200" dirty="0" smtClean="0">
+                        <a:rPr lang="fr-FR" sz="1800" b="0" i="0" kern="1200" dirty="0">
                           <a:solidFill>
                             <a:schemeClr val="dk1"/>
                           </a:solidFill>
@@ -11598,7 +11362,7 @@
                         <a:t>(x), </a:t>
                       </a:r>
                       <a:r>
-                        <a:rPr lang="fr-FR" sz="1800" b="0" i="0" kern="1200" dirty="0" err="1" smtClean="0">
+                        <a:rPr lang="fr-FR" sz="1800" b="0" i="0" kern="1200" dirty="0" err="1">
                           <a:solidFill>
                             <a:schemeClr val="dk1"/>
                           </a:solidFill>
@@ -11610,7 +11374,7 @@
                         <a:t>repr</a:t>
                       </a:r>
                       <a:r>
-                        <a:rPr lang="fr-FR" sz="1800" b="0" i="0" kern="1200" dirty="0" smtClean="0">
+                        <a:rPr lang="fr-FR" sz="1800" b="0" i="0" kern="1200" dirty="0">
                           <a:solidFill>
                             <a:schemeClr val="dk1"/>
                           </a:solidFill>
@@ -11622,7 +11386,7 @@
                         <a:t>(x), </a:t>
                       </a:r>
                       <a:r>
-                        <a:rPr lang="fr-FR" sz="1800" b="0" i="0" kern="1200" dirty="0" err="1" smtClean="0">
+                        <a:rPr lang="fr-FR" sz="1800" b="0" i="0" kern="1200" dirty="0" err="1">
                           <a:solidFill>
                             <a:schemeClr val="dk1"/>
                           </a:solidFill>
@@ -11634,7 +11398,7 @@
                         <a:t>eval</a:t>
                       </a:r>
                       <a:r>
-                        <a:rPr lang="fr-FR" sz="1800" b="0" i="0" kern="1200" dirty="0" smtClean="0">
+                        <a:rPr lang="fr-FR" sz="1800" b="0" i="0" kern="1200" dirty="0">
                           <a:solidFill>
                             <a:schemeClr val="dk1"/>
                           </a:solidFill>
@@ -11646,7 +11410,7 @@
                         <a:t>(</a:t>
                       </a:r>
                       <a:r>
-                        <a:rPr lang="fr-FR" sz="1800" b="0" i="0" kern="1200" dirty="0" err="1" smtClean="0">
+                        <a:rPr lang="fr-FR" sz="1800" b="0" i="0" kern="1200" dirty="0" err="1">
                           <a:solidFill>
                             <a:schemeClr val="dk1"/>
                           </a:solidFill>
@@ -11658,7 +11422,7 @@
                         <a:t>str</a:t>
                       </a:r>
                       <a:r>
-                        <a:rPr lang="fr-FR" sz="1800" b="0" i="0" kern="1200" dirty="0" smtClean="0">
+                        <a:rPr lang="fr-FR" sz="1800" b="0" i="0" kern="1200" dirty="0">
                           <a:solidFill>
                             <a:schemeClr val="dk1"/>
                           </a:solidFill>
@@ -11670,7 +11434,7 @@
                         <a:t>), </a:t>
                       </a:r>
                       <a:r>
-                        <a:rPr lang="fr-FR" sz="1800" b="0" i="0" kern="1200" dirty="0" err="1" smtClean="0">
+                        <a:rPr lang="fr-FR" sz="1800" b="0" i="0" kern="1200" dirty="0" err="1">
                           <a:solidFill>
                             <a:schemeClr val="dk1"/>
                           </a:solidFill>
@@ -11682,7 +11446,7 @@
                         <a:t>s.title</a:t>
                       </a:r>
                       <a:r>
-                        <a:rPr lang="fr-FR" sz="1800" b="0" i="0" kern="1200" dirty="0" smtClean="0">
+                        <a:rPr lang="fr-FR" sz="1800" b="0" i="0" kern="1200" dirty="0">
                           <a:solidFill>
                             <a:schemeClr val="dk1"/>
                           </a:solidFill>
@@ -11694,7 +11458,7 @@
                         <a:t>(), </a:t>
                       </a:r>
                       <a:r>
-                        <a:rPr lang="fr-FR" sz="1800" b="0" i="0" kern="1200" dirty="0" err="1" smtClean="0">
+                        <a:rPr lang="fr-FR" sz="1800" b="0" i="0" kern="1200" dirty="0" err="1">
                           <a:solidFill>
                             <a:schemeClr val="dk1"/>
                           </a:solidFill>
@@ -11706,7 +11470,7 @@
                         <a:t>s.strip</a:t>
                       </a:r>
                       <a:r>
-                        <a:rPr lang="fr-FR" sz="1800" b="0" i="0" kern="1200" dirty="0" smtClean="0">
+                        <a:rPr lang="fr-FR" sz="1800" b="0" i="0" kern="1200" dirty="0">
                           <a:solidFill>
                             <a:schemeClr val="dk1"/>
                           </a:solidFill>
@@ -11720,7 +11484,7 @@
                     </a:p>
                     <a:p>
                       <a:r>
-                        <a:rPr lang="en-US" sz="1800" b="0" i="0" kern="1200" dirty="0" err="1" smtClean="0">
+                        <a:rPr lang="en-US" sz="1800" b="0" i="0" kern="1200" dirty="0" err="1">
                           <a:solidFill>
                             <a:schemeClr val="dk1"/>
                           </a:solidFill>
@@ -11732,7 +11496,7 @@
                         <a:t>s.Split</a:t>
                       </a:r>
                       <a:r>
-                        <a:rPr lang="en-US" sz="1800" b="0" i="0" kern="1200" dirty="0" smtClean="0">
+                        <a:rPr lang="en-US" sz="1800" b="0" i="0" kern="1200" dirty="0">
                           <a:solidFill>
                             <a:schemeClr val="dk1"/>
                           </a:solidFill>
@@ -11744,7 +11508,7 @@
                         <a:t>(), </a:t>
                       </a:r>
                       <a:r>
-                        <a:rPr lang="en-US" sz="1800" b="0" i="0" kern="1200" dirty="0" err="1" smtClean="0">
+                        <a:rPr lang="en-US" sz="1800" b="0" i="0" kern="1200" dirty="0" err="1">
                           <a:solidFill>
                             <a:schemeClr val="dk1"/>
                           </a:solidFill>
@@ -11756,7 +11520,7 @@
                         <a:t>s.find</a:t>
                       </a:r>
                       <a:r>
-                        <a:rPr lang="en-US" sz="1800" b="0" i="0" kern="1200" dirty="0" smtClean="0">
+                        <a:rPr lang="en-US" sz="1800" b="0" i="0" kern="1200" dirty="0">
                           <a:solidFill>
                             <a:schemeClr val="dk1"/>
                           </a:solidFill>
@@ -11795,11 +11559,11 @@
                         <a:defRPr/>
                       </a:pPr>
                       <a:r>
-                        <a:rPr lang="en-US" dirty="0" err="1" smtClean="0"/>
+                        <a:rPr lang="en-US" dirty="0" err="1"/>
                         <a:t>Str</a:t>
                       </a:r>
                       <a:r>
-                        <a:rPr lang="en-US" dirty="0" smtClean="0"/>
+                        <a:rPr lang="en-US" dirty="0"/>
                         <a:t>(list([1,2,3]))</a:t>
                       </a:r>
                     </a:p>
@@ -11822,11 +11586,11 @@
                         <a:defRPr/>
                       </a:pPr>
                       <a:r>
-                        <a:rPr lang="en-US" dirty="0" err="1" smtClean="0"/>
+                        <a:rPr lang="en-US" dirty="0" err="1"/>
                         <a:t>s.Upper</a:t>
                       </a:r>
                       <a:r>
-                        <a:rPr lang="en-US" dirty="0" smtClean="0"/>
+                        <a:rPr lang="en-US" dirty="0"/>
                         <a:t>()</a:t>
                       </a:r>
                     </a:p>
@@ -11849,13 +11613,13 @@
                         <a:defRPr/>
                       </a:pPr>
                       <a:r>
-                        <a:rPr lang="fr-FR" dirty="0" err="1" smtClean="0">
+                        <a:rPr lang="fr-FR" dirty="0" err="1">
                           <a:effectLst/>
                         </a:rPr>
                         <a:t>s</a:t>
                       </a:r>
                       <a:r>
-                        <a:rPr lang="fr-FR" sz="1800" kern="1200" dirty="0" err="1" smtClean="0">
+                        <a:rPr lang="fr-FR" sz="1800" kern="1200" dirty="0" err="1">
                           <a:solidFill>
                             <a:schemeClr val="dk1"/>
                           </a:solidFill>
@@ -11867,13 +11631,13 @@
                         <a:t>.</a:t>
                       </a:r>
                       <a:r>
-                        <a:rPr lang="fr-FR" dirty="0" err="1" smtClean="0">
+                        <a:rPr lang="fr-FR" dirty="0" err="1">
                           <a:effectLst/>
                         </a:rPr>
                         <a:t>replace</a:t>
                       </a:r>
                       <a:r>
-                        <a:rPr lang="fr-FR" sz="1800" kern="1200" dirty="0" smtClean="0">
+                        <a:rPr lang="fr-FR" sz="1800" kern="1200" dirty="0">
                           <a:solidFill>
                             <a:schemeClr val="dk1"/>
                           </a:solidFill>
@@ -11885,7 +11649,7 @@
                         <a:t>("</a:t>
                       </a:r>
                       <a:r>
-                        <a:rPr lang="fr-FR" sz="1800" kern="1200" dirty="0" err="1" smtClean="0">
+                        <a:rPr lang="fr-FR" sz="1800" kern="1200" dirty="0" err="1">
                           <a:solidFill>
                             <a:schemeClr val="dk1"/>
                           </a:solidFill>
@@ -11897,7 +11661,7 @@
                         <a:t>is</a:t>
                       </a:r>
                       <a:r>
-                        <a:rPr lang="fr-FR" sz="1800" kern="1200" dirty="0" smtClean="0">
+                        <a:rPr lang="fr-FR" sz="1800" kern="1200" dirty="0">
                           <a:solidFill>
                             <a:schemeClr val="dk1"/>
                           </a:solidFill>
@@ -11909,13 +11673,13 @@
                         <a:t>",</a:t>
                       </a:r>
                       <a:r>
-                        <a:rPr lang="fr-FR" dirty="0" smtClean="0">
+                        <a:rPr lang="fr-FR" dirty="0">
                           <a:effectLst/>
                         </a:rPr>
                         <a:t> </a:t>
                       </a:r>
                       <a:r>
-                        <a:rPr lang="fr-FR" sz="1800" kern="1200" dirty="0" smtClean="0">
+                        <a:rPr lang="fr-FR" sz="1800" kern="1200" dirty="0">
                           <a:solidFill>
                             <a:schemeClr val="dk1"/>
                           </a:solidFill>
@@ -11927,7 +11691,7 @@
                         <a:t>"</a:t>
                       </a:r>
                       <a:r>
-                        <a:rPr lang="fr-FR" sz="1800" kern="1200" dirty="0" err="1" smtClean="0">
+                        <a:rPr lang="fr-FR" sz="1800" kern="1200" dirty="0" err="1">
                           <a:solidFill>
                             <a:schemeClr val="dk1"/>
                           </a:solidFill>
@@ -11939,7 +11703,7 @@
                         <a:t>was</a:t>
                       </a:r>
                       <a:r>
-                        <a:rPr lang="fr-FR" sz="1800" kern="1200" dirty="0" smtClean="0">
+                        <a:rPr lang="fr-FR" sz="1800" kern="1200" dirty="0">
                           <a:solidFill>
                             <a:schemeClr val="dk1"/>
                           </a:solidFill>
@@ -11957,7 +11721,7 @@
                 </a:tc>
                 <a:extLst>
                   <a:ext uri="{0D108BD9-81ED-4DB2-BD59-A6C34878D82A}">
-                    <a16:rowId xmlns:a16="http://schemas.microsoft.com/office/drawing/2014/main" xmlns="" val="2334112346"/>
+                    <a16:rowId xmlns:a16="http://schemas.microsoft.com/office/drawing/2014/main" val="2334112346"/>
                   </a:ext>
                 </a:extLst>
               </a:tr>
@@ -11968,8 +11732,29 @@
                     <a:lstStyle/>
                     <a:p>
                       <a:r>
-                        <a:rPr lang="en-US" dirty="0" smtClean="0"/>
+                        <a:rPr lang="en-US" dirty="0"/>
                         <a:t>Tuple</a:t>
+                      </a:r>
+                    </a:p>
+                  </a:txBody>
+                  <a:tcPr anchor="ctr"/>
+                </a:tc>
+                <a:tc>
+                  <a:txBody>
+                    <a:bodyPr/>
+                    <a:lstStyle/>
+                    <a:p>
+                      <a:r>
+                        <a:rPr lang="en-US" sz="1800" b="0" i="0" kern="1200" dirty="0">
+                          <a:solidFill>
+                            <a:schemeClr val="dk1"/>
+                          </a:solidFill>
+                          <a:effectLst/>
+                          <a:latin typeface="+mn-lt"/>
+                          <a:ea typeface="+mn-ea"/>
+                          <a:cs typeface="+mn-cs"/>
+                        </a:rPr>
+                        <a:t>tuple(s)</a:t>
                       </a:r>
                       <a:endParaRPr lang="en-US" dirty="0"/>
                     </a:p>
@@ -11982,16 +11767,262 @@
                     <a:lstStyle/>
                     <a:p>
                       <a:r>
-                        <a:rPr lang="en-US" sz="1800" b="0" i="0" kern="1200" dirty="0" smtClean="0">
-                          <a:solidFill>
-                            <a:schemeClr val="dk1"/>
-                          </a:solidFill>
-                          <a:effectLst/>
-                          <a:latin typeface="+mn-lt"/>
-                          <a:ea typeface="+mn-ea"/>
-                          <a:cs typeface="+mn-cs"/>
-                        </a:rPr>
-                        <a:t>tuple(s)</a:t>
+                        <a:rPr lang="en-US" dirty="0">
+                          <a:effectLst/>
+                        </a:rPr>
+                        <a:t>t</a:t>
+                      </a:r>
+                      <a:r>
+                        <a:rPr lang="en-US" sz="1800" kern="1200" dirty="0">
+                          <a:solidFill>
+                            <a:schemeClr val="dk1"/>
+                          </a:solidFill>
+                          <a:effectLst/>
+                          <a:latin typeface="+mn-lt"/>
+                          <a:ea typeface="+mn-ea"/>
+                          <a:cs typeface="+mn-cs"/>
+                        </a:rPr>
+                        <a:t>=</a:t>
+                      </a:r>
+                      <a:r>
+                        <a:rPr lang="en-US" dirty="0">
+                          <a:effectLst/>
+                        </a:rPr>
+                        <a:t> tuple</a:t>
+                      </a:r>
+                      <a:r>
+                        <a:rPr lang="en-US" sz="1800" kern="1200" dirty="0">
+                          <a:solidFill>
+                            <a:schemeClr val="dk1"/>
+                          </a:solidFill>
+                          <a:effectLst/>
+                          <a:latin typeface="+mn-lt"/>
+                          <a:ea typeface="+mn-ea"/>
+                          <a:cs typeface="+mn-cs"/>
+                        </a:rPr>
+                        <a:t>([1,2,3,4])</a:t>
+                      </a:r>
+                      <a:endParaRPr lang="en-US" dirty="0"/>
+                    </a:p>
+                  </a:txBody>
+                  <a:tcPr anchor="ctr"/>
+                </a:tc>
+                <a:extLst>
+                  <a:ext uri="{0D108BD9-81ED-4DB2-BD59-A6C34878D82A}">
+                    <a16:rowId xmlns:a16="http://schemas.microsoft.com/office/drawing/2014/main" val="745536708"/>
+                  </a:ext>
+                </a:extLst>
+              </a:tr>
+              <a:tr h="370840">
+                <a:tc>
+                  <a:txBody>
+                    <a:bodyPr/>
+                    <a:lstStyle/>
+                    <a:p>
+                      <a:r>
+                        <a:rPr lang="en-US" dirty="0"/>
+                        <a:t>List</a:t>
+                      </a:r>
+                    </a:p>
+                  </a:txBody>
+                  <a:tcPr anchor="ctr"/>
+                </a:tc>
+                <a:tc>
+                  <a:txBody>
+                    <a:bodyPr/>
+                    <a:lstStyle/>
+                    <a:p>
+                      <a:r>
+                        <a:rPr lang="en-US" sz="1800" b="0" i="0" kern="1200" dirty="0">
+                          <a:solidFill>
+                            <a:schemeClr val="dk1"/>
+                          </a:solidFill>
+                          <a:effectLst/>
+                          <a:latin typeface="+mn-lt"/>
+                          <a:ea typeface="+mn-ea"/>
+                          <a:cs typeface="+mn-cs"/>
+                        </a:rPr>
+                        <a:t>list(s), </a:t>
+                      </a:r>
+                      <a:r>
+                        <a:rPr lang="en-US" sz="1800" b="0" i="0" kern="1200" dirty="0" err="1">
+                          <a:solidFill>
+                            <a:schemeClr val="dk1"/>
+                          </a:solidFill>
+                          <a:effectLst/>
+                          <a:latin typeface="+mn-lt"/>
+                          <a:ea typeface="+mn-ea"/>
+                          <a:cs typeface="+mn-cs"/>
+                        </a:rPr>
+                        <a:t>li.remove</a:t>
+                      </a:r>
+                      <a:r>
+                        <a:rPr lang="en-US" sz="1800" b="0" i="0" kern="1200" dirty="0">
+                          <a:solidFill>
+                            <a:schemeClr val="dk1"/>
+                          </a:solidFill>
+                          <a:effectLst/>
+                          <a:latin typeface="+mn-lt"/>
+                          <a:ea typeface="+mn-ea"/>
+                          <a:cs typeface="+mn-cs"/>
+                        </a:rPr>
+                        <a:t>(x),</a:t>
+                      </a:r>
+                      <a:r>
+                        <a:rPr lang="en-US" sz="1800" b="0" i="0" kern="1200" baseline="0" dirty="0">
+                          <a:solidFill>
+                            <a:schemeClr val="dk1"/>
+                          </a:solidFill>
+                          <a:effectLst/>
+                          <a:latin typeface="+mn-lt"/>
+                          <a:ea typeface="+mn-ea"/>
+                          <a:cs typeface="+mn-cs"/>
+                        </a:rPr>
+                        <a:t> </a:t>
+                      </a:r>
+                      <a:r>
+                        <a:rPr lang="en-US" sz="1800" b="0" i="0" kern="1200" baseline="0" dirty="0" err="1">
+                          <a:solidFill>
+                            <a:schemeClr val="dk1"/>
+                          </a:solidFill>
+                          <a:effectLst/>
+                          <a:latin typeface="+mn-lt"/>
+                          <a:ea typeface="+mn-ea"/>
+                          <a:cs typeface="+mn-cs"/>
+                        </a:rPr>
+                        <a:t>li.count</a:t>
+                      </a:r>
+                      <a:r>
+                        <a:rPr lang="en-US" sz="1800" b="0" i="0" kern="1200" baseline="0" dirty="0">
+                          <a:solidFill>
+                            <a:schemeClr val="dk1"/>
+                          </a:solidFill>
+                          <a:effectLst/>
+                          <a:latin typeface="+mn-lt"/>
+                          <a:ea typeface="+mn-ea"/>
+                          <a:cs typeface="+mn-cs"/>
+                        </a:rPr>
+                        <a:t>(x),</a:t>
+                      </a:r>
+                      <a:r>
+                        <a:rPr lang="en-US" sz="1800" b="0" i="0" kern="1200" baseline="0" dirty="0" err="1">
+                          <a:solidFill>
+                            <a:schemeClr val="dk1"/>
+                          </a:solidFill>
+                          <a:effectLst/>
+                          <a:latin typeface="+mn-lt"/>
+                          <a:ea typeface="+mn-ea"/>
+                          <a:cs typeface="+mn-cs"/>
+                        </a:rPr>
+                        <a:t>li.pop</a:t>
+                      </a:r>
+                      <a:r>
+                        <a:rPr lang="en-US" sz="1800" b="0" i="0" kern="1200" baseline="0" dirty="0">
+                          <a:solidFill>
+                            <a:schemeClr val="dk1"/>
+                          </a:solidFill>
+                          <a:effectLst/>
+                          <a:latin typeface="+mn-lt"/>
+                          <a:ea typeface="+mn-ea"/>
+                          <a:cs typeface="+mn-cs"/>
+                        </a:rPr>
+                        <a:t>(), </a:t>
+                      </a:r>
+                      <a:r>
+                        <a:rPr lang="en-US" sz="1800" b="0" i="0" kern="1200" baseline="0" dirty="0" err="1">
+                          <a:solidFill>
+                            <a:schemeClr val="dk1"/>
+                          </a:solidFill>
+                          <a:effectLst/>
+                          <a:latin typeface="+mn-lt"/>
+                          <a:ea typeface="+mn-ea"/>
+                          <a:cs typeface="+mn-cs"/>
+                        </a:rPr>
+                        <a:t>li.index</a:t>
+                      </a:r>
+                      <a:r>
+                        <a:rPr lang="en-US" sz="1800" b="0" i="0" kern="1200" baseline="0" dirty="0">
+                          <a:solidFill>
+                            <a:schemeClr val="dk1"/>
+                          </a:solidFill>
+                          <a:effectLst/>
+                          <a:latin typeface="+mn-lt"/>
+                          <a:ea typeface="+mn-ea"/>
+                          <a:cs typeface="+mn-cs"/>
+                        </a:rPr>
+                        <a:t>(x), </a:t>
+                      </a:r>
+                      <a:r>
+                        <a:rPr lang="en-US" sz="1800" b="0" i="0" kern="1200" baseline="0" dirty="0" err="1">
+                          <a:solidFill>
+                            <a:schemeClr val="dk1"/>
+                          </a:solidFill>
+                          <a:effectLst/>
+                          <a:latin typeface="+mn-lt"/>
+                          <a:ea typeface="+mn-ea"/>
+                          <a:cs typeface="+mn-cs"/>
+                        </a:rPr>
+                        <a:t>li.insert</a:t>
+                      </a:r>
+                      <a:r>
+                        <a:rPr lang="en-US" sz="1800" b="0" i="0" kern="1200" baseline="0" dirty="0">
+                          <a:solidFill>
+                            <a:schemeClr val="dk1"/>
+                          </a:solidFill>
+                          <a:effectLst/>
+                          <a:latin typeface="+mn-lt"/>
+                          <a:ea typeface="+mn-ea"/>
+                          <a:cs typeface="+mn-cs"/>
+                        </a:rPr>
+                        <a:t>(1, x), </a:t>
+                      </a:r>
+                      <a:r>
+                        <a:rPr lang="en-US" sz="1800" b="0" i="0" kern="1200" baseline="0" dirty="0" err="1">
+                          <a:solidFill>
+                            <a:schemeClr val="dk1"/>
+                          </a:solidFill>
+                          <a:effectLst/>
+                          <a:latin typeface="+mn-lt"/>
+                          <a:ea typeface="+mn-ea"/>
+                          <a:cs typeface="+mn-cs"/>
+                        </a:rPr>
+                        <a:t>li.sort</a:t>
+                      </a:r>
+                      <a:r>
+                        <a:rPr lang="en-US" sz="1800" b="0" i="0" kern="1200" baseline="0" dirty="0">
+                          <a:solidFill>
+                            <a:schemeClr val="dk1"/>
+                          </a:solidFill>
+                          <a:effectLst/>
+                          <a:latin typeface="+mn-lt"/>
+                          <a:ea typeface="+mn-ea"/>
+                          <a:cs typeface="+mn-cs"/>
+                        </a:rPr>
+                        <a:t>, </a:t>
+                      </a:r>
+                      <a:r>
+                        <a:rPr lang="en-US" sz="1800" b="0" i="0" kern="1200" baseline="0" dirty="0" err="1">
+                          <a:solidFill>
+                            <a:schemeClr val="dk1"/>
+                          </a:solidFill>
+                          <a:effectLst/>
+                          <a:latin typeface="+mn-lt"/>
+                          <a:ea typeface="+mn-ea"/>
+                          <a:cs typeface="+mn-cs"/>
+                        </a:rPr>
+                        <a:t>li.reverse</a:t>
+                      </a:r>
+                      <a:r>
+                        <a:rPr lang="en-US" sz="1800" b="0" i="0" kern="1200" baseline="0" dirty="0">
+                          <a:solidFill>
+                            <a:schemeClr val="dk1"/>
+                          </a:solidFill>
+                          <a:effectLst/>
+                          <a:latin typeface="+mn-lt"/>
+                          <a:ea typeface="+mn-ea"/>
+                          <a:cs typeface="+mn-cs"/>
+                        </a:rPr>
+                        <a:t>()</a:t>
                       </a:r>
                       <a:endParaRPr lang="en-US" dirty="0"/>
                     </a:p>
@@ -12004,40 +12035,10 @@
                     <a:lstStyle/>
                     <a:p>
                       <a:r>
-                        <a:rPr lang="en-US" dirty="0" smtClean="0">
-                          <a:effectLst/>
-                        </a:rPr>
-                        <a:t>t</a:t>
-                      </a:r>
-                      <a:r>
-                        <a:rPr lang="en-US" sz="1800" kern="1200" dirty="0" smtClean="0">
-                          <a:solidFill>
-                            <a:schemeClr val="dk1"/>
-                          </a:solidFill>
-                          <a:effectLst/>
-                          <a:latin typeface="+mn-lt"/>
-                          <a:ea typeface="+mn-ea"/>
-                          <a:cs typeface="+mn-cs"/>
-                        </a:rPr>
-                        <a:t>=</a:t>
-                      </a:r>
-                      <a:r>
-                        <a:rPr lang="en-US" dirty="0" smtClean="0">
-                          <a:effectLst/>
-                        </a:rPr>
-                        <a:t> tuple</a:t>
-                      </a:r>
-                      <a:r>
-                        <a:rPr lang="en-US" sz="1800" kern="1200" dirty="0" smtClean="0">
-                          <a:solidFill>
-                            <a:schemeClr val="dk1"/>
-                          </a:solidFill>
-                          <a:effectLst/>
-                          <a:latin typeface="+mn-lt"/>
-                          <a:ea typeface="+mn-ea"/>
-                          <a:cs typeface="+mn-cs"/>
-                        </a:rPr>
-                        <a:t>([1,2,3,4])</a:t>
+                        <a:rPr lang="en-US" dirty="0">
+                          <a:effectLst/>
+                        </a:rPr>
+                        <a:t>L = list(t), t[::2]</a:t>
                       </a:r>
                       <a:endParaRPr lang="en-US" dirty="0"/>
                     </a:p>
@@ -12046,7 +12047,7 @@
                 </a:tc>
                 <a:extLst>
                   <a:ext uri="{0D108BD9-81ED-4DB2-BD59-A6C34878D82A}">
-                    <a16:rowId xmlns:a16="http://schemas.microsoft.com/office/drawing/2014/main" xmlns="" val="745536708"/>
+                    <a16:rowId xmlns:a16="http://schemas.microsoft.com/office/drawing/2014/main" val="3584613779"/>
                   </a:ext>
                 </a:extLst>
               </a:tr>
@@ -12057,8 +12058,149 @@
                     <a:lstStyle/>
                     <a:p>
                       <a:r>
-                        <a:rPr lang="en-US" dirty="0" smtClean="0"/>
-                        <a:t>List</a:t>
+                        <a:rPr lang="en-US" dirty="0"/>
+                        <a:t>Dictionary</a:t>
+                      </a:r>
+                    </a:p>
+                  </a:txBody>
+                  <a:tcPr anchor="ctr"/>
+                </a:tc>
+                <a:tc>
+                  <a:txBody>
+                    <a:bodyPr/>
+                    <a:lstStyle/>
+                    <a:p>
+                      <a:r>
+                        <a:rPr lang="en-US" sz="1800" b="0" i="0" kern="1200" dirty="0" err="1">
+                          <a:solidFill>
+                            <a:schemeClr val="dk1"/>
+                          </a:solidFill>
+                          <a:effectLst/>
+                          <a:latin typeface="+mn-lt"/>
+                          <a:ea typeface="+mn-ea"/>
+                          <a:cs typeface="+mn-cs"/>
+                        </a:rPr>
+                        <a:t>dict</a:t>
+                      </a:r>
+                      <a:r>
+                        <a:rPr lang="en-US" sz="1800" b="0" i="0" kern="1200" dirty="0">
+                          <a:solidFill>
+                            <a:schemeClr val="dk1"/>
+                          </a:solidFill>
+                          <a:effectLst/>
+                          <a:latin typeface="+mn-lt"/>
+                          <a:ea typeface="+mn-ea"/>
+                          <a:cs typeface="+mn-cs"/>
+                        </a:rPr>
+                        <a:t>(s), </a:t>
+                      </a:r>
+                      <a:r>
+                        <a:rPr lang="en-US" sz="1800" b="0" i="0" kern="1200" dirty="0" err="1">
+                          <a:solidFill>
+                            <a:schemeClr val="dk1"/>
+                          </a:solidFill>
+                          <a:effectLst/>
+                          <a:latin typeface="+mn-lt"/>
+                          <a:ea typeface="+mn-ea"/>
+                          <a:cs typeface="+mn-cs"/>
+                        </a:rPr>
+                        <a:t>dict.keys</a:t>
+                      </a:r>
+                      <a:r>
+                        <a:rPr lang="en-US" sz="1800" b="0" i="0" kern="1200" dirty="0">
+                          <a:solidFill>
+                            <a:schemeClr val="dk1"/>
+                          </a:solidFill>
+                          <a:effectLst/>
+                          <a:latin typeface="+mn-lt"/>
+                          <a:ea typeface="+mn-ea"/>
+                          <a:cs typeface="+mn-cs"/>
+                        </a:rPr>
+                        <a:t>(), </a:t>
+                      </a:r>
+                      <a:r>
+                        <a:rPr lang="en-US" sz="1800" b="0" i="0" kern="1200" dirty="0" err="1">
+                          <a:solidFill>
+                            <a:schemeClr val="dk1"/>
+                          </a:solidFill>
+                          <a:effectLst/>
+                          <a:latin typeface="+mn-lt"/>
+                          <a:ea typeface="+mn-ea"/>
+                          <a:cs typeface="+mn-cs"/>
+                        </a:rPr>
+                        <a:t>dict.values</a:t>
+                      </a:r>
+                      <a:r>
+                        <a:rPr lang="en-US" sz="1800" b="0" i="0" kern="1200" dirty="0">
+                          <a:solidFill>
+                            <a:schemeClr val="dk1"/>
+                          </a:solidFill>
+                          <a:effectLst/>
+                          <a:latin typeface="+mn-lt"/>
+                          <a:ea typeface="+mn-ea"/>
+                          <a:cs typeface="+mn-cs"/>
+                        </a:rPr>
+                        <a:t>(), </a:t>
+                      </a:r>
+                      <a:r>
+                        <a:rPr lang="en-US" sz="1800" b="0" i="0" kern="1200" dirty="0" err="1">
+                          <a:solidFill>
+                            <a:schemeClr val="dk1"/>
+                          </a:solidFill>
+                          <a:effectLst/>
+                          <a:latin typeface="+mn-lt"/>
+                          <a:ea typeface="+mn-ea"/>
+                          <a:cs typeface="+mn-cs"/>
+                        </a:rPr>
+                        <a:t>dict.clear</a:t>
+                      </a:r>
+                      <a:r>
+                        <a:rPr lang="en-US" sz="1800" b="0" i="0" kern="1200" dirty="0">
+                          <a:solidFill>
+                            <a:schemeClr val="dk1"/>
+                          </a:solidFill>
+                          <a:effectLst/>
+                          <a:latin typeface="+mn-lt"/>
+                          <a:ea typeface="+mn-ea"/>
+                          <a:cs typeface="+mn-cs"/>
+                        </a:rPr>
+                        <a:t>(),</a:t>
+                      </a:r>
+                      <a:r>
+                        <a:rPr lang="en-US" sz="1800" b="0" i="0" kern="1200" baseline="0" dirty="0">
+                          <a:solidFill>
+                            <a:schemeClr val="dk1"/>
+                          </a:solidFill>
+                          <a:effectLst/>
+                          <a:latin typeface="+mn-lt"/>
+                          <a:ea typeface="+mn-ea"/>
+                          <a:cs typeface="+mn-cs"/>
+                        </a:rPr>
+                        <a:t> </a:t>
+                      </a:r>
+                      <a:r>
+                        <a:rPr lang="en-US" sz="1800" b="0" i="0" kern="1200" baseline="0" dirty="0" err="1">
+                          <a:solidFill>
+                            <a:schemeClr val="dk1"/>
+                          </a:solidFill>
+                          <a:effectLst/>
+                          <a:latin typeface="+mn-lt"/>
+                          <a:ea typeface="+mn-ea"/>
+                          <a:cs typeface="+mn-cs"/>
+                        </a:rPr>
+                        <a:t>dict.get</a:t>
+                      </a:r>
+                      <a:r>
+                        <a:rPr lang="en-US" sz="1800" b="0" i="0" kern="1200" baseline="0" dirty="0">
+                          <a:solidFill>
+                            <a:schemeClr val="dk1"/>
+                          </a:solidFill>
+                          <a:effectLst/>
+                          <a:latin typeface="+mn-lt"/>
+                          <a:ea typeface="+mn-ea"/>
+                          <a:cs typeface="+mn-cs"/>
+                        </a:rPr>
+                        <a:t>(key)</a:t>
                       </a:r>
                       <a:endParaRPr lang="en-US" dirty="0"/>
                     </a:p>
@@ -12071,410 +12213,25 @@
                     <a:lstStyle/>
                     <a:p>
                       <a:r>
-                        <a:rPr lang="en-US" sz="1800" b="0" i="0" kern="1200" dirty="0" smtClean="0">
-                          <a:solidFill>
-                            <a:schemeClr val="dk1"/>
-                          </a:solidFill>
-                          <a:effectLst/>
-                          <a:latin typeface="+mn-lt"/>
-                          <a:ea typeface="+mn-ea"/>
-                          <a:cs typeface="+mn-cs"/>
-                        </a:rPr>
-                        <a:t>list(s), </a:t>
-                      </a:r>
-                      <a:r>
-                        <a:rPr lang="en-US" sz="1800" b="0" i="0" kern="1200" dirty="0" err="1" smtClean="0">
-                          <a:solidFill>
-                            <a:schemeClr val="dk1"/>
-                          </a:solidFill>
-                          <a:effectLst/>
-                          <a:latin typeface="+mn-lt"/>
-                          <a:ea typeface="+mn-ea"/>
-                          <a:cs typeface="+mn-cs"/>
-                        </a:rPr>
-                        <a:t>li.remove</a:t>
-                      </a:r>
-                      <a:r>
-                        <a:rPr lang="en-US" sz="1800" b="0" i="0" kern="1200" dirty="0" smtClean="0">
-                          <a:solidFill>
-                            <a:schemeClr val="dk1"/>
-                          </a:solidFill>
-                          <a:effectLst/>
-                          <a:latin typeface="+mn-lt"/>
-                          <a:ea typeface="+mn-ea"/>
-                          <a:cs typeface="+mn-cs"/>
-                        </a:rPr>
-                        <a:t>(x),</a:t>
-                      </a:r>
-                      <a:r>
-                        <a:rPr lang="en-US" sz="1800" b="0" i="0" kern="1200" baseline="0" dirty="0" smtClean="0">
-                          <a:solidFill>
-                            <a:schemeClr val="dk1"/>
-                          </a:solidFill>
-                          <a:effectLst/>
-                          <a:latin typeface="+mn-lt"/>
-                          <a:ea typeface="+mn-ea"/>
-                          <a:cs typeface="+mn-cs"/>
-                        </a:rPr>
-                        <a:t> </a:t>
-                      </a:r>
-                      <a:r>
-                        <a:rPr lang="en-US" sz="1800" b="0" i="0" kern="1200" baseline="0" dirty="0" err="1" smtClean="0">
-                          <a:solidFill>
-                            <a:schemeClr val="dk1"/>
-                          </a:solidFill>
-                          <a:effectLst/>
-                          <a:latin typeface="+mn-lt"/>
-                          <a:ea typeface="+mn-ea"/>
-                          <a:cs typeface="+mn-cs"/>
-                        </a:rPr>
-                        <a:t>li.count</a:t>
-                      </a:r>
-                      <a:r>
-                        <a:rPr lang="en-US" sz="1800" b="0" i="0" kern="1200" baseline="0" dirty="0" smtClean="0">
-                          <a:solidFill>
-                            <a:schemeClr val="dk1"/>
-                          </a:solidFill>
-                          <a:effectLst/>
-                          <a:latin typeface="+mn-lt"/>
-                          <a:ea typeface="+mn-ea"/>
-                          <a:cs typeface="+mn-cs"/>
-                        </a:rPr>
-                        <a:t>(x),</a:t>
-                      </a:r>
-                      <a:r>
-                        <a:rPr lang="en-US" sz="1800" b="0" i="0" kern="1200" baseline="0" dirty="0" err="1" smtClean="0">
-                          <a:solidFill>
-                            <a:schemeClr val="dk1"/>
-                          </a:solidFill>
-                          <a:effectLst/>
-                          <a:latin typeface="+mn-lt"/>
-                          <a:ea typeface="+mn-ea"/>
-                          <a:cs typeface="+mn-cs"/>
-                        </a:rPr>
-                        <a:t>li.pop</a:t>
-                      </a:r>
-                      <a:r>
-                        <a:rPr lang="en-US" sz="1800" b="0" i="0" kern="1200" baseline="0" dirty="0" smtClean="0">
-                          <a:solidFill>
-                            <a:schemeClr val="dk1"/>
-                          </a:solidFill>
-                          <a:effectLst/>
-                          <a:latin typeface="+mn-lt"/>
-                          <a:ea typeface="+mn-ea"/>
-                          <a:cs typeface="+mn-cs"/>
-                        </a:rPr>
-                        <a:t>(), </a:t>
-                      </a:r>
-                      <a:r>
-                        <a:rPr lang="en-US" sz="1800" b="0" i="0" kern="1200" baseline="0" dirty="0" err="1" smtClean="0">
-                          <a:solidFill>
-                            <a:schemeClr val="dk1"/>
-                          </a:solidFill>
-                          <a:effectLst/>
-                          <a:latin typeface="+mn-lt"/>
-                          <a:ea typeface="+mn-ea"/>
-                          <a:cs typeface="+mn-cs"/>
-                        </a:rPr>
-                        <a:t>li.index</a:t>
-                      </a:r>
-                      <a:r>
-                        <a:rPr lang="en-US" sz="1800" b="0" i="0" kern="1200" baseline="0" dirty="0" smtClean="0">
-                          <a:solidFill>
-                            <a:schemeClr val="dk1"/>
-                          </a:solidFill>
-                          <a:effectLst/>
-                          <a:latin typeface="+mn-lt"/>
-                          <a:ea typeface="+mn-ea"/>
-                          <a:cs typeface="+mn-cs"/>
-                        </a:rPr>
-                        <a:t>(x), </a:t>
-                      </a:r>
-                      <a:r>
-                        <a:rPr lang="en-US" sz="1800" b="0" i="0" kern="1200" baseline="0" dirty="0" err="1" smtClean="0">
-                          <a:solidFill>
-                            <a:schemeClr val="dk1"/>
-                          </a:solidFill>
-                          <a:effectLst/>
-                          <a:latin typeface="+mn-lt"/>
-                          <a:ea typeface="+mn-ea"/>
-                          <a:cs typeface="+mn-cs"/>
-                        </a:rPr>
-                        <a:t>li.insert</a:t>
-                      </a:r>
-                      <a:r>
-                        <a:rPr lang="en-US" sz="1800" b="0" i="0" kern="1200" baseline="0" dirty="0" smtClean="0">
-                          <a:solidFill>
-                            <a:schemeClr val="dk1"/>
-                          </a:solidFill>
-                          <a:effectLst/>
-                          <a:latin typeface="+mn-lt"/>
-                          <a:ea typeface="+mn-ea"/>
-                          <a:cs typeface="+mn-cs"/>
-                        </a:rPr>
-                        <a:t>(1, x), </a:t>
-                      </a:r>
-                      <a:r>
-                        <a:rPr lang="en-US" sz="1800" b="0" i="0" kern="1200" baseline="0" dirty="0" err="1" smtClean="0">
-                          <a:solidFill>
-                            <a:schemeClr val="dk1"/>
-                          </a:solidFill>
-                          <a:effectLst/>
-                          <a:latin typeface="+mn-lt"/>
-                          <a:ea typeface="+mn-ea"/>
-                          <a:cs typeface="+mn-cs"/>
-                        </a:rPr>
-                        <a:t>li.sort</a:t>
-                      </a:r>
-                      <a:r>
-                        <a:rPr lang="en-US" sz="1800" b="0" i="0" kern="1200" baseline="0" dirty="0" smtClean="0">
-                          <a:solidFill>
-                            <a:schemeClr val="dk1"/>
-                          </a:solidFill>
-                          <a:effectLst/>
-                          <a:latin typeface="+mn-lt"/>
-                          <a:ea typeface="+mn-ea"/>
-                          <a:cs typeface="+mn-cs"/>
-                        </a:rPr>
-                        <a:t>, </a:t>
-                      </a:r>
-                      <a:r>
-                        <a:rPr lang="en-US" sz="1800" b="0" i="0" kern="1200" baseline="0" dirty="0" err="1" smtClean="0">
-                          <a:solidFill>
-                            <a:schemeClr val="dk1"/>
-                          </a:solidFill>
-                          <a:effectLst/>
-                          <a:latin typeface="+mn-lt"/>
-                          <a:ea typeface="+mn-ea"/>
-                          <a:cs typeface="+mn-cs"/>
-                        </a:rPr>
-                        <a:t>li.reverse</a:t>
-                      </a:r>
-                      <a:r>
-                        <a:rPr lang="en-US" sz="1800" b="0" i="0" kern="1200" baseline="0" dirty="0" smtClean="0">
-                          <a:solidFill>
-                            <a:schemeClr val="dk1"/>
-                          </a:solidFill>
-                          <a:effectLst/>
-                          <a:latin typeface="+mn-lt"/>
-                          <a:ea typeface="+mn-ea"/>
-                          <a:cs typeface="+mn-cs"/>
-                        </a:rPr>
-                        <a:t>()</a:t>
-                      </a:r>
-                      <a:endParaRPr lang="en-US" dirty="0"/>
-                    </a:p>
-                  </a:txBody>
-                  <a:tcPr anchor="ctr"/>
-                </a:tc>
-                <a:tc>
-                  <a:txBody>
-                    <a:bodyPr/>
-                    <a:lstStyle/>
-                    <a:p>
-                      <a:r>
-                        <a:rPr lang="en-US" dirty="0" smtClean="0">
-                          <a:effectLst/>
-                        </a:rPr>
-                        <a:t>L = list(t), t[::2]</a:t>
-                      </a:r>
-                      <a:endParaRPr lang="en-US" dirty="0"/>
-                    </a:p>
-                  </a:txBody>
-                  <a:tcPr anchor="ctr"/>
-                </a:tc>
-                <a:extLst>
-                  <a:ext uri="{0D108BD9-81ED-4DB2-BD59-A6C34878D82A}">
-                    <a16:rowId xmlns:a16="http://schemas.microsoft.com/office/drawing/2014/main" xmlns="" val="3584613779"/>
-                  </a:ext>
-                </a:extLst>
-              </a:tr>
-              <a:tr h="370840">
-                <a:tc>
-                  <a:txBody>
-                    <a:bodyPr/>
-                    <a:lstStyle/>
-                    <a:p>
-                      <a:r>
-                        <a:rPr lang="en-US" dirty="0" smtClean="0"/>
-                        <a:t>Dictionary</a:t>
-                      </a:r>
-                      <a:endParaRPr lang="en-US" dirty="0"/>
-                    </a:p>
-                  </a:txBody>
-                  <a:tcPr anchor="ctr"/>
-                </a:tc>
-                <a:tc>
-                  <a:txBody>
-                    <a:bodyPr/>
-                    <a:lstStyle/>
-                    <a:p>
-                      <a:r>
-                        <a:rPr lang="en-US" sz="1800" b="0" i="0" kern="1200" dirty="0" err="1" smtClean="0">
-                          <a:solidFill>
-                            <a:schemeClr val="dk1"/>
-                          </a:solidFill>
-                          <a:effectLst/>
-                          <a:latin typeface="+mn-lt"/>
-                          <a:ea typeface="+mn-ea"/>
-                          <a:cs typeface="+mn-cs"/>
+                        <a:rPr lang="fr-FR" dirty="0">
+                          <a:effectLst/>
+                        </a:rPr>
+                        <a:t> d = </a:t>
+                      </a:r>
+                      <a:r>
+                        <a:rPr lang="fr-FR" dirty="0" err="1">
+                          <a:effectLst/>
                         </a:rPr>
                         <a:t>dict</a:t>
                       </a:r>
                       <a:r>
-                        <a:rPr lang="en-US" sz="1800" b="0" i="0" kern="1200" dirty="0" smtClean="0">
-                          <a:solidFill>
-                            <a:schemeClr val="dk1"/>
-                          </a:solidFill>
-                          <a:effectLst/>
-                          <a:latin typeface="+mn-lt"/>
-                          <a:ea typeface="+mn-ea"/>
-                          <a:cs typeface="+mn-cs"/>
-                        </a:rPr>
-                        <a:t>(s), </a:t>
-                      </a:r>
-                      <a:r>
-                        <a:rPr lang="en-US" sz="1800" b="0" i="0" kern="1200" dirty="0" err="1" smtClean="0">
-                          <a:solidFill>
-                            <a:schemeClr val="dk1"/>
-                          </a:solidFill>
-                          <a:effectLst/>
-                          <a:latin typeface="+mn-lt"/>
-                          <a:ea typeface="+mn-ea"/>
-                          <a:cs typeface="+mn-cs"/>
-                        </a:rPr>
-                        <a:t>dict.keys</a:t>
-                      </a:r>
-                      <a:r>
-                        <a:rPr lang="en-US" sz="1800" b="0" i="0" kern="1200" dirty="0" smtClean="0">
-                          <a:solidFill>
-                            <a:schemeClr val="dk1"/>
-                          </a:solidFill>
-                          <a:effectLst/>
-                          <a:latin typeface="+mn-lt"/>
-                          <a:ea typeface="+mn-ea"/>
-                          <a:cs typeface="+mn-cs"/>
-                        </a:rPr>
-                        <a:t>(), </a:t>
-                      </a:r>
-                      <a:r>
-                        <a:rPr lang="en-US" sz="1800" b="0" i="0" kern="1200" dirty="0" err="1" smtClean="0">
-                          <a:solidFill>
-                            <a:schemeClr val="dk1"/>
-                          </a:solidFill>
-                          <a:effectLst/>
-                          <a:latin typeface="+mn-lt"/>
-                          <a:ea typeface="+mn-ea"/>
-                          <a:cs typeface="+mn-cs"/>
-                        </a:rPr>
-                        <a:t>dict.values</a:t>
-                      </a:r>
-                      <a:r>
-                        <a:rPr lang="en-US" sz="1800" b="0" i="0" kern="1200" dirty="0" smtClean="0">
-                          <a:solidFill>
-                            <a:schemeClr val="dk1"/>
-                          </a:solidFill>
-                          <a:effectLst/>
-                          <a:latin typeface="+mn-lt"/>
-                          <a:ea typeface="+mn-ea"/>
-                          <a:cs typeface="+mn-cs"/>
-                        </a:rPr>
-                        <a:t>(), </a:t>
-                      </a:r>
-                      <a:r>
-                        <a:rPr lang="en-US" sz="1800" b="0" i="0" kern="1200" dirty="0" err="1" smtClean="0">
-                          <a:solidFill>
-                            <a:schemeClr val="dk1"/>
-                          </a:solidFill>
-                          <a:effectLst/>
-                          <a:latin typeface="+mn-lt"/>
-                          <a:ea typeface="+mn-ea"/>
-                          <a:cs typeface="+mn-cs"/>
-                        </a:rPr>
-                        <a:t>dict.clear</a:t>
-                      </a:r>
-                      <a:r>
-                        <a:rPr lang="en-US" sz="1800" b="0" i="0" kern="1200" dirty="0" smtClean="0">
-                          <a:solidFill>
-                            <a:schemeClr val="dk1"/>
-                          </a:solidFill>
-                          <a:effectLst/>
-                          <a:latin typeface="+mn-lt"/>
-                          <a:ea typeface="+mn-ea"/>
-                          <a:cs typeface="+mn-cs"/>
-                        </a:rPr>
-                        <a:t>(),</a:t>
-                      </a:r>
-                      <a:r>
-                        <a:rPr lang="en-US" sz="1800" b="0" i="0" kern="1200" baseline="0" dirty="0" smtClean="0">
-                          <a:solidFill>
-                            <a:schemeClr val="dk1"/>
-                          </a:solidFill>
-                          <a:effectLst/>
-                          <a:latin typeface="+mn-lt"/>
-                          <a:ea typeface="+mn-ea"/>
-                          <a:cs typeface="+mn-cs"/>
-                        </a:rPr>
-                        <a:t> </a:t>
-                      </a:r>
-                      <a:r>
-                        <a:rPr lang="en-US" sz="1800" b="0" i="0" kern="1200" baseline="0" dirty="0" err="1" smtClean="0">
-                          <a:solidFill>
-                            <a:schemeClr val="dk1"/>
-                          </a:solidFill>
-                          <a:effectLst/>
-                          <a:latin typeface="+mn-lt"/>
-                          <a:ea typeface="+mn-ea"/>
-                          <a:cs typeface="+mn-cs"/>
-                        </a:rPr>
-                        <a:t>dict.get</a:t>
-                      </a:r>
-                      <a:r>
-                        <a:rPr lang="en-US" sz="1800" b="0" i="0" kern="1200" baseline="0" dirty="0" smtClean="0">
-                          <a:solidFill>
-                            <a:schemeClr val="dk1"/>
-                          </a:solidFill>
-                          <a:effectLst/>
-                          <a:latin typeface="+mn-lt"/>
-                          <a:ea typeface="+mn-ea"/>
-                          <a:cs typeface="+mn-cs"/>
-                        </a:rPr>
-                        <a:t>(key)</a:t>
-                      </a:r>
-                      <a:endParaRPr lang="en-US" dirty="0"/>
-                    </a:p>
-                  </a:txBody>
-                  <a:tcPr anchor="ctr"/>
-                </a:tc>
-                <a:tc>
-                  <a:txBody>
-                    <a:bodyPr/>
-                    <a:lstStyle/>
-                    <a:p>
-                      <a:r>
-                        <a:rPr lang="fr-FR" dirty="0" smtClean="0">
-                          <a:effectLst/>
-                        </a:rPr>
-                        <a:t> d = </a:t>
-                      </a:r>
-                      <a:r>
-                        <a:rPr lang="fr-FR" dirty="0" err="1" smtClean="0">
-                          <a:effectLst/>
-                        </a:rPr>
-                        <a:t>dict</a:t>
-                      </a:r>
-                      <a:r>
-                        <a:rPr lang="fr-FR" dirty="0" smtClean="0">
+                        <a:rPr lang="fr-FR" dirty="0">
                           <a:effectLst/>
                         </a:rPr>
                         <a:t>({"one":"1"})</a:t>
                       </a:r>
-                      <a:r>
-                        <a:rPr lang="fr-FR" dirty="0" smtClean="0"/>
-                        <a:t/>
-                      </a:r>
                       <a:br>
-                        <a:rPr lang="fr-FR" dirty="0" smtClean="0"/>
+                        <a:rPr lang="fr-FR" dirty="0"/>
                       </a:br>
                       <a:endParaRPr lang="en-US" dirty="0"/>
                     </a:p>
@@ -12483,7 +12240,7 @@
                 </a:tc>
                 <a:extLst>
                   <a:ext uri="{0D108BD9-81ED-4DB2-BD59-A6C34878D82A}">
-                    <a16:rowId xmlns:a16="http://schemas.microsoft.com/office/drawing/2014/main" xmlns="" val="2804741469"/>
+                    <a16:rowId xmlns:a16="http://schemas.microsoft.com/office/drawing/2014/main" val="2804741469"/>
                   </a:ext>
                 </a:extLst>
               </a:tr>
@@ -12555,17 +12312,9 @@
               <a:rPr lang="fr-FR" b="1" dirty="0" err="1"/>
               <a:t>Making</a:t>
             </a:r>
-            <a:r>
-              <a:rPr lang="fr-FR" b="1" dirty="0"/>
-              <a:t/>
-            </a:r>
             <a:br>
               <a:rPr lang="fr-FR" b="1" dirty="0"/>
             </a:br>
-            <a:r>
-              <a:rPr lang="en-US" b="1" dirty="0"/>
-              <a:t/>
-            </a:r>
             <a:br>
               <a:rPr lang="en-US" b="1" dirty="0"/>
             </a:br>
@@ -12583,7 +12332,7 @@
             <p:ph idx="1"/>
             <p:extLst>
               <p:ext uri="{D42A27DB-BD31-4B8C-83A1-F6EECF244321}">
-                <p14:modId xmlns:p14="http://schemas.microsoft.com/office/powerpoint/2010/main" val="2008601594"/>
+                <p14:modId xmlns:p14="http://schemas.microsoft.com/office/powerpoint/2010/main" val="3821055009"/>
               </p:ext>
             </p:extLst>
           </p:nvPr>
@@ -12602,21 +12351,21 @@
                 <a:gridCol w="3348512">
                   <a:extLst>
                     <a:ext uri="{9D8B030D-6E8A-4147-A177-3AD203B41FA5}">
-                      <a16:colId xmlns:a16="http://schemas.microsoft.com/office/drawing/2014/main" xmlns="" val="20000"/>
+                      <a16:colId xmlns:a16="http://schemas.microsoft.com/office/drawing/2014/main" val="20000"/>
                     </a:ext>
                   </a:extLst>
                 </a:gridCol>
                 <a:gridCol w="3348512">
                   <a:extLst>
                     <a:ext uri="{9D8B030D-6E8A-4147-A177-3AD203B41FA5}">
-                      <a16:colId xmlns:a16="http://schemas.microsoft.com/office/drawing/2014/main" xmlns="" val="20001"/>
+                      <a16:colId xmlns:a16="http://schemas.microsoft.com/office/drawing/2014/main" val="20001"/>
                     </a:ext>
                   </a:extLst>
                 </a:gridCol>
                 <a:gridCol w="3348512">
                   <a:extLst>
                     <a:ext uri="{9D8B030D-6E8A-4147-A177-3AD203B41FA5}">
-                      <a16:colId xmlns:a16="http://schemas.microsoft.com/office/drawing/2014/main" xmlns="" val="20002"/>
+                      <a16:colId xmlns:a16="http://schemas.microsoft.com/office/drawing/2014/main" val="20002"/>
                     </a:ext>
                   </a:extLst>
                 </a:gridCol>
@@ -12628,14 +12377,11 @@
                     <a:lstStyle/>
                     <a:p>
                       <a:r>
-                        <a:rPr lang="en-US" dirty="0" smtClean="0">
+                        <a:rPr lang="en-US" dirty="0">
                           <a:effectLst/>
                         </a:rPr>
                         <a:t>Statement</a:t>
                       </a:r>
-                      <a:endParaRPr lang="en-US" dirty="0">
-                        <a:effectLst/>
-                      </a:endParaRPr>
                     </a:p>
                   </a:txBody>
                   <a:tcPr anchor="ctr"/>
@@ -12670,7 +12416,7 @@
                 </a:tc>
                 <a:extLst>
                   <a:ext uri="{0D108BD9-81ED-4DB2-BD59-A6C34878D82A}">
-                    <a16:rowId xmlns:a16="http://schemas.microsoft.com/office/drawing/2014/main" xmlns="" val="10000"/>
+                    <a16:rowId xmlns:a16="http://schemas.microsoft.com/office/drawing/2014/main" val="10000"/>
                   </a:ext>
                 </a:extLst>
               </a:tr>
@@ -12681,11 +12427,11 @@
                     <a:lstStyle/>
                     <a:p>
                       <a:r>
-                        <a:rPr lang="en-US" dirty="0" smtClean="0"/>
+                        <a:rPr lang="en-US" dirty="0"/>
                         <a:t>If</a:t>
                       </a:r>
                       <a:r>
-                        <a:rPr lang="en-US" baseline="0" dirty="0" smtClean="0"/>
+                        <a:rPr lang="en-US" baseline="0" dirty="0"/>
                         <a:t> statement</a:t>
                       </a:r>
                       <a:endParaRPr lang="en-US" dirty="0"/>
@@ -12699,7 +12445,7 @@
                     <a:lstStyle/>
                     <a:p>
                       <a:r>
-                        <a:rPr lang="en-US" sz="1800" b="0" i="0" kern="1200" dirty="0" smtClean="0">
+                        <a:rPr lang="en-US" sz="1800" b="0" i="0" kern="1200" dirty="0">
                           <a:solidFill>
                             <a:schemeClr val="dk1"/>
                           </a:solidFill>
@@ -12711,7 +12457,7 @@
                         <a:t>An </a:t>
                       </a:r>
                       <a:r>
-                        <a:rPr lang="en-US" sz="1800" b="1" i="0" kern="1200" dirty="0" smtClean="0">
+                        <a:rPr lang="en-US" sz="1800" b="1" i="0" kern="1200" dirty="0">
                           <a:solidFill>
                             <a:schemeClr val="dk1"/>
                           </a:solidFill>
@@ -12723,7 +12469,7 @@
                         <a:t>if statement</a:t>
                       </a:r>
                       <a:r>
-                        <a:rPr lang="en-US" sz="1800" b="0" i="0" kern="1200" dirty="0" smtClean="0">
+                        <a:rPr lang="en-US" sz="1800" b="0" i="0" kern="1200" dirty="0">
                           <a:solidFill>
                             <a:schemeClr val="dk1"/>
                           </a:solidFill>
@@ -12735,7 +12481,7 @@
                         <a:t> consists of a </a:t>
                       </a:r>
                       <a:r>
-                        <a:rPr lang="en-US" sz="1800" b="0" i="0" kern="1200" dirty="0" err="1" smtClean="0">
+                        <a:rPr lang="en-US" sz="1800" b="0" i="0" kern="1200" dirty="0" err="1">
                           <a:solidFill>
                             <a:schemeClr val="dk1"/>
                           </a:solidFill>
@@ -12747,7 +12493,7 @@
                         <a:t>boolean</a:t>
                       </a:r>
                       <a:r>
-                        <a:rPr lang="en-US" sz="1800" b="0" i="0" kern="1200" dirty="0" smtClean="0">
+                        <a:rPr lang="en-US" sz="1800" b="0" i="0" kern="1200" dirty="0">
                           <a:solidFill>
                             <a:schemeClr val="dk1"/>
                           </a:solidFill>
@@ -12770,39 +12516,39 @@
                     <a:p>
                       <a:pPr algn="l"/>
                       <a:r>
-                        <a:rPr lang="en-US" dirty="0" err="1" smtClean="0"/>
+                        <a:rPr lang="en-US" dirty="0" err="1"/>
                         <a:t>var</a:t>
                       </a:r>
                       <a:r>
-                        <a:rPr lang="en-US" dirty="0" smtClean="0"/>
+                        <a:rPr lang="en-US" dirty="0"/>
                         <a:t> = 100</a:t>
                       </a:r>
                     </a:p>
                     <a:p>
                       <a:r>
-                        <a:rPr lang="en-US" dirty="0" smtClean="0"/>
+                        <a:rPr lang="en-US" dirty="0"/>
                         <a:t>if</a:t>
                       </a:r>
                       <a:r>
-                        <a:rPr lang="en-US" baseline="0" dirty="0" smtClean="0"/>
+                        <a:rPr lang="en-US" baseline="0" dirty="0"/>
                         <a:t> </a:t>
                       </a:r>
                       <a:r>
-                        <a:rPr lang="en-US" dirty="0" err="1" smtClean="0"/>
+                        <a:rPr lang="en-US" dirty="0" err="1"/>
                         <a:t>var</a:t>
                       </a:r>
                       <a:r>
-                        <a:rPr lang="en-US" dirty="0" smtClean="0"/>
+                        <a:rPr lang="en-US" dirty="0"/>
                         <a:t> == 100 : </a:t>
                       </a:r>
                     </a:p>
                     <a:p>
                       <a:r>
-                        <a:rPr lang="en-US" dirty="0" smtClean="0"/>
+                        <a:rPr lang="en-US" dirty="0"/>
                         <a:t>     print</a:t>
                       </a:r>
                       <a:r>
-                        <a:rPr lang="en-US" baseline="0" dirty="0" smtClean="0"/>
+                        <a:rPr lang="en-US" baseline="0" dirty="0"/>
                         <a:t> (“something”)</a:t>
                       </a:r>
                       <a:endParaRPr lang="en-US" dirty="0"/>
@@ -12812,7 +12558,7 @@
                 </a:tc>
                 <a:extLst>
                   <a:ext uri="{0D108BD9-81ED-4DB2-BD59-A6C34878D82A}">
-                    <a16:rowId xmlns:a16="http://schemas.microsoft.com/office/drawing/2014/main" xmlns="" val="10001"/>
+                    <a16:rowId xmlns:a16="http://schemas.microsoft.com/office/drawing/2014/main" val="10001"/>
                   </a:ext>
                 </a:extLst>
               </a:tr>
@@ -12823,11 +12569,11 @@
                     <a:lstStyle/>
                     <a:p>
                       <a:r>
-                        <a:rPr lang="en-US" dirty="0" smtClean="0"/>
+                        <a:rPr lang="en-US" dirty="0"/>
                         <a:t>If else</a:t>
                       </a:r>
                       <a:r>
-                        <a:rPr lang="en-US" baseline="0" dirty="0" smtClean="0"/>
+                        <a:rPr lang="en-US" baseline="0" dirty="0"/>
                         <a:t> statement</a:t>
                       </a:r>
                       <a:endParaRPr lang="en-US" dirty="0"/>
@@ -12842,16 +12588,10 @@
                     <a:p>
                       <a:pPr fontAlgn="t"/>
                       <a:r>
-                        <a:rPr lang="en-US" dirty="0" smtClean="0">
-                          <a:effectLst/>
-                        </a:rPr>
-                        <a:t>An</a:t>
-                      </a:r>
-                      <a:r>
                         <a:rPr lang="en-US" dirty="0">
                           <a:effectLst/>
                         </a:rPr>
-                        <a:t> </a:t>
+                        <a:t>An </a:t>
                       </a:r>
                       <a:r>
                         <a:rPr lang="en-US" b="1" dirty="0">
@@ -12899,51 +12639,51 @@
                     <a:lstStyle/>
                     <a:p>
                       <a:r>
-                        <a:rPr lang="en-US" dirty="0" err="1" smtClean="0"/>
+                        <a:rPr lang="en-US" dirty="0" err="1"/>
                         <a:t>var</a:t>
                       </a:r>
                       <a:r>
-                        <a:rPr lang="en-US" dirty="0" smtClean="0"/>
+                        <a:rPr lang="en-US" dirty="0"/>
                         <a:t> = 100</a:t>
                       </a:r>
                     </a:p>
                     <a:p>
                       <a:r>
-                        <a:rPr lang="en-US" dirty="0" smtClean="0"/>
+                        <a:rPr lang="en-US" dirty="0"/>
                         <a:t>if </a:t>
                       </a:r>
                       <a:r>
-                        <a:rPr lang="en-US" dirty="0" err="1" smtClean="0"/>
+                        <a:rPr lang="en-US" dirty="0" err="1"/>
                         <a:t>var</a:t>
                       </a:r>
                       <a:r>
-                        <a:rPr lang="en-US" dirty="0" smtClean="0"/>
+                        <a:rPr lang="en-US" dirty="0"/>
                         <a:t> == 100  : </a:t>
                       </a:r>
                     </a:p>
                     <a:p>
                       <a:r>
-                        <a:rPr lang="en-US" dirty="0" smtClean="0"/>
+                        <a:rPr lang="en-US" dirty="0"/>
                         <a:t>     print</a:t>
                       </a:r>
                       <a:r>
-                        <a:rPr lang="en-US" baseline="0" dirty="0" smtClean="0"/>
+                        <a:rPr lang="en-US" baseline="0" dirty="0"/>
                         <a:t> “something”</a:t>
                       </a:r>
                     </a:p>
                     <a:p>
                       <a:r>
-                        <a:rPr lang="en-US" baseline="0" dirty="0" smtClean="0"/>
+                        <a:rPr lang="en-US" baseline="0" dirty="0"/>
                         <a:t>else:</a:t>
                       </a:r>
                     </a:p>
                     <a:p>
                       <a:r>
-                        <a:rPr lang="en-US" dirty="0" smtClean="0"/>
+                        <a:rPr lang="en-US" dirty="0"/>
                         <a:t>     print</a:t>
                       </a:r>
                       <a:r>
-                        <a:rPr lang="en-US" baseline="0" dirty="0" smtClean="0"/>
+                        <a:rPr lang="en-US" baseline="0" dirty="0"/>
                         <a:t> “nothing”</a:t>
                       </a:r>
                       <a:endParaRPr lang="en-US" dirty="0"/>
@@ -12953,7 +12693,7 @@
                 </a:tc>
                 <a:extLst>
                   <a:ext uri="{0D108BD9-81ED-4DB2-BD59-A6C34878D82A}">
-                    <a16:rowId xmlns:a16="http://schemas.microsoft.com/office/drawing/2014/main" xmlns="" val="10002"/>
+                    <a16:rowId xmlns:a16="http://schemas.microsoft.com/office/drawing/2014/main" val="10002"/>
                   </a:ext>
                 </a:extLst>
               </a:tr>
@@ -12964,10 +12704,9 @@
                     <a:lstStyle/>
                     <a:p>
                       <a:r>
-                        <a:rPr lang="en-US" dirty="0" smtClean="0"/>
+                        <a:rPr lang="en-US" dirty="0"/>
                         <a:t>Nested if statement</a:t>
                       </a:r>
-                      <a:endParaRPr lang="en-US" dirty="0"/>
                     </a:p>
                   </a:txBody>
                   <a:tcPr anchor="ctr"/>
@@ -12979,7 +12718,7 @@
                     <a:p>
                       <a:pPr fontAlgn="t"/>
                       <a:r>
-                        <a:rPr lang="en-US" sz="1800" b="0" i="0" kern="1200" dirty="0" smtClean="0">
+                        <a:rPr lang="en-US" sz="1800" b="0" i="0" kern="1200" dirty="0">
                           <a:solidFill>
                             <a:schemeClr val="dk1"/>
                           </a:solidFill>
@@ -12991,7 +12730,7 @@
                         <a:t>You can use one </a:t>
                       </a:r>
                       <a:r>
-                        <a:rPr lang="en-US" sz="1800" b="1" i="0" kern="1200" dirty="0" smtClean="0">
+                        <a:rPr lang="en-US" sz="1800" b="1" i="0" kern="1200" dirty="0">
                           <a:solidFill>
                             <a:schemeClr val="dk1"/>
                           </a:solidFill>
@@ -13003,7 +12742,7 @@
                         <a:t>if</a:t>
                       </a:r>
                       <a:r>
-                        <a:rPr lang="en-US" sz="1800" b="0" i="0" kern="1200" dirty="0" smtClean="0">
+                        <a:rPr lang="en-US" sz="1800" b="0" i="0" kern="1200" dirty="0">
                           <a:solidFill>
                             <a:schemeClr val="dk1"/>
                           </a:solidFill>
@@ -13015,7 +12754,7 @@
                         <a:t> or </a:t>
                       </a:r>
                       <a:r>
-                        <a:rPr lang="en-US" sz="1800" b="1" i="0" kern="1200" dirty="0" smtClean="0">
+                        <a:rPr lang="en-US" sz="1800" b="1" i="0" kern="1200" dirty="0">
                           <a:solidFill>
                             <a:schemeClr val="dk1"/>
                           </a:solidFill>
@@ -13027,7 +12766,7 @@
                         <a:t>else if</a:t>
                       </a:r>
                       <a:r>
-                        <a:rPr lang="en-US" sz="1800" b="0" i="0" kern="1200" dirty="0" smtClean="0">
+                        <a:rPr lang="en-US" sz="1800" b="0" i="0" kern="1200" dirty="0">
                           <a:solidFill>
                             <a:schemeClr val="dk1"/>
                           </a:solidFill>
@@ -13039,7 +12778,7 @@
                         <a:t> statement inside another </a:t>
                       </a:r>
                       <a:r>
-                        <a:rPr lang="en-US" sz="1800" b="1" i="0" kern="1200" dirty="0" smtClean="0">
+                        <a:rPr lang="en-US" sz="1800" b="1" i="0" kern="1200" dirty="0">
                           <a:solidFill>
                             <a:schemeClr val="dk1"/>
                           </a:solidFill>
@@ -13051,7 +12790,7 @@
                         <a:t>if</a:t>
                       </a:r>
                       <a:r>
-                        <a:rPr lang="en-US" sz="1800" b="0" i="0" kern="1200" dirty="0" smtClean="0">
+                        <a:rPr lang="en-US" sz="1800" b="0" i="0" kern="1200" dirty="0">
                           <a:solidFill>
                             <a:schemeClr val="dk1"/>
                           </a:solidFill>
@@ -13063,7 +12802,7 @@
                         <a:t> or </a:t>
                       </a:r>
                       <a:r>
-                        <a:rPr lang="en-US" sz="1800" b="1" i="0" kern="1200" dirty="0" smtClean="0">
+                        <a:rPr lang="en-US" sz="1800" b="1" i="0" kern="1200" dirty="0">
                           <a:solidFill>
                             <a:schemeClr val="dk1"/>
                           </a:solidFill>
@@ -13075,7 +12814,7 @@
                         <a:t>else if</a:t>
                       </a:r>
                       <a:r>
-                        <a:rPr lang="en-US" sz="1800" b="0" i="0" kern="1200" dirty="0" smtClean="0">
+                        <a:rPr lang="en-US" sz="1800" b="0" i="0" kern="1200" dirty="0">
                           <a:solidFill>
                             <a:schemeClr val="dk1"/>
                           </a:solidFill>
@@ -13099,82 +12838,82 @@
                     <a:lstStyle/>
                     <a:p>
                       <a:r>
-                        <a:rPr lang="en-US" dirty="0" err="1" smtClean="0"/>
+                        <a:rPr lang="en-US" dirty="0" err="1"/>
                         <a:t>var</a:t>
                       </a:r>
                       <a:r>
-                        <a:rPr lang="en-US" dirty="0" smtClean="0"/>
+                        <a:rPr lang="en-US" dirty="0"/>
                         <a:t> = 100</a:t>
                       </a:r>
                     </a:p>
                     <a:p>
                       <a:r>
-                        <a:rPr lang="en-US" dirty="0" smtClean="0"/>
+                        <a:rPr lang="en-US" dirty="0"/>
                         <a:t>if ( </a:t>
                       </a:r>
                       <a:r>
-                        <a:rPr lang="en-US" dirty="0" err="1" smtClean="0"/>
+                        <a:rPr lang="en-US" dirty="0" err="1"/>
                         <a:t>var</a:t>
                       </a:r>
                       <a:r>
-                        <a:rPr lang="en-US" dirty="0" smtClean="0"/>
+                        <a:rPr lang="en-US" dirty="0"/>
                         <a:t> &gt;50) : </a:t>
                       </a:r>
                     </a:p>
                     <a:p>
                       <a:r>
-                        <a:rPr lang="en-US" dirty="0" smtClean="0"/>
+                        <a:rPr lang="en-US" dirty="0"/>
                         <a:t>     print</a:t>
                       </a:r>
                       <a:r>
-                        <a:rPr lang="en-US" baseline="0" dirty="0" smtClean="0"/>
+                        <a:rPr lang="en-US" baseline="0" dirty="0"/>
                         <a:t> “something”</a:t>
                       </a:r>
                     </a:p>
                     <a:p>
                       <a:r>
-                        <a:rPr lang="en-US" baseline="0" dirty="0" smtClean="0"/>
+                        <a:rPr lang="en-US" baseline="0" dirty="0"/>
                         <a:t>     if (</a:t>
                       </a:r>
                       <a:r>
-                        <a:rPr lang="en-US" baseline="0" dirty="0" err="1" smtClean="0"/>
+                        <a:rPr lang="en-US" baseline="0" dirty="0" err="1"/>
                         <a:t>var</a:t>
                       </a:r>
                       <a:r>
-                        <a:rPr lang="en-US" baseline="0" dirty="0" smtClean="0"/>
+                        <a:rPr lang="en-US" baseline="0" dirty="0"/>
                         <a:t> &gt;80): </a:t>
                       </a:r>
                     </a:p>
                     <a:p>
                       <a:r>
-                        <a:rPr lang="en-US" baseline="0" dirty="0" smtClean="0"/>
+                        <a:rPr lang="en-US" baseline="0" dirty="0"/>
                         <a:t>           print “</a:t>
                       </a:r>
                       <a:r>
-                        <a:rPr lang="en-US" baseline="0" dirty="0" err="1" smtClean="0"/>
+                        <a:rPr lang="en-US" baseline="0" dirty="0" err="1"/>
                         <a:t>greate</a:t>
                       </a:r>
                       <a:r>
-                        <a:rPr lang="en-US" baseline="0" dirty="0" smtClean="0"/>
+                        <a:rPr lang="en-US" baseline="0" dirty="0"/>
                         <a:t>”</a:t>
                       </a:r>
                     </a:p>
                     <a:p>
                       <a:r>
-                        <a:rPr lang="en-US" baseline="0" dirty="0" smtClean="0"/>
+                        <a:rPr lang="en-US" baseline="0" dirty="0"/>
                         <a:t>else:</a:t>
                       </a:r>
                     </a:p>
                     <a:p>
                       <a:r>
-                        <a:rPr lang="en-US" dirty="0" smtClean="0"/>
+                        <a:rPr lang="en-US" dirty="0"/>
                         <a:t>     print</a:t>
                       </a:r>
                       <a:r>
-                        <a:rPr lang="en-US" baseline="0" dirty="0" smtClean="0"/>
+                        <a:rPr lang="en-US" baseline="0" dirty="0"/>
                         <a:t> “nothing”</a:t>
                       </a:r>
-                      <a:endParaRPr lang="en-US" dirty="0" smtClean="0"/>
+                      <a:endParaRPr lang="en-US" dirty="0"/>
                     </a:p>
                     <a:p>
                       <a:endParaRPr lang="en-US" dirty="0"/>
@@ -13184,7 +12923,7 @@
                 </a:tc>
                 <a:extLst>
                   <a:ext uri="{0D108BD9-81ED-4DB2-BD59-A6C34878D82A}">
-                    <a16:rowId xmlns:a16="http://schemas.microsoft.com/office/drawing/2014/main" xmlns="" val="1860780884"/>
+                    <a16:rowId xmlns:a16="http://schemas.microsoft.com/office/drawing/2014/main" val="1860780884"/>
                   </a:ext>
                 </a:extLst>
               </a:tr>
@@ -13245,20 +12984,12 @@
           <a:lstStyle/>
           <a:p>
             <a:r>
-              <a:rPr lang="fr-FR" b="1" dirty="0" smtClean="0"/>
+              <a:rPr lang="fr-FR" b="1" dirty="0"/>
               <a:t>Loop</a:t>
-            </a:r>
-            <a:r>
-              <a:rPr lang="fr-FR" b="1" dirty="0"/>
-              <a:t/>
             </a:r>
             <a:br>
               <a:rPr lang="fr-FR" b="1" dirty="0"/>
             </a:br>
-            <a:r>
-              <a:rPr lang="en-US" b="1" dirty="0"/>
-              <a:t/>
-            </a:r>
             <a:br>
               <a:rPr lang="en-US" b="1" dirty="0"/>
             </a:br>
@@ -13276,7 +13007,7 @@
             <p:ph idx="1"/>
             <p:extLst>
               <p:ext uri="{D42A27DB-BD31-4B8C-83A1-F6EECF244321}">
-                <p14:modId xmlns:p14="http://schemas.microsoft.com/office/powerpoint/2010/main" val="1550542303"/>
+                <p14:modId xmlns:p14="http://schemas.microsoft.com/office/powerpoint/2010/main" val="2572079403"/>
               </p:ext>
             </p:extLst>
           </p:nvPr>
@@ -13295,21 +13026,21 @@
                 <a:gridCol w="2667000">
                   <a:extLst>
                     <a:ext uri="{9D8B030D-6E8A-4147-A177-3AD203B41FA5}">
-                      <a16:colId xmlns:a16="http://schemas.microsoft.com/office/drawing/2014/main" xmlns="" val="20000"/>
+                      <a16:colId xmlns:a16="http://schemas.microsoft.com/office/drawing/2014/main" val="20000"/>
                     </a:ext>
                   </a:extLst>
                 </a:gridCol>
                 <a:gridCol w="4030024">
                   <a:extLst>
                     <a:ext uri="{9D8B030D-6E8A-4147-A177-3AD203B41FA5}">
-                      <a16:colId xmlns:a16="http://schemas.microsoft.com/office/drawing/2014/main" xmlns="" val="20001"/>
+                      <a16:colId xmlns:a16="http://schemas.microsoft.com/office/drawing/2014/main" val="20001"/>
                     </a:ext>
                   </a:extLst>
                 </a:gridCol>
                 <a:gridCol w="3348512">
                   <a:extLst>
                     <a:ext uri="{9D8B030D-6E8A-4147-A177-3AD203B41FA5}">
-                      <a16:colId xmlns:a16="http://schemas.microsoft.com/office/drawing/2014/main" xmlns="" val="20002"/>
+                      <a16:colId xmlns:a16="http://schemas.microsoft.com/office/drawing/2014/main" val="20002"/>
                     </a:ext>
                   </a:extLst>
                 </a:gridCol>
@@ -13321,14 +13052,11 @@
                     <a:lstStyle/>
                     <a:p>
                       <a:r>
-                        <a:rPr lang="en-US" dirty="0" smtClean="0">
+                        <a:rPr lang="en-US" dirty="0">
                           <a:effectLst/>
                         </a:rPr>
                         <a:t>Statement</a:t>
                       </a:r>
-                      <a:endParaRPr lang="en-US" dirty="0">
-                        <a:effectLst/>
-                      </a:endParaRPr>
                     </a:p>
                   </a:txBody>
                   <a:tcPr anchor="ctr"/>
@@ -13363,7 +13091,7 @@
                 </a:tc>
                 <a:extLst>
                   <a:ext uri="{0D108BD9-81ED-4DB2-BD59-A6C34878D82A}">
-                    <a16:rowId xmlns:a16="http://schemas.microsoft.com/office/drawing/2014/main" xmlns="" val="10000"/>
+                    <a16:rowId xmlns:a16="http://schemas.microsoft.com/office/drawing/2014/main" val="10000"/>
                   </a:ext>
                 </a:extLst>
               </a:tr>
@@ -13374,11 +13102,11 @@
                     <a:lstStyle/>
                     <a:p>
                       <a:r>
-                        <a:rPr lang="en-US" dirty="0" smtClean="0"/>
+                        <a:rPr lang="en-US" dirty="0"/>
                         <a:t>While</a:t>
                       </a:r>
                       <a:r>
-                        <a:rPr lang="en-US" baseline="0" dirty="0" smtClean="0"/>
+                        <a:rPr lang="en-US" baseline="0" dirty="0"/>
                         <a:t> loop</a:t>
                       </a:r>
                       <a:endParaRPr lang="en-US" dirty="0"/>
@@ -13392,7 +13120,7 @@
                     <a:lstStyle/>
                     <a:p>
                       <a:r>
-                        <a:rPr lang="en-US" sz="1800" b="0" i="0" kern="1200" dirty="0" smtClean="0">
+                        <a:rPr lang="en-US" sz="1800" b="0" i="0" kern="1200" dirty="0">
                           <a:solidFill>
                             <a:schemeClr val="dk1"/>
                           </a:solidFill>
@@ -13414,55 +13142,62 @@
                     <a:lstStyle/>
                     <a:p>
                       <a:r>
-                        <a:rPr lang="en-US" dirty="0" err="1" smtClean="0"/>
+                        <a:rPr lang="en-US" dirty="0" err="1"/>
                         <a:t>Var</a:t>
                       </a:r>
                       <a:r>
-                        <a:rPr lang="en-US" baseline="0" dirty="0" smtClean="0"/>
+                        <a:rPr lang="en-US" baseline="0" dirty="0"/>
                         <a:t> =100</a:t>
                       </a:r>
                     </a:p>
                     <a:p>
                       <a:r>
-                        <a:rPr lang="en-US" baseline="0" dirty="0" smtClean="0"/>
-                        <a:t>While </a:t>
-                      </a:r>
-                      <a:r>
-                        <a:rPr lang="en-US" baseline="0" dirty="0" err="1" smtClean="0"/>
+                        <a:rPr lang="en-US" baseline="0" dirty="0"/>
+                        <a:t>w</a:t>
+                      </a:r>
+                      <a:r>
+                        <a:rPr lang="en-US" baseline="0"/>
+                        <a:t>hile </a:t>
+                      </a:r>
+                      <a:r>
+                        <a:rPr lang="en-US" baseline="0" dirty="0" err="1"/>
                         <a:t>var</a:t>
                       </a:r>
                       <a:r>
-                        <a:rPr lang="en-US" baseline="0" dirty="0" smtClean="0"/>
+                        <a:rPr lang="en-US" baseline="0" dirty="0"/>
                         <a:t> &gt;50:</a:t>
                       </a:r>
                     </a:p>
                     <a:p>
                       <a:r>
-                        <a:rPr lang="en-US" baseline="0" dirty="0" smtClean="0"/>
-                        <a:t>      print </a:t>
-                      </a:r>
-                      <a:r>
-                        <a:rPr lang="en-US" baseline="0" dirty="0" err="1" smtClean="0"/>
+                        <a:rPr lang="en-US" baseline="0" dirty="0"/>
+                        <a:t>      print(</a:t>
+                      </a:r>
+                      <a:r>
+                        <a:rPr lang="en-US" baseline="0" dirty="0" err="1"/>
                         <a:t>var</a:t>
                       </a:r>
-                      <a:endParaRPr lang="en-US" baseline="0" dirty="0" smtClean="0"/>
+                      <a:r>
+                        <a:rPr lang="en-US" baseline="0" dirty="0"/>
+                        <a:t>)</a:t>
+                      </a:r>
                     </a:p>
                     <a:p>
                       <a:r>
-                        <a:rPr lang="en-US" baseline="0" dirty="0" smtClean="0"/>
+                        <a:rPr lang="en-US" baseline="0" dirty="0"/>
                         <a:t>       </a:t>
                       </a:r>
                       <a:r>
-                        <a:rPr lang="en-US" baseline="0" dirty="0" err="1" smtClean="0"/>
+                        <a:rPr lang="en-US" baseline="0" dirty="0" err="1"/>
                         <a:t>var</a:t>
                       </a:r>
                       <a:r>
-                        <a:rPr lang="en-US" baseline="0" dirty="0" smtClean="0"/>
+                        <a:rPr lang="en-US" baseline="0" dirty="0"/>
                         <a:t> -=10</a:t>
                       </a:r>
                     </a:p>
                     <a:p>
-                      <a:endParaRPr lang="en-US" baseline="0" dirty="0" smtClean="0"/>
+                      <a:endParaRPr lang="en-US" baseline="0" dirty="0"/>
                     </a:p>
                     <a:p>
                       <a:endParaRPr lang="en-US" dirty="0"/>
@@ -13472,7 +13207,7 @@
                 </a:tc>
                 <a:extLst>
                   <a:ext uri="{0D108BD9-81ED-4DB2-BD59-A6C34878D82A}">
-                    <a16:rowId xmlns:a16="http://schemas.microsoft.com/office/drawing/2014/main" xmlns="" val="10001"/>
+                    <a16:rowId xmlns:a16="http://schemas.microsoft.com/office/drawing/2014/main" val="10001"/>
                   </a:ext>
                 </a:extLst>
               </a:tr>
@@ -13483,11 +13218,11 @@
                     <a:lstStyle/>
                     <a:p>
                       <a:r>
-                        <a:rPr lang="en-US" dirty="0" smtClean="0"/>
+                        <a:rPr lang="en-US" dirty="0"/>
                         <a:t>for</a:t>
                       </a:r>
                       <a:r>
-                        <a:rPr lang="en-US" baseline="0" dirty="0" smtClean="0"/>
+                        <a:rPr lang="en-US" baseline="0" dirty="0"/>
                         <a:t> loop</a:t>
                       </a:r>
                       <a:endParaRPr lang="en-US" dirty="0"/>
@@ -13502,7 +13237,7 @@
                     <a:p>
                       <a:pPr fontAlgn="t"/>
                       <a:r>
-                        <a:rPr lang="en-US" sz="1800" b="0" i="0" kern="1200" dirty="0" smtClean="0">
+                        <a:rPr lang="en-US" sz="1800" b="0" i="0" kern="1200" dirty="0">
                           <a:solidFill>
                             <a:schemeClr val="dk1"/>
                           </a:solidFill>
@@ -13526,27 +13261,26 @@
                     <a:lstStyle/>
                     <a:p>
                       <a:r>
-                        <a:rPr lang="en-US" dirty="0" smtClean="0"/>
-                        <a:t>For x</a:t>
-                      </a:r>
-                      <a:r>
-                        <a:rPr lang="en-US" baseline="0" dirty="0" smtClean="0"/>
+                        <a:rPr lang="en-US" dirty="0"/>
+                        <a:t>for x</a:t>
+                      </a:r>
+                      <a:r>
+                        <a:rPr lang="en-US" baseline="0" dirty="0"/>
                         <a:t> in range(20):</a:t>
                       </a:r>
                     </a:p>
                     <a:p>
                       <a:r>
-                        <a:rPr lang="en-US" baseline="0" dirty="0" smtClean="0"/>
-                        <a:t>     print x</a:t>
-                      </a:r>
-                      <a:endParaRPr lang="en-US" baseline="0" dirty="0" smtClean="0"/>
+                        <a:rPr lang="en-US" baseline="0" dirty="0"/>
+                        <a:t>     print(x)</a:t>
+                      </a:r>
                     </a:p>
                   </a:txBody>
                   <a:tcPr anchor="ctr"/>
                 </a:tc>
                 <a:extLst>
                   <a:ext uri="{0D108BD9-81ED-4DB2-BD59-A6C34878D82A}">
-                    <a16:rowId xmlns:a16="http://schemas.microsoft.com/office/drawing/2014/main" xmlns="" val="10002"/>
+                    <a16:rowId xmlns:a16="http://schemas.microsoft.com/office/drawing/2014/main" val="10002"/>
                   </a:ext>
                 </a:extLst>
               </a:tr>
@@ -13579,11 +13313,16 @@
                     <a:bodyPr/>
                     <a:lstStyle/>
                     <a:p>
-                      <a:endParaRPr lang="en-US" baseline="0" dirty="0" smtClean="0"/>
+                      <a:endParaRPr lang="en-US" baseline="0" dirty="0"/>
                     </a:p>
                   </a:txBody>
                   <a:tcPr anchor="ctr"/>
                 </a:tc>
+                <a:extLst>
+                  <a:ext uri="{0D108BD9-81ED-4DB2-BD59-A6C34878D82A}">
+                    <a16:rowId xmlns:a16="http://schemas.microsoft.com/office/drawing/2014/main" val="10003"/>
+                  </a:ext>
+                </a:extLst>
               </a:tr>
             </a:tbl>
           </a:graphicData>
@@ -13642,24 +13381,16 @@
           <a:lstStyle/>
           <a:p>
             <a:r>
-              <a:rPr lang="fr-FR" b="1" dirty="0" smtClean="0"/>
+              <a:rPr lang="fr-FR" b="1" dirty="0"/>
               <a:t>Loop Control </a:t>
             </a:r>
             <a:r>
-              <a:rPr lang="fr-FR" b="1" dirty="0" err="1" smtClean="0"/>
+              <a:rPr lang="fr-FR" b="1" dirty="0" err="1"/>
               <a:t>statement</a:t>
-            </a:r>
-            <a:r>
-              <a:rPr lang="fr-FR" b="1" dirty="0"/>
-              <a:t/>
             </a:r>
             <a:br>
               <a:rPr lang="fr-FR" b="1" dirty="0"/>
             </a:br>
-            <a:r>
-              <a:rPr lang="en-US" b="1" dirty="0"/>
-              <a:t/>
-            </a:r>
             <a:br>
               <a:rPr lang="en-US" b="1" dirty="0"/>
             </a:br>
@@ -13696,21 +13427,21 @@
                 <a:gridCol w="2667000">
                   <a:extLst>
                     <a:ext uri="{9D8B030D-6E8A-4147-A177-3AD203B41FA5}">
-                      <a16:colId xmlns:a16="http://schemas.microsoft.com/office/drawing/2014/main" xmlns="" val="20000"/>
+                      <a16:colId xmlns:a16="http://schemas.microsoft.com/office/drawing/2014/main" val="20000"/>
                     </a:ext>
                   </a:extLst>
                 </a:gridCol>
                 <a:gridCol w="4030024">
                   <a:extLst>
                     <a:ext uri="{9D8B030D-6E8A-4147-A177-3AD203B41FA5}">
-                      <a16:colId xmlns:a16="http://schemas.microsoft.com/office/drawing/2014/main" xmlns="" val="20001"/>
+                      <a16:colId xmlns:a16="http://schemas.microsoft.com/office/drawing/2014/main" val="20001"/>
                     </a:ext>
                   </a:extLst>
                 </a:gridCol>
                 <a:gridCol w="3348512">
                   <a:extLst>
                     <a:ext uri="{9D8B030D-6E8A-4147-A177-3AD203B41FA5}">
-                      <a16:colId xmlns:a16="http://schemas.microsoft.com/office/drawing/2014/main" xmlns="" val="20002"/>
+                      <a16:colId xmlns:a16="http://schemas.microsoft.com/office/drawing/2014/main" val="20002"/>
                     </a:ext>
                   </a:extLst>
                 </a:gridCol>
@@ -13722,14 +13453,11 @@
                     <a:lstStyle/>
                     <a:p>
                       <a:r>
-                        <a:rPr lang="en-US" dirty="0" smtClean="0">
+                        <a:rPr lang="en-US" dirty="0">
                           <a:effectLst/>
                         </a:rPr>
                         <a:t>Control Statement</a:t>
                       </a:r>
-                      <a:endParaRPr lang="en-US" dirty="0">
-                        <a:effectLst/>
-                      </a:endParaRPr>
                     </a:p>
                   </a:txBody>
                   <a:tcPr anchor="ctr"/>
@@ -13764,7 +13492,7 @@
                 </a:tc>
                 <a:extLst>
                   <a:ext uri="{0D108BD9-81ED-4DB2-BD59-A6C34878D82A}">
-                    <a16:rowId xmlns:a16="http://schemas.microsoft.com/office/drawing/2014/main" xmlns="" val="10000"/>
+                    <a16:rowId xmlns:a16="http://schemas.microsoft.com/office/drawing/2014/main" val="10000"/>
                   </a:ext>
                 </a:extLst>
               </a:tr>
@@ -13775,11 +13503,11 @@
                     <a:lstStyle/>
                     <a:p>
                       <a:r>
-                        <a:rPr lang="en-US" dirty="0" smtClean="0"/>
+                        <a:rPr lang="en-US" dirty="0"/>
                         <a:t>Break</a:t>
                       </a:r>
                       <a:r>
-                        <a:rPr lang="en-US" baseline="0" dirty="0" smtClean="0"/>
+                        <a:rPr lang="en-US" baseline="0" dirty="0"/>
                         <a:t> statement</a:t>
                       </a:r>
                       <a:endParaRPr lang="en-US" dirty="0"/>
@@ -13794,16 +13522,10 @@
                     <a:p>
                       <a:pPr fontAlgn="t"/>
                       <a:r>
-                        <a:rPr lang="en-US" dirty="0" smtClean="0">
-                          <a:effectLst/>
-                        </a:rPr>
-                        <a:t>Terminates </a:t>
-                      </a:r>
-                      <a:r>
                         <a:rPr lang="en-US" dirty="0">
                           <a:effectLst/>
                         </a:rPr>
-                        <a:t>the loop statement and transfers execution to the statement immediately following the loop.</a:t>
+                        <a:t>Terminates the loop statement and transfers execution to the statement immediately following the loop.</a:t>
                       </a:r>
                     </a:p>
                   </a:txBody>
@@ -13815,29 +13537,29 @@
                     <a:lstStyle/>
                     <a:p>
                       <a:r>
-                        <a:rPr lang="en-US" dirty="0" smtClean="0"/>
+                        <a:rPr lang="en-US" dirty="0"/>
                         <a:t>For x</a:t>
                       </a:r>
                       <a:r>
-                        <a:rPr lang="en-US" baseline="0" dirty="0" smtClean="0"/>
+                        <a:rPr lang="en-US" baseline="0" dirty="0"/>
                         <a:t> in range(20):</a:t>
                       </a:r>
                     </a:p>
                     <a:p>
                       <a:r>
-                        <a:rPr lang="en-US" baseline="0" dirty="0" smtClean="0"/>
+                        <a:rPr lang="en-US" baseline="0" dirty="0"/>
                         <a:t>        if(x==5):</a:t>
                       </a:r>
                     </a:p>
                     <a:p>
                       <a:r>
-                        <a:rPr lang="en-US" baseline="0" dirty="0" smtClean="0"/>
+                        <a:rPr lang="en-US" baseline="0" dirty="0"/>
                         <a:t>                break</a:t>
                       </a:r>
                     </a:p>
                     <a:p>
                       <a:r>
-                        <a:rPr lang="en-US" baseline="0" dirty="0" smtClean="0"/>
+                        <a:rPr lang="en-US" baseline="0" dirty="0"/>
                         <a:t>        print x</a:t>
                       </a:r>
                     </a:p>
@@ -13846,7 +13568,7 @@
                 </a:tc>
                 <a:extLst>
                   <a:ext uri="{0D108BD9-81ED-4DB2-BD59-A6C34878D82A}">
-                    <a16:rowId xmlns:a16="http://schemas.microsoft.com/office/drawing/2014/main" xmlns="" val="10001"/>
+                    <a16:rowId xmlns:a16="http://schemas.microsoft.com/office/drawing/2014/main" val="10001"/>
                   </a:ext>
                 </a:extLst>
               </a:tr>
@@ -13857,10 +13579,9 @@
                     <a:lstStyle/>
                     <a:p>
                       <a:r>
-                        <a:rPr lang="en-US" dirty="0" smtClean="0"/>
+                        <a:rPr lang="en-US" dirty="0"/>
                         <a:t>Continue statement</a:t>
                       </a:r>
-                      <a:endParaRPr lang="en-US" dirty="0"/>
                     </a:p>
                   </a:txBody>
                   <a:tcPr anchor="ctr"/>
@@ -13872,7 +13593,7 @@
                     <a:p>
                       <a:pPr fontAlgn="t"/>
                       <a:r>
-                        <a:rPr lang="en-US" sz="1800" b="0" i="0" kern="1200" dirty="0" smtClean="0">
+                        <a:rPr lang="en-US" sz="1800" b="0" i="0" kern="1200" dirty="0">
                           <a:solidFill>
                             <a:schemeClr val="dk1"/>
                           </a:solidFill>
@@ -13896,29 +13617,29 @@
                     <a:lstStyle/>
                     <a:p>
                       <a:r>
-                        <a:rPr lang="en-US" dirty="0" smtClean="0"/>
+                        <a:rPr lang="en-US" dirty="0"/>
                         <a:t>For x</a:t>
                       </a:r>
                       <a:r>
-                        <a:rPr lang="en-US" baseline="0" dirty="0" smtClean="0"/>
+                        <a:rPr lang="en-US" baseline="0" dirty="0"/>
                         <a:t> in range(20):</a:t>
                       </a:r>
                     </a:p>
                     <a:p>
                       <a:r>
-                        <a:rPr lang="en-US" baseline="0" dirty="0" smtClean="0"/>
+                        <a:rPr lang="en-US" baseline="0" dirty="0"/>
                         <a:t>        if(x==5):</a:t>
                       </a:r>
                     </a:p>
                     <a:p>
                       <a:r>
-                        <a:rPr lang="en-US" baseline="0" dirty="0" smtClean="0"/>
+                        <a:rPr lang="en-US" baseline="0" dirty="0"/>
                         <a:t>                continue</a:t>
                       </a:r>
                     </a:p>
                     <a:p>
                       <a:r>
-                        <a:rPr lang="en-US" baseline="0" dirty="0" smtClean="0"/>
+                        <a:rPr lang="en-US" baseline="0" dirty="0"/>
                         <a:t>        print x</a:t>
                       </a:r>
                     </a:p>
@@ -13930,7 +13651,7 @@
                 </a:tc>
                 <a:extLst>
                   <a:ext uri="{0D108BD9-81ED-4DB2-BD59-A6C34878D82A}">
-                    <a16:rowId xmlns:a16="http://schemas.microsoft.com/office/drawing/2014/main" xmlns="" val="10002"/>
+                    <a16:rowId xmlns:a16="http://schemas.microsoft.com/office/drawing/2014/main" val="10002"/>
                   </a:ext>
                 </a:extLst>
               </a:tr>
@@ -13941,10 +13662,9 @@
                     <a:lstStyle/>
                     <a:p>
                       <a:r>
-                        <a:rPr lang="en-US" dirty="0" smtClean="0"/>
+                        <a:rPr lang="en-US" dirty="0"/>
                         <a:t>Pass statement</a:t>
                       </a:r>
-                      <a:endParaRPr lang="en-US" dirty="0"/>
                     </a:p>
                   </a:txBody>
                   <a:tcPr anchor="ctr"/>
@@ -13956,7 +13676,7 @@
                     <a:p>
                       <a:pPr fontAlgn="t"/>
                       <a:r>
-                        <a:rPr lang="en-US" sz="1800" b="0" i="0" kern="1200" dirty="0" smtClean="0">
+                        <a:rPr lang="en-US" sz="1800" b="0" i="0" kern="1200" dirty="0">
                           <a:solidFill>
                             <a:schemeClr val="dk1"/>
                           </a:solidFill>
@@ -13980,25 +13700,25 @@
                     <a:lstStyle/>
                     <a:p>
                       <a:r>
-                        <a:rPr lang="en-US" dirty="0" smtClean="0"/>
+                        <a:rPr lang="en-US" dirty="0"/>
                         <a:t>Def </a:t>
                       </a:r>
                       <a:r>
-                        <a:rPr lang="en-US" dirty="0" err="1" smtClean="0"/>
+                        <a:rPr lang="en-US" dirty="0" err="1"/>
                         <a:t>functionname</a:t>
                       </a:r>
                       <a:r>
-                        <a:rPr lang="en-US" dirty="0" smtClean="0"/>
+                        <a:rPr lang="en-US" dirty="0"/>
                         <a:t>:</a:t>
                       </a:r>
                       <a:r>
-                        <a:rPr lang="en-US" baseline="0" dirty="0" smtClean="0"/>
+                        <a:rPr lang="en-US" baseline="0" dirty="0"/>
                         <a:t> </a:t>
                       </a:r>
                     </a:p>
                     <a:p>
                       <a:r>
-                        <a:rPr lang="en-US" dirty="0" smtClean="0"/>
+                        <a:rPr lang="en-US" dirty="0"/>
                         <a:t>       pass</a:t>
                       </a:r>
                     </a:p>
@@ -14010,7 +13730,7 @@
                 </a:tc>
                 <a:extLst>
                   <a:ext uri="{0D108BD9-81ED-4DB2-BD59-A6C34878D82A}">
-                    <a16:rowId xmlns:a16="http://schemas.microsoft.com/office/drawing/2014/main" xmlns="" val="1860780884"/>
+                    <a16:rowId xmlns:a16="http://schemas.microsoft.com/office/drawing/2014/main" val="1860780884"/>
                   </a:ext>
                 </a:extLst>
               </a:tr>
@@ -14050,7 +13770,7 @@
                 </a:tc>
                 <a:extLst>
                   <a:ext uri="{0D108BD9-81ED-4DB2-BD59-A6C34878D82A}">
-                    <a16:rowId xmlns:a16="http://schemas.microsoft.com/office/drawing/2014/main" xmlns="" val="2323740672"/>
+                    <a16:rowId xmlns:a16="http://schemas.microsoft.com/office/drawing/2014/main" val="2323740672"/>
                   </a:ext>
                 </a:extLst>
               </a:tr>
@@ -14111,12 +13831,8 @@
           <a:lstStyle/>
           <a:p>
             <a:r>
-              <a:rPr lang="fr-FR" b="1" dirty="0" err="1" smtClean="0"/>
+              <a:rPr lang="fr-FR" b="1" dirty="0" err="1"/>
               <a:t>Function</a:t>
-            </a:r>
-            <a:r>
-              <a:rPr lang="en-US" b="1" dirty="0"/>
-              <a:t/>
             </a:r>
             <a:br>
               <a:rPr lang="en-US" b="1" dirty="0"/>
@@ -14203,28 +13919,20 @@
           <a:lstStyle/>
           <a:p>
             <a:r>
-              <a:rPr lang="fr-FR" b="1" dirty="0" err="1" smtClean="0"/>
+              <a:rPr lang="fr-FR" b="1" dirty="0" err="1"/>
               <a:t>Defining</a:t>
             </a:r>
             <a:r>
-              <a:rPr lang="fr-FR" b="1" dirty="0" smtClean="0"/>
+              <a:rPr lang="fr-FR" b="1" dirty="0"/>
               <a:t> a </a:t>
             </a:r>
             <a:r>
-              <a:rPr lang="fr-FR" b="1" dirty="0" err="1" smtClean="0"/>
+              <a:rPr lang="fr-FR" b="1" dirty="0" err="1"/>
               <a:t>Function</a:t>
-            </a:r>
-            <a:r>
-              <a:rPr lang="fr-FR" b="1" dirty="0"/>
-              <a:t/>
             </a:r>
             <a:br>
               <a:rPr lang="fr-FR" b="1" dirty="0"/>
             </a:br>
-            <a:r>
-              <a:rPr lang="en-US" b="1" dirty="0"/>
-              <a:t/>
-            </a:r>
             <a:br>
               <a:rPr lang="en-US" b="1" dirty="0"/>
             </a:br>
@@ -14349,28 +14057,20 @@
           <a:lstStyle/>
           <a:p>
             <a:r>
-              <a:rPr lang="fr-FR" b="1" dirty="0" err="1" smtClean="0"/>
+              <a:rPr lang="fr-FR" b="1" dirty="0" err="1"/>
               <a:t>Calling</a:t>
             </a:r>
             <a:r>
-              <a:rPr lang="fr-FR" b="1" dirty="0" smtClean="0"/>
+              <a:rPr lang="fr-FR" b="1" dirty="0"/>
               <a:t> a </a:t>
             </a:r>
             <a:r>
-              <a:rPr lang="fr-FR" b="1" dirty="0" err="1" smtClean="0"/>
+              <a:rPr lang="fr-FR" b="1" dirty="0" err="1"/>
               <a:t>Function</a:t>
-            </a:r>
-            <a:r>
-              <a:rPr lang="fr-FR" b="1" dirty="0"/>
-              <a:t/>
             </a:r>
             <a:br>
               <a:rPr lang="fr-FR" b="1" dirty="0"/>
             </a:br>
-            <a:r>
-              <a:rPr lang="en-US" b="1" dirty="0"/>
-              <a:t/>
-            </a:r>
             <a:br>
               <a:rPr lang="en-US" b="1" dirty="0"/>
             </a:br>
@@ -14400,11 +14100,7 @@
             </a:pPr>
             <a:r>
               <a:rPr lang="en-US" dirty="0"/>
-              <a:t>Once the basic structure of a function is finalized, you can execute it by calling it from another function or directly from the Python prompt. Following is the example to call </a:t>
-            </a:r>
-            <a:r>
-              <a:rPr lang="en-US" dirty="0" smtClean="0"/>
-              <a:t>function </a:t>
+              <a:t>Once the basic structure of a function is finalized, you can execute it by calling it from another function or directly from the Python prompt. Following is the example to call function </a:t>
             </a:r>
           </a:p>
           <a:p>
@@ -14412,7 +14108,7 @@
               <a:buNone/>
             </a:pPr>
             <a:r>
-              <a:rPr lang="en-US" dirty="0" smtClean="0"/>
+              <a:rPr lang="en-US" dirty="0"/>
               <a:t>Ex.</a:t>
             </a:r>
           </a:p>
@@ -14425,27 +14121,27 @@
               <a:t>d</a:t>
             </a:r>
             <a:r>
-              <a:rPr lang="en-US" dirty="0" err="1" smtClean="0"/>
+              <a:rPr lang="en-US" dirty="0" err="1"/>
               <a:t>ef</a:t>
             </a:r>
             <a:r>
-              <a:rPr lang="en-US" dirty="0" smtClean="0"/>
+              <a:rPr lang="en-US" dirty="0"/>
               <a:t> </a:t>
             </a:r>
             <a:r>
-              <a:rPr lang="en-US" dirty="0" err="1" smtClean="0"/>
+              <a:rPr lang="en-US" dirty="0" err="1"/>
               <a:t>printme</a:t>
             </a:r>
             <a:r>
-              <a:rPr lang="en-US" dirty="0" smtClean="0"/>
+              <a:rPr lang="en-US" dirty="0"/>
               <a:t>(</a:t>
             </a:r>
             <a:r>
-              <a:rPr lang="en-US" dirty="0" err="1" smtClean="0"/>
+              <a:rPr lang="en-US" dirty="0" err="1"/>
               <a:t>str</a:t>
             </a:r>
             <a:r>
-              <a:rPr lang="en-US" dirty="0" smtClean="0"/>
+              <a:rPr lang="en-US" dirty="0"/>
               <a:t>):</a:t>
             </a:r>
           </a:p>
@@ -14455,21 +14151,16 @@
             </a:pPr>
             <a:r>
               <a:rPr lang="en-US" dirty="0"/>
-              <a:t>	</a:t>
-            </a:r>
-            <a:r>
-              <a:rPr lang="en-US" dirty="0" smtClean="0"/>
-              <a:t>print(</a:t>
-            </a:r>
-            <a:r>
-              <a:rPr lang="en-US" dirty="0" err="1" smtClean="0"/>
+              <a:t>	print(</a:t>
+            </a:r>
+            <a:r>
+              <a:rPr lang="en-US" dirty="0" err="1"/>
               <a:t>str</a:t>
             </a:r>
             <a:r>
-              <a:rPr lang="en-US" dirty="0" smtClean="0"/>
+              <a:rPr lang="en-US" dirty="0"/>
               <a:t>)</a:t>
             </a:r>
-            <a:endParaRPr lang="en-US" dirty="0"/>
           </a:p>
           <a:p>
             <a:pPr marL="0" indent="0">
@@ -14480,11 +14171,11 @@
               <a:t>p</a:t>
             </a:r>
             <a:r>
-              <a:rPr lang="en-US" dirty="0" err="1" smtClean="0"/>
+              <a:rPr lang="en-US" dirty="0" err="1"/>
               <a:t>rintme</a:t>
             </a:r>
             <a:r>
-              <a:rPr lang="en-US" dirty="0" smtClean="0"/>
+              <a:rPr lang="en-US" dirty="0"/>
               <a:t>(“hello world”)</a:t>
             </a:r>
           </a:p>
@@ -14497,14 +14188,13 @@
               <a:t>p</a:t>
             </a:r>
             <a:r>
-              <a:rPr lang="en-US" dirty="0" err="1" smtClean="0"/>
+              <a:rPr lang="en-US" dirty="0" err="1"/>
               <a:t>rintme</a:t>
             </a:r>
             <a:r>
-              <a:rPr lang="en-US" dirty="0" smtClean="0"/>
+              <a:rPr lang="en-US" dirty="0"/>
               <a:t>(“test”)</a:t>
             </a:r>
-            <a:endParaRPr lang="en-US" dirty="0"/>
           </a:p>
         </p:txBody>
       </p:sp>
@@ -14561,20 +14251,12 @@
           <a:lstStyle/>
           <a:p>
             <a:r>
-              <a:rPr lang="fr-FR" b="1" dirty="0" smtClean="0"/>
+              <a:rPr lang="fr-FR" b="1" dirty="0"/>
               <a:t>Module</a:t>
-            </a:r>
-            <a:r>
-              <a:rPr lang="fr-FR" b="1" dirty="0"/>
-              <a:t/>
             </a:r>
             <a:br>
               <a:rPr lang="fr-FR" b="1" dirty="0"/>
             </a:br>
-            <a:r>
-              <a:rPr lang="en-US" b="1" dirty="0"/>
-              <a:t/>
-            </a:r>
             <a:br>
               <a:rPr lang="en-US" b="1" dirty="0"/>
             </a:br>
@@ -14604,27 +14286,7 @@
             </a:pPr>
             <a:r>
               <a:rPr lang="en-US" dirty="0"/>
-              <a:t>A</a:t>
-            </a:r>
-            <a:r>
-              <a:rPr lang="en-US" dirty="0" smtClean="0"/>
-              <a:t> </a:t>
-            </a:r>
-            <a:r>
-              <a:rPr lang="en-US" dirty="0"/>
-              <a:t>module is a file consisting of Python code. A module can define functions, </a:t>
-            </a:r>
-            <a:r>
-              <a:rPr lang="en-US" dirty="0" smtClean="0"/>
-              <a:t>classes </a:t>
-            </a:r>
-            <a:r>
-              <a:rPr lang="en-US" dirty="0"/>
-              <a:t>and variables. A module can also include runnable code</a:t>
-            </a:r>
-            <a:r>
-              <a:rPr lang="en-US" dirty="0" smtClean="0"/>
-              <a:t>.</a:t>
+              <a:t>A module is a file consisting of Python code. A module can define functions, classes and variables. A module can also include runnable code.</a:t>
             </a:r>
           </a:p>
           <a:p>
@@ -14682,14 +14344,14 @@
             <a:pPr marL="0" indent="0">
               <a:buNone/>
             </a:pPr>
-            <a:endParaRPr lang="en-US" dirty="0" smtClean="0"/>
+            <a:endParaRPr lang="en-US" dirty="0"/>
           </a:p>
           <a:p>
             <a:pPr marL="0" indent="0">
               <a:buNone/>
             </a:pPr>
             <a:r>
-              <a:rPr lang="en-US" sz="1400" dirty="0" smtClean="0"/>
+              <a:rPr lang="en-US" sz="1400" dirty="0"/>
               <a:t>a.py</a:t>
             </a:r>
           </a:p>
@@ -14702,27 +14364,27 @@
               <a:t> </a:t>
             </a:r>
             <a:r>
-              <a:rPr lang="en-US" sz="1400" dirty="0" err="1" smtClean="0"/>
+              <a:rPr lang="en-US" sz="1400" dirty="0" err="1"/>
               <a:t>def</a:t>
             </a:r>
             <a:r>
-              <a:rPr lang="en-US" sz="1400" dirty="0" smtClean="0"/>
+              <a:rPr lang="en-US" sz="1400" dirty="0"/>
               <a:t> </a:t>
             </a:r>
             <a:r>
-              <a:rPr lang="en-US" sz="1400" dirty="0" err="1" smtClean="0"/>
+              <a:rPr lang="en-US" sz="1400" dirty="0" err="1"/>
               <a:t>printeme</a:t>
             </a:r>
             <a:r>
-              <a:rPr lang="en-US" sz="1400" dirty="0" smtClean="0"/>
+              <a:rPr lang="en-US" sz="1400" dirty="0"/>
               <a:t>(</a:t>
             </a:r>
             <a:r>
-              <a:rPr lang="en-US" sz="1400" dirty="0" err="1" smtClean="0"/>
+              <a:rPr lang="en-US" sz="1400" dirty="0" err="1"/>
               <a:t>str</a:t>
             </a:r>
             <a:r>
-              <a:rPr lang="en-US" sz="1400" dirty="0" smtClean="0"/>
+              <a:rPr lang="en-US" sz="1400" dirty="0"/>
               <a:t>):</a:t>
             </a:r>
           </a:p>
@@ -14732,18 +14394,14 @@
             </a:pPr>
             <a:r>
               <a:rPr lang="en-US" sz="1400" dirty="0"/>
-              <a:t> </a:t>
-            </a:r>
-            <a:r>
-              <a:rPr lang="en-US" sz="1400" dirty="0" smtClean="0"/>
-              <a:t>       print(</a:t>
-            </a:r>
-            <a:r>
-              <a:rPr lang="en-US" sz="1400" dirty="0" err="1" smtClean="0"/>
+              <a:t>        print(</a:t>
+            </a:r>
+            <a:r>
+              <a:rPr lang="en-US" sz="1400" dirty="0" err="1"/>
               <a:t>str</a:t>
             </a:r>
             <a:r>
-              <a:rPr lang="en-US" sz="1400" dirty="0" smtClean="0"/>
+              <a:rPr lang="en-US" sz="1400" dirty="0"/>
               <a:t>)</a:t>
             </a:r>
           </a:p>
@@ -14752,7 +14410,7 @@
               <a:buNone/>
             </a:pPr>
             <a:r>
-              <a:rPr lang="en-US" sz="1400" dirty="0" smtClean="0"/>
+              <a:rPr lang="en-US" sz="1400" dirty="0"/>
               <a:t>b.py</a:t>
             </a:r>
           </a:p>
@@ -14761,14 +14419,14 @@
               <a:buNone/>
             </a:pPr>
             <a:r>
-              <a:rPr lang="en-US" sz="1400" dirty="0" smtClean="0"/>
+              <a:rPr lang="en-US" sz="1400" dirty="0"/>
               <a:t> from a import </a:t>
             </a:r>
             <a:r>
-              <a:rPr lang="en-US" sz="1400" dirty="0" err="1" smtClean="0"/>
+              <a:rPr lang="en-US" sz="1400" dirty="0" err="1"/>
               <a:t>printme</a:t>
             </a:r>
-            <a:endParaRPr lang="en-US" sz="1400" dirty="0" smtClean="0"/>
+            <a:endParaRPr lang="en-US" sz="1400" dirty="0"/>
           </a:p>
           <a:p>
             <a:pPr marL="0" indent="0">
@@ -14776,18 +14434,14 @@
             </a:pPr>
             <a:r>
               <a:rPr lang="en-US" sz="1400" dirty="0"/>
-              <a:t> </a:t>
-            </a:r>
-            <a:r>
-              <a:rPr lang="en-US" sz="1400" dirty="0" smtClean="0"/>
-              <a:t> </a:t>
-            </a:r>
-            <a:r>
-              <a:rPr lang="en-US" sz="1400" dirty="0" err="1" smtClean="0"/>
+              <a:t>  </a:t>
+            </a:r>
+            <a:r>
+              <a:rPr lang="en-US" sz="1400" dirty="0" err="1"/>
               <a:t>printme</a:t>
             </a:r>
             <a:r>
-              <a:rPr lang="en-US" sz="1400" dirty="0" smtClean="0"/>
+              <a:rPr lang="en-US" sz="1400" dirty="0"/>
               <a:t>(“method from a file”)</a:t>
             </a:r>
           </a:p>

--- a/document/course2-3.pptx
+++ b/document/course2-3.pptx
@@ -5,7 +5,7 @@
     <p:sldMasterId id="2147483723" r:id="rId1"/>
   </p:sldMasterIdLst>
   <p:notesMasterIdLst>
-    <p:notesMasterId r:id="rId17"/>
+    <p:notesMasterId r:id="rId24"/>
   </p:notesMasterIdLst>
   <p:sldIdLst>
     <p:sldId id="286" r:id="rId2"/>
@@ -23,6 +23,13 @@
     <p:sldId id="297" r:id="rId14"/>
     <p:sldId id="299" r:id="rId15"/>
     <p:sldId id="300" r:id="rId16"/>
+    <p:sldId id="306" r:id="rId17"/>
+    <p:sldId id="303" r:id="rId18"/>
+    <p:sldId id="304" r:id="rId19"/>
+    <p:sldId id="307" r:id="rId20"/>
+    <p:sldId id="305" r:id="rId21"/>
+    <p:sldId id="309" r:id="rId22"/>
+    <p:sldId id="308" r:id="rId23"/>
   </p:sldIdLst>
   <p:sldSz cx="12192000" cy="6858000"/>
   <p:notesSz cx="6858000" cy="9144000"/>
@@ -144,6 +151,13 @@
             <p14:sldId id="297"/>
             <p14:sldId id="299"/>
             <p14:sldId id="300"/>
+            <p14:sldId id="306"/>
+            <p14:sldId id="303"/>
+            <p14:sldId id="304"/>
+            <p14:sldId id="307"/>
+            <p14:sldId id="305"/>
+            <p14:sldId id="309"/>
+            <p14:sldId id="308"/>
           </p14:sldIdLst>
         </p14:section>
       </p14:sectionLst>
@@ -237,7 +251,7 @@
           <a:p>
             <a:fld id="{90C9A26C-E32A-0842-B5B6-EF949C454305}" type="datetimeFigureOut">
               <a:rPr lang="en-US" smtClean="0"/>
-              <a:t>11/3/18</a:t>
+              <a:t>11/10/18</a:t>
             </a:fld>
             <a:endParaRPr lang="en-US"/>
           </a:p>
@@ -692,7 +706,7 @@
           <a:p>
             <a:fld id="{48A87A34-81AB-432B-8DAE-1953F412C126}" type="datetimeFigureOut">
               <a:rPr lang="en-US" smtClean="0"/>
-              <a:t>11/3/18</a:t>
+              <a:t>11/10/18</a:t>
             </a:fld>
             <a:endParaRPr lang="en-US" dirty="0"/>
           </a:p>
@@ -1026,7 +1040,7 @@
             <a:fld id="{48A87A34-81AB-432B-8DAE-1953F412C126}" type="datetimeFigureOut">
               <a:rPr lang="en-US" smtClean="0"/>
               <a:pPr/>
-              <a:t>11/3/18</a:t>
+              <a:t>11/10/18</a:t>
             </a:fld>
             <a:endParaRPr lang="en-US" dirty="0"/>
           </a:p>
@@ -1424,7 +1438,7 @@
             <a:fld id="{48A87A34-81AB-432B-8DAE-1953F412C126}" type="datetimeFigureOut">
               <a:rPr lang="en-US" smtClean="0"/>
               <a:pPr/>
-              <a:t>11/3/18</a:t>
+              <a:t>11/10/18</a:t>
             </a:fld>
             <a:endParaRPr lang="en-US" dirty="0"/>
           </a:p>
@@ -1757,7 +1771,7 @@
             <a:fld id="{48A87A34-81AB-432B-8DAE-1953F412C126}" type="datetimeFigureOut">
               <a:rPr lang="en-US" smtClean="0"/>
               <a:pPr/>
-              <a:t>11/3/18</a:t>
+              <a:t>11/10/18</a:t>
             </a:fld>
             <a:endParaRPr lang="en-US" dirty="0"/>
           </a:p>
@@ -2074,7 +2088,7 @@
             <a:fld id="{48A87A34-81AB-432B-8DAE-1953F412C126}" type="datetimeFigureOut">
               <a:rPr lang="en-US" smtClean="0"/>
               <a:pPr/>
-              <a:t>11/3/18</a:t>
+              <a:t>11/10/18</a:t>
             </a:fld>
             <a:endParaRPr lang="en-US" dirty="0"/>
           </a:p>
@@ -2467,7 +2481,7 @@
             <a:fld id="{48A87A34-81AB-432B-8DAE-1953F412C126}" type="datetimeFigureOut">
               <a:rPr lang="en-US" smtClean="0"/>
               <a:pPr/>
-              <a:t>11/3/18</a:t>
+              <a:t>11/10/18</a:t>
             </a:fld>
             <a:endParaRPr lang="en-US" dirty="0"/>
           </a:p>
@@ -2720,7 +2734,7 @@
           <a:p>
             <a:fld id="{48A87A34-81AB-432B-8DAE-1953F412C126}" type="datetimeFigureOut">
               <a:rPr lang="en-US" smtClean="0"/>
-              <a:t>11/3/18</a:t>
+              <a:t>11/10/18</a:t>
             </a:fld>
             <a:endParaRPr lang="en-US" dirty="0"/>
           </a:p>
@@ -2977,7 +2991,7 @@
           <a:p>
             <a:fld id="{48A87A34-81AB-432B-8DAE-1953F412C126}" type="datetimeFigureOut">
               <a:rPr lang="en-US" smtClean="0"/>
-              <a:t>11/3/18</a:t>
+              <a:t>11/10/18</a:t>
             </a:fld>
             <a:endParaRPr lang="en-US" dirty="0"/>
           </a:p>
@@ -3234,7 +3248,7 @@
           <a:p>
             <a:fld id="{48A87A34-81AB-432B-8DAE-1953F412C126}" type="datetimeFigureOut">
               <a:rPr lang="en-US" smtClean="0"/>
-              <a:t>11/3/18</a:t>
+              <a:t>11/10/18</a:t>
             </a:fld>
             <a:endParaRPr lang="en-US" dirty="0"/>
           </a:p>
@@ -3558,7 +3572,7 @@
           <a:p>
             <a:fld id="{48A87A34-81AB-432B-8DAE-1953F412C126}" type="datetimeFigureOut">
               <a:rPr lang="en-US" smtClean="0"/>
-              <a:t>11/3/18</a:t>
+              <a:t>11/10/18</a:t>
             </a:fld>
             <a:endParaRPr lang="en-US" dirty="0"/>
           </a:p>
@@ -3876,7 +3890,7 @@
           <a:p>
             <a:fld id="{48A87A34-81AB-432B-8DAE-1953F412C126}" type="datetimeFigureOut">
               <a:rPr lang="en-US" smtClean="0"/>
-              <a:t>11/3/18</a:t>
+              <a:t>11/10/18</a:t>
             </a:fld>
             <a:endParaRPr lang="en-US" dirty="0"/>
           </a:p>
@@ -4328,7 +4342,7 @@
           <a:p>
             <a:fld id="{48A87A34-81AB-432B-8DAE-1953F412C126}" type="datetimeFigureOut">
               <a:rPr lang="en-US" smtClean="0"/>
-              <a:t>11/3/18</a:t>
+              <a:t>11/10/18</a:t>
             </a:fld>
             <a:endParaRPr lang="en-US" dirty="0"/>
           </a:p>
@@ -4528,7 +4542,7 @@
           <a:p>
             <a:fld id="{48A87A34-81AB-432B-8DAE-1953F412C126}" type="datetimeFigureOut">
               <a:rPr lang="en-US" smtClean="0"/>
-              <a:t>11/3/18</a:t>
+              <a:t>11/10/18</a:t>
             </a:fld>
             <a:endParaRPr lang="en-US" dirty="0"/>
           </a:p>
@@ -4700,7 +4714,7 @@
           <a:p>
             <a:fld id="{48A87A34-81AB-432B-8DAE-1953F412C126}" type="datetimeFigureOut">
               <a:rPr lang="en-US" smtClean="0"/>
-              <a:t>11/3/18</a:t>
+              <a:t>11/10/18</a:t>
             </a:fld>
             <a:endParaRPr lang="en-US" dirty="0"/>
           </a:p>
@@ -5028,7 +5042,7 @@
           <a:p>
             <a:fld id="{48A87A34-81AB-432B-8DAE-1953F412C126}" type="datetimeFigureOut">
               <a:rPr lang="en-US" smtClean="0"/>
-              <a:t>11/3/18</a:t>
+              <a:t>11/10/18</a:t>
             </a:fld>
             <a:endParaRPr lang="en-US" dirty="0"/>
           </a:p>
@@ -5368,7 +5382,7 @@
           <a:p>
             <a:fld id="{48A87A34-81AB-432B-8DAE-1953F412C126}" type="datetimeFigureOut">
               <a:rPr lang="en-US" smtClean="0"/>
-              <a:t>11/3/18</a:t>
+              <a:t>11/10/18</a:t>
             </a:fld>
             <a:endParaRPr lang="en-US" dirty="0"/>
           </a:p>
@@ -7481,7 +7495,7 @@
             <a:fld id="{48A87A34-81AB-432B-8DAE-1953F412C126}" type="datetimeFigureOut">
               <a:rPr lang="en-US" smtClean="0"/>
               <a:pPr/>
-              <a:t>11/3/18</a:t>
+              <a:t>11/10/18</a:t>
             </a:fld>
             <a:endParaRPr lang="en-US" dirty="0"/>
           </a:p>
@@ -9593,225 +9607,355 @@
         </p:spPr>
         <p:txBody>
           <a:bodyPr>
-            <a:normAutofit fontScale="62500" lnSpcReduction="20000"/>
+            <a:noAutofit/>
           </a:bodyPr>
           <a:lstStyle/>
           <a:p>
             <a:pPr marL="0" indent="0">
+              <a:spcBef>
+                <a:spcPts val="0"/>
+              </a:spcBef>
               <a:buNone/>
             </a:pPr>
             <a:r>
-              <a:rPr lang="en-US" dirty="0"/>
+              <a:rPr lang="en-US" sz="1600" dirty="0">
+                <a:latin typeface="Calibri" panose="020F0502020204030204" pitchFamily="34" charset="0"/>
+                <a:cs typeface="Calibri" panose="020F0502020204030204" pitchFamily="34" charset="0"/>
+              </a:rPr>
               <a:t>class Person:</a:t>
             </a:r>
           </a:p>
           <a:p>
             <a:pPr marL="0" indent="0">
+              <a:spcBef>
+                <a:spcPts val="0"/>
+              </a:spcBef>
               <a:buNone/>
             </a:pPr>
             <a:r>
-              <a:rPr lang="en-US" dirty="0"/>
+              <a:rPr lang="en-US" sz="1600" dirty="0">
+                <a:latin typeface="Calibri" panose="020F0502020204030204" pitchFamily="34" charset="0"/>
+                <a:cs typeface="Calibri" panose="020F0502020204030204" pitchFamily="34" charset="0"/>
+              </a:rPr>
               <a:t>    __name= ""</a:t>
             </a:r>
           </a:p>
           <a:p>
             <a:pPr marL="0" indent="0">
+              <a:spcBef>
+                <a:spcPts val="0"/>
+              </a:spcBef>
               <a:buNone/>
             </a:pPr>
             <a:r>
-              <a:rPr lang="en-US" dirty="0"/>
+              <a:rPr lang="en-US" sz="1600" dirty="0">
+                <a:latin typeface="Calibri" panose="020F0502020204030204" pitchFamily="34" charset="0"/>
+                <a:cs typeface="Calibri" panose="020F0502020204030204" pitchFamily="34" charset="0"/>
+              </a:rPr>
               <a:t>    __age =0</a:t>
             </a:r>
           </a:p>
           <a:p>
             <a:pPr marL="0" indent="0">
+              <a:spcBef>
+                <a:spcPts val="0"/>
+              </a:spcBef>
               <a:buNone/>
             </a:pPr>
-            <a:endParaRPr lang="en-US" dirty="0"/>
+            <a:endParaRPr lang="en-US" sz="1600" dirty="0">
+              <a:latin typeface="Calibri" panose="020F0502020204030204" pitchFamily="34" charset="0"/>
+              <a:cs typeface="Calibri" panose="020F0502020204030204" pitchFamily="34" charset="0"/>
+            </a:endParaRPr>
           </a:p>
           <a:p>
             <a:pPr marL="0" indent="0">
+              <a:spcBef>
+                <a:spcPts val="0"/>
+              </a:spcBef>
               <a:buNone/>
             </a:pPr>
             <a:r>
-              <a:rPr lang="en-US" dirty="0"/>
-              <a:t>    </a:t>
-            </a:r>
-            <a:r>
-              <a:rPr lang="en-US" dirty="0" err="1"/>
-              <a:t>def</a:t>
-            </a:r>
-            <a:r>
-              <a:rPr lang="en-US" dirty="0"/>
-              <a:t> __</a:t>
-            </a:r>
-            <a:r>
-              <a:rPr lang="en-US" dirty="0" err="1"/>
+              <a:rPr lang="en-US" sz="1600" dirty="0">
+                <a:latin typeface="Calibri" panose="020F0502020204030204" pitchFamily="34" charset="0"/>
+                <a:cs typeface="Calibri" panose="020F0502020204030204" pitchFamily="34" charset="0"/>
+              </a:rPr>
+              <a:t>    def __</a:t>
+            </a:r>
+            <a:r>
+              <a:rPr lang="en-US" sz="1600" dirty="0" err="1">
+                <a:latin typeface="Calibri" panose="020F0502020204030204" pitchFamily="34" charset="0"/>
+                <a:cs typeface="Calibri" panose="020F0502020204030204" pitchFamily="34" charset="0"/>
+              </a:rPr>
               <a:t>init</a:t>
             </a:r>
             <a:r>
-              <a:rPr lang="en-US" dirty="0"/>
+              <a:rPr lang="en-US" sz="1600" dirty="0">
+                <a:latin typeface="Calibri" panose="020F0502020204030204" pitchFamily="34" charset="0"/>
+                <a:cs typeface="Calibri" panose="020F0502020204030204" pitchFamily="34" charset="0"/>
+              </a:rPr>
               <a:t>__(self, name):</a:t>
             </a:r>
           </a:p>
           <a:p>
             <a:pPr marL="0" indent="0">
+              <a:spcBef>
+                <a:spcPts val="0"/>
+              </a:spcBef>
               <a:buNone/>
             </a:pPr>
             <a:r>
-              <a:rPr lang="en-US" dirty="0"/>
+              <a:rPr lang="en-US" sz="1600" dirty="0">
+                <a:latin typeface="Calibri" panose="020F0502020204030204" pitchFamily="34" charset="0"/>
+                <a:cs typeface="Calibri" panose="020F0502020204030204" pitchFamily="34" charset="0"/>
+              </a:rPr>
               <a:t>        </a:t>
             </a:r>
             <a:r>
-              <a:rPr lang="en-US" dirty="0" err="1"/>
+              <a:rPr lang="en-US" sz="1600" dirty="0" err="1">
+                <a:latin typeface="Calibri" panose="020F0502020204030204" pitchFamily="34" charset="0"/>
+                <a:cs typeface="Calibri" panose="020F0502020204030204" pitchFamily="34" charset="0"/>
+              </a:rPr>
               <a:t>self.__name</a:t>
             </a:r>
             <a:r>
-              <a:rPr lang="en-US" dirty="0"/>
+              <a:rPr lang="en-US" sz="1600" dirty="0">
+                <a:latin typeface="Calibri" panose="020F0502020204030204" pitchFamily="34" charset="0"/>
+                <a:cs typeface="Calibri" panose="020F0502020204030204" pitchFamily="34" charset="0"/>
+              </a:rPr>
               <a:t> = name</a:t>
             </a:r>
           </a:p>
           <a:p>
             <a:pPr marL="0" indent="0">
+              <a:spcBef>
+                <a:spcPts val="0"/>
+              </a:spcBef>
               <a:buNone/>
             </a:pPr>
-            <a:endParaRPr lang="en-US" dirty="0"/>
+            <a:endParaRPr lang="en-US" sz="1600" dirty="0">
+              <a:latin typeface="Calibri" panose="020F0502020204030204" pitchFamily="34" charset="0"/>
+              <a:cs typeface="Calibri" panose="020F0502020204030204" pitchFamily="34" charset="0"/>
+            </a:endParaRPr>
           </a:p>
           <a:p>
             <a:pPr marL="0" indent="0">
+              <a:spcBef>
+                <a:spcPts val="0"/>
+              </a:spcBef>
               <a:buNone/>
             </a:pPr>
             <a:r>
-              <a:rPr lang="en-US" dirty="0"/>
-              <a:t>    </a:t>
-            </a:r>
-            <a:r>
-              <a:rPr lang="en-US" dirty="0" err="1"/>
-              <a:t>def</a:t>
-            </a:r>
-            <a:r>
-              <a:rPr lang="en-US" dirty="0"/>
-              <a:t> </a:t>
-            </a:r>
-            <a:r>
-              <a:rPr lang="en-US" dirty="0" err="1"/>
+              <a:rPr lang="en-US" sz="1600" dirty="0">
+                <a:latin typeface="Calibri" panose="020F0502020204030204" pitchFamily="34" charset="0"/>
+                <a:cs typeface="Calibri" panose="020F0502020204030204" pitchFamily="34" charset="0"/>
+              </a:rPr>
+              <a:t>    def </a:t>
+            </a:r>
+            <a:r>
+              <a:rPr lang="en-US" sz="1600" dirty="0" err="1">
+                <a:latin typeface="Calibri" panose="020F0502020204030204" pitchFamily="34" charset="0"/>
+                <a:cs typeface="Calibri" panose="020F0502020204030204" pitchFamily="34" charset="0"/>
+              </a:rPr>
               <a:t>getName</a:t>
             </a:r>
             <a:r>
-              <a:rPr lang="en-US" dirty="0"/>
+              <a:rPr lang="en-US" sz="1600" dirty="0">
+                <a:latin typeface="Calibri" panose="020F0502020204030204" pitchFamily="34" charset="0"/>
+                <a:cs typeface="Calibri" panose="020F0502020204030204" pitchFamily="34" charset="0"/>
+              </a:rPr>
               <a:t>(self):</a:t>
             </a:r>
           </a:p>
           <a:p>
             <a:pPr marL="0" indent="0">
+              <a:spcBef>
+                <a:spcPts val="0"/>
+              </a:spcBef>
               <a:buNone/>
             </a:pPr>
             <a:r>
-              <a:rPr lang="en-US" dirty="0"/>
+              <a:rPr lang="en-US" sz="1600" dirty="0">
+                <a:latin typeface="Calibri" panose="020F0502020204030204" pitchFamily="34" charset="0"/>
+                <a:cs typeface="Calibri" panose="020F0502020204030204" pitchFamily="34" charset="0"/>
+              </a:rPr>
               <a:t>        return </a:t>
             </a:r>
             <a:r>
-              <a:rPr lang="en-US" dirty="0" err="1"/>
+              <a:rPr lang="en-US" sz="1600" dirty="0" err="1">
+                <a:latin typeface="Calibri" panose="020F0502020204030204" pitchFamily="34" charset="0"/>
+                <a:cs typeface="Calibri" panose="020F0502020204030204" pitchFamily="34" charset="0"/>
+              </a:rPr>
               <a:t>self.__name</a:t>
             </a:r>
-            <a:endParaRPr lang="en-US" dirty="0"/>
+            <a:endParaRPr lang="en-US" sz="1600" dirty="0">
+              <a:latin typeface="Calibri" panose="020F0502020204030204" pitchFamily="34" charset="0"/>
+              <a:cs typeface="Calibri" panose="020F0502020204030204" pitchFamily="34" charset="0"/>
+            </a:endParaRPr>
           </a:p>
           <a:p>
             <a:pPr marL="0" indent="0">
+              <a:spcBef>
+                <a:spcPts val="0"/>
+              </a:spcBef>
               <a:buNone/>
             </a:pPr>
-            <a:r>
-              <a:rPr lang="en-US"/>
-              <a:t>  </a:t>
-            </a:r>
-            <a:endParaRPr lang="en-US" dirty="0"/>
+            <a:endParaRPr lang="en-US" sz="1600" dirty="0">
+              <a:latin typeface="Calibri" panose="020F0502020204030204" pitchFamily="34" charset="0"/>
+              <a:cs typeface="Calibri" panose="020F0502020204030204" pitchFamily="34" charset="0"/>
+            </a:endParaRPr>
           </a:p>
           <a:p>
             <a:pPr marL="0" indent="0">
+              <a:spcBef>
+                <a:spcPts val="0"/>
+              </a:spcBef>
               <a:buNone/>
             </a:pPr>
             <a:r>
-              <a:rPr lang="en-US" dirty="0"/>
+              <a:rPr lang="en-US" sz="1600" dirty="0">
+                <a:latin typeface="Calibri" panose="020F0502020204030204" pitchFamily="34" charset="0"/>
+                <a:cs typeface="Calibri" panose="020F0502020204030204" pitchFamily="34" charset="0"/>
+              </a:rPr>
               <a:t>    </a:t>
             </a:r>
             <a:r>
-              <a:rPr lang="en-US" dirty="0" err="1"/>
+              <a:rPr lang="en-US" sz="1600" dirty="0" err="1">
+                <a:latin typeface="Calibri" panose="020F0502020204030204" pitchFamily="34" charset="0"/>
+                <a:cs typeface="Calibri" panose="020F0502020204030204" pitchFamily="34" charset="0"/>
+              </a:rPr>
               <a:t>def</a:t>
             </a:r>
             <a:r>
-              <a:rPr lang="en-US" dirty="0"/>
+              <a:rPr lang="en-US" sz="1600" dirty="0">
+                <a:latin typeface="Calibri" panose="020F0502020204030204" pitchFamily="34" charset="0"/>
+                <a:cs typeface="Calibri" panose="020F0502020204030204" pitchFamily="34" charset="0"/>
+              </a:rPr>
               <a:t> __</a:t>
             </a:r>
             <a:r>
-              <a:rPr lang="en-US" dirty="0" err="1"/>
+              <a:rPr lang="en-US" sz="1600" dirty="0" err="1">
+                <a:latin typeface="Calibri" panose="020F0502020204030204" pitchFamily="34" charset="0"/>
+                <a:cs typeface="Calibri" panose="020F0502020204030204" pitchFamily="34" charset="0"/>
+              </a:rPr>
               <a:t>str</a:t>
             </a:r>
             <a:r>
-              <a:rPr lang="en-US" dirty="0"/>
+              <a:rPr lang="en-US" sz="1600" dirty="0">
+                <a:latin typeface="Calibri" panose="020F0502020204030204" pitchFamily="34" charset="0"/>
+                <a:cs typeface="Calibri" panose="020F0502020204030204" pitchFamily="34" charset="0"/>
+              </a:rPr>
               <a:t>__(self):</a:t>
             </a:r>
           </a:p>
           <a:p>
             <a:pPr marL="0" indent="0">
+              <a:spcBef>
+                <a:spcPts val="0"/>
+              </a:spcBef>
               <a:buNone/>
             </a:pPr>
             <a:r>
-              <a:rPr lang="en-US" dirty="0"/>
+              <a:rPr lang="en-US" sz="1600" dirty="0">
+                <a:latin typeface="Calibri" panose="020F0502020204030204" pitchFamily="34" charset="0"/>
+                <a:cs typeface="Calibri" panose="020F0502020204030204" pitchFamily="34" charset="0"/>
+              </a:rPr>
               <a:t>        return "name: %</a:t>
             </a:r>
             <a:r>
-              <a:rPr lang="en-US" dirty="0" err="1"/>
+              <a:rPr lang="en-US" sz="1600" dirty="0" err="1">
+                <a:latin typeface="Calibri" panose="020F0502020204030204" pitchFamily="34" charset="0"/>
+                <a:cs typeface="Calibri" panose="020F0502020204030204" pitchFamily="34" charset="0"/>
+              </a:rPr>
               <a:t>s"%self.__name</a:t>
             </a:r>
-            <a:endParaRPr lang="en-US" dirty="0"/>
+            <a:endParaRPr lang="en-US" sz="1600" dirty="0">
+              <a:latin typeface="Calibri" panose="020F0502020204030204" pitchFamily="34" charset="0"/>
+              <a:cs typeface="Calibri" panose="020F0502020204030204" pitchFamily="34" charset="0"/>
+            </a:endParaRPr>
           </a:p>
           <a:p>
             <a:pPr marL="0" indent="0">
+              <a:spcBef>
+                <a:spcPts val="0"/>
+              </a:spcBef>
               <a:buNone/>
             </a:pPr>
-            <a:endParaRPr lang="en-US" dirty="0"/>
+            <a:endParaRPr lang="en-US" sz="1600" dirty="0">
+              <a:latin typeface="Calibri" panose="020F0502020204030204" pitchFamily="34" charset="0"/>
+              <a:cs typeface="Calibri" panose="020F0502020204030204" pitchFamily="34" charset="0"/>
+            </a:endParaRPr>
           </a:p>
           <a:p>
             <a:pPr>
+              <a:spcBef>
+                <a:spcPts val="0"/>
+              </a:spcBef>
               <a:buFont typeface="Arial" panose="020B0604020202020204" pitchFamily="34" charset="0"/>
               <a:buChar char="•"/>
             </a:pPr>
             <a:r>
-              <a:rPr lang="en-US" dirty="0"/>
+              <a:rPr lang="en-US" sz="1600" dirty="0">
+                <a:latin typeface="Calibri" panose="020F0502020204030204" pitchFamily="34" charset="0"/>
+                <a:cs typeface="Calibri" panose="020F0502020204030204" pitchFamily="34" charset="0"/>
+              </a:rPr>
               <a:t>The first method </a:t>
             </a:r>
             <a:r>
-              <a:rPr lang="en-US" i="1" dirty="0"/>
+              <a:rPr lang="en-US" sz="1600" i="1" dirty="0">
+                <a:latin typeface="Calibri" panose="020F0502020204030204" pitchFamily="34" charset="0"/>
+                <a:cs typeface="Calibri" panose="020F0502020204030204" pitchFamily="34" charset="0"/>
+              </a:rPr>
               <a:t>__</a:t>
             </a:r>
             <a:r>
-              <a:rPr lang="en-US" i="1" dirty="0" err="1"/>
+              <a:rPr lang="en-US" sz="1600" i="1" dirty="0" err="1">
+                <a:latin typeface="Calibri" panose="020F0502020204030204" pitchFamily="34" charset="0"/>
+                <a:cs typeface="Calibri" panose="020F0502020204030204" pitchFamily="34" charset="0"/>
+              </a:rPr>
               <a:t>init</a:t>
             </a:r>
             <a:r>
-              <a:rPr lang="en-US" i="1" dirty="0"/>
+              <a:rPr lang="en-US" sz="1600" i="1" dirty="0">
+                <a:latin typeface="Calibri" panose="020F0502020204030204" pitchFamily="34" charset="0"/>
+                <a:cs typeface="Calibri" panose="020F0502020204030204" pitchFamily="34" charset="0"/>
+              </a:rPr>
               <a:t>__()</a:t>
             </a:r>
             <a:r>
-              <a:rPr lang="en-US" dirty="0"/>
+              <a:rPr lang="en-US" sz="1600" dirty="0">
+                <a:latin typeface="Calibri" panose="020F0502020204030204" pitchFamily="34" charset="0"/>
+                <a:cs typeface="Calibri" panose="020F0502020204030204" pitchFamily="34" charset="0"/>
+              </a:rPr>
               <a:t> is a special method, which is called class constructor or initialization method that Python calls when you create a new instance of this class.</a:t>
             </a:r>
           </a:p>
           <a:p>
             <a:pPr>
+              <a:spcBef>
+                <a:spcPts val="0"/>
+              </a:spcBef>
               <a:buFont typeface="Arial" panose="020B0604020202020204" pitchFamily="34" charset="0"/>
               <a:buChar char="•"/>
             </a:pPr>
             <a:r>
-              <a:rPr lang="en-US" dirty="0"/>
+              <a:rPr lang="en-US" sz="1600" dirty="0">
+                <a:latin typeface="Calibri" panose="020F0502020204030204" pitchFamily="34" charset="0"/>
+                <a:cs typeface="Calibri" panose="020F0502020204030204" pitchFamily="34" charset="0"/>
+              </a:rPr>
               <a:t> Python adds the </a:t>
             </a:r>
             <a:r>
-              <a:rPr lang="en-US" i="1" dirty="0"/>
+              <a:rPr lang="en-US" sz="1600" i="1" dirty="0">
+                <a:latin typeface="Calibri" panose="020F0502020204030204" pitchFamily="34" charset="0"/>
+                <a:cs typeface="Calibri" panose="020F0502020204030204" pitchFamily="34" charset="0"/>
+              </a:rPr>
               <a:t>self</a:t>
             </a:r>
             <a:r>
-              <a:rPr lang="en-US" dirty="0"/>
+              <a:rPr lang="en-US" sz="1600" dirty="0">
+                <a:latin typeface="Calibri" panose="020F0502020204030204" pitchFamily="34" charset="0"/>
+                <a:cs typeface="Calibri" panose="020F0502020204030204" pitchFamily="34" charset="0"/>
+              </a:rPr>
               <a:t> argument to the method; you do not need to include it when you call the methods.</a:t>
             </a:r>
           </a:p>
@@ -11083,6 +11227,833 @@
 </p:sld>
 </file>
 
+<file path=ppt/slides/slide16.xml><?xml version="1.0" encoding="utf-8"?>
+<p:sld xmlns:a="http://schemas.openxmlformats.org/drawingml/2006/main" xmlns:r="http://schemas.openxmlformats.org/officeDocument/2006/relationships" xmlns:p="http://schemas.openxmlformats.org/presentationml/2006/main">
+  <p:cSld>
+    <p:spTree>
+      <p:nvGrpSpPr>
+        <p:cNvPr id="1" name=""/>
+        <p:cNvGrpSpPr/>
+        <p:nvPr/>
+      </p:nvGrpSpPr>
+      <p:grpSpPr>
+        <a:xfrm>
+          <a:off x="0" y="0"/>
+          <a:ext cx="0" cy="0"/>
+          <a:chOff x="0" y="0"/>
+          <a:chExt cx="0" cy="0"/>
+        </a:xfrm>
+      </p:grpSpPr>
+      <p:sp>
+        <p:nvSpPr>
+          <p:cNvPr id="2" name="Title 1">
+            <a:extLst>
+              <a:ext uri="{FF2B5EF4-FFF2-40B4-BE49-F238E27FC236}">
+                <a16:creationId xmlns:a16="http://schemas.microsoft.com/office/drawing/2014/main" id="{9B5183EE-C5FC-5F42-B488-26666DBA8E89}"/>
+              </a:ext>
+            </a:extLst>
+          </p:cNvPr>
+          <p:cNvSpPr>
+            <a:spLocks noGrp="1"/>
+          </p:cNvSpPr>
+          <p:nvPr>
+            <p:ph type="title"/>
+          </p:nvPr>
+        </p:nvSpPr>
+        <p:spPr/>
+        <p:txBody>
+          <a:bodyPr/>
+          <a:lstStyle/>
+          <a:p>
+            <a:r>
+              <a:rPr lang="en-US" dirty="0"/>
+              <a:t>Unit Test</a:t>
+            </a:r>
+          </a:p>
+        </p:txBody>
+      </p:sp>
+      <p:sp>
+        <p:nvSpPr>
+          <p:cNvPr id="3" name="Text Placeholder 2">
+            <a:extLst>
+              <a:ext uri="{FF2B5EF4-FFF2-40B4-BE49-F238E27FC236}">
+                <a16:creationId xmlns:a16="http://schemas.microsoft.com/office/drawing/2014/main" id="{3BD8AB73-43E5-6B4F-9656-0D0196D8F667}"/>
+              </a:ext>
+            </a:extLst>
+          </p:cNvPr>
+          <p:cNvSpPr>
+            <a:spLocks noGrp="1"/>
+          </p:cNvSpPr>
+          <p:nvPr>
+            <p:ph type="body" idx="1"/>
+          </p:nvPr>
+        </p:nvSpPr>
+        <p:spPr/>
+        <p:txBody>
+          <a:bodyPr/>
+          <a:lstStyle/>
+          <a:p>
+            <a:r>
+              <a:rPr lang="en-CA" dirty="0"/>
+              <a:t>						----</a:t>
+            </a:r>
+            <a:r>
+              <a:rPr lang="en-CA" dirty="0" err="1"/>
+              <a:t>unittest</a:t>
+            </a:r>
+            <a:endParaRPr lang="en-US" dirty="0"/>
+          </a:p>
+        </p:txBody>
+      </p:sp>
+    </p:spTree>
+    <p:extLst>
+      <p:ext uri="{BB962C8B-B14F-4D97-AF65-F5344CB8AC3E}">
+        <p14:creationId xmlns:p14="http://schemas.microsoft.com/office/powerpoint/2010/main" val="3041980868"/>
+      </p:ext>
+    </p:extLst>
+  </p:cSld>
+  <p:clrMapOvr>
+    <a:masterClrMapping/>
+  </p:clrMapOvr>
+</p:sld>
+</file>
+
+<file path=ppt/slides/slide17.xml><?xml version="1.0" encoding="utf-8"?>
+<p:sld xmlns:a="http://schemas.openxmlformats.org/drawingml/2006/main" xmlns:r="http://schemas.openxmlformats.org/officeDocument/2006/relationships" xmlns:p="http://schemas.openxmlformats.org/presentationml/2006/main">
+  <p:cSld>
+    <p:spTree>
+      <p:nvGrpSpPr>
+        <p:cNvPr id="1" name=""/>
+        <p:cNvGrpSpPr/>
+        <p:nvPr/>
+      </p:nvGrpSpPr>
+      <p:grpSpPr>
+        <a:xfrm>
+          <a:off x="0" y="0"/>
+          <a:ext cx="0" cy="0"/>
+          <a:chOff x="0" y="0"/>
+          <a:chExt cx="0" cy="0"/>
+        </a:xfrm>
+      </p:grpSpPr>
+      <p:sp>
+        <p:nvSpPr>
+          <p:cNvPr id="2" name="Title 1">
+            <a:extLst>
+              <a:ext uri="{FF2B5EF4-FFF2-40B4-BE49-F238E27FC236}">
+                <a16:creationId xmlns:a16="http://schemas.microsoft.com/office/drawing/2014/main" id="{77D493D6-31A6-DF43-9D7E-7D4BAF7CD2D9}"/>
+              </a:ext>
+            </a:extLst>
+          </p:cNvPr>
+          <p:cNvSpPr>
+            <a:spLocks noGrp="1"/>
+          </p:cNvSpPr>
+          <p:nvPr>
+            <p:ph type="title"/>
+          </p:nvPr>
+        </p:nvSpPr>
+        <p:spPr/>
+        <p:txBody>
+          <a:bodyPr/>
+          <a:lstStyle/>
+          <a:p>
+            <a:r>
+              <a:rPr lang="en-US" dirty="0"/>
+              <a:t>Source code</a:t>
+            </a:r>
+          </a:p>
+        </p:txBody>
+      </p:sp>
+      <p:sp>
+        <p:nvSpPr>
+          <p:cNvPr id="3" name="Content Placeholder 2">
+            <a:extLst>
+              <a:ext uri="{FF2B5EF4-FFF2-40B4-BE49-F238E27FC236}">
+                <a16:creationId xmlns:a16="http://schemas.microsoft.com/office/drawing/2014/main" id="{9920259C-F206-4045-B836-D897F1580294}"/>
+              </a:ext>
+            </a:extLst>
+          </p:cNvPr>
+          <p:cNvSpPr>
+            <a:spLocks noGrp="1"/>
+          </p:cNvSpPr>
+          <p:nvPr>
+            <p:ph idx="1"/>
+          </p:nvPr>
+        </p:nvSpPr>
+        <p:spPr/>
+        <p:txBody>
+          <a:bodyPr>
+            <a:normAutofit fontScale="92500" lnSpcReduction="10000"/>
+          </a:bodyPr>
+          <a:lstStyle/>
+          <a:p>
+            <a:r>
+              <a:rPr lang="en-CA" b="1" dirty="0"/>
+              <a:t>def </a:t>
+            </a:r>
+            <a:r>
+              <a:rPr lang="en-CA" dirty="0" err="1"/>
+              <a:t>gass_sum</a:t>
+            </a:r>
+            <a:r>
+              <a:rPr lang="en-CA" dirty="0"/>
+              <a:t>(count=100):</a:t>
+            </a:r>
+            <a:br>
+              <a:rPr lang="en-CA" dirty="0"/>
+            </a:br>
+            <a:r>
+              <a:rPr lang="en-CA" dirty="0"/>
+              <a:t>    </a:t>
+            </a:r>
+            <a:r>
+              <a:rPr lang="en-CA" b="1" dirty="0"/>
+              <a:t>if </a:t>
+            </a:r>
+            <a:r>
+              <a:rPr lang="en-CA" dirty="0"/>
+              <a:t>type(count).__name__ != </a:t>
+            </a:r>
+            <a:r>
+              <a:rPr lang="en-CA" b="1" dirty="0"/>
+              <a:t>'</a:t>
+            </a:r>
+            <a:r>
+              <a:rPr lang="en-CA" b="1" dirty="0" err="1"/>
+              <a:t>int</a:t>
+            </a:r>
+            <a:r>
+              <a:rPr lang="en-CA" b="1" dirty="0"/>
+              <a:t>'</a:t>
+            </a:r>
+            <a:r>
+              <a:rPr lang="en-CA" dirty="0"/>
+              <a:t>:</a:t>
+            </a:r>
+            <a:br>
+              <a:rPr lang="en-CA" dirty="0"/>
+            </a:br>
+            <a:r>
+              <a:rPr lang="en-CA" dirty="0"/>
+              <a:t>        </a:t>
+            </a:r>
+            <a:r>
+              <a:rPr lang="en-CA" b="1" dirty="0"/>
+              <a:t>return "</a:t>
+            </a:r>
+            <a:r>
+              <a:rPr lang="en-CA" b="1" dirty="0" err="1"/>
+              <a:t>Error,type</a:t>
+            </a:r>
+            <a:r>
+              <a:rPr lang="en-CA" b="1" dirty="0"/>
+              <a:t> not supported"</a:t>
+            </a:r>
+            <a:br>
+              <a:rPr lang="en-CA" b="1" dirty="0"/>
+            </a:br>
+            <a:r>
+              <a:rPr lang="en-CA" b="1" dirty="0"/>
+              <a:t>    </a:t>
+            </a:r>
+            <a:r>
+              <a:rPr lang="en-CA" dirty="0"/>
+              <a:t>sum = 0</a:t>
+            </a:r>
+            <a:br>
+              <a:rPr lang="en-CA" dirty="0"/>
+            </a:br>
+            <a:r>
+              <a:rPr lang="en-CA" dirty="0"/>
+              <a:t>    </a:t>
+            </a:r>
+            <a:r>
+              <a:rPr lang="en-CA" b="1" dirty="0"/>
+              <a:t>for </a:t>
+            </a:r>
+            <a:r>
+              <a:rPr lang="en-CA" dirty="0"/>
+              <a:t>x </a:t>
+            </a:r>
+            <a:r>
+              <a:rPr lang="en-CA" b="1" dirty="0"/>
+              <a:t>in </a:t>
+            </a:r>
+            <a:r>
+              <a:rPr lang="en-CA" dirty="0"/>
+              <a:t>range(count):</a:t>
+            </a:r>
+            <a:br>
+              <a:rPr lang="en-CA" dirty="0"/>
+            </a:br>
+            <a:r>
+              <a:rPr lang="en-CA" dirty="0"/>
+              <a:t>        </a:t>
+            </a:r>
+            <a:r>
+              <a:rPr lang="en-CA" i="1" dirty="0"/>
+              <a:t># </a:t>
+            </a:r>
+            <a:r>
+              <a:rPr lang="en-CA" i="1" dirty="0" err="1"/>
+              <a:t>tmp</a:t>
+            </a:r>
+            <a:r>
+              <a:rPr lang="en-CA" i="1" dirty="0"/>
+              <a:t> is the temperate value of </a:t>
+            </a:r>
+            <a:r>
+              <a:rPr lang="en-CA" i="1" dirty="0" err="1"/>
+              <a:t>th</a:t>
+            </a:r>
+            <a:r>
+              <a:rPr lang="en-CA" i="1" dirty="0"/>
+              <a:t> x+1.</a:t>
+            </a:r>
+            <a:br>
+              <a:rPr lang="en-CA" i="1" dirty="0"/>
+            </a:br>
+            <a:r>
+              <a:rPr lang="en-CA" i="1" dirty="0"/>
+              <a:t>        # e.g. when x = 0, </a:t>
+            </a:r>
+            <a:r>
+              <a:rPr lang="en-CA" i="1" dirty="0" err="1"/>
+              <a:t>tmp</a:t>
+            </a:r>
+            <a:r>
+              <a:rPr lang="en-CA" i="1" dirty="0"/>
+              <a:t> should be 1</a:t>
+            </a:r>
+            <a:br>
+              <a:rPr lang="en-CA" i="1" dirty="0"/>
+            </a:br>
+            <a:r>
+              <a:rPr lang="en-CA" i="1" dirty="0"/>
+              <a:t>        </a:t>
+            </a:r>
+            <a:r>
+              <a:rPr lang="en-CA" dirty="0" err="1"/>
+              <a:t>tmp</a:t>
+            </a:r>
+            <a:r>
+              <a:rPr lang="en-CA" dirty="0"/>
+              <a:t> = x + 1</a:t>
+            </a:r>
+            <a:br>
+              <a:rPr lang="en-CA" dirty="0"/>
+            </a:br>
+            <a:r>
+              <a:rPr lang="en-CA" dirty="0"/>
+              <a:t>        sum += </a:t>
+            </a:r>
+            <a:r>
+              <a:rPr lang="en-CA" dirty="0" err="1"/>
+              <a:t>tmp</a:t>
+            </a:r>
+            <a:br>
+              <a:rPr lang="en-CA" dirty="0"/>
+            </a:br>
+            <a:r>
+              <a:rPr lang="en-CA" dirty="0"/>
+              <a:t>    </a:t>
+            </a:r>
+            <a:r>
+              <a:rPr lang="en-CA" b="1" dirty="0"/>
+              <a:t>return </a:t>
+            </a:r>
+            <a:r>
+              <a:rPr lang="en-CA" dirty="0"/>
+              <a:t>sum</a:t>
+            </a:r>
+            <a:br>
+              <a:rPr lang="en-CA" dirty="0"/>
+            </a:br>
+            <a:br>
+              <a:rPr lang="en-CA" dirty="0"/>
+            </a:br>
+            <a:br>
+              <a:rPr lang="en-CA" dirty="0"/>
+            </a:br>
+            <a:r>
+              <a:rPr lang="en-CA" b="1" dirty="0"/>
+              <a:t>if </a:t>
+            </a:r>
+            <a:r>
+              <a:rPr lang="en-CA" dirty="0"/>
+              <a:t>__name__ == </a:t>
+            </a:r>
+            <a:r>
+              <a:rPr lang="en-CA" b="1" dirty="0"/>
+              <a:t>"__main__"</a:t>
+            </a:r>
+            <a:r>
+              <a:rPr lang="en-CA" dirty="0"/>
+              <a:t>:</a:t>
+            </a:r>
+            <a:br>
+              <a:rPr lang="en-CA" dirty="0"/>
+            </a:br>
+            <a:r>
+              <a:rPr lang="en-CA" dirty="0"/>
+              <a:t>    </a:t>
+            </a:r>
+            <a:r>
+              <a:rPr lang="en-CA" dirty="0" err="1"/>
+              <a:t>gass_sum</a:t>
+            </a:r>
+            <a:r>
+              <a:rPr lang="en-CA" dirty="0"/>
+              <a:t>(100)</a:t>
+            </a:r>
+            <a:br>
+              <a:rPr lang="en-CA" dirty="0"/>
+            </a:br>
+            <a:r>
+              <a:rPr lang="en-CA" dirty="0"/>
+              <a:t>    </a:t>
+            </a:r>
+            <a:r>
+              <a:rPr lang="en-CA" dirty="0" err="1"/>
+              <a:t>gass_sum</a:t>
+            </a:r>
+            <a:r>
+              <a:rPr lang="en-CA" dirty="0"/>
+              <a:t>(-100)</a:t>
+            </a:r>
+            <a:endParaRPr lang="en-US" dirty="0"/>
+          </a:p>
+        </p:txBody>
+      </p:sp>
+    </p:spTree>
+    <p:extLst>
+      <p:ext uri="{BB962C8B-B14F-4D97-AF65-F5344CB8AC3E}">
+        <p14:creationId xmlns:p14="http://schemas.microsoft.com/office/powerpoint/2010/main" val="2347766569"/>
+      </p:ext>
+    </p:extLst>
+  </p:cSld>
+  <p:clrMapOvr>
+    <a:masterClrMapping/>
+  </p:clrMapOvr>
+</p:sld>
+</file>
+
+<file path=ppt/slides/slide18.xml><?xml version="1.0" encoding="utf-8"?>
+<p:sld xmlns:a="http://schemas.openxmlformats.org/drawingml/2006/main" xmlns:r="http://schemas.openxmlformats.org/officeDocument/2006/relationships" xmlns:p="http://schemas.openxmlformats.org/presentationml/2006/main">
+  <p:cSld>
+    <p:spTree>
+      <p:nvGrpSpPr>
+        <p:cNvPr id="1" name=""/>
+        <p:cNvGrpSpPr/>
+        <p:nvPr/>
+      </p:nvGrpSpPr>
+      <p:grpSpPr>
+        <a:xfrm>
+          <a:off x="0" y="0"/>
+          <a:ext cx="0" cy="0"/>
+          <a:chOff x="0" y="0"/>
+          <a:chExt cx="0" cy="0"/>
+        </a:xfrm>
+      </p:grpSpPr>
+      <p:sp>
+        <p:nvSpPr>
+          <p:cNvPr id="2" name="Title 1">
+            <a:extLst>
+              <a:ext uri="{FF2B5EF4-FFF2-40B4-BE49-F238E27FC236}">
+                <a16:creationId xmlns:a16="http://schemas.microsoft.com/office/drawing/2014/main" id="{5E30DAB2-2683-784B-A4CF-613A7F1C3746}"/>
+              </a:ext>
+            </a:extLst>
+          </p:cNvPr>
+          <p:cNvSpPr>
+            <a:spLocks noGrp="1"/>
+          </p:cNvSpPr>
+          <p:nvPr>
+            <p:ph type="title"/>
+          </p:nvPr>
+        </p:nvSpPr>
+        <p:spPr/>
+        <p:txBody>
+          <a:bodyPr/>
+          <a:lstStyle/>
+          <a:p>
+            <a:r>
+              <a:rPr lang="en-US" dirty="0" err="1"/>
+              <a:t>Unittest</a:t>
+            </a:r>
+            <a:endParaRPr lang="en-US" dirty="0"/>
+          </a:p>
+        </p:txBody>
+      </p:sp>
+      <p:sp>
+        <p:nvSpPr>
+          <p:cNvPr id="3" name="Content Placeholder 2">
+            <a:extLst>
+              <a:ext uri="{FF2B5EF4-FFF2-40B4-BE49-F238E27FC236}">
+                <a16:creationId xmlns:a16="http://schemas.microsoft.com/office/drawing/2014/main" id="{40D6FDF3-35E6-2F44-B049-D4C975502D97}"/>
+              </a:ext>
+            </a:extLst>
+          </p:cNvPr>
+          <p:cNvSpPr>
+            <a:spLocks noGrp="1"/>
+          </p:cNvSpPr>
+          <p:nvPr>
+            <p:ph idx="1"/>
+          </p:nvPr>
+        </p:nvSpPr>
+        <p:spPr/>
+        <p:txBody>
+          <a:bodyPr>
+            <a:normAutofit/>
+          </a:bodyPr>
+          <a:lstStyle/>
+          <a:p>
+            <a:r>
+              <a:rPr lang="en-CA" b="1" dirty="0"/>
+              <a:t>import </a:t>
+            </a:r>
+            <a:r>
+              <a:rPr lang="en-CA" dirty="0" err="1"/>
+              <a:t>unittest</a:t>
+            </a:r>
+            <a:br>
+              <a:rPr lang="en-CA" dirty="0"/>
+            </a:br>
+            <a:r>
+              <a:rPr lang="en-CA" b="1" dirty="0"/>
+              <a:t>from </a:t>
+            </a:r>
+            <a:r>
+              <a:rPr lang="en-CA" dirty="0"/>
+              <a:t>course2.guass_function </a:t>
+            </a:r>
+            <a:r>
+              <a:rPr lang="en-CA" b="1" dirty="0"/>
+              <a:t>import </a:t>
+            </a:r>
+            <a:r>
+              <a:rPr lang="en-CA" dirty="0"/>
+              <a:t>*</a:t>
+            </a:r>
+            <a:br>
+              <a:rPr lang="en-CA" dirty="0"/>
+            </a:br>
+            <a:br>
+              <a:rPr lang="en-CA" dirty="0"/>
+            </a:br>
+            <a:br>
+              <a:rPr lang="en-CA" dirty="0"/>
+            </a:br>
+            <a:r>
+              <a:rPr lang="en-CA" b="1" dirty="0"/>
+              <a:t>class </a:t>
+            </a:r>
+            <a:r>
+              <a:rPr lang="en-CA" dirty="0" err="1"/>
+              <a:t>TestGaussSum</a:t>
+            </a:r>
+            <a:r>
+              <a:rPr lang="en-CA" dirty="0"/>
+              <a:t>(</a:t>
+            </a:r>
+            <a:r>
+              <a:rPr lang="en-CA" dirty="0" err="1"/>
+              <a:t>unittest.TestCase</a:t>
+            </a:r>
+            <a:r>
+              <a:rPr lang="en-CA" dirty="0"/>
+              <a:t>):</a:t>
+            </a:r>
+            <a:br>
+              <a:rPr lang="en-CA" dirty="0"/>
+            </a:br>
+            <a:r>
+              <a:rPr lang="en-CA" dirty="0"/>
+              <a:t>    </a:t>
+            </a:r>
+            <a:r>
+              <a:rPr lang="en-CA" b="1" dirty="0"/>
+              <a:t>def </a:t>
+            </a:r>
+            <a:r>
+              <a:rPr lang="en-CA" dirty="0" err="1"/>
+              <a:t>test_gass_sum</a:t>
+            </a:r>
+            <a:r>
+              <a:rPr lang="en-CA" dirty="0"/>
+              <a:t>(self):</a:t>
+            </a:r>
+            <a:br>
+              <a:rPr lang="en-CA" dirty="0"/>
+            </a:br>
+            <a:r>
+              <a:rPr lang="en-CA" dirty="0"/>
+              <a:t>        </a:t>
+            </a:r>
+            <a:r>
+              <a:rPr lang="en-CA" dirty="0" err="1"/>
+              <a:t>self.assertEqual</a:t>
+            </a:r>
+            <a:r>
+              <a:rPr lang="en-CA" dirty="0"/>
+              <a:t>(</a:t>
+            </a:r>
+            <a:r>
+              <a:rPr lang="en-CA" dirty="0" err="1"/>
+              <a:t>gass_sum</a:t>
+            </a:r>
+            <a:r>
+              <a:rPr lang="en-CA" dirty="0"/>
+              <a:t>(100), 5050)</a:t>
+            </a:r>
+            <a:br>
+              <a:rPr lang="en-CA" dirty="0"/>
+            </a:br>
+            <a:r>
+              <a:rPr lang="en-CA" b="1" dirty="0"/>
+              <a:t>if </a:t>
+            </a:r>
+            <a:r>
+              <a:rPr lang="en-CA" dirty="0"/>
+              <a:t>__name__ == </a:t>
+            </a:r>
+            <a:r>
+              <a:rPr lang="en-CA" b="1" dirty="0"/>
+              <a:t>"__main__"</a:t>
+            </a:r>
+            <a:r>
+              <a:rPr lang="en-CA" dirty="0"/>
+              <a:t>:</a:t>
+            </a:r>
+            <a:br>
+              <a:rPr lang="en-CA" dirty="0"/>
+            </a:br>
+            <a:r>
+              <a:rPr lang="en-CA" dirty="0"/>
+              <a:t>    </a:t>
+            </a:r>
+            <a:r>
+              <a:rPr lang="en-CA" dirty="0" err="1"/>
+              <a:t>unittest.main</a:t>
+            </a:r>
+            <a:r>
+              <a:rPr lang="en-CA" dirty="0"/>
+              <a:t>()</a:t>
+            </a:r>
+            <a:br>
+              <a:rPr lang="en-CA" dirty="0"/>
+            </a:br>
+            <a:endParaRPr lang="en-US" dirty="0"/>
+          </a:p>
+        </p:txBody>
+      </p:sp>
+    </p:spTree>
+    <p:extLst>
+      <p:ext uri="{BB962C8B-B14F-4D97-AF65-F5344CB8AC3E}">
+        <p14:creationId xmlns:p14="http://schemas.microsoft.com/office/powerpoint/2010/main" val="1719700745"/>
+      </p:ext>
+    </p:extLst>
+  </p:cSld>
+  <p:clrMapOvr>
+    <a:masterClrMapping/>
+  </p:clrMapOvr>
+</p:sld>
+</file>
+
+<file path=ppt/slides/slide19.xml><?xml version="1.0" encoding="utf-8"?>
+<p:sld xmlns:a="http://schemas.openxmlformats.org/drawingml/2006/main" xmlns:r="http://schemas.openxmlformats.org/officeDocument/2006/relationships" xmlns:p="http://schemas.openxmlformats.org/presentationml/2006/main">
+  <p:cSld>
+    <p:spTree>
+      <p:nvGrpSpPr>
+        <p:cNvPr id="1" name=""/>
+        <p:cNvGrpSpPr/>
+        <p:nvPr/>
+      </p:nvGrpSpPr>
+      <p:grpSpPr>
+        <a:xfrm>
+          <a:off x="0" y="0"/>
+          <a:ext cx="0" cy="0"/>
+          <a:chOff x="0" y="0"/>
+          <a:chExt cx="0" cy="0"/>
+        </a:xfrm>
+      </p:grpSpPr>
+      <p:sp>
+        <p:nvSpPr>
+          <p:cNvPr id="2" name="Title 1">
+            <a:extLst>
+              <a:ext uri="{FF2B5EF4-FFF2-40B4-BE49-F238E27FC236}">
+                <a16:creationId xmlns:a16="http://schemas.microsoft.com/office/drawing/2014/main" id="{B1B5F4B1-44B5-D949-A740-203A6C856D17}"/>
+              </a:ext>
+            </a:extLst>
+          </p:cNvPr>
+          <p:cNvSpPr>
+            <a:spLocks noGrp="1"/>
+          </p:cNvSpPr>
+          <p:nvPr>
+            <p:ph type="title"/>
+          </p:nvPr>
+        </p:nvSpPr>
+        <p:spPr/>
+        <p:txBody>
+          <a:bodyPr/>
+          <a:lstStyle/>
+          <a:p>
+            <a:r>
+              <a:rPr lang="en-US" dirty="0"/>
+              <a:t>Asset Types</a:t>
+            </a:r>
+          </a:p>
+        </p:txBody>
+      </p:sp>
+      <p:sp>
+        <p:nvSpPr>
+          <p:cNvPr id="3" name="Content Placeholder 2">
+            <a:extLst>
+              <a:ext uri="{FF2B5EF4-FFF2-40B4-BE49-F238E27FC236}">
+                <a16:creationId xmlns:a16="http://schemas.microsoft.com/office/drawing/2014/main" id="{8536787C-34DF-E441-AF05-05F1FC9E2F65}"/>
+              </a:ext>
+            </a:extLst>
+          </p:cNvPr>
+          <p:cNvSpPr>
+            <a:spLocks noGrp="1"/>
+          </p:cNvSpPr>
+          <p:nvPr>
+            <p:ph idx="1"/>
+          </p:nvPr>
+        </p:nvSpPr>
+        <p:spPr/>
+        <p:txBody>
+          <a:bodyPr/>
+          <a:lstStyle/>
+          <a:p>
+            <a:r>
+              <a:rPr lang="en-CA" dirty="0" err="1"/>
+              <a:t>self.assertEqual</a:t>
+            </a:r>
+            <a:r>
+              <a:rPr lang="en-CA" dirty="0"/>
+              <a:t>('</a:t>
+            </a:r>
+            <a:r>
+              <a:rPr lang="en-CA" dirty="0" err="1"/>
+              <a:t>foo'.upper</a:t>
+            </a:r>
+            <a:r>
+              <a:rPr lang="en-CA" dirty="0"/>
+              <a:t>(), 'FOO’)</a:t>
+            </a:r>
+          </a:p>
+          <a:p>
+            <a:r>
+              <a:rPr lang="en-CA" dirty="0" err="1"/>
+              <a:t>self.assertTrue</a:t>
+            </a:r>
+            <a:r>
+              <a:rPr lang="en-CA" dirty="0"/>
+              <a:t>('FOO'.</a:t>
+            </a:r>
+            <a:r>
+              <a:rPr lang="en-CA" dirty="0" err="1"/>
+              <a:t>isupper</a:t>
+            </a:r>
+            <a:r>
+              <a:rPr lang="en-CA" dirty="0"/>
+              <a:t>()) </a:t>
+            </a:r>
+          </a:p>
+          <a:p>
+            <a:r>
+              <a:rPr lang="en-CA" dirty="0" err="1"/>
+              <a:t>self.assertFalse</a:t>
+            </a:r>
+            <a:r>
+              <a:rPr lang="en-CA" dirty="0"/>
+              <a:t>('Foo'.</a:t>
+            </a:r>
+            <a:r>
+              <a:rPr lang="en-CA" dirty="0" err="1"/>
+              <a:t>isupper</a:t>
+            </a:r>
+            <a:r>
+              <a:rPr lang="en-CA" dirty="0"/>
+              <a:t>())</a:t>
+            </a:r>
+          </a:p>
+          <a:p>
+            <a:r>
+              <a:rPr lang="en-CA" dirty="0"/>
+              <a:t>def </a:t>
+            </a:r>
+            <a:r>
+              <a:rPr lang="en-CA" dirty="0" err="1"/>
+              <a:t>test_split</a:t>
+            </a:r>
+            <a:r>
+              <a:rPr lang="en-CA" dirty="0"/>
+              <a:t>(self): s = 'hello world' </a:t>
+            </a:r>
+            <a:r>
+              <a:rPr lang="en-CA" dirty="0" err="1"/>
+              <a:t>self.assertEqual</a:t>
+            </a:r>
+            <a:r>
+              <a:rPr lang="en-CA" dirty="0"/>
+              <a:t>(</a:t>
+            </a:r>
+            <a:r>
+              <a:rPr lang="en-CA" dirty="0" err="1"/>
+              <a:t>s.split</a:t>
+            </a:r>
+            <a:r>
+              <a:rPr lang="en-CA" dirty="0"/>
+              <a:t>(), ['hello', 'world'])</a:t>
+            </a:r>
+          </a:p>
+          <a:p>
+            <a:pPr lvl="2"/>
+            <a:r>
+              <a:rPr lang="en-CA" dirty="0"/>
+              <a:t>with </a:t>
+            </a:r>
+            <a:r>
+              <a:rPr lang="en-CA" dirty="0" err="1"/>
+              <a:t>self.assertRaises</a:t>
+            </a:r>
+            <a:r>
+              <a:rPr lang="en-CA" dirty="0"/>
+              <a:t>(</a:t>
+            </a:r>
+            <a:r>
+              <a:rPr lang="en-CA" dirty="0" err="1"/>
+              <a:t>TypeError</a:t>
+            </a:r>
+            <a:r>
+              <a:rPr lang="en-CA" dirty="0"/>
+              <a:t>): </a:t>
+            </a:r>
+            <a:r>
+              <a:rPr lang="en-CA" dirty="0" err="1"/>
+              <a:t>s.split</a:t>
+            </a:r>
+            <a:r>
+              <a:rPr lang="en-CA" dirty="0"/>
+              <a:t>(2)</a:t>
+            </a:r>
+            <a:endParaRPr lang="en-US" dirty="0"/>
+          </a:p>
+        </p:txBody>
+      </p:sp>
+    </p:spTree>
+    <p:extLst>
+      <p:ext uri="{BB962C8B-B14F-4D97-AF65-F5344CB8AC3E}">
+        <p14:creationId xmlns:p14="http://schemas.microsoft.com/office/powerpoint/2010/main" val="623916785"/>
+      </p:ext>
+    </p:extLst>
+  </p:cSld>
+  <p:clrMapOvr>
+    <a:masterClrMapping/>
+  </p:clrMapOvr>
+</p:sld>
+</file>
+
 <file path=ppt/slides/slide2.xml><?xml version="1.0" encoding="utf-8"?>
 <p:sld xmlns:a="http://schemas.openxmlformats.org/drawingml/2006/main" xmlns:r="http://schemas.openxmlformats.org/officeDocument/2006/relationships" xmlns:p="http://schemas.openxmlformats.org/presentationml/2006/main">
   <p:cSld>
@@ -12252,6 +13223,476 @@
     <p:extLst>
       <p:ext uri="{BB962C8B-B14F-4D97-AF65-F5344CB8AC3E}">
         <p14:creationId xmlns:p14="http://schemas.microsoft.com/office/powerpoint/2010/main" val="1108200295"/>
+      </p:ext>
+    </p:extLst>
+  </p:cSld>
+  <p:clrMapOvr>
+    <a:masterClrMapping/>
+  </p:clrMapOvr>
+</p:sld>
+</file>
+
+<file path=ppt/slides/slide20.xml><?xml version="1.0" encoding="utf-8"?>
+<p:sld xmlns:a="http://schemas.openxmlformats.org/drawingml/2006/main" xmlns:r="http://schemas.openxmlformats.org/officeDocument/2006/relationships" xmlns:p="http://schemas.openxmlformats.org/presentationml/2006/main">
+  <p:cSld>
+    <p:spTree>
+      <p:nvGrpSpPr>
+        <p:cNvPr id="1" name=""/>
+        <p:cNvGrpSpPr/>
+        <p:nvPr/>
+      </p:nvGrpSpPr>
+      <p:grpSpPr>
+        <a:xfrm>
+          <a:off x="0" y="0"/>
+          <a:ext cx="0" cy="0"/>
+          <a:chOff x="0" y="0"/>
+          <a:chExt cx="0" cy="0"/>
+        </a:xfrm>
+      </p:grpSpPr>
+      <p:sp>
+        <p:nvSpPr>
+          <p:cNvPr id="2" name="Title 1">
+            <a:extLst>
+              <a:ext uri="{FF2B5EF4-FFF2-40B4-BE49-F238E27FC236}">
+                <a16:creationId xmlns:a16="http://schemas.microsoft.com/office/drawing/2014/main" id="{C55BBD76-7B00-2F4A-89F1-FB16600E0792}"/>
+              </a:ext>
+            </a:extLst>
+          </p:cNvPr>
+          <p:cNvSpPr>
+            <a:spLocks noGrp="1"/>
+          </p:cNvSpPr>
+          <p:nvPr>
+            <p:ph type="title"/>
+          </p:nvPr>
+        </p:nvSpPr>
+        <p:spPr/>
+        <p:txBody>
+          <a:bodyPr/>
+          <a:lstStyle/>
+          <a:p>
+            <a:r>
+              <a:rPr lang="en-US" dirty="0"/>
+              <a:t>Skip tests</a:t>
+            </a:r>
+          </a:p>
+        </p:txBody>
+      </p:sp>
+      <p:sp>
+        <p:nvSpPr>
+          <p:cNvPr id="3" name="Content Placeholder 2">
+            <a:extLst>
+              <a:ext uri="{FF2B5EF4-FFF2-40B4-BE49-F238E27FC236}">
+                <a16:creationId xmlns:a16="http://schemas.microsoft.com/office/drawing/2014/main" id="{E7844E0C-2441-5C46-8567-B7A6DD8ABD6E}"/>
+              </a:ext>
+            </a:extLst>
+          </p:cNvPr>
+          <p:cNvSpPr>
+            <a:spLocks noGrp="1"/>
+          </p:cNvSpPr>
+          <p:nvPr>
+            <p:ph idx="1"/>
+          </p:nvPr>
+        </p:nvSpPr>
+        <p:spPr/>
+        <p:txBody>
+          <a:bodyPr/>
+          <a:lstStyle/>
+          <a:p>
+            <a:br>
+              <a:rPr lang="en-CA" dirty="0"/>
+            </a:br>
+            <a:r>
+              <a:rPr lang="en-CA" dirty="0"/>
+              <a:t>    @</a:t>
+            </a:r>
+            <a:r>
+              <a:rPr lang="en-CA" dirty="0" err="1"/>
+              <a:t>unittest.skip</a:t>
+            </a:r>
+            <a:r>
+              <a:rPr lang="en-CA" dirty="0"/>
+              <a:t>(</a:t>
+            </a:r>
+            <a:r>
+              <a:rPr lang="en-CA" b="1" dirty="0"/>
+              <a:t>"Not implemented"</a:t>
+            </a:r>
+            <a:r>
+              <a:rPr lang="en-CA" dirty="0"/>
+              <a:t>)</a:t>
+            </a:r>
+            <a:br>
+              <a:rPr lang="en-CA" dirty="0"/>
+            </a:br>
+            <a:r>
+              <a:rPr lang="en-CA" dirty="0"/>
+              <a:t>    </a:t>
+            </a:r>
+            <a:r>
+              <a:rPr lang="en-CA" b="1" dirty="0"/>
+              <a:t>def </a:t>
+            </a:r>
+            <a:r>
+              <a:rPr lang="en-CA" dirty="0" err="1"/>
+              <a:t>test_gass_sum_negative</a:t>
+            </a:r>
+            <a:r>
+              <a:rPr lang="en-CA" dirty="0"/>
+              <a:t>(self):</a:t>
+            </a:r>
+            <a:br>
+              <a:rPr lang="en-CA" dirty="0"/>
+            </a:br>
+            <a:r>
+              <a:rPr lang="en-CA" dirty="0"/>
+              <a:t>        </a:t>
+            </a:r>
+            <a:r>
+              <a:rPr lang="en-CA" dirty="0" err="1"/>
+              <a:t>self.assertEqual</a:t>
+            </a:r>
+            <a:r>
+              <a:rPr lang="en-CA" dirty="0"/>
+              <a:t>(</a:t>
+            </a:r>
+            <a:r>
+              <a:rPr lang="en-CA" dirty="0" err="1"/>
+              <a:t>gass_sum</a:t>
+            </a:r>
+            <a:r>
+              <a:rPr lang="en-CA" dirty="0"/>
+              <a:t>(-100), -5050)</a:t>
+            </a:r>
+            <a:endParaRPr lang="en-US" dirty="0"/>
+          </a:p>
+        </p:txBody>
+      </p:sp>
+    </p:spTree>
+    <p:extLst>
+      <p:ext uri="{BB962C8B-B14F-4D97-AF65-F5344CB8AC3E}">
+        <p14:creationId xmlns:p14="http://schemas.microsoft.com/office/powerpoint/2010/main" val="4140406878"/>
+      </p:ext>
+    </p:extLst>
+  </p:cSld>
+  <p:clrMapOvr>
+    <a:masterClrMapping/>
+  </p:clrMapOvr>
+</p:sld>
+</file>
+
+<file path=ppt/slides/slide21.xml><?xml version="1.0" encoding="utf-8"?>
+<p:sld xmlns:a="http://schemas.openxmlformats.org/drawingml/2006/main" xmlns:r="http://schemas.openxmlformats.org/officeDocument/2006/relationships" xmlns:p="http://schemas.openxmlformats.org/presentationml/2006/main">
+  <p:cSld>
+    <p:spTree>
+      <p:nvGrpSpPr>
+        <p:cNvPr id="1" name=""/>
+        <p:cNvGrpSpPr/>
+        <p:nvPr/>
+      </p:nvGrpSpPr>
+      <p:grpSpPr>
+        <a:xfrm>
+          <a:off x="0" y="0"/>
+          <a:ext cx="0" cy="0"/>
+          <a:chOff x="0" y="0"/>
+          <a:chExt cx="0" cy="0"/>
+        </a:xfrm>
+      </p:grpSpPr>
+      <p:sp>
+        <p:nvSpPr>
+          <p:cNvPr id="2" name="Title 1">
+            <a:extLst>
+              <a:ext uri="{FF2B5EF4-FFF2-40B4-BE49-F238E27FC236}">
+                <a16:creationId xmlns:a16="http://schemas.microsoft.com/office/drawing/2014/main" id="{E92EAC40-E78B-564E-8097-E15923D63161}"/>
+              </a:ext>
+            </a:extLst>
+          </p:cNvPr>
+          <p:cNvSpPr>
+            <a:spLocks noGrp="1"/>
+          </p:cNvSpPr>
+          <p:nvPr>
+            <p:ph type="title"/>
+          </p:nvPr>
+        </p:nvSpPr>
+        <p:spPr/>
+        <p:txBody>
+          <a:bodyPr/>
+          <a:lstStyle/>
+          <a:p>
+            <a:r>
+              <a:rPr lang="en-US" dirty="0"/>
+              <a:t>Test suite</a:t>
+            </a:r>
+          </a:p>
+        </p:txBody>
+      </p:sp>
+      <p:sp>
+        <p:nvSpPr>
+          <p:cNvPr id="3" name="Content Placeholder 2">
+            <a:extLst>
+              <a:ext uri="{FF2B5EF4-FFF2-40B4-BE49-F238E27FC236}">
+                <a16:creationId xmlns:a16="http://schemas.microsoft.com/office/drawing/2014/main" id="{3765D448-66CC-0344-96CC-5A3948034A78}"/>
+              </a:ext>
+            </a:extLst>
+          </p:cNvPr>
+          <p:cNvSpPr>
+            <a:spLocks noGrp="1"/>
+          </p:cNvSpPr>
+          <p:nvPr>
+            <p:ph idx="1"/>
+          </p:nvPr>
+        </p:nvSpPr>
+        <p:spPr/>
+        <p:txBody>
+          <a:bodyPr/>
+          <a:lstStyle/>
+          <a:p>
+            <a:r>
+              <a:rPr lang="en-CA" dirty="0"/>
+              <a:t>suite = </a:t>
+            </a:r>
+            <a:r>
+              <a:rPr lang="en-CA" dirty="0" err="1"/>
+              <a:t>unittest.TestSuite</a:t>
+            </a:r>
+            <a:r>
+              <a:rPr lang="en-CA" dirty="0"/>
+              <a:t>()</a:t>
+            </a:r>
+            <a:br>
+              <a:rPr lang="en-CA" dirty="0"/>
+            </a:br>
+            <a:r>
+              <a:rPr lang="en-CA" dirty="0" err="1"/>
+              <a:t>suite.addTest</a:t>
+            </a:r>
+            <a:r>
+              <a:rPr lang="en-CA" dirty="0"/>
+              <a:t>(</a:t>
+            </a:r>
+            <a:r>
+              <a:rPr lang="en-CA" dirty="0" err="1"/>
+              <a:t>TestGaussSum</a:t>
+            </a:r>
+            <a:r>
+              <a:rPr lang="en-CA" dirty="0"/>
+              <a:t>(</a:t>
+            </a:r>
+            <a:r>
+              <a:rPr lang="en-CA" b="1" dirty="0"/>
+              <a:t>'</a:t>
+            </a:r>
+            <a:r>
+              <a:rPr lang="en-CA" b="1" dirty="0" err="1"/>
+              <a:t>test_gass_sum_negative</a:t>
+            </a:r>
+            <a:r>
+              <a:rPr lang="en-CA" b="1" dirty="0"/>
+              <a:t>'</a:t>
+            </a:r>
+            <a:r>
+              <a:rPr lang="en-CA" dirty="0"/>
+              <a:t>))</a:t>
+            </a:r>
+            <a:br>
+              <a:rPr lang="en-CA" dirty="0"/>
+            </a:br>
+            <a:r>
+              <a:rPr lang="en-CA" dirty="0" err="1"/>
+              <a:t>suite.addTest</a:t>
+            </a:r>
+            <a:r>
+              <a:rPr lang="en-CA" dirty="0"/>
+              <a:t>(</a:t>
+            </a:r>
+            <a:r>
+              <a:rPr lang="en-CA" dirty="0" err="1"/>
+              <a:t>TestGaussSum</a:t>
+            </a:r>
+            <a:r>
+              <a:rPr lang="en-CA" dirty="0"/>
+              <a:t>(</a:t>
+            </a:r>
+            <a:r>
+              <a:rPr lang="en-CA" b="1" dirty="0"/>
+              <a:t>'</a:t>
+            </a:r>
+            <a:r>
+              <a:rPr lang="en-CA" b="1" dirty="0" err="1"/>
+              <a:t>test_gass_sum_float</a:t>
+            </a:r>
+            <a:r>
+              <a:rPr lang="en-CA" b="1"/>
+              <a:t>'</a:t>
+            </a:r>
+            <a:r>
+              <a:rPr lang="en-CA"/>
+              <a:t>))</a:t>
+            </a:r>
+            <a:br>
+              <a:rPr lang="en-CA"/>
+            </a:br>
+            <a:r>
+              <a:rPr lang="en-CA" b="1"/>
+              <a:t>return </a:t>
+            </a:r>
+            <a:r>
+              <a:rPr lang="en-CA"/>
+              <a:t>suite</a:t>
+            </a:r>
+            <a:br>
+              <a:rPr lang="en-CA"/>
+            </a:br>
+            <a:endParaRPr lang="en-US"/>
+          </a:p>
+        </p:txBody>
+      </p:sp>
+    </p:spTree>
+    <p:extLst>
+      <p:ext uri="{BB962C8B-B14F-4D97-AF65-F5344CB8AC3E}">
+        <p14:creationId xmlns:p14="http://schemas.microsoft.com/office/powerpoint/2010/main" val="335493735"/>
+      </p:ext>
+    </p:extLst>
+  </p:cSld>
+  <p:clrMapOvr>
+    <a:masterClrMapping/>
+  </p:clrMapOvr>
+</p:sld>
+</file>
+
+<file path=ppt/slides/slide22.xml><?xml version="1.0" encoding="utf-8"?>
+<p:sld xmlns:a="http://schemas.openxmlformats.org/drawingml/2006/main" xmlns:r="http://schemas.openxmlformats.org/officeDocument/2006/relationships" xmlns:p="http://schemas.openxmlformats.org/presentationml/2006/main">
+  <p:cSld>
+    <p:spTree>
+      <p:nvGrpSpPr>
+        <p:cNvPr id="1" name=""/>
+        <p:cNvGrpSpPr/>
+        <p:nvPr/>
+      </p:nvGrpSpPr>
+      <p:grpSpPr>
+        <a:xfrm>
+          <a:off x="0" y="0"/>
+          <a:ext cx="0" cy="0"/>
+          <a:chOff x="0" y="0"/>
+          <a:chExt cx="0" cy="0"/>
+        </a:xfrm>
+      </p:grpSpPr>
+      <p:sp>
+        <p:nvSpPr>
+          <p:cNvPr id="2" name="Title 1">
+            <a:extLst>
+              <a:ext uri="{FF2B5EF4-FFF2-40B4-BE49-F238E27FC236}">
+                <a16:creationId xmlns:a16="http://schemas.microsoft.com/office/drawing/2014/main" id="{9CF049F6-F588-2943-ADCF-6240137E859F}"/>
+              </a:ext>
+            </a:extLst>
+          </p:cNvPr>
+          <p:cNvSpPr>
+            <a:spLocks noGrp="1"/>
+          </p:cNvSpPr>
+          <p:nvPr>
+            <p:ph type="title"/>
+          </p:nvPr>
+        </p:nvSpPr>
+        <p:spPr/>
+        <p:txBody>
+          <a:bodyPr/>
+          <a:lstStyle/>
+          <a:p>
+            <a:r>
+              <a:rPr lang="en-US" dirty="0"/>
+              <a:t>Command line </a:t>
+            </a:r>
+          </a:p>
+        </p:txBody>
+      </p:sp>
+      <p:sp>
+        <p:nvSpPr>
+          <p:cNvPr id="3" name="Content Placeholder 2">
+            <a:extLst>
+              <a:ext uri="{FF2B5EF4-FFF2-40B4-BE49-F238E27FC236}">
+                <a16:creationId xmlns:a16="http://schemas.microsoft.com/office/drawing/2014/main" id="{424979FD-121A-DF42-98B6-DF1BE340B516}"/>
+              </a:ext>
+            </a:extLst>
+          </p:cNvPr>
+          <p:cNvSpPr>
+            <a:spLocks noGrp="1"/>
+          </p:cNvSpPr>
+          <p:nvPr>
+            <p:ph idx="1"/>
+          </p:nvPr>
+        </p:nvSpPr>
+        <p:spPr/>
+        <p:txBody>
+          <a:bodyPr/>
+          <a:lstStyle/>
+          <a:p>
+            <a:r>
+              <a:rPr lang="en-CA" dirty="0"/>
+              <a:t>python -m </a:t>
+            </a:r>
+            <a:r>
+              <a:rPr lang="en-CA" dirty="0" err="1"/>
+              <a:t>unittest</a:t>
+            </a:r>
+            <a:r>
+              <a:rPr lang="en-CA" dirty="0"/>
+              <a:t> test_module1 test_module2</a:t>
+            </a:r>
+          </a:p>
+          <a:p>
+            <a:r>
+              <a:rPr lang="en-CA" dirty="0"/>
+              <a:t>python -m </a:t>
+            </a:r>
+            <a:r>
+              <a:rPr lang="en-CA" dirty="0" err="1"/>
+              <a:t>unittest</a:t>
+            </a:r>
+            <a:r>
+              <a:rPr lang="en-CA" dirty="0"/>
+              <a:t> </a:t>
+            </a:r>
+            <a:r>
+              <a:rPr lang="en-CA" dirty="0" err="1"/>
+              <a:t>test_module.TestClass</a:t>
+            </a:r>
+            <a:r>
+              <a:rPr lang="en-CA" dirty="0"/>
+              <a:t> </a:t>
+            </a:r>
+          </a:p>
+          <a:p>
+            <a:r>
+              <a:rPr lang="en-CA" dirty="0"/>
+              <a:t>python -m </a:t>
+            </a:r>
+            <a:r>
+              <a:rPr lang="en-CA" dirty="0" err="1"/>
+              <a:t>unittest</a:t>
+            </a:r>
+            <a:r>
+              <a:rPr lang="en-CA" dirty="0"/>
+              <a:t> </a:t>
+            </a:r>
+            <a:r>
+              <a:rPr lang="en-CA" dirty="0" err="1"/>
+              <a:t>test_module</a:t>
+            </a:r>
+            <a:r>
+              <a:rPr lang="en-CA" dirty="0"/>
+              <a:t>.. </a:t>
+            </a:r>
+            <a:r>
+              <a:rPr lang="en-CA" dirty="0" err="1"/>
+              <a:t>TestClasstest</a:t>
+            </a:r>
+            <a:endParaRPr lang="en-US" dirty="0"/>
+          </a:p>
+        </p:txBody>
+      </p:sp>
+    </p:spTree>
+    <p:extLst>
+      <p:ext uri="{BB962C8B-B14F-4D97-AF65-F5344CB8AC3E}">
+        <p14:creationId xmlns:p14="http://schemas.microsoft.com/office/powerpoint/2010/main" val="913722207"/>
       </p:ext>
     </p:extLst>
   </p:cSld>
@@ -13007,7 +14448,7 @@
             <p:ph idx="1"/>
             <p:extLst>
               <p:ext uri="{D42A27DB-BD31-4B8C-83A1-F6EECF244321}">
-                <p14:modId xmlns:p14="http://schemas.microsoft.com/office/powerpoint/2010/main" val="2572079403"/>
+                <p14:modId xmlns:p14="http://schemas.microsoft.com/office/powerpoint/2010/main" val="1273740534"/>
               </p:ext>
             </p:extLst>
           </p:nvPr>
@@ -13143,7 +14584,7 @@
                     <a:p>
                       <a:r>
                         <a:rPr lang="en-US" dirty="0" err="1"/>
-                        <a:t>Var</a:t>
+                        <a:t>var</a:t>
                       </a:r>
                       <a:r>
                         <a:rPr lang="en-US" baseline="0" dirty="0"/>
@@ -13153,11 +14594,7 @@
                     <a:p>
                       <a:r>
                         <a:rPr lang="en-US" baseline="0" dirty="0"/>
-                        <a:t>w</a:t>
-                      </a:r>
-                      <a:r>
-                        <a:rPr lang="en-US" baseline="0"/>
-                        <a:t>hile </a:t>
+                        <a:t>while </a:t>
                       </a:r>
                       <a:r>
                         <a:rPr lang="en-US" baseline="0" dirty="0" err="1"/>
@@ -14117,16 +15554,12 @@
               <a:buNone/>
             </a:pPr>
             <a:r>
-              <a:rPr lang="en-US" altLang="zh-CN" dirty="0" err="1"/>
+              <a:rPr lang="en-US" altLang="zh-CN" dirty="0"/>
               <a:t>d</a:t>
             </a:r>
             <a:r>
-              <a:rPr lang="en-US" dirty="0" err="1"/>
-              <a:t>ef</a:t>
-            </a:r>
-            <a:r>
               <a:rPr lang="en-US" dirty="0"/>
-              <a:t> </a:t>
+              <a:t>ef </a:t>
             </a:r>
             <a:r>
               <a:rPr lang="en-US" dirty="0" err="1"/>

--- a/document/course2-3.pptx
+++ b/document/course2-3.pptx
@@ -237,7 +237,7 @@
           <a:p>
             <a:fld id="{90C9A26C-E32A-0842-B5B6-EF949C454305}" type="datetimeFigureOut">
               <a:rPr lang="en-US" smtClean="0"/>
-              <a:t>11/19/17</a:t>
+              <a:t>4/20/19</a:t>
             </a:fld>
             <a:endParaRPr lang="en-US"/>
           </a:p>
@@ -301,38 +301,37 @@
           <a:p>
             <a:pPr lvl="0"/>
             <a:r>
-              <a:rPr lang="en-US" smtClean="0"/>
+              <a:rPr lang="en-US"/>
               <a:t>Click to edit Master text styles</a:t>
             </a:r>
           </a:p>
           <a:p>
             <a:pPr lvl="1"/>
             <a:r>
-              <a:rPr lang="en-US" smtClean="0"/>
+              <a:rPr lang="en-US"/>
               <a:t>Second level</a:t>
             </a:r>
           </a:p>
           <a:p>
             <a:pPr lvl="2"/>
             <a:r>
-              <a:rPr lang="en-US" smtClean="0"/>
+              <a:rPr lang="en-US"/>
               <a:t>Third level</a:t>
             </a:r>
           </a:p>
           <a:p>
             <a:pPr lvl="3"/>
             <a:r>
-              <a:rPr lang="en-US" smtClean="0"/>
+              <a:rPr lang="en-US"/>
               <a:t>Fourth level</a:t>
             </a:r>
           </a:p>
           <a:p>
             <a:pPr lvl="4"/>
             <a:r>
-              <a:rPr lang="en-US" smtClean="0"/>
+              <a:rPr lang="en-US"/>
               <a:t>Fifth level</a:t>
             </a:r>
-            <a:endParaRPr lang="en-US"/>
           </a:p>
         </p:txBody>
       </p:sp>
@@ -549,7 +548,7 @@
           </a:lstStyle>
           <a:p>
             <a:r>
-              <a:rPr lang="en-US" smtClean="0"/>
+              <a:rPr lang="en-US"/>
               <a:t>Click to edit Master title style</a:t>
             </a:r>
             <a:endParaRPr lang="en-US" dirty="0"/>
@@ -669,7 +668,7 @@
           </a:lstStyle>
           <a:p>
             <a:r>
-              <a:rPr lang="en-US" smtClean="0"/>
+              <a:rPr lang="en-US"/>
               <a:t>Click to edit Master subtitle style</a:t>
             </a:r>
             <a:endParaRPr lang="en-US" dirty="0"/>
@@ -693,7 +692,7 @@
           <a:p>
             <a:fld id="{48A87A34-81AB-432B-8DAE-1953F412C126}" type="datetimeFigureOut">
               <a:rPr lang="en-US" smtClean="0"/>
-              <a:t>11/19/17</a:t>
+              <a:t>4/20/19</a:t>
             </a:fld>
             <a:endParaRPr lang="en-US" dirty="0"/>
           </a:p>
@@ -880,7 +879,7 @@
           </a:lstStyle>
           <a:p>
             <a:r>
-              <a:rPr lang="en-US" smtClean="0"/>
+              <a:rPr lang="en-US"/>
               <a:t>Click to edit Master title style</a:t>
             </a:r>
             <a:endParaRPr lang="en-US" dirty="0"/>
@@ -1003,7 +1002,7 @@
           <a:p>
             <a:pPr lvl="0"/>
             <a:r>
-              <a:rPr lang="en-US" smtClean="0"/>
+              <a:rPr lang="en-US"/>
               <a:t>Click to edit Master text styles</a:t>
             </a:r>
           </a:p>
@@ -1027,7 +1026,7 @@
             <a:fld id="{48A87A34-81AB-432B-8DAE-1953F412C126}" type="datetimeFigureOut">
               <a:rPr lang="en-US" smtClean="0"/>
               <a:pPr/>
-              <a:t>11/19/17</a:t>
+              <a:t>4/20/19</a:t>
             </a:fld>
             <a:endParaRPr lang="en-US" dirty="0"/>
           </a:p>
@@ -1215,7 +1214,7 @@
           </a:lstStyle>
           <a:p>
             <a:r>
-              <a:rPr lang="en-US" smtClean="0"/>
+              <a:rPr lang="en-US"/>
               <a:t>Click to edit Master title style</a:t>
             </a:r>
             <a:endParaRPr lang="en-US" dirty="0"/>
@@ -1279,7 +1278,7 @@
           <a:p>
             <a:pPr lvl="0"/>
             <a:r>
-              <a:rPr lang="en-US" smtClean="0"/>
+              <a:rPr lang="en-US"/>
               <a:t>Click to edit Master text styles</a:t>
             </a:r>
           </a:p>
@@ -1401,7 +1400,7 @@
           <a:p>
             <a:pPr lvl="0"/>
             <a:r>
-              <a:rPr lang="en-US" smtClean="0"/>
+              <a:rPr lang="en-US"/>
               <a:t>Click to edit Master text styles</a:t>
             </a:r>
           </a:p>
@@ -1425,7 +1424,7 @@
             <a:fld id="{48A87A34-81AB-432B-8DAE-1953F412C126}" type="datetimeFigureOut">
               <a:rPr lang="en-US" smtClean="0"/>
               <a:pPr/>
-              <a:t>11/19/17</a:t>
+              <a:t>4/20/19</a:t>
             </a:fld>
             <a:endParaRPr lang="en-US" dirty="0"/>
           </a:p>
@@ -1689,7 +1688,7 @@
           </a:lstStyle>
           <a:p>
             <a:r>
-              <a:rPr lang="en-US" smtClean="0"/>
+              <a:rPr lang="en-US"/>
               <a:t>Click to edit Master title style</a:t>
             </a:r>
             <a:endParaRPr lang="en-US" dirty="0"/>
@@ -1734,7 +1733,7 @@
               <a:buNone/>
             </a:pPr>
             <a:r>
-              <a:rPr lang="en-US" smtClean="0"/>
+              <a:rPr lang="en-US"/>
               <a:t>Click to edit Master text styles</a:t>
             </a:r>
           </a:p>
@@ -1758,7 +1757,7 @@
             <a:fld id="{48A87A34-81AB-432B-8DAE-1953F412C126}" type="datetimeFigureOut">
               <a:rPr lang="en-US" smtClean="0"/>
               <a:pPr/>
-              <a:t>11/19/17</a:t>
+              <a:t>4/20/19</a:t>
             </a:fld>
             <a:endParaRPr lang="en-US" dirty="0"/>
           </a:p>
@@ -1946,7 +1945,7 @@
           </a:lstStyle>
           <a:p>
             <a:r>
-              <a:rPr lang="en-US" smtClean="0"/>
+              <a:rPr lang="en-US"/>
               <a:t>Click to edit Master title style</a:t>
             </a:r>
             <a:endParaRPr lang="en-US" dirty="0"/>
@@ -2007,7 +2006,7 @@
           <a:p>
             <a:pPr lvl="0"/>
             <a:r>
-              <a:rPr lang="en-US" smtClean="0"/>
+              <a:rPr lang="en-US"/>
               <a:t>Click to edit Master text styles</a:t>
             </a:r>
           </a:p>
@@ -2051,7 +2050,7 @@
               <a:buNone/>
             </a:pPr>
             <a:r>
-              <a:rPr lang="en-US" smtClean="0"/>
+              <a:rPr lang="en-US"/>
               <a:t>Click to edit Master text styles</a:t>
             </a:r>
           </a:p>
@@ -2075,7 +2074,7 @@
             <a:fld id="{48A87A34-81AB-432B-8DAE-1953F412C126}" type="datetimeFigureOut">
               <a:rPr lang="en-US" smtClean="0"/>
               <a:pPr/>
-              <a:t>11/19/17</a:t>
+              <a:t>4/20/19</a:t>
             </a:fld>
             <a:endParaRPr lang="en-US" dirty="0"/>
           </a:p>
@@ -2339,7 +2338,7 @@
           </a:lstStyle>
           <a:p>
             <a:r>
-              <a:rPr lang="en-US" smtClean="0"/>
+              <a:rPr lang="en-US"/>
               <a:t>Click to edit Master title style</a:t>
             </a:r>
             <a:endParaRPr lang="en-US" dirty="0"/>
@@ -2400,7 +2399,7 @@
           <a:p>
             <a:pPr lvl="0"/>
             <a:r>
-              <a:rPr lang="en-US" smtClean="0"/>
+              <a:rPr lang="en-US"/>
               <a:t>Click to edit Master text styles</a:t>
             </a:r>
           </a:p>
@@ -2444,7 +2443,7 @@
               <a:buNone/>
             </a:pPr>
             <a:r>
-              <a:rPr lang="en-US" smtClean="0"/>
+              <a:rPr lang="en-US"/>
               <a:t>Click to edit Master text styles</a:t>
             </a:r>
           </a:p>
@@ -2468,7 +2467,7 @@
             <a:fld id="{48A87A34-81AB-432B-8DAE-1953F412C126}" type="datetimeFigureOut">
               <a:rPr lang="en-US" smtClean="0"/>
               <a:pPr/>
-              <a:t>11/19/17</a:t>
+              <a:t>4/20/19</a:t>
             </a:fld>
             <a:endParaRPr lang="en-US" dirty="0"/>
           </a:p>
@@ -2645,7 +2644,7 @@
           <a:lstStyle/>
           <a:p>
             <a:r>
-              <a:rPr lang="en-US" smtClean="0"/>
+              <a:rPr lang="en-US"/>
               <a:t>Click to edit Master title style</a:t>
             </a:r>
             <a:endParaRPr lang="en-US" dirty="0"/>
@@ -2669,35 +2668,35 @@
           <a:p>
             <a:pPr lvl="0"/>
             <a:r>
-              <a:rPr lang="en-US" smtClean="0"/>
+              <a:rPr lang="en-US"/>
               <a:t>Click to edit Master text styles</a:t>
             </a:r>
           </a:p>
           <a:p>
             <a:pPr lvl="1"/>
             <a:r>
-              <a:rPr lang="en-US" smtClean="0"/>
+              <a:rPr lang="en-US"/>
               <a:t>Second level</a:t>
             </a:r>
           </a:p>
           <a:p>
             <a:pPr lvl="2"/>
             <a:r>
-              <a:rPr lang="en-US" smtClean="0"/>
+              <a:rPr lang="en-US"/>
               <a:t>Third level</a:t>
             </a:r>
           </a:p>
           <a:p>
             <a:pPr lvl="3"/>
             <a:r>
-              <a:rPr lang="en-US" smtClean="0"/>
+              <a:rPr lang="en-US"/>
               <a:t>Fourth level</a:t>
             </a:r>
           </a:p>
           <a:p>
             <a:pPr lvl="4"/>
             <a:r>
-              <a:rPr lang="en-US" smtClean="0"/>
+              <a:rPr lang="en-US"/>
               <a:t>Fifth level</a:t>
             </a:r>
             <a:endParaRPr lang="en-US" dirty="0"/>
@@ -2721,7 +2720,7 @@
           <a:p>
             <a:fld id="{48A87A34-81AB-432B-8DAE-1953F412C126}" type="datetimeFigureOut">
               <a:rPr lang="en-US" smtClean="0"/>
-              <a:t>11/19/17</a:t>
+              <a:t>4/20/19</a:t>
             </a:fld>
             <a:endParaRPr lang="en-US" dirty="0"/>
           </a:p>
@@ -2897,7 +2896,7 @@
           <a:lstStyle/>
           <a:p>
             <a:r>
-              <a:rPr lang="en-US" smtClean="0"/>
+              <a:rPr lang="en-US"/>
               <a:t>Click to edit Master title style</a:t>
             </a:r>
             <a:endParaRPr lang="en-US" dirty="0"/>
@@ -2926,35 +2925,35 @@
           <a:p>
             <a:pPr lvl="0"/>
             <a:r>
-              <a:rPr lang="en-US" smtClean="0"/>
+              <a:rPr lang="en-US"/>
               <a:t>Click to edit Master text styles</a:t>
             </a:r>
           </a:p>
           <a:p>
             <a:pPr lvl="1"/>
             <a:r>
-              <a:rPr lang="en-US" smtClean="0"/>
+              <a:rPr lang="en-US"/>
               <a:t>Second level</a:t>
             </a:r>
           </a:p>
           <a:p>
             <a:pPr lvl="2"/>
             <a:r>
-              <a:rPr lang="en-US" smtClean="0"/>
+              <a:rPr lang="en-US"/>
               <a:t>Third level</a:t>
             </a:r>
           </a:p>
           <a:p>
             <a:pPr lvl="3"/>
             <a:r>
-              <a:rPr lang="en-US" smtClean="0"/>
+              <a:rPr lang="en-US"/>
               <a:t>Fourth level</a:t>
             </a:r>
           </a:p>
           <a:p>
             <a:pPr lvl="4"/>
             <a:r>
-              <a:rPr lang="en-US" smtClean="0"/>
+              <a:rPr lang="en-US"/>
               <a:t>Fifth level</a:t>
             </a:r>
             <a:endParaRPr lang="en-US" dirty="0"/>
@@ -2978,7 +2977,7 @@
           <a:p>
             <a:fld id="{48A87A34-81AB-432B-8DAE-1953F412C126}" type="datetimeFigureOut">
               <a:rPr lang="en-US" smtClean="0"/>
-              <a:t>11/19/17</a:t>
+              <a:t>4/20/19</a:t>
             </a:fld>
             <a:endParaRPr lang="en-US" dirty="0"/>
           </a:p>
@@ -3154,7 +3153,7 @@
           <a:lstStyle/>
           <a:p>
             <a:r>
-              <a:rPr lang="en-US" smtClean="0"/>
+              <a:rPr lang="en-US"/>
               <a:t>Click to edit Master title style</a:t>
             </a:r>
             <a:endParaRPr lang="en-US" dirty="0"/>
@@ -3183,35 +3182,35 @@
           <a:p>
             <a:pPr lvl="0"/>
             <a:r>
-              <a:rPr lang="en-US" smtClean="0"/>
+              <a:rPr lang="en-US"/>
               <a:t>Click to edit Master text styles</a:t>
             </a:r>
           </a:p>
           <a:p>
             <a:pPr lvl="1"/>
             <a:r>
-              <a:rPr lang="en-US" smtClean="0"/>
+              <a:rPr lang="en-US"/>
               <a:t>Second level</a:t>
             </a:r>
           </a:p>
           <a:p>
             <a:pPr lvl="2"/>
             <a:r>
-              <a:rPr lang="en-US" smtClean="0"/>
+              <a:rPr lang="en-US"/>
               <a:t>Third level</a:t>
             </a:r>
           </a:p>
           <a:p>
             <a:pPr lvl="3"/>
             <a:r>
-              <a:rPr lang="en-US" smtClean="0"/>
+              <a:rPr lang="en-US"/>
               <a:t>Fourth level</a:t>
             </a:r>
           </a:p>
           <a:p>
             <a:pPr lvl="4"/>
             <a:r>
-              <a:rPr lang="en-US" smtClean="0"/>
+              <a:rPr lang="en-US"/>
               <a:t>Fifth level</a:t>
             </a:r>
             <a:endParaRPr lang="en-US" dirty="0"/>
@@ -3235,7 +3234,7 @@
           <a:p>
             <a:fld id="{48A87A34-81AB-432B-8DAE-1953F412C126}" type="datetimeFigureOut">
               <a:rPr lang="en-US" smtClean="0"/>
-              <a:t>11/19/17</a:t>
+              <a:t>4/20/19</a:t>
             </a:fld>
             <a:endParaRPr lang="en-US" dirty="0"/>
           </a:p>
@@ -3415,7 +3414,7 @@
           </a:lstStyle>
           <a:p>
             <a:r>
-              <a:rPr lang="en-US" smtClean="0"/>
+              <a:rPr lang="en-US"/>
               <a:t>Click to edit Master title style</a:t>
             </a:r>
             <a:endParaRPr lang="en-US" dirty="0"/>
@@ -3536,7 +3535,7 @@
           <a:p>
             <a:pPr lvl="0"/>
             <a:r>
-              <a:rPr lang="en-US" smtClean="0"/>
+              <a:rPr lang="en-US"/>
               <a:t>Click to edit Master text styles</a:t>
             </a:r>
           </a:p>
@@ -3559,7 +3558,7 @@
           <a:p>
             <a:fld id="{48A87A34-81AB-432B-8DAE-1953F412C126}" type="datetimeFigureOut">
               <a:rPr lang="en-US" smtClean="0"/>
-              <a:t>11/19/17</a:t>
+              <a:t>4/20/19</a:t>
             </a:fld>
             <a:endParaRPr lang="en-US" dirty="0"/>
           </a:p>
@@ -3735,7 +3734,7 @@
           <a:lstStyle/>
           <a:p>
             <a:r>
-              <a:rPr lang="en-US" smtClean="0"/>
+              <a:rPr lang="en-US"/>
               <a:t>Click to edit Master title style</a:t>
             </a:r>
             <a:endParaRPr lang="en-US" dirty="0"/>
@@ -3766,35 +3765,35 @@
           <a:p>
             <a:pPr lvl="0"/>
             <a:r>
-              <a:rPr lang="en-US" smtClean="0"/>
+              <a:rPr lang="en-US"/>
               <a:t>Click to edit Master text styles</a:t>
             </a:r>
           </a:p>
           <a:p>
             <a:pPr lvl="1"/>
             <a:r>
-              <a:rPr lang="en-US" smtClean="0"/>
+              <a:rPr lang="en-US"/>
               <a:t>Second level</a:t>
             </a:r>
           </a:p>
           <a:p>
             <a:pPr lvl="2"/>
             <a:r>
-              <a:rPr lang="en-US" smtClean="0"/>
+              <a:rPr lang="en-US"/>
               <a:t>Third level</a:t>
             </a:r>
           </a:p>
           <a:p>
             <a:pPr lvl="3"/>
             <a:r>
-              <a:rPr lang="en-US" smtClean="0"/>
+              <a:rPr lang="en-US"/>
               <a:t>Fourth level</a:t>
             </a:r>
           </a:p>
           <a:p>
             <a:pPr lvl="4"/>
             <a:r>
-              <a:rPr lang="en-US" smtClean="0"/>
+              <a:rPr lang="en-US"/>
               <a:t>Fifth level</a:t>
             </a:r>
             <a:endParaRPr lang="en-US" dirty="0"/>
@@ -3825,35 +3824,35 @@
           <a:p>
             <a:pPr lvl="0"/>
             <a:r>
-              <a:rPr lang="en-US" smtClean="0"/>
+              <a:rPr lang="en-US"/>
               <a:t>Click to edit Master text styles</a:t>
             </a:r>
           </a:p>
           <a:p>
             <a:pPr lvl="1"/>
             <a:r>
-              <a:rPr lang="en-US" smtClean="0"/>
+              <a:rPr lang="en-US"/>
               <a:t>Second level</a:t>
             </a:r>
           </a:p>
           <a:p>
             <a:pPr lvl="2"/>
             <a:r>
-              <a:rPr lang="en-US" smtClean="0"/>
+              <a:rPr lang="en-US"/>
               <a:t>Third level</a:t>
             </a:r>
           </a:p>
           <a:p>
             <a:pPr lvl="3"/>
             <a:r>
-              <a:rPr lang="en-US" smtClean="0"/>
+              <a:rPr lang="en-US"/>
               <a:t>Fourth level</a:t>
             </a:r>
           </a:p>
           <a:p>
             <a:pPr lvl="4"/>
             <a:r>
-              <a:rPr lang="en-US" smtClean="0"/>
+              <a:rPr lang="en-US"/>
               <a:t>Fifth level</a:t>
             </a:r>
             <a:endParaRPr lang="en-US" dirty="0"/>
@@ -3877,7 +3876,7 @@
           <a:p>
             <a:fld id="{48A87A34-81AB-432B-8DAE-1953F412C126}" type="datetimeFigureOut">
               <a:rPr lang="en-US" smtClean="0"/>
-              <a:t>11/19/17</a:t>
+              <a:t>4/20/19</a:t>
             </a:fld>
             <a:endParaRPr lang="en-US" dirty="0"/>
           </a:p>
@@ -4053,7 +4052,7 @@
           <a:lstStyle/>
           <a:p>
             <a:r>
-              <a:rPr lang="en-US" smtClean="0"/>
+              <a:rPr lang="en-US"/>
               <a:t>Click to edit Master title style</a:t>
             </a:r>
             <a:endParaRPr lang="en-US" dirty="0"/>
@@ -4121,7 +4120,7 @@
           <a:p>
             <a:pPr lvl="0"/>
             <a:r>
-              <a:rPr lang="en-US" smtClean="0"/>
+              <a:rPr lang="en-US"/>
               <a:t>Click to edit Master text styles</a:t>
             </a:r>
           </a:p>
@@ -4151,35 +4150,35 @@
           <a:p>
             <a:pPr lvl="0"/>
             <a:r>
-              <a:rPr lang="en-US" smtClean="0"/>
+              <a:rPr lang="en-US"/>
               <a:t>Click to edit Master text styles</a:t>
             </a:r>
           </a:p>
           <a:p>
             <a:pPr lvl="1"/>
             <a:r>
-              <a:rPr lang="en-US" smtClean="0"/>
+              <a:rPr lang="en-US"/>
               <a:t>Second level</a:t>
             </a:r>
           </a:p>
           <a:p>
             <a:pPr lvl="2"/>
             <a:r>
-              <a:rPr lang="en-US" smtClean="0"/>
+              <a:rPr lang="en-US"/>
               <a:t>Third level</a:t>
             </a:r>
           </a:p>
           <a:p>
             <a:pPr lvl="3"/>
             <a:r>
-              <a:rPr lang="en-US" smtClean="0"/>
+              <a:rPr lang="en-US"/>
               <a:t>Fourth level</a:t>
             </a:r>
           </a:p>
           <a:p>
             <a:pPr lvl="4"/>
             <a:r>
-              <a:rPr lang="en-US" smtClean="0"/>
+              <a:rPr lang="en-US"/>
               <a:t>Fifth level</a:t>
             </a:r>
             <a:endParaRPr lang="en-US" dirty="0"/>
@@ -4247,7 +4246,7 @@
           <a:p>
             <a:pPr lvl="0"/>
             <a:r>
-              <a:rPr lang="en-US" smtClean="0"/>
+              <a:rPr lang="en-US"/>
               <a:t>Click to edit Master text styles</a:t>
             </a:r>
           </a:p>
@@ -4277,35 +4276,35 @@
           <a:p>
             <a:pPr lvl="0"/>
             <a:r>
-              <a:rPr lang="en-US" smtClean="0"/>
+              <a:rPr lang="en-US"/>
               <a:t>Click to edit Master text styles</a:t>
             </a:r>
           </a:p>
           <a:p>
             <a:pPr lvl="1"/>
             <a:r>
-              <a:rPr lang="en-US" smtClean="0"/>
+              <a:rPr lang="en-US"/>
               <a:t>Second level</a:t>
             </a:r>
           </a:p>
           <a:p>
             <a:pPr lvl="2"/>
             <a:r>
-              <a:rPr lang="en-US" smtClean="0"/>
+              <a:rPr lang="en-US"/>
               <a:t>Third level</a:t>
             </a:r>
           </a:p>
           <a:p>
             <a:pPr lvl="3"/>
             <a:r>
-              <a:rPr lang="en-US" smtClean="0"/>
+              <a:rPr lang="en-US"/>
               <a:t>Fourth level</a:t>
             </a:r>
           </a:p>
           <a:p>
             <a:pPr lvl="4"/>
             <a:r>
-              <a:rPr lang="en-US" smtClean="0"/>
+              <a:rPr lang="en-US"/>
               <a:t>Fifth level</a:t>
             </a:r>
             <a:endParaRPr lang="en-US" dirty="0"/>
@@ -4329,7 +4328,7 @@
           <a:p>
             <a:fld id="{48A87A34-81AB-432B-8DAE-1953F412C126}" type="datetimeFigureOut">
               <a:rPr lang="en-US" smtClean="0"/>
-              <a:t>11/19/17</a:t>
+              <a:t>4/20/19</a:t>
             </a:fld>
             <a:endParaRPr lang="en-US" dirty="0"/>
           </a:p>
@@ -4505,7 +4504,7 @@
           <a:lstStyle/>
           <a:p>
             <a:r>
-              <a:rPr lang="en-US" smtClean="0"/>
+              <a:rPr lang="en-US"/>
               <a:t>Click to edit Master title style</a:t>
             </a:r>
             <a:endParaRPr lang="en-US" dirty="0"/>
@@ -4529,7 +4528,7 @@
           <a:p>
             <a:fld id="{48A87A34-81AB-432B-8DAE-1953F412C126}" type="datetimeFigureOut">
               <a:rPr lang="en-US" smtClean="0"/>
-              <a:t>11/19/17</a:t>
+              <a:t>4/20/19</a:t>
             </a:fld>
             <a:endParaRPr lang="en-US" dirty="0"/>
           </a:p>
@@ -4701,7 +4700,7 @@
           <a:p>
             <a:fld id="{48A87A34-81AB-432B-8DAE-1953F412C126}" type="datetimeFigureOut">
               <a:rPr lang="en-US" smtClean="0"/>
-              <a:t>11/19/17</a:t>
+              <a:t>4/20/19</a:t>
             </a:fld>
             <a:endParaRPr lang="en-US" dirty="0"/>
           </a:p>
@@ -4881,7 +4880,7 @@
           </a:lstStyle>
           <a:p>
             <a:r>
-              <a:rPr lang="en-US" smtClean="0"/>
+              <a:rPr lang="en-US"/>
               <a:t>Click to edit Master title style</a:t>
             </a:r>
             <a:endParaRPr lang="en-US" dirty="0"/>
@@ -4912,35 +4911,35 @@
           <a:p>
             <a:pPr lvl="0"/>
             <a:r>
-              <a:rPr lang="en-US" smtClean="0"/>
+              <a:rPr lang="en-US"/>
               <a:t>Click to edit Master text styles</a:t>
             </a:r>
           </a:p>
           <a:p>
             <a:pPr lvl="1"/>
             <a:r>
-              <a:rPr lang="en-US" smtClean="0"/>
+              <a:rPr lang="en-US"/>
               <a:t>Second level</a:t>
             </a:r>
           </a:p>
           <a:p>
             <a:pPr lvl="2"/>
             <a:r>
-              <a:rPr lang="en-US" smtClean="0"/>
+              <a:rPr lang="en-US"/>
               <a:t>Third level</a:t>
             </a:r>
           </a:p>
           <a:p>
             <a:pPr lvl="3"/>
             <a:r>
-              <a:rPr lang="en-US" smtClean="0"/>
+              <a:rPr lang="en-US"/>
               <a:t>Fourth level</a:t>
             </a:r>
           </a:p>
           <a:p>
             <a:pPr lvl="4"/>
             <a:r>
-              <a:rPr lang="en-US" smtClean="0"/>
+              <a:rPr lang="en-US"/>
               <a:t>Fifth level</a:t>
             </a:r>
             <a:endParaRPr lang="en-US" dirty="0"/>
@@ -5006,7 +5005,7 @@
           <a:p>
             <a:pPr lvl="0"/>
             <a:r>
-              <a:rPr lang="en-US" smtClean="0"/>
+              <a:rPr lang="en-US"/>
               <a:t>Click to edit Master text styles</a:t>
             </a:r>
           </a:p>
@@ -5029,7 +5028,7 @@
           <a:p>
             <a:fld id="{48A87A34-81AB-432B-8DAE-1953F412C126}" type="datetimeFigureOut">
               <a:rPr lang="en-US" smtClean="0"/>
-              <a:t>11/19/17</a:t>
+              <a:t>4/20/19</a:t>
             </a:fld>
             <a:endParaRPr lang="en-US" dirty="0"/>
           </a:p>
@@ -5211,7 +5210,7 @@
           </a:lstStyle>
           <a:p>
             <a:r>
-              <a:rPr lang="en-US" smtClean="0"/>
+              <a:rPr lang="en-US"/>
               <a:t>Click to edit Master title style</a:t>
             </a:r>
             <a:endParaRPr lang="en-US" dirty="0"/>
@@ -5278,7 +5277,7 @@
           </a:lstStyle>
           <a:p>
             <a:r>
-              <a:rPr lang="en-US" smtClean="0"/>
+              <a:rPr lang="en-US"/>
               <a:t>Drag picture to placeholder or click icon to add</a:t>
             </a:r>
             <a:endParaRPr lang="en-US" dirty="0"/>
@@ -5346,7 +5345,7 @@
           <a:p>
             <a:pPr lvl="0"/>
             <a:r>
-              <a:rPr lang="en-US" smtClean="0"/>
+              <a:rPr lang="en-US"/>
               <a:t>Click to edit Master text styles</a:t>
             </a:r>
           </a:p>
@@ -5369,7 +5368,7 @@
           <a:p>
             <a:fld id="{48A87A34-81AB-432B-8DAE-1953F412C126}" type="datetimeFigureOut">
               <a:rPr lang="en-US" smtClean="0"/>
-              <a:t>11/19/17</a:t>
+              <a:t>4/20/19</a:t>
             </a:fld>
             <a:endParaRPr lang="en-US" dirty="0"/>
           </a:p>
@@ -7377,7 +7376,7 @@
           <a:lstStyle/>
           <a:p>
             <a:r>
-              <a:rPr lang="en-US" smtClean="0"/>
+              <a:rPr lang="en-US"/>
               <a:t>Click to edit Master title style</a:t>
             </a:r>
             <a:endParaRPr lang="en-US" dirty="0"/>
@@ -7411,35 +7410,35 @@
           <a:p>
             <a:pPr lvl="0"/>
             <a:r>
-              <a:rPr lang="en-US" smtClean="0"/>
+              <a:rPr lang="en-US"/>
               <a:t>Click to edit Master text styles</a:t>
             </a:r>
           </a:p>
           <a:p>
             <a:pPr lvl="1"/>
             <a:r>
-              <a:rPr lang="en-US" smtClean="0"/>
+              <a:rPr lang="en-US"/>
               <a:t>Second level</a:t>
             </a:r>
           </a:p>
           <a:p>
             <a:pPr lvl="2"/>
             <a:r>
-              <a:rPr lang="en-US" smtClean="0"/>
+              <a:rPr lang="en-US"/>
               <a:t>Third level</a:t>
             </a:r>
           </a:p>
           <a:p>
             <a:pPr lvl="3"/>
             <a:r>
-              <a:rPr lang="en-US" smtClean="0"/>
+              <a:rPr lang="en-US"/>
               <a:t>Fourth level</a:t>
             </a:r>
           </a:p>
           <a:p>
             <a:pPr lvl="4"/>
             <a:r>
-              <a:rPr lang="en-US" smtClean="0"/>
+              <a:rPr lang="en-US"/>
               <a:t>Fifth level</a:t>
             </a:r>
             <a:endParaRPr lang="en-US" dirty="0"/>
@@ -7482,7 +7481,7 @@
             <a:fld id="{48A87A34-81AB-432B-8DAE-1953F412C126}" type="datetimeFigureOut">
               <a:rPr lang="en-US" smtClean="0"/>
               <a:pPr/>
-              <a:t>11/19/17</a:t>
+              <a:t>4/20/19</a:t>
             </a:fld>
             <a:endParaRPr lang="en-US" dirty="0"/>
           </a:p>
@@ -8027,17 +8026,9 @@
               <a:rPr lang="fr-FR" b="1" dirty="0"/>
               <a:t>Variable Types</a:t>
             </a:r>
-            <a:r>
-              <a:rPr lang="fr-FR" dirty="0"/>
-              <a:t/>
-            </a:r>
             <a:br>
               <a:rPr lang="fr-FR" dirty="0"/>
             </a:br>
-            <a:r>
-              <a:rPr lang="en-US" b="1" dirty="0"/>
-              <a:t/>
-            </a:r>
             <a:br>
               <a:rPr lang="en-US" b="1" dirty="0"/>
             </a:br>
@@ -8074,21 +8065,21 @@
                 <a:gridCol w="1780800">
                   <a:extLst>
                     <a:ext uri="{9D8B030D-6E8A-4147-A177-3AD203B41FA5}">
-                      <a16:colId xmlns:a16="http://schemas.microsoft.com/office/drawing/2014/main" xmlns="" val="20000"/>
+                      <a16:colId xmlns:a16="http://schemas.microsoft.com/office/drawing/2014/main" val="20000"/>
                     </a:ext>
                   </a:extLst>
                 </a:gridCol>
                 <a:gridCol w="4324350">
                   <a:extLst>
                     <a:ext uri="{9D8B030D-6E8A-4147-A177-3AD203B41FA5}">
-                      <a16:colId xmlns:a16="http://schemas.microsoft.com/office/drawing/2014/main" xmlns="" val="20001"/>
+                      <a16:colId xmlns:a16="http://schemas.microsoft.com/office/drawing/2014/main" val="20001"/>
                     </a:ext>
                   </a:extLst>
                 </a:gridCol>
                 <a:gridCol w="2810250">
                   <a:extLst>
                     <a:ext uri="{9D8B030D-6E8A-4147-A177-3AD203B41FA5}">
-                      <a16:colId xmlns:a16="http://schemas.microsoft.com/office/drawing/2014/main" xmlns="" val="20002"/>
+                      <a16:colId xmlns:a16="http://schemas.microsoft.com/office/drawing/2014/main" val="20002"/>
                     </a:ext>
                   </a:extLst>
                 </a:gridCol>
@@ -8100,14 +8091,11 @@
                     <a:lstStyle/>
                     <a:p>
                       <a:r>
-                        <a:rPr lang="en-US" dirty="0" smtClean="0">
+                        <a:rPr lang="en-US" dirty="0">
                           <a:effectLst/>
                         </a:rPr>
                         <a:t>Type</a:t>
                       </a:r>
-                      <a:endParaRPr lang="en-US" dirty="0">
-                        <a:effectLst/>
-                      </a:endParaRPr>
                     </a:p>
                   </a:txBody>
                   <a:tcPr anchor="ctr"/>
@@ -8142,7 +8130,7 @@
                 </a:tc>
                 <a:extLst>
                   <a:ext uri="{0D108BD9-81ED-4DB2-BD59-A6C34878D82A}">
-                    <a16:rowId xmlns:a16="http://schemas.microsoft.com/office/drawing/2014/main" xmlns="" val="10000"/>
+                    <a16:rowId xmlns:a16="http://schemas.microsoft.com/office/drawing/2014/main" val="10000"/>
                   </a:ext>
                 </a:extLst>
               </a:tr>
@@ -8153,8 +8141,29 @@
                     <a:lstStyle/>
                     <a:p>
                       <a:r>
-                        <a:rPr lang="en-US" dirty="0" smtClean="0"/>
+                        <a:rPr lang="en-US" dirty="0"/>
                         <a:t>Numbers</a:t>
+                      </a:r>
+                    </a:p>
+                  </a:txBody>
+                  <a:tcPr anchor="ctr"/>
+                </a:tc>
+                <a:tc>
+                  <a:txBody>
+                    <a:bodyPr/>
+                    <a:lstStyle/>
+                    <a:p>
+                      <a:r>
+                        <a:rPr lang="en-US" dirty="0" err="1"/>
+                        <a:t>int</a:t>
+                      </a:r>
+                      <a:r>
+                        <a:rPr lang="en-US" dirty="0"/>
+                        <a:t>,</a:t>
+                      </a:r>
+                      <a:r>
+                        <a:rPr lang="en-US" baseline="0" dirty="0"/>
+                        <a:t> long, float, complex</a:t>
                       </a:r>
                       <a:endParaRPr lang="en-US" dirty="0"/>
                     </a:p>
@@ -8167,16 +8176,129 @@
                     <a:lstStyle/>
                     <a:p>
                       <a:r>
-                        <a:rPr lang="en-US" dirty="0" err="1" smtClean="0"/>
-                        <a:t>int</a:t>
-                      </a:r>
-                      <a:r>
-                        <a:rPr lang="en-US" dirty="0" smtClean="0"/>
-                        <a:t>,</a:t>
-                      </a:r>
-                      <a:r>
-                        <a:rPr lang="en-US" baseline="0" dirty="0" smtClean="0"/>
-                        <a:t> long, float, complex</a:t>
+                        <a:rPr lang="en-US" dirty="0">
+                          <a:effectLst/>
+                        </a:rPr>
+                        <a:t>counter </a:t>
+                      </a:r>
+                      <a:r>
+                        <a:rPr lang="en-US" sz="1800" kern="1200" dirty="0">
+                          <a:solidFill>
+                            <a:schemeClr val="dk1"/>
+                          </a:solidFill>
+                          <a:effectLst/>
+                          <a:latin typeface="+mn-lt"/>
+                          <a:ea typeface="+mn-ea"/>
+                          <a:cs typeface="+mn-cs"/>
+                        </a:rPr>
+                        <a:t>=</a:t>
+                      </a:r>
+                      <a:r>
+                        <a:rPr lang="en-US" dirty="0">
+                          <a:effectLst/>
+                        </a:rPr>
+                        <a:t> </a:t>
+                      </a:r>
+                      <a:r>
+                        <a:rPr lang="en-US" sz="1800" kern="1200" dirty="0">
+                          <a:solidFill>
+                            <a:schemeClr val="dk1"/>
+                          </a:solidFill>
+                          <a:effectLst/>
+                          <a:latin typeface="+mn-lt"/>
+                          <a:ea typeface="+mn-ea"/>
+                          <a:cs typeface="+mn-cs"/>
+                        </a:rPr>
+                        <a:t>100</a:t>
+                      </a:r>
+                      <a:r>
+                        <a:rPr lang="en-US" dirty="0">
+                          <a:effectLst/>
+                        </a:rPr>
+                        <a:t> </a:t>
+                      </a:r>
+                      <a:endParaRPr lang="en-US" sz="1800" kern="1200" dirty="0">
+                        <a:solidFill>
+                          <a:schemeClr val="dk1"/>
+                        </a:solidFill>
+                        <a:effectLst/>
+                        <a:latin typeface="+mn-lt"/>
+                        <a:ea typeface="+mn-ea"/>
+                        <a:cs typeface="+mn-cs"/>
+                      </a:endParaRPr>
+                    </a:p>
+                    <a:p>
+                      <a:r>
+                        <a:rPr lang="en-US" sz="1800" kern="1200" dirty="0">
+                          <a:solidFill>
+                            <a:schemeClr val="dk1"/>
+                          </a:solidFill>
+                          <a:effectLst/>
+                          <a:latin typeface="+mn-lt"/>
+                          <a:ea typeface="+mn-ea"/>
+                          <a:cs typeface="+mn-cs"/>
+                        </a:rPr>
+                        <a:t>miles=</a:t>
+                      </a:r>
+                      <a:r>
+                        <a:rPr lang="en-US" dirty="0">
+                          <a:effectLst/>
+                        </a:rPr>
+                        <a:t> </a:t>
+                      </a:r>
+                      <a:r>
+                        <a:rPr lang="en-US" sz="1800" kern="1200" dirty="0">
+                          <a:solidFill>
+                            <a:schemeClr val="dk1"/>
+                          </a:solidFill>
+                          <a:effectLst/>
+                          <a:latin typeface="+mn-lt"/>
+                          <a:ea typeface="+mn-ea"/>
+                          <a:cs typeface="+mn-cs"/>
+                        </a:rPr>
+                        <a:t>1000.0</a:t>
+                      </a:r>
+                      <a:endParaRPr lang="en-US" dirty="0"/>
+                    </a:p>
+                  </a:txBody>
+                  <a:tcPr anchor="ctr"/>
+                </a:tc>
+                <a:extLst>
+                  <a:ext uri="{0D108BD9-81ED-4DB2-BD59-A6C34878D82A}">
+                    <a16:rowId xmlns:a16="http://schemas.microsoft.com/office/drawing/2014/main" val="10001"/>
+                  </a:ext>
+                </a:extLst>
+              </a:tr>
+              <a:tr h="370840">
+                <a:tc>
+                  <a:txBody>
+                    <a:bodyPr/>
+                    <a:lstStyle/>
+                    <a:p>
+                      <a:r>
+                        <a:rPr lang="en-US" dirty="0"/>
+                        <a:t>String</a:t>
+                      </a:r>
+                    </a:p>
+                  </a:txBody>
+                  <a:tcPr anchor="ctr"/>
+                </a:tc>
+                <a:tc>
+                  <a:txBody>
+                    <a:bodyPr/>
+                    <a:lstStyle/>
+                    <a:p>
+                      <a:r>
+                        <a:rPr lang="en-US" sz="1800" b="0" i="0" kern="1200" dirty="0">
+                          <a:solidFill>
+                            <a:schemeClr val="dk1"/>
+                          </a:solidFill>
+                          <a:effectLst/>
+                          <a:latin typeface="+mn-lt"/>
+                          <a:ea typeface="+mn-ea"/>
+                          <a:cs typeface="+mn-cs"/>
+                        </a:rPr>
+                        <a:t>Strings in Python are identified as a contiguous set of characters represented in the quotation marks. </a:t>
                       </a:r>
                       <a:endParaRPr lang="en-US" dirty="0"/>
                     </a:p>
@@ -8189,87 +8311,16 @@
                     <a:lstStyle/>
                     <a:p>
                       <a:r>
-                        <a:rPr lang="en-US" dirty="0" smtClean="0">
-                          <a:effectLst/>
-                        </a:rPr>
-                        <a:t>counter </a:t>
-                      </a:r>
-                      <a:r>
-                        <a:rPr lang="en-US" sz="1800" kern="1200" dirty="0" smtClean="0">
-                          <a:solidFill>
-                            <a:schemeClr val="dk1"/>
-                          </a:solidFill>
-                          <a:effectLst/>
-                          <a:latin typeface="+mn-lt"/>
-                          <a:ea typeface="+mn-ea"/>
-                          <a:cs typeface="+mn-cs"/>
-                        </a:rPr>
-                        <a:t>=</a:t>
-                      </a:r>
-                      <a:r>
-                        <a:rPr lang="en-US" dirty="0" smtClean="0">
-                          <a:effectLst/>
-                        </a:rPr>
-                        <a:t> </a:t>
-                      </a:r>
-                      <a:r>
-                        <a:rPr lang="en-US" sz="1800" kern="1200" dirty="0" smtClean="0">
-                          <a:solidFill>
-                            <a:schemeClr val="dk1"/>
-                          </a:solidFill>
-                          <a:effectLst/>
-                          <a:latin typeface="+mn-lt"/>
-                          <a:ea typeface="+mn-ea"/>
-                          <a:cs typeface="+mn-cs"/>
-                        </a:rPr>
-                        <a:t>100</a:t>
-                      </a:r>
-                      <a:r>
-                        <a:rPr lang="en-US" dirty="0" smtClean="0">
-                          <a:effectLst/>
-                        </a:rPr>
-                        <a:t> </a:t>
-                      </a:r>
-                      <a:endParaRPr lang="en-US" sz="1800" kern="1200" dirty="0" smtClean="0">
-                        <a:solidFill>
-                          <a:schemeClr val="dk1"/>
-                        </a:solidFill>
-                        <a:effectLst/>
-                        <a:latin typeface="+mn-lt"/>
-                        <a:ea typeface="+mn-ea"/>
-                        <a:cs typeface="+mn-cs"/>
-                      </a:endParaRPr>
-                    </a:p>
-                    <a:p>
-                      <a:r>
-                        <a:rPr lang="en-US" sz="1800" kern="1200" dirty="0" smtClean="0">
-                          <a:solidFill>
-                            <a:schemeClr val="dk1"/>
-                          </a:solidFill>
-                          <a:effectLst/>
-                          <a:latin typeface="+mn-lt"/>
-                          <a:ea typeface="+mn-ea"/>
-                          <a:cs typeface="+mn-cs"/>
-                        </a:rPr>
-                        <a:t>miles=</a:t>
-                      </a:r>
-                      <a:r>
-                        <a:rPr lang="en-US" dirty="0" smtClean="0">
-                          <a:effectLst/>
-                        </a:rPr>
-                        <a:t> </a:t>
-                      </a:r>
-                      <a:r>
-                        <a:rPr lang="en-US" sz="1800" kern="1200" dirty="0" smtClean="0">
-                          <a:solidFill>
-                            <a:schemeClr val="dk1"/>
-                          </a:solidFill>
-                          <a:effectLst/>
-                          <a:latin typeface="+mn-lt"/>
-                          <a:ea typeface="+mn-ea"/>
-                          <a:cs typeface="+mn-cs"/>
-                        </a:rPr>
-                        <a:t>1000.0</a:t>
+                        <a:rPr lang="en-US" dirty="0" err="1"/>
+                        <a:t>str</a:t>
+                      </a:r>
+                      <a:r>
+                        <a:rPr lang="en-US" dirty="0"/>
+                        <a:t> = “Hello</a:t>
+                      </a:r>
+                      <a:r>
+                        <a:rPr lang="en-US" baseline="0" dirty="0"/>
+                        <a:t> world” </a:t>
                       </a:r>
                       <a:endParaRPr lang="en-US" dirty="0"/>
                     </a:p>
@@ -8278,7 +8329,7 @@
                 </a:tc>
                 <a:extLst>
                   <a:ext uri="{0D108BD9-81ED-4DB2-BD59-A6C34878D82A}">
-                    <a16:rowId xmlns:a16="http://schemas.microsoft.com/office/drawing/2014/main" xmlns="" val="10001"/>
+                    <a16:rowId xmlns:a16="http://schemas.microsoft.com/office/drawing/2014/main" val="2334112346"/>
                   </a:ext>
                 </a:extLst>
               </a:tr>
@@ -8289,8 +8340,53 @@
                     <a:lstStyle/>
                     <a:p>
                       <a:r>
-                        <a:rPr lang="en-US" dirty="0" smtClean="0"/>
-                        <a:t>String</a:t>
+                        <a:rPr lang="en-US" dirty="0"/>
+                        <a:t>Tuple</a:t>
+                      </a:r>
+                    </a:p>
+                  </a:txBody>
+                  <a:tcPr anchor="ctr"/>
+                </a:tc>
+                <a:tc>
+                  <a:txBody>
+                    <a:bodyPr/>
+                    <a:lstStyle/>
+                    <a:p>
+                      <a:r>
+                        <a:rPr lang="en-US" sz="1800" b="0" i="0" kern="1200" dirty="0">
+                          <a:solidFill>
+                            <a:schemeClr val="dk1"/>
+                          </a:solidFill>
+                          <a:effectLst/>
+                          <a:latin typeface="+mn-lt"/>
+                          <a:ea typeface="+mn-ea"/>
+                          <a:cs typeface="+mn-cs"/>
+                        </a:rPr>
+                        <a:t> Tuples can be thought of as </a:t>
+                      </a:r>
+                      <a:r>
+                        <a:rPr lang="en-US" sz="1800" b="1" i="0" kern="1200" dirty="0">
+                          <a:solidFill>
+                            <a:schemeClr val="dk1"/>
+                          </a:solidFill>
+                          <a:effectLst/>
+                          <a:latin typeface="+mn-lt"/>
+                          <a:ea typeface="+mn-ea"/>
+                          <a:cs typeface="+mn-cs"/>
+                        </a:rPr>
+                        <a:t>read-only</a:t>
+                      </a:r>
+                      <a:r>
+                        <a:rPr lang="en-US" sz="1800" b="0" i="0" kern="1200" dirty="0">
+                          <a:solidFill>
+                            <a:schemeClr val="dk1"/>
+                          </a:solidFill>
+                          <a:effectLst/>
+                          <a:latin typeface="+mn-lt"/>
+                          <a:ea typeface="+mn-ea"/>
+                          <a:cs typeface="+mn-cs"/>
+                        </a:rPr>
+                        <a:t> lists. tuples are enclosed in parentheses ( ( ) )</a:t>
                       </a:r>
                       <a:endParaRPr lang="en-US" dirty="0"/>
                     </a:p>
@@ -8303,16 +8399,232 @@
                     <a:lstStyle/>
                     <a:p>
                       <a:r>
-                        <a:rPr lang="en-US" sz="1800" b="0" i="0" kern="1200" dirty="0" smtClean="0">
-                          <a:solidFill>
-                            <a:schemeClr val="dk1"/>
-                          </a:solidFill>
-                          <a:effectLst/>
-                          <a:latin typeface="+mn-lt"/>
-                          <a:ea typeface="+mn-ea"/>
-                          <a:cs typeface="+mn-cs"/>
-                        </a:rPr>
-                        <a:t>Strings in Python are identified as a contiguous set of characters represented in the quotation marks. </a:t>
+                        <a:rPr lang="en-US" dirty="0">
+                          <a:effectLst/>
+                        </a:rPr>
+                        <a:t>tuple </a:t>
+                      </a:r>
+                      <a:r>
+                        <a:rPr lang="en-US" sz="1800" kern="1200" dirty="0">
+                          <a:solidFill>
+                            <a:schemeClr val="dk1"/>
+                          </a:solidFill>
+                          <a:effectLst/>
+                          <a:latin typeface="+mn-lt"/>
+                          <a:ea typeface="+mn-ea"/>
+                          <a:cs typeface="+mn-cs"/>
+                        </a:rPr>
+                        <a:t>=</a:t>
+                      </a:r>
+                      <a:r>
+                        <a:rPr lang="en-US" dirty="0">
+                          <a:effectLst/>
+                        </a:rPr>
+                        <a:t> </a:t>
+                      </a:r>
+                      <a:r>
+                        <a:rPr lang="en-US" sz="1800" kern="1200" dirty="0">
+                          <a:solidFill>
+                            <a:schemeClr val="dk1"/>
+                          </a:solidFill>
+                          <a:effectLst/>
+                          <a:latin typeface="+mn-lt"/>
+                          <a:ea typeface="+mn-ea"/>
+                          <a:cs typeface="+mn-cs"/>
+                        </a:rPr>
+                        <a:t>(</a:t>
+                      </a:r>
+                      <a:r>
+                        <a:rPr lang="en-US" dirty="0">
+                          <a:effectLst/>
+                        </a:rPr>
+                        <a:t> </a:t>
+                      </a:r>
+                      <a:r>
+                        <a:rPr lang="en-US" sz="1800" kern="1200" dirty="0">
+                          <a:solidFill>
+                            <a:schemeClr val="dk1"/>
+                          </a:solidFill>
+                          <a:effectLst/>
+                          <a:latin typeface="+mn-lt"/>
+                          <a:ea typeface="+mn-ea"/>
+                          <a:cs typeface="+mn-cs"/>
+                        </a:rPr>
+                        <a:t>'</a:t>
+                      </a:r>
+                      <a:r>
+                        <a:rPr lang="en-US" sz="1800" kern="1200" dirty="0" err="1">
+                          <a:solidFill>
+                            <a:schemeClr val="dk1"/>
+                          </a:solidFill>
+                          <a:effectLst/>
+                          <a:latin typeface="+mn-lt"/>
+                          <a:ea typeface="+mn-ea"/>
+                          <a:cs typeface="+mn-cs"/>
+                        </a:rPr>
+                        <a:t>abcd</a:t>
+                      </a:r>
+                      <a:r>
+                        <a:rPr lang="en-US" sz="1800" kern="1200" dirty="0">
+                          <a:solidFill>
+                            <a:schemeClr val="dk1"/>
+                          </a:solidFill>
+                          <a:effectLst/>
+                          <a:latin typeface="+mn-lt"/>
+                          <a:ea typeface="+mn-ea"/>
+                          <a:cs typeface="+mn-cs"/>
+                        </a:rPr>
+                        <a:t>',</a:t>
+                      </a:r>
+                      <a:r>
+                        <a:rPr lang="en-US" dirty="0">
+                          <a:effectLst/>
+                        </a:rPr>
+                        <a:t> </a:t>
+                      </a:r>
+                      <a:r>
+                        <a:rPr lang="en-US" sz="1800" kern="1200" dirty="0">
+                          <a:solidFill>
+                            <a:schemeClr val="dk1"/>
+                          </a:solidFill>
+                          <a:effectLst/>
+                          <a:latin typeface="+mn-lt"/>
+                          <a:ea typeface="+mn-ea"/>
+                          <a:cs typeface="+mn-cs"/>
+                        </a:rPr>
+                        <a:t>786</a:t>
+                      </a:r>
+                      <a:r>
+                        <a:rPr lang="en-US" dirty="0">
+                          <a:effectLst/>
+                        </a:rPr>
+                        <a:t> </a:t>
+                      </a:r>
+                      <a:r>
+                        <a:rPr lang="en-US" sz="1800" kern="1200" dirty="0">
+                          <a:solidFill>
+                            <a:schemeClr val="dk1"/>
+                          </a:solidFill>
+                          <a:effectLst/>
+                          <a:latin typeface="+mn-lt"/>
+                          <a:ea typeface="+mn-ea"/>
+                          <a:cs typeface="+mn-cs"/>
+                        </a:rPr>
+                        <a:t>,</a:t>
+                      </a:r>
+                      <a:r>
+                        <a:rPr lang="en-US" dirty="0">
+                          <a:effectLst/>
+                        </a:rPr>
+                        <a:t> </a:t>
+                      </a:r>
+                      <a:r>
+                        <a:rPr lang="en-US" sz="1800" kern="1200" dirty="0">
+                          <a:solidFill>
+                            <a:schemeClr val="dk1"/>
+                          </a:solidFill>
+                          <a:effectLst/>
+                          <a:latin typeface="+mn-lt"/>
+                          <a:ea typeface="+mn-ea"/>
+                          <a:cs typeface="+mn-cs"/>
+                        </a:rPr>
+                        <a:t>2.23,</a:t>
+                      </a:r>
+                      <a:r>
+                        <a:rPr lang="en-US" dirty="0">
+                          <a:effectLst/>
+                        </a:rPr>
+                        <a:t> </a:t>
+                      </a:r>
+                      <a:r>
+                        <a:rPr lang="en-US" sz="1800" kern="1200" dirty="0">
+                          <a:solidFill>
+                            <a:schemeClr val="dk1"/>
+                          </a:solidFill>
+                          <a:effectLst/>
+                          <a:latin typeface="+mn-lt"/>
+                          <a:ea typeface="+mn-ea"/>
+                          <a:cs typeface="+mn-cs"/>
+                        </a:rPr>
+                        <a:t>'john',</a:t>
+                      </a:r>
+                      <a:r>
+                        <a:rPr lang="en-US" dirty="0">
+                          <a:effectLst/>
+                        </a:rPr>
+                        <a:t> </a:t>
+                      </a:r>
+                      <a:r>
+                        <a:rPr lang="en-US" sz="1800" kern="1200" dirty="0">
+                          <a:solidFill>
+                            <a:schemeClr val="dk1"/>
+                          </a:solidFill>
+                          <a:effectLst/>
+                          <a:latin typeface="+mn-lt"/>
+                          <a:ea typeface="+mn-ea"/>
+                          <a:cs typeface="+mn-cs"/>
+                        </a:rPr>
+                        <a:t>70.2</a:t>
+                      </a:r>
+                      <a:r>
+                        <a:rPr lang="en-US" dirty="0">
+                          <a:effectLst/>
+                        </a:rPr>
+                        <a:t> </a:t>
+                      </a:r>
+                      <a:r>
+                        <a:rPr lang="en-US" sz="1800" kern="1200" dirty="0">
+                          <a:solidFill>
+                            <a:schemeClr val="dk1"/>
+                          </a:solidFill>
+                          <a:effectLst/>
+                          <a:latin typeface="+mn-lt"/>
+                          <a:ea typeface="+mn-ea"/>
+                          <a:cs typeface="+mn-cs"/>
+                        </a:rPr>
+                        <a:t>)</a:t>
+                      </a:r>
+                      <a:endParaRPr lang="en-US" dirty="0"/>
+                    </a:p>
+                  </a:txBody>
+                  <a:tcPr anchor="ctr"/>
+                </a:tc>
+                <a:extLst>
+                  <a:ext uri="{0D108BD9-81ED-4DB2-BD59-A6C34878D82A}">
+                    <a16:rowId xmlns:a16="http://schemas.microsoft.com/office/drawing/2014/main" val="745536708"/>
+                  </a:ext>
+                </a:extLst>
+              </a:tr>
+              <a:tr h="370840">
+                <a:tc>
+                  <a:txBody>
+                    <a:bodyPr/>
+                    <a:lstStyle/>
+                    <a:p>
+                      <a:r>
+                        <a:rPr lang="en-US" dirty="0"/>
+                        <a:t>List</a:t>
+                      </a:r>
+                    </a:p>
+                  </a:txBody>
+                  <a:tcPr anchor="ctr"/>
+                </a:tc>
+                <a:tc>
+                  <a:txBody>
+                    <a:bodyPr/>
+                    <a:lstStyle/>
+                    <a:p>
+                      <a:r>
+                        <a:rPr lang="en-US" sz="1800" b="0" i="0" kern="1200" dirty="0">
+                          <a:solidFill>
+                            <a:schemeClr val="dk1"/>
+                          </a:solidFill>
+                          <a:effectLst/>
+                          <a:latin typeface="+mn-lt"/>
+                          <a:ea typeface="+mn-ea"/>
+                          <a:cs typeface="+mn-cs"/>
+                        </a:rPr>
+                        <a:t>A list contains items separated by commas and enclosed within square brackets ([]).</a:t>
                       </a:r>
                       <a:endParaRPr lang="en-US" dirty="0"/>
                     </a:p>
@@ -8325,16 +8637,190 @@
                     <a:lstStyle/>
                     <a:p>
                       <a:r>
-                        <a:rPr lang="en-US" dirty="0" err="1" smtClean="0"/>
-                        <a:t>str</a:t>
-                      </a:r>
-                      <a:r>
-                        <a:rPr lang="en-US" dirty="0" smtClean="0"/>
-                        <a:t> = “Hello</a:t>
-                      </a:r>
-                      <a:r>
-                        <a:rPr lang="en-US" baseline="0" dirty="0" smtClean="0"/>
-                        <a:t> world” </a:t>
+                        <a:rPr lang="en-US" dirty="0">
+                          <a:effectLst/>
+                        </a:rPr>
+                        <a:t>list </a:t>
+                      </a:r>
+                      <a:r>
+                        <a:rPr lang="en-US" sz="1800" kern="1200" dirty="0">
+                          <a:solidFill>
+                            <a:schemeClr val="dk1"/>
+                          </a:solidFill>
+                          <a:effectLst/>
+                          <a:latin typeface="+mn-lt"/>
+                          <a:ea typeface="+mn-ea"/>
+                          <a:cs typeface="+mn-cs"/>
+                        </a:rPr>
+                        <a:t>=</a:t>
+                      </a:r>
+                      <a:r>
+                        <a:rPr lang="en-US" dirty="0">
+                          <a:effectLst/>
+                        </a:rPr>
+                        <a:t> </a:t>
+                      </a:r>
+                      <a:r>
+                        <a:rPr lang="en-US" sz="1800" kern="1200" dirty="0">
+                          <a:solidFill>
+                            <a:schemeClr val="dk1"/>
+                          </a:solidFill>
+                          <a:effectLst/>
+                          <a:latin typeface="+mn-lt"/>
+                          <a:ea typeface="+mn-ea"/>
+                          <a:cs typeface="+mn-cs"/>
+                        </a:rPr>
+                        <a:t>[</a:t>
+                      </a:r>
+                      <a:r>
+                        <a:rPr lang="en-US" dirty="0">
+                          <a:effectLst/>
+                        </a:rPr>
+                        <a:t> </a:t>
+                      </a:r>
+                      <a:r>
+                        <a:rPr lang="en-US" sz="1800" kern="1200" dirty="0">
+                          <a:solidFill>
+                            <a:schemeClr val="dk1"/>
+                          </a:solidFill>
+                          <a:effectLst/>
+                          <a:latin typeface="+mn-lt"/>
+                          <a:ea typeface="+mn-ea"/>
+                          <a:cs typeface="+mn-cs"/>
+                        </a:rPr>
+                        <a:t>'</a:t>
+                      </a:r>
+                      <a:r>
+                        <a:rPr lang="en-US" sz="1800" kern="1200" dirty="0" err="1">
+                          <a:solidFill>
+                            <a:schemeClr val="dk1"/>
+                          </a:solidFill>
+                          <a:effectLst/>
+                          <a:latin typeface="+mn-lt"/>
+                          <a:ea typeface="+mn-ea"/>
+                          <a:cs typeface="+mn-cs"/>
+                        </a:rPr>
+                        <a:t>abcd</a:t>
+                      </a:r>
+                      <a:r>
+                        <a:rPr lang="en-US" sz="1800" kern="1200" dirty="0">
+                          <a:solidFill>
+                            <a:schemeClr val="dk1"/>
+                          </a:solidFill>
+                          <a:effectLst/>
+                          <a:latin typeface="+mn-lt"/>
+                          <a:ea typeface="+mn-ea"/>
+                          <a:cs typeface="+mn-cs"/>
+                        </a:rPr>
+                        <a:t>',</a:t>
+                      </a:r>
+                      <a:r>
+                        <a:rPr lang="en-US" dirty="0">
+                          <a:effectLst/>
+                        </a:rPr>
+                        <a:t> </a:t>
+                      </a:r>
+                      <a:r>
+                        <a:rPr lang="en-US" sz="1800" kern="1200" dirty="0">
+                          <a:solidFill>
+                            <a:schemeClr val="dk1"/>
+                          </a:solidFill>
+                          <a:effectLst/>
+                          <a:latin typeface="+mn-lt"/>
+                          <a:ea typeface="+mn-ea"/>
+                          <a:cs typeface="+mn-cs"/>
+                        </a:rPr>
+                        <a:t>786</a:t>
+                      </a:r>
+                      <a:r>
+                        <a:rPr lang="en-US" dirty="0">
+                          <a:effectLst/>
+                        </a:rPr>
+                        <a:t> </a:t>
+                      </a:r>
+                      <a:r>
+                        <a:rPr lang="en-US" sz="1800" kern="1200" dirty="0">
+                          <a:solidFill>
+                            <a:schemeClr val="dk1"/>
+                          </a:solidFill>
+                          <a:effectLst/>
+                          <a:latin typeface="+mn-lt"/>
+                          <a:ea typeface="+mn-ea"/>
+                          <a:cs typeface="+mn-cs"/>
+                        </a:rPr>
+                        <a:t>,</a:t>
+                      </a:r>
+                      <a:r>
+                        <a:rPr lang="en-US" dirty="0">
+                          <a:effectLst/>
+                        </a:rPr>
+                        <a:t> </a:t>
+                      </a:r>
+                      <a:r>
+                        <a:rPr lang="en-US" sz="1800" kern="1200" dirty="0">
+                          <a:solidFill>
+                            <a:schemeClr val="dk1"/>
+                          </a:solidFill>
+                          <a:effectLst/>
+                          <a:latin typeface="+mn-lt"/>
+                          <a:ea typeface="+mn-ea"/>
+                          <a:cs typeface="+mn-cs"/>
+                        </a:rPr>
+                        <a:t>2.23,</a:t>
+                      </a:r>
+                      <a:r>
+                        <a:rPr lang="en-US" dirty="0">
+                          <a:effectLst/>
+                        </a:rPr>
+                        <a:t> </a:t>
+                      </a:r>
+                      <a:r>
+                        <a:rPr lang="en-US" sz="1800" kern="1200" dirty="0">
+                          <a:solidFill>
+                            <a:schemeClr val="dk1"/>
+                          </a:solidFill>
+                          <a:effectLst/>
+                          <a:latin typeface="+mn-lt"/>
+                          <a:ea typeface="+mn-ea"/>
+                          <a:cs typeface="+mn-cs"/>
+                        </a:rPr>
+                        <a:t>'john',</a:t>
+                      </a:r>
+                      <a:r>
+                        <a:rPr lang="en-US" dirty="0">
+                          <a:effectLst/>
+                        </a:rPr>
+                        <a:t> </a:t>
+                      </a:r>
+                      <a:r>
+                        <a:rPr lang="en-US" sz="1800" kern="1200" dirty="0">
+                          <a:solidFill>
+                            <a:schemeClr val="dk1"/>
+                          </a:solidFill>
+                          <a:effectLst/>
+                          <a:latin typeface="+mn-lt"/>
+                          <a:ea typeface="+mn-ea"/>
+                          <a:cs typeface="+mn-cs"/>
+                        </a:rPr>
+                        <a:t>70.2</a:t>
+                      </a:r>
+                      <a:r>
+                        <a:rPr lang="en-US" dirty="0">
+                          <a:effectLst/>
+                        </a:rPr>
+                        <a:t> </a:t>
+                      </a:r>
+                      <a:r>
+                        <a:rPr lang="en-US" sz="1800" kern="1200" dirty="0">
+                          <a:solidFill>
+                            <a:schemeClr val="dk1"/>
+                          </a:solidFill>
+                          <a:effectLst/>
+                          <a:latin typeface="+mn-lt"/>
+                          <a:ea typeface="+mn-ea"/>
+                          <a:cs typeface="+mn-cs"/>
+                        </a:rPr>
+                        <a:t>]</a:t>
                       </a:r>
                       <a:endParaRPr lang="en-US" dirty="0"/>
                     </a:p>
@@ -8343,7 +8829,7 @@
                 </a:tc>
                 <a:extLst>
                   <a:ext uri="{0D108BD9-81ED-4DB2-BD59-A6C34878D82A}">
-                    <a16:rowId xmlns:a16="http://schemas.microsoft.com/office/drawing/2014/main" xmlns="" val="2334112346"/>
+                    <a16:rowId xmlns:a16="http://schemas.microsoft.com/office/drawing/2014/main" val="3584613779"/>
                   </a:ext>
                 </a:extLst>
               </a:tr>
@@ -8354,8 +8840,29 @@
                     <a:lstStyle/>
                     <a:p>
                       <a:r>
-                        <a:rPr lang="en-US" dirty="0" smtClean="0"/>
-                        <a:t>Tuple</a:t>
+                        <a:rPr lang="en-US" dirty="0"/>
+                        <a:t>Dictionary</a:t>
+                      </a:r>
+                    </a:p>
+                  </a:txBody>
+                  <a:tcPr anchor="ctr"/>
+                </a:tc>
+                <a:tc>
+                  <a:txBody>
+                    <a:bodyPr/>
+                    <a:lstStyle/>
+                    <a:p>
+                      <a:r>
+                        <a:rPr lang="en-US" sz="1800" b="0" i="0" kern="1200" dirty="0">
+                          <a:solidFill>
+                            <a:schemeClr val="dk1"/>
+                          </a:solidFill>
+                          <a:effectLst/>
+                          <a:latin typeface="+mn-lt"/>
+                          <a:ea typeface="+mn-ea"/>
+                          <a:cs typeface="+mn-cs"/>
+                        </a:rPr>
+                        <a:t>Python's dictionaries are kind of hash table type. Dictionaries are enclosed by curly braces ({ }) </a:t>
                       </a:r>
                       <a:endParaRPr lang="en-US" dirty="0"/>
                     </a:p>
@@ -8368,59 +8875,19 @@
                     <a:lstStyle/>
                     <a:p>
                       <a:r>
-                        <a:rPr lang="en-US" sz="1800" b="0" i="0" kern="1200" dirty="0" smtClean="0">
-                          <a:solidFill>
-                            <a:schemeClr val="dk1"/>
-                          </a:solidFill>
-                          <a:effectLst/>
-                          <a:latin typeface="+mn-lt"/>
-                          <a:ea typeface="+mn-ea"/>
-                          <a:cs typeface="+mn-cs"/>
-                        </a:rPr>
-                        <a:t> Tuples can be thought of as </a:t>
-                      </a:r>
-                      <a:r>
-                        <a:rPr lang="en-US" sz="1800" b="1" i="0" kern="1200" dirty="0" smtClean="0">
-                          <a:solidFill>
-                            <a:schemeClr val="dk1"/>
-                          </a:solidFill>
-                          <a:effectLst/>
-                          <a:latin typeface="+mn-lt"/>
-                          <a:ea typeface="+mn-ea"/>
-                          <a:cs typeface="+mn-cs"/>
-                        </a:rPr>
-                        <a:t>read-only</a:t>
-                      </a:r>
-                      <a:r>
-                        <a:rPr lang="en-US" sz="1800" b="0" i="0" kern="1200" dirty="0" smtClean="0">
-                          <a:solidFill>
-                            <a:schemeClr val="dk1"/>
-                          </a:solidFill>
-                          <a:effectLst/>
-                          <a:latin typeface="+mn-lt"/>
-                          <a:ea typeface="+mn-ea"/>
-                          <a:cs typeface="+mn-cs"/>
-                        </a:rPr>
-                        <a:t> lists. tuples are enclosed in parentheses ( ( ) )</a:t>
-                      </a:r>
-                      <a:endParaRPr lang="en-US" dirty="0"/>
-                    </a:p>
-                  </a:txBody>
-                  <a:tcPr anchor="ctr"/>
-                </a:tc>
-                <a:tc>
-                  <a:txBody>
-                    <a:bodyPr/>
-                    <a:lstStyle/>
-                    <a:p>
-                      <a:r>
-                        <a:rPr lang="en-US" dirty="0" smtClean="0">
-                          <a:effectLst/>
-                        </a:rPr>
-                        <a:t>tuple </a:t>
-                      </a:r>
-                      <a:r>
-                        <a:rPr lang="en-US" sz="1800" kern="1200" dirty="0" smtClean="0">
+                        <a:rPr lang="fr-FR" dirty="0" err="1">
+                          <a:effectLst/>
+                        </a:rPr>
+                        <a:t>tinydict</a:t>
+                      </a:r>
+                      <a:r>
+                        <a:rPr lang="fr-FR" dirty="0">
+                          <a:effectLst/>
+                        </a:rPr>
+                        <a:t> </a:t>
+                      </a:r>
+                      <a:r>
+                        <a:rPr lang="fr-FR" sz="1800" kern="1200" dirty="0">
                           <a:solidFill>
                             <a:schemeClr val="dk1"/>
                           </a:solidFill>
@@ -8432,31 +8899,73 @@
                         <a:t>=</a:t>
                       </a:r>
                       <a:r>
-                        <a:rPr lang="en-US" dirty="0" smtClean="0">
+                        <a:rPr lang="fr-FR" dirty="0">
                           <a:effectLst/>
                         </a:rPr>
                         <a:t> </a:t>
                       </a:r>
                       <a:r>
-                        <a:rPr lang="en-US" sz="1800" kern="1200" dirty="0" smtClean="0">
-                          <a:solidFill>
-                            <a:schemeClr val="dk1"/>
-                          </a:solidFill>
-                          <a:effectLst/>
-                          <a:latin typeface="+mn-lt"/>
-                          <a:ea typeface="+mn-ea"/>
-                          <a:cs typeface="+mn-cs"/>
-                        </a:rPr>
-                        <a:t>(</a:t>
-                      </a:r>
-                      <a:r>
-                        <a:rPr lang="en-US" dirty="0" smtClean="0">
+                        <a:rPr lang="fr-FR" sz="1800" kern="1200" dirty="0">
+                          <a:solidFill>
+                            <a:schemeClr val="dk1"/>
+                          </a:solidFill>
+                          <a:effectLst/>
+                          <a:latin typeface="+mn-lt"/>
+                          <a:ea typeface="+mn-ea"/>
+                          <a:cs typeface="+mn-cs"/>
+                        </a:rPr>
+                        <a:t>{'</a:t>
+                      </a:r>
+                      <a:r>
+                        <a:rPr lang="fr-FR" sz="1800" kern="1200" dirty="0" err="1">
+                          <a:solidFill>
+                            <a:schemeClr val="dk1"/>
+                          </a:solidFill>
+                          <a:effectLst/>
+                          <a:latin typeface="+mn-lt"/>
+                          <a:ea typeface="+mn-ea"/>
+                          <a:cs typeface="+mn-cs"/>
+                        </a:rPr>
+                        <a:t>name</a:t>
+                      </a:r>
+                      <a:r>
+                        <a:rPr lang="fr-FR" sz="1800" kern="1200" dirty="0">
+                          <a:solidFill>
+                            <a:schemeClr val="dk1"/>
+                          </a:solidFill>
+                          <a:effectLst/>
+                          <a:latin typeface="+mn-lt"/>
+                          <a:ea typeface="+mn-ea"/>
+                          <a:cs typeface="+mn-cs"/>
+                        </a:rPr>
+                        <a:t>':</a:t>
+                      </a:r>
+                      <a:r>
+                        <a:rPr lang="fr-FR" dirty="0">
                           <a:effectLst/>
                         </a:rPr>
                         <a:t> </a:t>
                       </a:r>
                       <a:r>
-                        <a:rPr lang="en-US" sz="1800" kern="1200" dirty="0" smtClean="0">
+                        <a:rPr lang="fr-FR" sz="1800" kern="1200" dirty="0">
+                          <a:solidFill>
+                            <a:schemeClr val="dk1"/>
+                          </a:solidFill>
+                          <a:effectLst/>
+                          <a:latin typeface="+mn-lt"/>
+                          <a:ea typeface="+mn-ea"/>
+                          <a:cs typeface="+mn-cs"/>
+                        </a:rPr>
+                        <a:t>'john','code':6734,</a:t>
+                      </a:r>
+                      <a:r>
+                        <a:rPr lang="fr-FR" dirty="0">
+                          <a:effectLst/>
+                        </a:rPr>
+                        <a:t> </a:t>
+                      </a:r>
+                      <a:r>
+                        <a:rPr lang="fr-FR" sz="1800" kern="1200" dirty="0">
                           <a:solidFill>
                             <a:schemeClr val="dk1"/>
                           </a:solidFill>
@@ -8468,585 +8977,55 @@
                         <a:t>'</a:t>
                       </a:r>
                       <a:r>
-                        <a:rPr lang="en-US" sz="1800" kern="1200" dirty="0" err="1" smtClean="0">
-                          <a:solidFill>
-                            <a:schemeClr val="dk1"/>
-                          </a:solidFill>
-                          <a:effectLst/>
-                          <a:latin typeface="+mn-lt"/>
-                          <a:ea typeface="+mn-ea"/>
-                          <a:cs typeface="+mn-cs"/>
-                        </a:rPr>
-                        <a:t>abcd</a:t>
-                      </a:r>
-                      <a:r>
-                        <a:rPr lang="en-US" sz="1800" kern="1200" dirty="0" smtClean="0">
-                          <a:solidFill>
-                            <a:schemeClr val="dk1"/>
-                          </a:solidFill>
-                          <a:effectLst/>
-                          <a:latin typeface="+mn-lt"/>
-                          <a:ea typeface="+mn-ea"/>
-                          <a:cs typeface="+mn-cs"/>
-                        </a:rPr>
-                        <a:t>',</a:t>
-                      </a:r>
-                      <a:r>
-                        <a:rPr lang="en-US" dirty="0" smtClean="0">
+                        <a:rPr lang="fr-FR" sz="1800" kern="1200" dirty="0" err="1">
+                          <a:solidFill>
+                            <a:schemeClr val="dk1"/>
+                          </a:solidFill>
+                          <a:effectLst/>
+                          <a:latin typeface="+mn-lt"/>
+                          <a:ea typeface="+mn-ea"/>
+                          <a:cs typeface="+mn-cs"/>
+                        </a:rPr>
+                        <a:t>dept</a:t>
+                      </a:r>
+                      <a:r>
+                        <a:rPr lang="fr-FR" sz="1800" kern="1200" dirty="0">
+                          <a:solidFill>
+                            <a:schemeClr val="dk1"/>
+                          </a:solidFill>
+                          <a:effectLst/>
+                          <a:latin typeface="+mn-lt"/>
+                          <a:ea typeface="+mn-ea"/>
+                          <a:cs typeface="+mn-cs"/>
+                        </a:rPr>
+                        <a:t>':</a:t>
+                      </a:r>
+                      <a:r>
+                        <a:rPr lang="fr-FR" dirty="0">
                           <a:effectLst/>
                         </a:rPr>
                         <a:t> </a:t>
                       </a:r>
                       <a:r>
-                        <a:rPr lang="en-US" sz="1800" kern="1200" dirty="0" smtClean="0">
-                          <a:solidFill>
-                            <a:schemeClr val="dk1"/>
-                          </a:solidFill>
-                          <a:effectLst/>
-                          <a:latin typeface="+mn-lt"/>
-                          <a:ea typeface="+mn-ea"/>
-                          <a:cs typeface="+mn-cs"/>
-                        </a:rPr>
-                        <a:t>786</a:t>
-                      </a:r>
-                      <a:r>
-                        <a:rPr lang="en-US" dirty="0" smtClean="0">
+                        <a:rPr lang="fr-FR" sz="1800" kern="1200" dirty="0">
+                          <a:solidFill>
+                            <a:schemeClr val="dk1"/>
+                          </a:solidFill>
+                          <a:effectLst/>
+                          <a:latin typeface="+mn-lt"/>
+                          <a:ea typeface="+mn-ea"/>
+                          <a:cs typeface="+mn-cs"/>
+                        </a:rPr>
+                        <a:t>'sales'}</a:t>
+                      </a:r>
+                      <a:r>
+                        <a:rPr lang="fr-FR" dirty="0">
                           <a:effectLst/>
                         </a:rPr>
                         <a:t> </a:t>
                       </a:r>
-                      <a:r>
-                        <a:rPr lang="en-US" sz="1800" kern="1200" dirty="0" smtClean="0">
-                          <a:solidFill>
-                            <a:schemeClr val="dk1"/>
-                          </a:solidFill>
-                          <a:effectLst/>
-                          <a:latin typeface="+mn-lt"/>
-                          <a:ea typeface="+mn-ea"/>
-                          <a:cs typeface="+mn-cs"/>
-                        </a:rPr>
-                        <a:t>,</a:t>
-                      </a:r>
-                      <a:r>
-                        <a:rPr lang="en-US" dirty="0" smtClean="0">
-                          <a:effectLst/>
-                        </a:rPr>
-                        <a:t> </a:t>
-                      </a:r>
-                      <a:r>
-                        <a:rPr lang="en-US" sz="1800" kern="1200" dirty="0" smtClean="0">
-                          <a:solidFill>
-                            <a:schemeClr val="dk1"/>
-                          </a:solidFill>
-                          <a:effectLst/>
-                          <a:latin typeface="+mn-lt"/>
-                          <a:ea typeface="+mn-ea"/>
-                          <a:cs typeface="+mn-cs"/>
-                        </a:rPr>
-                        <a:t>2.23,</a:t>
-                      </a:r>
-                      <a:r>
-                        <a:rPr lang="en-US" dirty="0" smtClean="0">
-                          <a:effectLst/>
-                        </a:rPr>
-                        <a:t> </a:t>
-                      </a:r>
-                      <a:r>
-                        <a:rPr lang="en-US" sz="1800" kern="1200" dirty="0" smtClean="0">
-                          <a:solidFill>
-                            <a:schemeClr val="dk1"/>
-                          </a:solidFill>
-                          <a:effectLst/>
-                          <a:latin typeface="+mn-lt"/>
-                          <a:ea typeface="+mn-ea"/>
-                          <a:cs typeface="+mn-cs"/>
-                        </a:rPr>
-                        <a:t>'john',</a:t>
-                      </a:r>
-                      <a:r>
-                        <a:rPr lang="en-US" dirty="0" smtClean="0">
-                          <a:effectLst/>
-                        </a:rPr>
-                        <a:t> </a:t>
-                      </a:r>
-                      <a:r>
-                        <a:rPr lang="en-US" sz="1800" kern="1200" dirty="0" smtClean="0">
-                          <a:solidFill>
-                            <a:schemeClr val="dk1"/>
-                          </a:solidFill>
-                          <a:effectLst/>
-                          <a:latin typeface="+mn-lt"/>
-                          <a:ea typeface="+mn-ea"/>
-                          <a:cs typeface="+mn-cs"/>
-                        </a:rPr>
-                        <a:t>70.2</a:t>
-                      </a:r>
-                      <a:r>
-                        <a:rPr lang="en-US" dirty="0" smtClean="0">
-                          <a:effectLst/>
-                        </a:rPr>
-                        <a:t> </a:t>
-                      </a:r>
-                      <a:r>
-                        <a:rPr lang="en-US" sz="1800" kern="1200" dirty="0" smtClean="0">
-                          <a:solidFill>
-                            <a:schemeClr val="dk1"/>
-                          </a:solidFill>
-                          <a:effectLst/>
-                          <a:latin typeface="+mn-lt"/>
-                          <a:ea typeface="+mn-ea"/>
-                          <a:cs typeface="+mn-cs"/>
-                        </a:rPr>
-                        <a:t>)</a:t>
-                      </a:r>
-                      <a:endParaRPr lang="en-US" dirty="0"/>
-                    </a:p>
-                  </a:txBody>
-                  <a:tcPr anchor="ctr"/>
-                </a:tc>
-                <a:extLst>
-                  <a:ext uri="{0D108BD9-81ED-4DB2-BD59-A6C34878D82A}">
-                    <a16:rowId xmlns:a16="http://schemas.microsoft.com/office/drawing/2014/main" xmlns="" val="745536708"/>
-                  </a:ext>
-                </a:extLst>
-              </a:tr>
-              <a:tr h="370840">
-                <a:tc>
-                  <a:txBody>
-                    <a:bodyPr/>
-                    <a:lstStyle/>
-                    <a:p>
-                      <a:r>
-                        <a:rPr lang="en-US" dirty="0" smtClean="0"/>
-                        <a:t>List</a:t>
-                      </a:r>
-                      <a:endParaRPr lang="en-US" dirty="0"/>
-                    </a:p>
-                  </a:txBody>
-                  <a:tcPr anchor="ctr"/>
-                </a:tc>
-                <a:tc>
-                  <a:txBody>
-                    <a:bodyPr/>
-                    <a:lstStyle/>
-                    <a:p>
-                      <a:r>
-                        <a:rPr lang="en-US" sz="1800" b="0" i="0" kern="1200" dirty="0" smtClean="0">
-                          <a:solidFill>
-                            <a:schemeClr val="dk1"/>
-                          </a:solidFill>
-                          <a:effectLst/>
-                          <a:latin typeface="+mn-lt"/>
-                          <a:ea typeface="+mn-ea"/>
-                          <a:cs typeface="+mn-cs"/>
-                        </a:rPr>
-                        <a:t>A list contains items separated by commas and enclosed within square brackets ([]).</a:t>
-                      </a:r>
-                      <a:endParaRPr lang="en-US" dirty="0"/>
-                    </a:p>
-                  </a:txBody>
-                  <a:tcPr anchor="ctr"/>
-                </a:tc>
-                <a:tc>
-                  <a:txBody>
-                    <a:bodyPr/>
-                    <a:lstStyle/>
-                    <a:p>
-                      <a:r>
-                        <a:rPr lang="en-US" dirty="0" smtClean="0">
-                          <a:effectLst/>
-                        </a:rPr>
-                        <a:t>list </a:t>
-                      </a:r>
-                      <a:r>
-                        <a:rPr lang="en-US" sz="1800" kern="1200" dirty="0" smtClean="0">
-                          <a:solidFill>
-                            <a:schemeClr val="dk1"/>
-                          </a:solidFill>
-                          <a:effectLst/>
-                          <a:latin typeface="+mn-lt"/>
-                          <a:ea typeface="+mn-ea"/>
-                          <a:cs typeface="+mn-cs"/>
-                        </a:rPr>
-                        <a:t>=</a:t>
-                      </a:r>
-                      <a:r>
-                        <a:rPr lang="en-US" dirty="0" smtClean="0">
-                          <a:effectLst/>
-                        </a:rPr>
-                        <a:t> </a:t>
-                      </a:r>
-                      <a:r>
-                        <a:rPr lang="en-US" sz="1800" kern="1200" dirty="0" smtClean="0">
-                          <a:solidFill>
-                            <a:schemeClr val="dk1"/>
-                          </a:solidFill>
-                          <a:effectLst/>
-                          <a:latin typeface="+mn-lt"/>
-                          <a:ea typeface="+mn-ea"/>
-                          <a:cs typeface="+mn-cs"/>
-                        </a:rPr>
-                        <a:t>[</a:t>
-                      </a:r>
-                      <a:r>
-                        <a:rPr lang="en-US" dirty="0" smtClean="0">
-                          <a:effectLst/>
-                        </a:rPr>
-                        <a:t> </a:t>
-                      </a:r>
-                      <a:r>
-                        <a:rPr lang="en-US" sz="1800" kern="1200" dirty="0" smtClean="0">
-                          <a:solidFill>
-                            <a:schemeClr val="dk1"/>
-                          </a:solidFill>
-                          <a:effectLst/>
-                          <a:latin typeface="+mn-lt"/>
-                          <a:ea typeface="+mn-ea"/>
-                          <a:cs typeface="+mn-cs"/>
-                        </a:rPr>
-                        <a:t>'</a:t>
-                      </a:r>
-                      <a:r>
-                        <a:rPr lang="en-US" sz="1800" kern="1200" dirty="0" err="1" smtClean="0">
-                          <a:solidFill>
-                            <a:schemeClr val="dk1"/>
-                          </a:solidFill>
-                          <a:effectLst/>
-                          <a:latin typeface="+mn-lt"/>
-                          <a:ea typeface="+mn-ea"/>
-                          <a:cs typeface="+mn-cs"/>
-                        </a:rPr>
-                        <a:t>abcd</a:t>
-                      </a:r>
-                      <a:r>
-                        <a:rPr lang="en-US" sz="1800" kern="1200" dirty="0" smtClean="0">
-                          <a:solidFill>
-                            <a:schemeClr val="dk1"/>
-                          </a:solidFill>
-                          <a:effectLst/>
-                          <a:latin typeface="+mn-lt"/>
-                          <a:ea typeface="+mn-ea"/>
-                          <a:cs typeface="+mn-cs"/>
-                        </a:rPr>
-                        <a:t>',</a:t>
-                      </a:r>
-                      <a:r>
-                        <a:rPr lang="en-US" dirty="0" smtClean="0">
-                          <a:effectLst/>
-                        </a:rPr>
-                        <a:t> </a:t>
-                      </a:r>
-                      <a:r>
-                        <a:rPr lang="en-US" sz="1800" kern="1200" dirty="0" smtClean="0">
-                          <a:solidFill>
-                            <a:schemeClr val="dk1"/>
-                          </a:solidFill>
-                          <a:effectLst/>
-                          <a:latin typeface="+mn-lt"/>
-                          <a:ea typeface="+mn-ea"/>
-                          <a:cs typeface="+mn-cs"/>
-                        </a:rPr>
-                        <a:t>786</a:t>
-                      </a:r>
-                      <a:r>
-                        <a:rPr lang="en-US" dirty="0" smtClean="0">
-                          <a:effectLst/>
-                        </a:rPr>
-                        <a:t> </a:t>
-                      </a:r>
-                      <a:r>
-                        <a:rPr lang="en-US" sz="1800" kern="1200" dirty="0" smtClean="0">
-                          <a:solidFill>
-                            <a:schemeClr val="dk1"/>
-                          </a:solidFill>
-                          <a:effectLst/>
-                          <a:latin typeface="+mn-lt"/>
-                          <a:ea typeface="+mn-ea"/>
-                          <a:cs typeface="+mn-cs"/>
-                        </a:rPr>
-                        <a:t>,</a:t>
-                      </a:r>
-                      <a:r>
-                        <a:rPr lang="en-US" dirty="0" smtClean="0">
-                          <a:effectLst/>
-                        </a:rPr>
-                        <a:t> </a:t>
-                      </a:r>
-                      <a:r>
-                        <a:rPr lang="en-US" sz="1800" kern="1200" dirty="0" smtClean="0">
-                          <a:solidFill>
-                            <a:schemeClr val="dk1"/>
-                          </a:solidFill>
-                          <a:effectLst/>
-                          <a:latin typeface="+mn-lt"/>
-                          <a:ea typeface="+mn-ea"/>
-                          <a:cs typeface="+mn-cs"/>
-                        </a:rPr>
-                        <a:t>2.23,</a:t>
-                      </a:r>
-                      <a:r>
-                        <a:rPr lang="en-US" dirty="0" smtClean="0">
-                          <a:effectLst/>
-                        </a:rPr>
-                        <a:t> </a:t>
-                      </a:r>
-                      <a:r>
-                        <a:rPr lang="en-US" sz="1800" kern="1200" dirty="0" smtClean="0">
-                          <a:solidFill>
-                            <a:schemeClr val="dk1"/>
-                          </a:solidFill>
-                          <a:effectLst/>
-                          <a:latin typeface="+mn-lt"/>
-                          <a:ea typeface="+mn-ea"/>
-                          <a:cs typeface="+mn-cs"/>
-                        </a:rPr>
-                        <a:t>'john',</a:t>
-                      </a:r>
-                      <a:r>
-                        <a:rPr lang="en-US" dirty="0" smtClean="0">
-                          <a:effectLst/>
-                        </a:rPr>
-                        <a:t> </a:t>
-                      </a:r>
-                      <a:r>
-                        <a:rPr lang="en-US" sz="1800" kern="1200" dirty="0" smtClean="0">
-                          <a:solidFill>
-                            <a:schemeClr val="dk1"/>
-                          </a:solidFill>
-                          <a:effectLst/>
-                          <a:latin typeface="+mn-lt"/>
-                          <a:ea typeface="+mn-ea"/>
-                          <a:cs typeface="+mn-cs"/>
-                        </a:rPr>
-                        <a:t>70.2</a:t>
-                      </a:r>
-                      <a:r>
-                        <a:rPr lang="en-US" dirty="0" smtClean="0">
-                          <a:effectLst/>
-                        </a:rPr>
-                        <a:t> </a:t>
-                      </a:r>
-                      <a:r>
-                        <a:rPr lang="en-US" sz="1800" kern="1200" dirty="0" smtClean="0">
-                          <a:solidFill>
-                            <a:schemeClr val="dk1"/>
-                          </a:solidFill>
-                          <a:effectLst/>
-                          <a:latin typeface="+mn-lt"/>
-                          <a:ea typeface="+mn-ea"/>
-                          <a:cs typeface="+mn-cs"/>
-                        </a:rPr>
-                        <a:t>]</a:t>
-                      </a:r>
-                      <a:endParaRPr lang="en-US" dirty="0"/>
-                    </a:p>
-                  </a:txBody>
-                  <a:tcPr anchor="ctr"/>
-                </a:tc>
-                <a:extLst>
-                  <a:ext uri="{0D108BD9-81ED-4DB2-BD59-A6C34878D82A}">
-                    <a16:rowId xmlns:a16="http://schemas.microsoft.com/office/drawing/2014/main" xmlns="" val="3584613779"/>
-                  </a:ext>
-                </a:extLst>
-              </a:tr>
-              <a:tr h="370840">
-                <a:tc>
-                  <a:txBody>
-                    <a:bodyPr/>
-                    <a:lstStyle/>
-                    <a:p>
-                      <a:r>
-                        <a:rPr lang="en-US" dirty="0" smtClean="0"/>
-                        <a:t>Dictionary</a:t>
-                      </a:r>
-                      <a:endParaRPr lang="en-US" dirty="0"/>
-                    </a:p>
-                  </a:txBody>
-                  <a:tcPr anchor="ctr"/>
-                </a:tc>
-                <a:tc>
-                  <a:txBody>
-                    <a:bodyPr/>
-                    <a:lstStyle/>
-                    <a:p>
-                      <a:r>
-                        <a:rPr lang="en-US" sz="1800" b="0" i="0" kern="1200" dirty="0" smtClean="0">
-                          <a:solidFill>
-                            <a:schemeClr val="dk1"/>
-                          </a:solidFill>
-                          <a:effectLst/>
-                          <a:latin typeface="+mn-lt"/>
-                          <a:ea typeface="+mn-ea"/>
-                          <a:cs typeface="+mn-cs"/>
-                        </a:rPr>
-                        <a:t>Python's dictionaries are kind of hash table type. Dictionaries are enclosed by curly braces ({ }) </a:t>
-                      </a:r>
-                      <a:endParaRPr lang="en-US" dirty="0"/>
-                    </a:p>
-                  </a:txBody>
-                  <a:tcPr anchor="ctr"/>
-                </a:tc>
-                <a:tc>
-                  <a:txBody>
-                    <a:bodyPr/>
-                    <a:lstStyle/>
-                    <a:p>
-                      <a:r>
-                        <a:rPr lang="fr-FR" dirty="0" err="1" smtClean="0">
-                          <a:effectLst/>
-                        </a:rPr>
-                        <a:t>tinydict</a:t>
-                      </a:r>
-                      <a:r>
-                        <a:rPr lang="fr-FR" dirty="0" smtClean="0">
-                          <a:effectLst/>
-                        </a:rPr>
-                        <a:t> </a:t>
-                      </a:r>
-                      <a:r>
-                        <a:rPr lang="fr-FR" sz="1800" kern="1200" dirty="0" smtClean="0">
-                          <a:solidFill>
-                            <a:schemeClr val="dk1"/>
-                          </a:solidFill>
-                          <a:effectLst/>
-                          <a:latin typeface="+mn-lt"/>
-                          <a:ea typeface="+mn-ea"/>
-                          <a:cs typeface="+mn-cs"/>
-                        </a:rPr>
-                        <a:t>=</a:t>
-                      </a:r>
-                      <a:r>
-                        <a:rPr lang="fr-FR" dirty="0" smtClean="0">
-                          <a:effectLst/>
-                        </a:rPr>
-                        <a:t> </a:t>
-                      </a:r>
-                      <a:r>
-                        <a:rPr lang="fr-FR" sz="1800" kern="1200" dirty="0" smtClean="0">
-                          <a:solidFill>
-                            <a:schemeClr val="dk1"/>
-                          </a:solidFill>
-                          <a:effectLst/>
-                          <a:latin typeface="+mn-lt"/>
-                          <a:ea typeface="+mn-ea"/>
-                          <a:cs typeface="+mn-cs"/>
-                        </a:rPr>
-                        <a:t>{'</a:t>
-                      </a:r>
-                      <a:r>
-                        <a:rPr lang="fr-FR" sz="1800" kern="1200" dirty="0" err="1" smtClean="0">
-                          <a:solidFill>
-                            <a:schemeClr val="dk1"/>
-                          </a:solidFill>
-                          <a:effectLst/>
-                          <a:latin typeface="+mn-lt"/>
-                          <a:ea typeface="+mn-ea"/>
-                          <a:cs typeface="+mn-cs"/>
-                        </a:rPr>
-                        <a:t>name</a:t>
-                      </a:r>
-                      <a:r>
-                        <a:rPr lang="fr-FR" sz="1800" kern="1200" dirty="0" smtClean="0">
-                          <a:solidFill>
-                            <a:schemeClr val="dk1"/>
-                          </a:solidFill>
-                          <a:effectLst/>
-                          <a:latin typeface="+mn-lt"/>
-                          <a:ea typeface="+mn-ea"/>
-                          <a:cs typeface="+mn-cs"/>
-                        </a:rPr>
-                        <a:t>':</a:t>
-                      </a:r>
-                      <a:r>
-                        <a:rPr lang="fr-FR" dirty="0" smtClean="0">
-                          <a:effectLst/>
-                        </a:rPr>
-                        <a:t> </a:t>
-                      </a:r>
-                      <a:r>
-                        <a:rPr lang="fr-FR" sz="1800" kern="1200" dirty="0" smtClean="0">
-                          <a:solidFill>
-                            <a:schemeClr val="dk1"/>
-                          </a:solidFill>
-                          <a:effectLst/>
-                          <a:latin typeface="+mn-lt"/>
-                          <a:ea typeface="+mn-ea"/>
-                          <a:cs typeface="+mn-cs"/>
-                        </a:rPr>
-                        <a:t>'john','code':6734,</a:t>
-                      </a:r>
-                      <a:r>
-                        <a:rPr lang="fr-FR" dirty="0" smtClean="0">
-                          <a:effectLst/>
-                        </a:rPr>
-                        <a:t> </a:t>
-                      </a:r>
-                      <a:r>
-                        <a:rPr lang="fr-FR" sz="1800" kern="1200" dirty="0" smtClean="0">
-                          <a:solidFill>
-                            <a:schemeClr val="dk1"/>
-                          </a:solidFill>
-                          <a:effectLst/>
-                          <a:latin typeface="+mn-lt"/>
-                          <a:ea typeface="+mn-ea"/>
-                          <a:cs typeface="+mn-cs"/>
-                        </a:rPr>
-                        <a:t>'</a:t>
-                      </a:r>
-                      <a:r>
-                        <a:rPr lang="fr-FR" sz="1800" kern="1200" dirty="0" err="1" smtClean="0">
-                          <a:solidFill>
-                            <a:schemeClr val="dk1"/>
-                          </a:solidFill>
-                          <a:effectLst/>
-                          <a:latin typeface="+mn-lt"/>
-                          <a:ea typeface="+mn-ea"/>
-                          <a:cs typeface="+mn-cs"/>
-                        </a:rPr>
-                        <a:t>dept</a:t>
-                      </a:r>
-                      <a:r>
-                        <a:rPr lang="fr-FR" sz="1800" kern="1200" dirty="0" smtClean="0">
-                          <a:solidFill>
-                            <a:schemeClr val="dk1"/>
-                          </a:solidFill>
-                          <a:effectLst/>
-                          <a:latin typeface="+mn-lt"/>
-                          <a:ea typeface="+mn-ea"/>
-                          <a:cs typeface="+mn-cs"/>
-                        </a:rPr>
-                        <a:t>':</a:t>
-                      </a:r>
-                      <a:r>
-                        <a:rPr lang="fr-FR" dirty="0" smtClean="0">
-                          <a:effectLst/>
-                        </a:rPr>
-                        <a:t> </a:t>
-                      </a:r>
-                      <a:r>
-                        <a:rPr lang="fr-FR" sz="1800" kern="1200" dirty="0" smtClean="0">
-                          <a:solidFill>
-                            <a:schemeClr val="dk1"/>
-                          </a:solidFill>
-                          <a:effectLst/>
-                          <a:latin typeface="+mn-lt"/>
-                          <a:ea typeface="+mn-ea"/>
-                          <a:cs typeface="+mn-cs"/>
-                        </a:rPr>
-                        <a:t>'sales'}</a:t>
-                      </a:r>
-                      <a:r>
-                        <a:rPr lang="fr-FR" dirty="0" smtClean="0">
-                          <a:effectLst/>
-                        </a:rPr>
-                        <a:t> </a:t>
-                      </a:r>
-                      <a:r>
-                        <a:rPr lang="fr-FR" dirty="0" smtClean="0"/>
-                        <a:t/>
-                      </a:r>
                       <a:br>
-                        <a:rPr lang="fr-FR" dirty="0" smtClean="0"/>
+                        <a:rPr lang="fr-FR" dirty="0"/>
                       </a:br>
                       <a:endParaRPr lang="en-US" dirty="0"/>
                     </a:p>
@@ -9055,7 +9034,7 @@
                 </a:tc>
                 <a:extLst>
                   <a:ext uri="{0D108BD9-81ED-4DB2-BD59-A6C34878D82A}">
-                    <a16:rowId xmlns:a16="http://schemas.microsoft.com/office/drawing/2014/main" xmlns="" val="2804741469"/>
+                    <a16:rowId xmlns:a16="http://schemas.microsoft.com/office/drawing/2014/main" val="2804741469"/>
                   </a:ext>
                 </a:extLst>
               </a:tr>
@@ -9123,24 +9102,12 @@
               <a:rPr lang="fr-FR" b="1" dirty="0"/>
               <a:t> Modules</a:t>
             </a:r>
-            <a:r>
-              <a:rPr lang="fr-FR" dirty="0"/>
-              <a:t/>
-            </a:r>
             <a:br>
               <a:rPr lang="fr-FR" dirty="0"/>
             </a:br>
-            <a:r>
-              <a:rPr lang="fr-FR" b="1" dirty="0"/>
-              <a:t/>
-            </a:r>
             <a:br>
               <a:rPr lang="fr-FR" b="1" dirty="0"/>
             </a:br>
-            <a:r>
-              <a:rPr lang="en-US" b="1" dirty="0"/>
-              <a:t/>
-            </a:r>
             <a:br>
               <a:rPr lang="en-US" b="1" dirty="0"/>
             </a:br>
@@ -9245,24 +9212,16 @@
           <a:lstStyle/>
           <a:p>
             <a:r>
-              <a:rPr lang="fr-FR" b="1" dirty="0" err="1" smtClean="0"/>
+              <a:rPr lang="fr-FR" b="1" dirty="0" err="1"/>
               <a:t>Function</a:t>
             </a:r>
             <a:r>
-              <a:rPr lang="fr-FR" b="1" dirty="0" smtClean="0"/>
+              <a:rPr lang="fr-FR" b="1" dirty="0"/>
               <a:t> __main__</a:t>
-            </a:r>
-            <a:r>
-              <a:rPr lang="fr-FR" b="1" dirty="0"/>
-              <a:t/>
             </a:r>
             <a:br>
               <a:rPr lang="fr-FR" b="1" dirty="0"/>
             </a:br>
-            <a:r>
-              <a:rPr lang="en-US" b="1" dirty="0"/>
-              <a:t/>
-            </a:r>
             <a:br>
               <a:rPr lang="en-US" b="1" dirty="0"/>
             </a:br>
@@ -9291,16 +9250,8 @@
               <a:buNone/>
             </a:pPr>
             <a:r>
-              <a:rPr lang="en-US" dirty="0" smtClean="0"/>
-              <a:t> __main__ is </a:t>
-            </a:r>
-            <a:r>
               <a:rPr lang="en-US" dirty="0"/>
-              <a:t>the name of the scope in which top-level code executes. A module’s __name__ is set equal to '__main__' when read from standard input, a script, or from an interactive prompt</a:t>
-            </a:r>
-            <a:r>
-              <a:rPr lang="en-US" dirty="0" smtClean="0"/>
-              <a:t>.</a:t>
+              <a:t> __main__ is the name of the scope in which top-level code executes. A module’s __name__ is set equal to '__main__' when read from standard input, a script, or from an interactive prompt.</a:t>
             </a:r>
           </a:p>
           <a:p>
@@ -9309,11 +9260,7 @@
             </a:pPr>
             <a:r>
               <a:rPr lang="en-US" dirty="0"/>
-              <a:t>A module can discover whether or not it is running in the main scope by checking its own __name__, which allows a common idiom for conditionally executing code in a module when it is run as a script or with python -m but not when it is imported</a:t>
-            </a:r>
-            <a:r>
-              <a:rPr lang="en-US" dirty="0" smtClean="0"/>
-              <a:t>:</a:t>
+              <a:t>A module can discover whether or not it is running in the main scope by checking its own __name__, which allows a common idiom for conditionally executing code in a module when it is run as a script or with python -m but not when it is imported:</a:t>
             </a:r>
           </a:p>
           <a:p>
@@ -9343,14 +9290,13 @@
               <a:t>    </a:t>
             </a:r>
             <a:r>
-              <a:rPr lang="en-US" dirty="0" err="1" smtClean="0"/>
+              <a:rPr lang="en-US" dirty="0" err="1"/>
               <a:t>functionname</a:t>
             </a:r>
             <a:r>
-              <a:rPr lang="en-US" dirty="0" smtClean="0"/>
+              <a:rPr lang="en-US" dirty="0"/>
               <a:t>()</a:t>
             </a:r>
-            <a:endParaRPr lang="en-US" dirty="0"/>
           </a:p>
         </p:txBody>
       </p:sp>
@@ -9414,24 +9360,12 @@
               <a:rPr lang="fr-FR" b="1" dirty="0" err="1"/>
               <a:t>Oriented</a:t>
             </a:r>
-            <a:r>
-              <a:rPr lang="fr-FR" dirty="0"/>
-              <a:t/>
-            </a:r>
             <a:br>
               <a:rPr lang="fr-FR" dirty="0"/>
             </a:br>
-            <a:r>
-              <a:rPr lang="fr-FR" b="1" dirty="0"/>
-              <a:t/>
-            </a:r>
             <a:br>
               <a:rPr lang="fr-FR" b="1" dirty="0"/>
             </a:br>
-            <a:r>
-              <a:rPr lang="en-US" b="1" dirty="0"/>
-              <a:t/>
-            </a:r>
             <a:br>
               <a:rPr lang="en-US" b="1" dirty="0"/>
             </a:br>
@@ -9474,11 +9408,7 @@
             </a:r>
             <a:r>
               <a:rPr lang="en-US" dirty="0"/>
-              <a:t>: A user-defined prototype for an object that defines a set of attributes that characterize any object of the class. The attributes are data members (class variables and instance variables) and methods, accessed via dot notation</a:t>
-            </a:r>
-            <a:r>
-              <a:rPr lang="en-US" dirty="0" smtClean="0"/>
-              <a:t>.</a:t>
+              <a:t>: A user-defined prototype for an object that defines a set of attributes that characterize any object of the class. The attributes are data members (class variables and instance variables) and methods, accessed via dot notation.</a:t>
             </a:r>
           </a:p>
           <a:p>
@@ -9486,11 +9416,11 @@
               <a:buNone/>
             </a:pPr>
             <a:r>
-              <a:rPr lang="en-US" b="1" dirty="0" smtClean="0"/>
+              <a:rPr lang="en-US" b="1" dirty="0"/>
               <a:t>Class variable:</a:t>
             </a:r>
             <a:r>
-              <a:rPr lang="en-US" dirty="0" smtClean="0"/>
+              <a:rPr lang="en-US" dirty="0"/>
               <a:t> A variable that is shared by all instances of a class. Class variables are defined within a class but outside any of the class's methods. Class variables are not used as frequently as instance variables are.</a:t>
             </a:r>
           </a:p>
@@ -9499,20 +9429,12 @@
               <a:buNone/>
             </a:pPr>
             <a:r>
-              <a:rPr lang="en-US" b="1" dirty="0" smtClean="0"/>
-              <a:t>Instance </a:t>
-            </a:r>
-            <a:r>
               <a:rPr lang="en-US" b="1" dirty="0"/>
-              <a:t>variable:</a:t>
+              <a:t>Instance variable:</a:t>
             </a:r>
             <a:r>
               <a:rPr lang="en-US" dirty="0"/>
-              <a:t> A variable that is defined inside a method and belongs only to the current instance of a </a:t>
-            </a:r>
-            <a:r>
-              <a:rPr lang="en-US" dirty="0" smtClean="0"/>
-              <a:t>class</a:t>
+              <a:t> A variable that is defined inside a method and belongs only to the current instance of a class</a:t>
             </a:r>
           </a:p>
           <a:p>
@@ -9527,7 +9449,6 @@
               <a:rPr lang="en-US" dirty="0"/>
               <a:t> A special kind of function that is defined in a class definition.</a:t>
             </a:r>
-            <a:endParaRPr lang="en-US" dirty="0" smtClean="0"/>
           </a:p>
           <a:p>
             <a:pPr marL="0" indent="0">
@@ -9547,19 +9468,7 @@
             </a:r>
             <a:r>
               <a:rPr lang="en-US" dirty="0"/>
-              <a:t> that belongs to a </a:t>
-            </a:r>
-            <a:r>
-              <a:rPr lang="en-US" dirty="0" smtClean="0"/>
-              <a:t>class </a:t>
-            </a:r>
-            <a:r>
-              <a:rPr lang="en-US" dirty="0"/>
-              <a:t>Circle, for example, is an instance of the class Circle</a:t>
-            </a:r>
-            <a:r>
-              <a:rPr lang="en-US" dirty="0" smtClean="0"/>
-              <a:t>.</a:t>
+              <a:t> that belongs to a class Circle, for example, is an instance of the class Circle.</a:t>
             </a:r>
           </a:p>
           <a:p>
@@ -9572,11 +9481,7 @@
             </a:r>
             <a:r>
               <a:rPr lang="en-US" dirty="0"/>
-              <a:t> The creation of an instance of a class</a:t>
-            </a:r>
-            <a:r>
-              <a:rPr lang="en-US" dirty="0" smtClean="0"/>
-              <a:t>.</a:t>
+              <a:t> The creation of an instance of a class.</a:t>
             </a:r>
           </a:p>
           <a:p>
@@ -9657,24 +9562,12 @@
             <a:br>
               <a:rPr lang="fr-FR" dirty="0"/>
             </a:br>
-            <a:r>
-              <a:rPr lang="fr-FR" dirty="0"/>
-              <a:t/>
-            </a:r>
             <a:br>
               <a:rPr lang="fr-FR" dirty="0"/>
             </a:br>
-            <a:r>
-              <a:rPr lang="fr-FR" b="1" dirty="0"/>
-              <a:t/>
-            </a:r>
             <a:br>
               <a:rPr lang="fr-FR" b="1" dirty="0"/>
             </a:br>
-            <a:r>
-              <a:rPr lang="en-US" b="1" dirty="0"/>
-              <a:t/>
-            </a:r>
             <a:br>
               <a:rPr lang="en-US" b="1" dirty="0"/>
             </a:br>
@@ -9709,11 +9602,7 @@
             </a:pPr>
             <a:r>
               <a:rPr lang="en-US" dirty="0"/>
-              <a:t>class Person</a:t>
-            </a:r>
-            <a:r>
-              <a:rPr lang="en-US" dirty="0" smtClean="0"/>
-              <a:t>:</a:t>
+              <a:t>class Person:</a:t>
             </a:r>
           </a:p>
           <a:p>
@@ -9721,12 +9610,8 @@
               <a:buNone/>
             </a:pPr>
             <a:r>
-              <a:rPr lang="en-US" dirty="0" smtClean="0"/>
-              <a:t>    __name</a:t>
-            </a:r>
-            <a:r>
               <a:rPr lang="en-US" dirty="0"/>
-              <a:t>= ""</a:t>
+              <a:t>    __name= ""</a:t>
             </a:r>
           </a:p>
           <a:p>
@@ -9827,20 +9712,16 @@
             </a:r>
             <a:r>
               <a:rPr lang="en-US" dirty="0" err="1"/>
-              <a:t>self.__</a:t>
-            </a:r>
-            <a:r>
-              <a:rPr lang="en-US" dirty="0" err="1" smtClean="0"/>
-              <a:t>name</a:t>
-            </a:r>
-            <a:endParaRPr lang="en-US" dirty="0" smtClean="0"/>
+              <a:t>self.__name</a:t>
+            </a:r>
+            <a:endParaRPr lang="en-US" dirty="0"/>
           </a:p>
           <a:p>
             <a:pPr marL="0" indent="0">
               <a:buNone/>
             </a:pPr>
             <a:r>
-              <a:rPr lang="en-US" smtClean="0"/>
+              <a:rPr lang="en-US"/>
               <a:t>  </a:t>
             </a:r>
             <a:endParaRPr lang="en-US" dirty="0"/>
@@ -9880,13 +9761,9 @@
             </a:r>
             <a:r>
               <a:rPr lang="en-US" dirty="0" err="1"/>
-              <a:t>s"%self.__</a:t>
-            </a:r>
-            <a:r>
-              <a:rPr lang="en-US" dirty="0" err="1" smtClean="0"/>
-              <a:t>name</a:t>
-            </a:r>
-            <a:endParaRPr lang="en-US" dirty="0" smtClean="0"/>
+              <a:t>s"%self.__name</a:t>
+            </a:r>
+            <a:endParaRPr lang="en-US" dirty="0"/>
           </a:p>
           <a:p>
             <a:pPr marL="0" indent="0">
@@ -9900,12 +9777,8 @@
               <a:buChar char="•"/>
             </a:pPr>
             <a:r>
-              <a:rPr lang="en-US" dirty="0" smtClean="0"/>
-              <a:t>The </a:t>
-            </a:r>
-            <a:r>
               <a:rPr lang="en-US" dirty="0"/>
-              <a:t>first method </a:t>
+              <a:t>The first method </a:t>
             </a:r>
             <a:r>
               <a:rPr lang="en-US" i="1" dirty="0"/>
@@ -9921,11 +9794,7 @@
             </a:r>
             <a:r>
               <a:rPr lang="en-US" dirty="0"/>
-              <a:t> is a special method, which is called class constructor or initialization method that Python calls when you create a new instance of this class</a:t>
-            </a:r>
-            <a:r>
-              <a:rPr lang="en-US" dirty="0" smtClean="0"/>
-              <a:t>.</a:t>
+              <a:t> is a special method, which is called class constructor or initialization method that Python calls when you create a new instance of this class.</a:t>
             </a:r>
           </a:p>
           <a:p>
@@ -9943,17 +9812,8 @@
             </a:r>
             <a:r>
               <a:rPr lang="en-US" dirty="0"/>
-              <a:t> argument to the </a:t>
-            </a:r>
-            <a:r>
-              <a:rPr lang="en-US" dirty="0" smtClean="0"/>
-              <a:t>method; </a:t>
-            </a:r>
-            <a:r>
-              <a:rPr lang="en-US" dirty="0"/>
-              <a:t>you do not need to include it when you call the methods.</a:t>
-            </a:r>
-            <a:endParaRPr lang="en-US" dirty="0" smtClean="0"/>
+              <a:t> argument to the method; you do not need to include it when you call the methods.</a:t>
+            </a:r>
           </a:p>
         </p:txBody>
       </p:sp>
@@ -10022,31 +9882,19 @@
               <a:t> </a:t>
             </a:r>
             <a:r>
-              <a:rPr lang="fr-FR" b="1" dirty="0" err="1" smtClean="0"/>
+              <a:rPr lang="fr-FR" b="1" dirty="0" err="1"/>
               <a:t>Methods</a:t>
             </a:r>
             <a:r>
-              <a:rPr lang="fr-FR" b="1" dirty="0" smtClean="0"/>
+              <a:rPr lang="fr-FR" b="1" dirty="0"/>
               <a:t> - Object</a:t>
-            </a:r>
-            <a:r>
-              <a:rPr lang="fr-FR" dirty="0"/>
-              <a:t/>
             </a:r>
             <a:br>
               <a:rPr lang="fr-FR" dirty="0"/>
             </a:br>
-            <a:r>
-              <a:rPr lang="fr-FR" b="1" dirty="0"/>
-              <a:t/>
-            </a:r>
             <a:br>
               <a:rPr lang="fr-FR" b="1" dirty="0"/>
             </a:br>
-            <a:r>
-              <a:rPr lang="en-US" b="1" dirty="0"/>
-              <a:t/>
-            </a:r>
             <a:br>
               <a:rPr lang="en-US" b="1" dirty="0"/>
             </a:br>
@@ -10083,21 +9931,21 @@
                 <a:gridCol w="2667000">
                   <a:extLst>
                     <a:ext uri="{9D8B030D-6E8A-4147-A177-3AD203B41FA5}">
-                      <a16:colId xmlns:a16="http://schemas.microsoft.com/office/drawing/2014/main" xmlns="" val="20000"/>
+                      <a16:colId xmlns:a16="http://schemas.microsoft.com/office/drawing/2014/main" val="20000"/>
                     </a:ext>
                   </a:extLst>
                 </a:gridCol>
                 <a:gridCol w="4030024">
                   <a:extLst>
                     <a:ext uri="{9D8B030D-6E8A-4147-A177-3AD203B41FA5}">
-                      <a16:colId xmlns:a16="http://schemas.microsoft.com/office/drawing/2014/main" xmlns="" val="20001"/>
+                      <a16:colId xmlns:a16="http://schemas.microsoft.com/office/drawing/2014/main" val="20001"/>
                     </a:ext>
                   </a:extLst>
                 </a:gridCol>
                 <a:gridCol w="3348512">
                   <a:extLst>
                     <a:ext uri="{9D8B030D-6E8A-4147-A177-3AD203B41FA5}">
-                      <a16:colId xmlns:a16="http://schemas.microsoft.com/office/drawing/2014/main" xmlns="" val="20002"/>
+                      <a16:colId xmlns:a16="http://schemas.microsoft.com/office/drawing/2014/main" val="20002"/>
                     </a:ext>
                   </a:extLst>
                 </a:gridCol>
@@ -10109,14 +9957,11 @@
                     <a:lstStyle/>
                     <a:p>
                       <a:r>
-                        <a:rPr lang="en-US" dirty="0" smtClean="0">
+                        <a:rPr lang="en-US" dirty="0">
                           <a:effectLst/>
                         </a:rPr>
                         <a:t>method</a:t>
                       </a:r>
-                      <a:endParaRPr lang="en-US" dirty="0">
-                        <a:effectLst/>
-                      </a:endParaRPr>
                     </a:p>
                   </a:txBody>
                   <a:tcPr anchor="ctr"/>
@@ -10151,7 +9996,7 @@
                 </a:tc>
                 <a:extLst>
                   <a:ext uri="{0D108BD9-81ED-4DB2-BD59-A6C34878D82A}">
-                    <a16:rowId xmlns:a16="http://schemas.microsoft.com/office/drawing/2014/main" xmlns="" val="10000"/>
+                    <a16:rowId xmlns:a16="http://schemas.microsoft.com/office/drawing/2014/main" val="10000"/>
                   </a:ext>
                 </a:extLst>
               </a:tr>
@@ -10162,7 +10007,7 @@
                     <a:lstStyle/>
                     <a:p>
                       <a:r>
-                        <a:rPr lang="fr-FR" sz="1800" b="1" i="0" kern="1200" dirty="0" smtClean="0">
+                        <a:rPr lang="fr-FR" sz="1800" b="1" i="0" kern="1200" dirty="0">
                           <a:solidFill>
                             <a:schemeClr val="dk1"/>
                           </a:solidFill>
@@ -10174,7 +10019,7 @@
                         <a:t>__</a:t>
                       </a:r>
                       <a:r>
-                        <a:rPr lang="fr-FR" sz="1800" b="1" i="0" kern="1200" dirty="0" err="1" smtClean="0">
+                        <a:rPr lang="fr-FR" sz="1800" b="1" i="0" kern="1200" dirty="0" err="1">
                           <a:solidFill>
                             <a:schemeClr val="dk1"/>
                           </a:solidFill>
@@ -10186,7 +10031,7 @@
                         <a:t>init</a:t>
                       </a:r>
                       <a:r>
-                        <a:rPr lang="fr-FR" sz="1800" b="1" i="0" kern="1200" dirty="0" smtClean="0">
+                        <a:rPr lang="fr-FR" sz="1800" b="1" i="0" kern="1200" dirty="0">
                           <a:solidFill>
                             <a:schemeClr val="dk1"/>
                           </a:solidFill>
@@ -10198,7 +10043,7 @@
                         <a:t>__ ( self [,</a:t>
                       </a:r>
                       <a:r>
-                        <a:rPr lang="fr-FR" sz="1800" b="1" i="0" kern="1200" dirty="0" err="1" smtClean="0">
+                        <a:rPr lang="fr-FR" sz="1800" b="1" i="0" kern="1200" dirty="0" err="1">
                           <a:solidFill>
                             <a:schemeClr val="dk1"/>
                           </a:solidFill>
@@ -10210,7 +10055,7 @@
                         <a:t>args</a:t>
                       </a:r>
                       <a:r>
-                        <a:rPr lang="fr-FR" sz="1800" b="1" i="0" kern="1200" dirty="0" smtClean="0">
+                        <a:rPr lang="fr-FR" sz="1800" b="1" i="0" kern="1200" dirty="0">
                           <a:solidFill>
                             <a:schemeClr val="dk1"/>
                           </a:solidFill>
@@ -10233,7 +10078,7 @@
                     <a:p>
                       <a:pPr fontAlgn="t"/>
                       <a:r>
-                        <a:rPr lang="en-US" sz="1800" b="0" i="0" kern="1200" dirty="0" smtClean="0">
+                        <a:rPr lang="en-US" sz="1800" b="0" i="0" kern="1200" dirty="0">
                           <a:solidFill>
                             <a:schemeClr val="dk1"/>
                           </a:solidFill>
@@ -10257,7 +10102,7 @@
                     <a:lstStyle/>
                     <a:p>
                       <a:r>
-                        <a:rPr lang="fr-FR" sz="1800" b="0" i="1" kern="1200" dirty="0" err="1" smtClean="0">
+                        <a:rPr lang="fr-FR" sz="1800" b="0" i="1" kern="1200" dirty="0" err="1">
                           <a:solidFill>
                             <a:schemeClr val="dk1"/>
                           </a:solidFill>
@@ -10269,7 +10114,7 @@
                         <a:t>obj</a:t>
                       </a:r>
                       <a:r>
-                        <a:rPr lang="fr-FR" sz="1800" b="0" i="1" kern="1200" dirty="0" smtClean="0">
+                        <a:rPr lang="fr-FR" sz="1800" b="0" i="1" kern="1200" dirty="0">
                           <a:solidFill>
                             <a:schemeClr val="dk1"/>
                           </a:solidFill>
@@ -10281,7 +10126,7 @@
                         <a:t> = </a:t>
                       </a:r>
                       <a:r>
-                        <a:rPr lang="fr-FR" sz="1800" b="0" i="1" kern="1200" dirty="0" err="1" smtClean="0">
+                        <a:rPr lang="fr-FR" sz="1800" b="0" i="1" kern="1200" dirty="0" err="1">
                           <a:solidFill>
                             <a:schemeClr val="dk1"/>
                           </a:solidFill>
@@ -10293,7 +10138,7 @@
                         <a:t>className</a:t>
                       </a:r>
                       <a:r>
-                        <a:rPr lang="fr-FR" sz="1800" b="0" i="1" kern="1200" dirty="0" smtClean="0">
+                        <a:rPr lang="fr-FR" sz="1800" b="0" i="1" kern="1200" dirty="0">
                           <a:solidFill>
                             <a:schemeClr val="dk1"/>
                           </a:solidFill>
@@ -10305,7 +10150,7 @@
                         <a:t>(</a:t>
                       </a:r>
                       <a:r>
-                        <a:rPr lang="fr-FR" sz="1800" b="0" i="1" kern="1200" dirty="0" err="1" smtClean="0">
+                        <a:rPr lang="fr-FR" sz="1800" b="0" i="1" kern="1200" dirty="0" err="1">
                           <a:solidFill>
                             <a:schemeClr val="dk1"/>
                           </a:solidFill>
@@ -10317,7 +10162,7 @@
                         <a:t>args</a:t>
                       </a:r>
                       <a:r>
-                        <a:rPr lang="fr-FR" sz="1800" b="0" i="1" kern="1200" dirty="0" smtClean="0">
+                        <a:rPr lang="fr-FR" sz="1800" b="0" i="1" kern="1200" dirty="0">
                           <a:solidFill>
                             <a:schemeClr val="dk1"/>
                           </a:solidFill>
@@ -10328,14 +10173,14 @@
                         </a:rPr>
                         <a:t>)</a:t>
                       </a:r>
-                      <a:endParaRPr lang="en-US" baseline="0" dirty="0" smtClean="0"/>
+                      <a:endParaRPr lang="en-US" baseline="0" dirty="0"/>
                     </a:p>
                   </a:txBody>
                   <a:tcPr anchor="ctr"/>
                 </a:tc>
                 <a:extLst>
                   <a:ext uri="{0D108BD9-81ED-4DB2-BD59-A6C34878D82A}">
-                    <a16:rowId xmlns:a16="http://schemas.microsoft.com/office/drawing/2014/main" xmlns="" val="10001"/>
+                    <a16:rowId xmlns:a16="http://schemas.microsoft.com/office/drawing/2014/main" val="10001"/>
                   </a:ext>
                 </a:extLst>
               </a:tr>
@@ -10346,7 +10191,7 @@
                     <a:lstStyle/>
                     <a:p>
                       <a:r>
-                        <a:rPr lang="fr-FR" sz="1800" b="1" i="0" kern="1200" dirty="0" smtClean="0">
+                        <a:rPr lang="fr-FR" sz="1800" b="1" i="0" kern="1200" dirty="0">
                           <a:solidFill>
                             <a:schemeClr val="dk1"/>
                           </a:solidFill>
@@ -10358,7 +10203,7 @@
                         <a:t>__</a:t>
                       </a:r>
                       <a:r>
-                        <a:rPr lang="fr-FR" sz="1800" b="1" i="0" kern="1200" dirty="0" err="1" smtClean="0">
+                        <a:rPr lang="fr-FR" sz="1800" b="1" i="0" kern="1200" dirty="0" err="1">
                           <a:solidFill>
                             <a:schemeClr val="dk1"/>
                           </a:solidFill>
@@ -10370,7 +10215,7 @@
                         <a:t>del</a:t>
                       </a:r>
                       <a:r>
-                        <a:rPr lang="fr-FR" sz="1800" b="1" i="0" kern="1200" dirty="0" smtClean="0">
+                        <a:rPr lang="fr-FR" sz="1800" b="1" i="0" kern="1200" dirty="0">
                           <a:solidFill>
                             <a:schemeClr val="dk1"/>
                           </a:solidFill>
@@ -10393,7 +10238,7 @@
                     <a:p>
                       <a:pPr fontAlgn="t"/>
                       <a:r>
-                        <a:rPr lang="fr-FR" sz="1800" b="0" i="0" kern="1200" dirty="0" err="1" smtClean="0">
+                        <a:rPr lang="fr-FR" sz="1800" b="0" i="0" kern="1200" dirty="0" err="1">
                           <a:solidFill>
                             <a:schemeClr val="dk1"/>
                           </a:solidFill>
@@ -10405,7 +10250,7 @@
                         <a:t>Destructor</a:t>
                       </a:r>
                       <a:r>
-                        <a:rPr lang="fr-FR" sz="1800" b="0" i="0" kern="1200" dirty="0" smtClean="0">
+                        <a:rPr lang="fr-FR" sz="1800" b="0" i="0" kern="1200" dirty="0">
                           <a:solidFill>
                             <a:schemeClr val="dk1"/>
                           </a:solidFill>
@@ -10417,7 +10262,7 @@
                         <a:t>, </a:t>
                       </a:r>
                       <a:r>
-                        <a:rPr lang="fr-FR" sz="1800" b="0" i="0" kern="1200" dirty="0" err="1" smtClean="0">
+                        <a:rPr lang="fr-FR" sz="1800" b="0" i="0" kern="1200" dirty="0" err="1">
                           <a:solidFill>
                             <a:schemeClr val="dk1"/>
                           </a:solidFill>
@@ -10429,7 +10274,7 @@
                         <a:t>deletes</a:t>
                       </a:r>
                       <a:r>
-                        <a:rPr lang="fr-FR" sz="1800" b="0" i="0" kern="1200" dirty="0" smtClean="0">
+                        <a:rPr lang="fr-FR" sz="1800" b="0" i="0" kern="1200" dirty="0">
                           <a:solidFill>
                             <a:schemeClr val="dk1"/>
                           </a:solidFill>
@@ -10441,7 +10286,7 @@
                         <a:t> an </a:t>
                       </a:r>
                       <a:r>
-                        <a:rPr lang="fr-FR" sz="1800" b="0" i="0" kern="1200" dirty="0" err="1" smtClean="0">
+                        <a:rPr lang="fr-FR" sz="1800" b="0" i="0" kern="1200" dirty="0" err="1">
                           <a:solidFill>
                             <a:schemeClr val="dk1"/>
                           </a:solidFill>
@@ -10465,7 +10310,7 @@
                     <a:lstStyle/>
                     <a:p>
                       <a:r>
-                        <a:rPr lang="fr-FR" sz="1800" b="0" i="1" kern="1200" dirty="0" err="1" smtClean="0">
+                        <a:rPr lang="fr-FR" sz="1800" b="0" i="1" kern="1200" dirty="0" err="1">
                           <a:solidFill>
                             <a:schemeClr val="dk1"/>
                           </a:solidFill>
@@ -10477,7 +10322,7 @@
                         <a:t>del</a:t>
                       </a:r>
                       <a:r>
-                        <a:rPr lang="fr-FR" sz="1800" b="0" i="1" kern="1200" dirty="0" smtClean="0">
+                        <a:rPr lang="fr-FR" sz="1800" b="0" i="1" kern="1200" dirty="0">
                           <a:solidFill>
                             <a:schemeClr val="dk1"/>
                           </a:solidFill>
@@ -10489,7 +10334,7 @@
                         <a:t> </a:t>
                       </a:r>
                       <a:r>
-                        <a:rPr lang="fr-FR" sz="1800" b="0" i="1" kern="1200" dirty="0" err="1" smtClean="0">
+                        <a:rPr lang="fr-FR" sz="1800" b="0" i="1" kern="1200" dirty="0" err="1">
                           <a:solidFill>
                             <a:schemeClr val="dk1"/>
                           </a:solidFill>
@@ -10507,7 +10352,7 @@
                 </a:tc>
                 <a:extLst>
                   <a:ext uri="{0D108BD9-81ED-4DB2-BD59-A6C34878D82A}">
-                    <a16:rowId xmlns:a16="http://schemas.microsoft.com/office/drawing/2014/main" xmlns="" val="10002"/>
+                    <a16:rowId xmlns:a16="http://schemas.microsoft.com/office/drawing/2014/main" val="10002"/>
                   </a:ext>
                 </a:extLst>
               </a:tr>
@@ -10518,7 +10363,7 @@
                     <a:lstStyle/>
                     <a:p>
                       <a:r>
-                        <a:rPr lang="fr-FR" sz="1800" b="1" i="0" kern="1200" dirty="0" smtClean="0">
+                        <a:rPr lang="fr-FR" sz="1800" b="1" i="0" kern="1200" dirty="0">
                           <a:solidFill>
                             <a:schemeClr val="dk1"/>
                           </a:solidFill>
@@ -10530,7 +10375,7 @@
                         <a:t>__</a:t>
                       </a:r>
                       <a:r>
-                        <a:rPr lang="fr-FR" sz="1800" b="1" i="0" kern="1200" dirty="0" err="1" smtClean="0">
+                        <a:rPr lang="fr-FR" sz="1800" b="1" i="0" kern="1200" dirty="0" err="1">
                           <a:solidFill>
                             <a:schemeClr val="dk1"/>
                           </a:solidFill>
@@ -10542,7 +10387,7 @@
                         <a:t>repr</a:t>
                       </a:r>
                       <a:r>
-                        <a:rPr lang="fr-FR" sz="1800" b="1" i="0" kern="1200" dirty="0" smtClean="0">
+                        <a:rPr lang="fr-FR" sz="1800" b="1" i="0" kern="1200" dirty="0">
                           <a:solidFill>
                             <a:schemeClr val="dk1"/>
                           </a:solidFill>
@@ -10565,7 +10410,7 @@
                     <a:p>
                       <a:pPr fontAlgn="t"/>
                       <a:r>
-                        <a:rPr lang="fr-FR" sz="1800" b="0" i="0" kern="1200" dirty="0" err="1" smtClean="0">
+                        <a:rPr lang="fr-FR" sz="1800" b="0" i="0" kern="1200" dirty="0" err="1">
                           <a:solidFill>
                             <a:schemeClr val="dk1"/>
                           </a:solidFill>
@@ -10577,7 +10422,7 @@
                         <a:t>Evaluatable</a:t>
                       </a:r>
                       <a:r>
-                        <a:rPr lang="fr-FR" sz="1800" b="0" i="0" kern="1200" dirty="0" smtClean="0">
+                        <a:rPr lang="fr-FR" sz="1800" b="0" i="0" kern="1200" dirty="0">
                           <a:solidFill>
                             <a:schemeClr val="dk1"/>
                           </a:solidFill>
@@ -10589,7 +10434,7 @@
                         <a:t> string </a:t>
                       </a:r>
                       <a:r>
-                        <a:rPr lang="fr-FR" sz="1800" b="0" i="0" kern="1200" dirty="0" err="1" smtClean="0">
+                        <a:rPr lang="fr-FR" sz="1800" b="0" i="0" kern="1200" dirty="0" err="1">
                           <a:solidFill>
                             <a:schemeClr val="dk1"/>
                           </a:solidFill>
@@ -10613,7 +10458,7 @@
                     <a:lstStyle/>
                     <a:p>
                       <a:r>
-                        <a:rPr lang="fr-FR" sz="1800" b="0" i="1" kern="1200" dirty="0" err="1" smtClean="0">
+                        <a:rPr lang="fr-FR" sz="1800" b="0" i="1" kern="1200" dirty="0" err="1">
                           <a:solidFill>
                             <a:schemeClr val="dk1"/>
                           </a:solidFill>
@@ -10625,7 +10470,7 @@
                         <a:t>repr</a:t>
                       </a:r>
                       <a:r>
-                        <a:rPr lang="fr-FR" sz="1800" b="0" i="1" kern="1200" dirty="0" smtClean="0">
+                        <a:rPr lang="fr-FR" sz="1800" b="0" i="1" kern="1200" dirty="0">
                           <a:solidFill>
                             <a:schemeClr val="dk1"/>
                           </a:solidFill>
@@ -10637,7 +10482,7 @@
                         <a:t>(</a:t>
                       </a:r>
                       <a:r>
-                        <a:rPr lang="fr-FR" sz="1800" b="0" i="1" kern="1200" dirty="0" err="1" smtClean="0">
+                        <a:rPr lang="fr-FR" sz="1800" b="0" i="1" kern="1200" dirty="0" err="1">
                           <a:solidFill>
                             <a:schemeClr val="dk1"/>
                           </a:solidFill>
@@ -10649,7 +10494,7 @@
                         <a:t>obj</a:t>
                       </a:r>
                       <a:r>
-                        <a:rPr lang="fr-FR" sz="1800" b="0" i="1" kern="1200" dirty="0" smtClean="0">
+                        <a:rPr lang="fr-FR" sz="1800" b="0" i="1" kern="1200" dirty="0">
                           <a:solidFill>
                             <a:schemeClr val="dk1"/>
                           </a:solidFill>
@@ -10667,7 +10512,7 @@
                 </a:tc>
                 <a:extLst>
                   <a:ext uri="{0D108BD9-81ED-4DB2-BD59-A6C34878D82A}">
-                    <a16:rowId xmlns:a16="http://schemas.microsoft.com/office/drawing/2014/main" xmlns="" val="1860780884"/>
+                    <a16:rowId xmlns:a16="http://schemas.microsoft.com/office/drawing/2014/main" val="1860780884"/>
                   </a:ext>
                 </a:extLst>
               </a:tr>
@@ -10678,7 +10523,7 @@
                     <a:lstStyle/>
                     <a:p>
                       <a:r>
-                        <a:rPr lang="fr-FR" sz="1800" b="1" i="0" kern="1200" dirty="0" smtClean="0">
+                        <a:rPr lang="fr-FR" sz="1800" b="1" i="0" kern="1200" dirty="0">
                           <a:solidFill>
                             <a:schemeClr val="dk1"/>
                           </a:solidFill>
@@ -10690,7 +10535,7 @@
                         <a:t>__</a:t>
                       </a:r>
                       <a:r>
-                        <a:rPr lang="fr-FR" sz="1800" b="1" i="0" kern="1200" dirty="0" err="1" smtClean="0">
+                        <a:rPr lang="fr-FR" sz="1800" b="1" i="0" kern="1200" dirty="0" err="1">
                           <a:solidFill>
                             <a:schemeClr val="dk1"/>
                           </a:solidFill>
@@ -10702,7 +10547,7 @@
                         <a:t>str</a:t>
                       </a:r>
                       <a:r>
-                        <a:rPr lang="fr-FR" sz="1800" b="1" i="0" kern="1200" dirty="0" smtClean="0">
+                        <a:rPr lang="fr-FR" sz="1800" b="1" i="0" kern="1200" dirty="0">
                           <a:solidFill>
                             <a:schemeClr val="dk1"/>
                           </a:solidFill>
@@ -10741,7 +10586,7 @@
                         <a:defRPr/>
                       </a:pPr>
                       <a:r>
-                        <a:rPr lang="fr-FR" sz="1800" b="0" i="0" kern="1200" dirty="0" err="1" smtClean="0">
+                        <a:rPr lang="fr-FR" sz="1800" b="0" i="0" kern="1200" dirty="0" err="1">
                           <a:solidFill>
                             <a:schemeClr val="dk1"/>
                           </a:solidFill>
@@ -10753,7 +10598,7 @@
                         <a:t>Printable</a:t>
                       </a:r>
                       <a:r>
-                        <a:rPr lang="fr-FR" sz="1800" b="0" i="0" kern="1200" dirty="0" smtClean="0">
+                        <a:rPr lang="fr-FR" sz="1800" b="0" i="0" kern="1200" dirty="0">
                           <a:solidFill>
                             <a:schemeClr val="dk1"/>
                           </a:solidFill>
@@ -10765,7 +10610,7 @@
                         <a:t> string </a:t>
                       </a:r>
                       <a:r>
-                        <a:rPr lang="fr-FR" sz="1800" b="0" i="0" kern="1200" dirty="0" err="1" smtClean="0">
+                        <a:rPr lang="fr-FR" sz="1800" b="0" i="0" kern="1200" dirty="0" err="1">
                           <a:solidFill>
                             <a:schemeClr val="dk1"/>
                           </a:solidFill>
@@ -10776,7 +10621,7 @@
                         </a:rPr>
                         <a:t>representation</a:t>
                       </a:r>
-                      <a:endParaRPr lang="en-US" dirty="0" smtClean="0">
+                      <a:endParaRPr lang="en-US" dirty="0">
                         <a:effectLst/>
                       </a:endParaRPr>
                     </a:p>
@@ -10795,7 +10640,7 @@
                     <a:lstStyle/>
                     <a:p>
                       <a:r>
-                        <a:rPr lang="fr-FR" sz="1800" b="0" i="1" kern="1200" dirty="0" err="1" smtClean="0">
+                        <a:rPr lang="fr-FR" sz="1800" b="0" i="1" kern="1200" dirty="0" err="1">
                           <a:solidFill>
                             <a:schemeClr val="dk1"/>
                           </a:solidFill>
@@ -10807,7 +10652,7 @@
                         <a:t>str</a:t>
                       </a:r>
                       <a:r>
-                        <a:rPr lang="fr-FR" sz="1800" b="0" i="1" kern="1200" dirty="0" smtClean="0">
+                        <a:rPr lang="fr-FR" sz="1800" b="0" i="1" kern="1200" dirty="0">
                           <a:solidFill>
                             <a:schemeClr val="dk1"/>
                           </a:solidFill>
@@ -10819,7 +10664,7 @@
                         <a:t>(</a:t>
                       </a:r>
                       <a:r>
-                        <a:rPr lang="fr-FR" sz="1800" b="0" i="1" kern="1200" dirty="0" err="1" smtClean="0">
+                        <a:rPr lang="fr-FR" sz="1800" b="0" i="1" kern="1200" dirty="0" err="1">
                           <a:solidFill>
                             <a:schemeClr val="dk1"/>
                           </a:solidFill>
@@ -10831,7 +10676,7 @@
                         <a:t>obj</a:t>
                       </a:r>
                       <a:r>
-                        <a:rPr lang="fr-FR" sz="1800" b="0" i="1" kern="1200" dirty="0" smtClean="0">
+                        <a:rPr lang="fr-FR" sz="1800" b="0" i="1" kern="1200" dirty="0">
                           <a:solidFill>
                             <a:schemeClr val="dk1"/>
                           </a:solidFill>
@@ -10849,7 +10694,7 @@
                 </a:tc>
                 <a:extLst>
                   <a:ext uri="{0D108BD9-81ED-4DB2-BD59-A6C34878D82A}">
-                    <a16:rowId xmlns:a16="http://schemas.microsoft.com/office/drawing/2014/main" xmlns="" val="2323740672"/>
+                    <a16:rowId xmlns:a16="http://schemas.microsoft.com/office/drawing/2014/main" val="2323740672"/>
                   </a:ext>
                 </a:extLst>
               </a:tr>
@@ -10860,7 +10705,7 @@
                     <a:lstStyle/>
                     <a:p>
                       <a:r>
-                        <a:rPr lang="fr-FR" sz="1800" b="1" i="0" kern="1200" dirty="0" smtClean="0">
+                        <a:rPr lang="fr-FR" sz="1800" b="1" i="0" kern="1200" dirty="0">
                           <a:solidFill>
                             <a:schemeClr val="dk1"/>
                           </a:solidFill>
@@ -10872,7 +10717,7 @@
                         <a:t>__</a:t>
                       </a:r>
                       <a:r>
-                        <a:rPr lang="fr-FR" sz="1800" b="1" i="0" kern="1200" dirty="0" err="1" smtClean="0">
+                        <a:rPr lang="fr-FR" sz="1800" b="1" i="0" kern="1200" dirty="0" err="1">
                           <a:solidFill>
                             <a:schemeClr val="dk1"/>
                           </a:solidFill>
@@ -10884,7 +10729,7 @@
                         <a:t>cmp</a:t>
                       </a:r>
                       <a:r>
-                        <a:rPr lang="fr-FR" sz="1800" b="1" i="0" kern="1200" dirty="0" smtClean="0">
+                        <a:rPr lang="fr-FR" sz="1800" b="1" i="0" kern="1200" dirty="0">
                           <a:solidFill>
                             <a:schemeClr val="dk1"/>
                           </a:solidFill>
@@ -10907,7 +10752,7 @@
                     <a:p>
                       <a:pPr fontAlgn="t"/>
                       <a:r>
-                        <a:rPr lang="fr-FR" sz="1800" b="0" i="0" kern="1200" dirty="0" smtClean="0">
+                        <a:rPr lang="fr-FR" sz="1800" b="0" i="0" kern="1200" dirty="0">
                           <a:solidFill>
                             <a:schemeClr val="dk1"/>
                           </a:solidFill>
@@ -10919,7 +10764,7 @@
                         <a:t>Object </a:t>
                       </a:r>
                       <a:r>
-                        <a:rPr lang="fr-FR" sz="1800" b="0" i="0" kern="1200" dirty="0" err="1" smtClean="0">
+                        <a:rPr lang="fr-FR" sz="1800" b="0" i="0" kern="1200" dirty="0" err="1">
                           <a:solidFill>
                             <a:schemeClr val="dk1"/>
                           </a:solidFill>
@@ -10943,7 +10788,7 @@
                     <a:lstStyle/>
                     <a:p>
                       <a:r>
-                        <a:rPr lang="fr-FR" sz="1800" b="0" i="1" kern="1200" dirty="0" err="1" smtClean="0">
+                        <a:rPr lang="fr-FR" sz="1800" b="0" i="1" kern="1200" dirty="0" err="1">
                           <a:solidFill>
                             <a:schemeClr val="dk1"/>
                           </a:solidFill>
@@ -10955,7 +10800,7 @@
                         <a:t>cmp</a:t>
                       </a:r>
                       <a:r>
-                        <a:rPr lang="fr-FR" sz="1800" b="0" i="1" kern="1200" dirty="0" smtClean="0">
+                        <a:rPr lang="fr-FR" sz="1800" b="0" i="1" kern="1200" dirty="0">
                           <a:solidFill>
                             <a:schemeClr val="dk1"/>
                           </a:solidFill>
@@ -10967,7 +10812,7 @@
                         <a:t>(</a:t>
                       </a:r>
                       <a:r>
-                        <a:rPr lang="fr-FR" sz="1800" b="0" i="1" kern="1200" dirty="0" err="1" smtClean="0">
+                        <a:rPr lang="fr-FR" sz="1800" b="0" i="1" kern="1200" dirty="0" err="1">
                           <a:solidFill>
                             <a:schemeClr val="dk1"/>
                           </a:solidFill>
@@ -10979,7 +10824,7 @@
                         <a:t>obj</a:t>
                       </a:r>
                       <a:r>
-                        <a:rPr lang="fr-FR" sz="1800" b="0" i="1" kern="1200" dirty="0" smtClean="0">
+                        <a:rPr lang="fr-FR" sz="1800" b="0" i="1" kern="1200" dirty="0">
                           <a:solidFill>
                             <a:schemeClr val="dk1"/>
                           </a:solidFill>
@@ -10997,7 +10842,7 @@
                 </a:tc>
                 <a:extLst>
                   <a:ext uri="{0D108BD9-81ED-4DB2-BD59-A6C34878D82A}">
-                    <a16:rowId xmlns:a16="http://schemas.microsoft.com/office/drawing/2014/main" xmlns="" val="2215591080"/>
+                    <a16:rowId xmlns:a16="http://schemas.microsoft.com/office/drawing/2014/main" val="2215591080"/>
                   </a:ext>
                 </a:extLst>
               </a:tr>
@@ -11065,38 +10910,18 @@
               <a:rPr lang="fr-FR" b="1" dirty="0" err="1"/>
               <a:t>Inheritance</a:t>
             </a:r>
-            <a:r>
-              <a:rPr lang="fr-FR" dirty="0"/>
-              <a:t/>
-            </a:r>
             <a:br>
               <a:rPr lang="fr-FR" dirty="0"/>
             </a:br>
-            <a:r>
-              <a:rPr lang="fr-FR" dirty="0"/>
-              <a:t/>
-            </a:r>
             <a:br>
               <a:rPr lang="fr-FR" dirty="0"/>
             </a:br>
-            <a:r>
-              <a:rPr lang="fr-FR" dirty="0"/>
-              <a:t/>
-            </a:r>
             <a:br>
               <a:rPr lang="fr-FR" dirty="0"/>
             </a:br>
-            <a:r>
-              <a:rPr lang="fr-FR" b="1" dirty="0"/>
-              <a:t/>
-            </a:r>
             <a:br>
               <a:rPr lang="fr-FR" b="1" dirty="0"/>
             </a:br>
-            <a:r>
-              <a:rPr lang="en-US" b="1" dirty="0"/>
-              <a:t/>
-            </a:r>
             <a:br>
               <a:rPr lang="en-US" b="1" dirty="0"/>
             </a:br>
@@ -11134,27 +10959,19 @@
           <a:p>
             <a:r>
               <a:rPr lang="en-US" dirty="0"/>
-              <a:t>The child class inherits the attributes of its parent class, and you can use those attributes as if they were defined in the child class. A child class can also override data members and methods from the parent</a:t>
-            </a:r>
-            <a:r>
-              <a:rPr lang="en-US" dirty="0" smtClean="0"/>
-              <a:t>.</a:t>
-            </a:r>
-          </a:p>
-          <a:p>
-            <a:r>
-              <a:rPr lang="en-US" dirty="0" smtClean="0"/>
+              <a:t>The child class inherits the attributes of its parent class, and you can use those attributes as if they were defined in the child class. A child class can also override data members and methods from the parent.</a:t>
+            </a:r>
+          </a:p>
+          <a:p>
+            <a:r>
+              <a:rPr lang="en-US" dirty="0"/>
               <a:t>Example:</a:t>
             </a:r>
           </a:p>
           <a:p>
             <a:r>
               <a:rPr lang="en-US" sz="1400" dirty="0"/>
-              <a:t> </a:t>
-            </a:r>
-            <a:r>
-              <a:rPr lang="en-US" sz="1400" dirty="0" smtClean="0"/>
-              <a:t>class Parent:</a:t>
+              <a:t> class Parent:</a:t>
             </a:r>
           </a:p>
           <a:p>
@@ -11163,23 +10980,15 @@
             </a:pPr>
             <a:r>
               <a:rPr lang="en-US" sz="1400" dirty="0"/>
-              <a:t>	</a:t>
-            </a:r>
-            <a:r>
-              <a:rPr lang="en-US" sz="1400" dirty="0" smtClean="0"/>
-              <a:t>	</a:t>
-            </a:r>
-            <a:r>
-              <a:rPr lang="en-US" sz="1400" dirty="0" err="1" smtClean="0"/>
+              <a:t>		</a:t>
+            </a:r>
+            <a:r>
+              <a:rPr lang="en-US" sz="1400" dirty="0" err="1"/>
               <a:t>parentAttr</a:t>
             </a:r>
             <a:r>
-              <a:rPr lang="en-US" sz="1400" dirty="0" smtClean="0"/>
-              <a:t> </a:t>
-            </a:r>
-            <a:r>
               <a:rPr lang="en-US" sz="1400" dirty="0"/>
-              <a:t>= 100</a:t>
+              <a:t> = 100</a:t>
             </a:r>
           </a:p>
           <a:p>
@@ -11188,23 +10997,15 @@
             </a:pPr>
             <a:r>
               <a:rPr lang="en-US" sz="1400" dirty="0"/>
-              <a:t>   </a:t>
-            </a:r>
-            <a:r>
-              <a:rPr lang="en-US" sz="1400" dirty="0" smtClean="0"/>
-              <a:t>		</a:t>
-            </a:r>
-            <a:r>
-              <a:rPr lang="en-US" sz="1400" dirty="0" err="1" smtClean="0"/>
+              <a:t>   		</a:t>
+            </a:r>
+            <a:r>
+              <a:rPr lang="en-US" sz="1400" dirty="0" err="1"/>
               <a:t>def</a:t>
             </a:r>
             <a:r>
-              <a:rPr lang="en-US" sz="1400" dirty="0" smtClean="0"/>
-              <a:t> </a:t>
-            </a:r>
-            <a:r>
               <a:rPr lang="en-US" sz="1400" dirty="0"/>
-              <a:t>__</a:t>
+              <a:t> __</a:t>
             </a:r>
             <a:r>
               <a:rPr lang="en-US" sz="1400" dirty="0" err="1"/>
@@ -11221,19 +11022,7 @@
             </a:pPr>
             <a:r>
               <a:rPr lang="en-US" sz="1400" dirty="0"/>
-              <a:t>      </a:t>
-            </a:r>
-            <a:r>
-              <a:rPr lang="en-US" sz="1400" dirty="0" smtClean="0"/>
-              <a:t>			print </a:t>
-            </a:r>
-            <a:r>
-              <a:rPr lang="en-US" sz="1400" dirty="0"/>
-              <a:t>"Calling parent </a:t>
-            </a:r>
-            <a:r>
-              <a:rPr lang="en-US" sz="1400" dirty="0" smtClean="0"/>
-              <a:t>constructor“</a:t>
+              <a:t>      			print "Calling parent constructor“</a:t>
             </a:r>
           </a:p>
           <a:p>
@@ -11242,11 +11031,7 @@
             </a:pPr>
             <a:r>
               <a:rPr lang="en-US" sz="1400" dirty="0"/>
-              <a:t> </a:t>
-            </a:r>
-            <a:r>
-              <a:rPr lang="en-US" sz="1400" dirty="0" smtClean="0"/>
-              <a:t>      class Child (Parent): </a:t>
+              <a:t>       class Child (Parent): </a:t>
             </a:r>
           </a:p>
           <a:p>
@@ -11280,15 +11065,7 @@
             </a:pPr>
             <a:r>
               <a:rPr lang="en-US" sz="1400" dirty="0"/>
-              <a:t>      </a:t>
-            </a:r>
-            <a:r>
-              <a:rPr lang="en-US" sz="1400" dirty="0" smtClean="0"/>
-              <a:t>			print </a:t>
-            </a:r>
-            <a:r>
-              <a:rPr lang="en-US" sz="1400" dirty="0"/>
-              <a:t>"Calling child constructor"</a:t>
+              <a:t>      			print "Calling child constructor"</a:t>
             </a:r>
           </a:p>
         </p:txBody>
@@ -11346,32 +11123,24 @@
           <a:lstStyle/>
           <a:p>
             <a:r>
-              <a:rPr lang="fr-FR" b="1" dirty="0" smtClean="0"/>
+              <a:rPr lang="fr-FR" b="1" dirty="0"/>
               <a:t>Data Type conversion &amp; </a:t>
             </a:r>
             <a:r>
-              <a:rPr lang="fr-FR" b="1" dirty="0" err="1" smtClean="0"/>
+              <a:rPr lang="fr-FR" b="1" dirty="0" err="1"/>
               <a:t>built</a:t>
             </a:r>
             <a:r>
-              <a:rPr lang="fr-FR" b="1" dirty="0" smtClean="0"/>
+              <a:rPr lang="fr-FR" b="1" dirty="0"/>
               <a:t>-in </a:t>
             </a:r>
             <a:r>
-              <a:rPr lang="fr-FR" b="1" dirty="0" err="1" smtClean="0"/>
+              <a:rPr lang="fr-FR" b="1" dirty="0" err="1"/>
               <a:t>functions</a:t>
-            </a:r>
-            <a:r>
-              <a:rPr lang="fr-FR" dirty="0"/>
-              <a:t/>
             </a:r>
             <a:br>
               <a:rPr lang="fr-FR" dirty="0"/>
             </a:br>
-            <a:r>
-              <a:rPr lang="en-US" b="1" dirty="0"/>
-              <a:t/>
-            </a:r>
             <a:br>
               <a:rPr lang="en-US" b="1" dirty="0"/>
             </a:br>
@@ -11389,7 +11158,7 @@
             <p:ph idx="1"/>
             <p:extLst>
               <p:ext uri="{D42A27DB-BD31-4B8C-83A1-F6EECF244321}">
-                <p14:modId xmlns:p14="http://schemas.microsoft.com/office/powerpoint/2010/main" val="3014806851"/>
+                <p14:modId xmlns:p14="http://schemas.microsoft.com/office/powerpoint/2010/main" val="2008461493"/>
               </p:ext>
             </p:extLst>
           </p:nvPr>
@@ -11408,21 +11177,21 @@
                 <a:gridCol w="1780800">
                   <a:extLst>
                     <a:ext uri="{9D8B030D-6E8A-4147-A177-3AD203B41FA5}">
-                      <a16:colId xmlns:a16="http://schemas.microsoft.com/office/drawing/2014/main" xmlns="" val="20000"/>
+                      <a16:colId xmlns:a16="http://schemas.microsoft.com/office/drawing/2014/main" val="20000"/>
                     </a:ext>
                   </a:extLst>
                 </a:gridCol>
                 <a:gridCol w="4324350">
                   <a:extLst>
                     <a:ext uri="{9D8B030D-6E8A-4147-A177-3AD203B41FA5}">
-                      <a16:colId xmlns:a16="http://schemas.microsoft.com/office/drawing/2014/main" xmlns="" val="20001"/>
+                      <a16:colId xmlns:a16="http://schemas.microsoft.com/office/drawing/2014/main" val="20001"/>
                     </a:ext>
                   </a:extLst>
                 </a:gridCol>
                 <a:gridCol w="2810250">
                   <a:extLst>
                     <a:ext uri="{9D8B030D-6E8A-4147-A177-3AD203B41FA5}">
-                      <a16:colId xmlns:a16="http://schemas.microsoft.com/office/drawing/2014/main" xmlns="" val="20002"/>
+                      <a16:colId xmlns:a16="http://schemas.microsoft.com/office/drawing/2014/main" val="20002"/>
                     </a:ext>
                   </a:extLst>
                 </a:gridCol>
@@ -11434,14 +11203,11 @@
                     <a:lstStyle/>
                     <a:p>
                       <a:r>
-                        <a:rPr lang="en-US" dirty="0" smtClean="0">
+                        <a:rPr lang="en-US" dirty="0">
                           <a:effectLst/>
                         </a:rPr>
                         <a:t>Type</a:t>
                       </a:r>
-                      <a:endParaRPr lang="en-US" dirty="0">
-                        <a:effectLst/>
-                      </a:endParaRPr>
                     </a:p>
                   </a:txBody>
                   <a:tcPr anchor="ctr"/>
@@ -11476,7 +11242,7 @@
                 </a:tc>
                 <a:extLst>
                   <a:ext uri="{0D108BD9-81ED-4DB2-BD59-A6C34878D82A}">
-                    <a16:rowId xmlns:a16="http://schemas.microsoft.com/office/drawing/2014/main" xmlns="" val="10000"/>
+                    <a16:rowId xmlns:a16="http://schemas.microsoft.com/office/drawing/2014/main" val="10000"/>
                   </a:ext>
                 </a:extLst>
               </a:tr>
@@ -11487,8 +11253,29 @@
                     <a:lstStyle/>
                     <a:p>
                       <a:r>
-                        <a:rPr lang="en-US" dirty="0" smtClean="0"/>
+                        <a:rPr lang="en-US" dirty="0"/>
                         <a:t>Numbers</a:t>
+                      </a:r>
+                    </a:p>
+                  </a:txBody>
+                  <a:tcPr anchor="ctr"/>
+                </a:tc>
+                <a:tc>
+                  <a:txBody>
+                    <a:bodyPr/>
+                    <a:lstStyle/>
+                    <a:p>
+                      <a:r>
+                        <a:rPr lang="en-US" dirty="0" err="1"/>
+                        <a:t>Int</a:t>
+                      </a:r>
+                      <a:r>
+                        <a:rPr lang="en-US" dirty="0"/>
+                        <a:t>(x),</a:t>
+                      </a:r>
+                      <a:r>
+                        <a:rPr lang="en-US" baseline="0" dirty="0"/>
+                        <a:t> long(x), float(x), complex(x), abs(x), round(x,2), floor(x), ceil(x)…</a:t>
                       </a:r>
                       <a:endParaRPr lang="en-US" dirty="0"/>
                     </a:p>
@@ -11501,40 +11288,18 @@
                     <a:lstStyle/>
                     <a:p>
                       <a:r>
-                        <a:rPr lang="en-US" dirty="0" err="1" smtClean="0"/>
+                        <a:rPr lang="en-US" dirty="0" err="1">
+                          <a:effectLst/>
+                        </a:rPr>
                         <a:t>Int</a:t>
                       </a:r>
                       <a:r>
-                        <a:rPr lang="en-US" dirty="0" smtClean="0"/>
-                        <a:t>(x),</a:t>
-                      </a:r>
-                      <a:r>
-                        <a:rPr lang="en-US" baseline="0" dirty="0" smtClean="0"/>
-                        <a:t> long(x), float(x), complex(x), abs(x), round(x,2), floor(x), ceil(x)…</a:t>
-                      </a:r>
-                      <a:endParaRPr lang="en-US" dirty="0"/>
-                    </a:p>
-                  </a:txBody>
-                  <a:tcPr anchor="ctr"/>
-                </a:tc>
-                <a:tc>
-                  <a:txBody>
-                    <a:bodyPr/>
-                    <a:lstStyle/>
-                    <a:p>
-                      <a:r>
-                        <a:rPr lang="en-US" dirty="0" err="1" smtClean="0">
-                          <a:effectLst/>
-                        </a:rPr>
-                        <a:t>Int</a:t>
-                      </a:r>
-                      <a:r>
-                        <a:rPr lang="en-US" dirty="0" smtClean="0">
+                        <a:rPr lang="en-US" dirty="0">
                           <a:effectLst/>
                         </a:rPr>
                         <a:t>(10.0), float(10)</a:t>
                       </a:r>
-                      <a:endParaRPr lang="en-US" sz="1800" kern="1200" dirty="0" smtClean="0">
+                      <a:endParaRPr lang="en-US" sz="1800" kern="1200" dirty="0">
                         <a:solidFill>
                           <a:schemeClr val="dk1"/>
                         </a:solidFill>
@@ -11549,7 +11314,7 @@
                 </a:tc>
                 <a:extLst>
                   <a:ext uri="{0D108BD9-81ED-4DB2-BD59-A6C34878D82A}">
-                    <a16:rowId xmlns:a16="http://schemas.microsoft.com/office/drawing/2014/main" xmlns="" val="10001"/>
+                    <a16:rowId xmlns:a16="http://schemas.microsoft.com/office/drawing/2014/main" val="10001"/>
                   </a:ext>
                 </a:extLst>
               </a:tr>
@@ -11560,10 +11325,9 @@
                     <a:lstStyle/>
                     <a:p>
                       <a:r>
-                        <a:rPr lang="en-US" dirty="0" smtClean="0"/>
+                        <a:rPr lang="en-US" dirty="0"/>
                         <a:t>String</a:t>
                       </a:r>
-                      <a:endParaRPr lang="en-US" dirty="0"/>
                     </a:p>
                   </a:txBody>
                   <a:tcPr anchor="ctr"/>
@@ -11574,7 +11338,7 @@
                     <a:lstStyle/>
                     <a:p>
                       <a:r>
-                        <a:rPr lang="fr-FR" sz="1800" b="0" i="0" kern="1200" dirty="0" err="1" smtClean="0">
+                        <a:rPr lang="fr-FR" sz="1800" b="0" i="0" kern="1200" dirty="0" err="1">
                           <a:solidFill>
                             <a:schemeClr val="dk1"/>
                           </a:solidFill>
@@ -11586,7 +11350,7 @@
                         <a:t>str</a:t>
                       </a:r>
                       <a:r>
-                        <a:rPr lang="fr-FR" sz="1800" b="0" i="0" kern="1200" dirty="0" smtClean="0">
+                        <a:rPr lang="fr-FR" sz="1800" b="0" i="0" kern="1200" dirty="0">
                           <a:solidFill>
                             <a:schemeClr val="dk1"/>
                           </a:solidFill>
@@ -11598,7 +11362,7 @@
                         <a:t>(x), </a:t>
                       </a:r>
                       <a:r>
-                        <a:rPr lang="fr-FR" sz="1800" b="0" i="0" kern="1200" dirty="0" err="1" smtClean="0">
+                        <a:rPr lang="fr-FR" sz="1800" b="0" i="0" kern="1200" dirty="0" err="1">
                           <a:solidFill>
                             <a:schemeClr val="dk1"/>
                           </a:solidFill>
@@ -11610,7 +11374,7 @@
                         <a:t>repr</a:t>
                       </a:r>
                       <a:r>
-                        <a:rPr lang="fr-FR" sz="1800" b="0" i="0" kern="1200" dirty="0" smtClean="0">
+                        <a:rPr lang="fr-FR" sz="1800" b="0" i="0" kern="1200" dirty="0">
                           <a:solidFill>
                             <a:schemeClr val="dk1"/>
                           </a:solidFill>
@@ -11622,7 +11386,7 @@
                         <a:t>(x), </a:t>
                       </a:r>
                       <a:r>
-                        <a:rPr lang="fr-FR" sz="1800" b="0" i="0" kern="1200" dirty="0" err="1" smtClean="0">
+                        <a:rPr lang="fr-FR" sz="1800" b="0" i="0" kern="1200" dirty="0" err="1">
                           <a:solidFill>
                             <a:schemeClr val="dk1"/>
                           </a:solidFill>
@@ -11634,7 +11398,7 @@
                         <a:t>eval</a:t>
                       </a:r>
                       <a:r>
-                        <a:rPr lang="fr-FR" sz="1800" b="0" i="0" kern="1200" dirty="0" smtClean="0">
+                        <a:rPr lang="fr-FR" sz="1800" b="0" i="0" kern="1200" dirty="0">
                           <a:solidFill>
                             <a:schemeClr val="dk1"/>
                           </a:solidFill>
@@ -11646,7 +11410,7 @@
                         <a:t>(</a:t>
                       </a:r>
                       <a:r>
-                        <a:rPr lang="fr-FR" sz="1800" b="0" i="0" kern="1200" dirty="0" err="1" smtClean="0">
+                        <a:rPr lang="fr-FR" sz="1800" b="0" i="0" kern="1200" dirty="0" err="1">
                           <a:solidFill>
                             <a:schemeClr val="dk1"/>
                           </a:solidFill>
@@ -11658,7 +11422,7 @@
                         <a:t>str</a:t>
                       </a:r>
                       <a:r>
-                        <a:rPr lang="fr-FR" sz="1800" b="0" i="0" kern="1200" dirty="0" smtClean="0">
+                        <a:rPr lang="fr-FR" sz="1800" b="0" i="0" kern="1200" dirty="0">
                           <a:solidFill>
                             <a:schemeClr val="dk1"/>
                           </a:solidFill>
@@ -11670,7 +11434,7 @@
                         <a:t>), </a:t>
                       </a:r>
                       <a:r>
-                        <a:rPr lang="fr-FR" sz="1800" b="0" i="0" kern="1200" dirty="0" err="1" smtClean="0">
+                        <a:rPr lang="fr-FR" sz="1800" b="0" i="0" kern="1200" dirty="0" err="1">
                           <a:solidFill>
                             <a:schemeClr val="dk1"/>
                           </a:solidFill>
@@ -11682,7 +11446,7 @@
                         <a:t>s.title</a:t>
                       </a:r>
                       <a:r>
-                        <a:rPr lang="fr-FR" sz="1800" b="0" i="0" kern="1200" dirty="0" smtClean="0">
+                        <a:rPr lang="fr-FR" sz="1800" b="0" i="0" kern="1200" dirty="0">
                           <a:solidFill>
                             <a:schemeClr val="dk1"/>
                           </a:solidFill>
@@ -11694,7 +11458,7 @@
                         <a:t>(), </a:t>
                       </a:r>
                       <a:r>
-                        <a:rPr lang="fr-FR" sz="1800" b="0" i="0" kern="1200" dirty="0" err="1" smtClean="0">
+                        <a:rPr lang="fr-FR" sz="1800" b="0" i="0" kern="1200" dirty="0" err="1">
                           <a:solidFill>
                             <a:schemeClr val="dk1"/>
                           </a:solidFill>
@@ -11706,7 +11470,7 @@
                         <a:t>s.strip</a:t>
                       </a:r>
                       <a:r>
-                        <a:rPr lang="fr-FR" sz="1800" b="0" i="0" kern="1200" dirty="0" smtClean="0">
+                        <a:rPr lang="fr-FR" sz="1800" b="0" i="0" kern="1200" dirty="0">
                           <a:solidFill>
                             <a:schemeClr val="dk1"/>
                           </a:solidFill>
@@ -11720,7 +11484,7 @@
                     </a:p>
                     <a:p>
                       <a:r>
-                        <a:rPr lang="en-US" sz="1800" b="0" i="0" kern="1200" dirty="0" err="1" smtClean="0">
+                        <a:rPr lang="en-US" sz="1800" b="0" i="0" kern="1200" dirty="0" err="1">
                           <a:solidFill>
                             <a:schemeClr val="dk1"/>
                           </a:solidFill>
@@ -11732,7 +11496,7 @@
                         <a:t>s.Split</a:t>
                       </a:r>
                       <a:r>
-                        <a:rPr lang="en-US" sz="1800" b="0" i="0" kern="1200" dirty="0" smtClean="0">
+                        <a:rPr lang="en-US" sz="1800" b="0" i="0" kern="1200" dirty="0">
                           <a:solidFill>
                             <a:schemeClr val="dk1"/>
                           </a:solidFill>
@@ -11744,7 +11508,7 @@
                         <a:t>(), </a:t>
                       </a:r>
                       <a:r>
-                        <a:rPr lang="en-US" sz="1800" b="0" i="0" kern="1200" dirty="0" err="1" smtClean="0">
+                        <a:rPr lang="en-US" sz="1800" b="0" i="0" kern="1200" dirty="0" err="1">
                           <a:solidFill>
                             <a:schemeClr val="dk1"/>
                           </a:solidFill>
@@ -11756,7 +11520,7 @@
                         <a:t>s.find</a:t>
                       </a:r>
                       <a:r>
-                        <a:rPr lang="en-US" sz="1800" b="0" i="0" kern="1200" dirty="0" smtClean="0">
+                        <a:rPr lang="en-US" sz="1800" b="0" i="0" kern="1200" dirty="0">
                           <a:solidFill>
                             <a:schemeClr val="dk1"/>
                           </a:solidFill>
@@ -11795,11 +11559,15 @@
                         <a:defRPr/>
                       </a:pPr>
                       <a:r>
-                        <a:rPr lang="en-US" dirty="0" err="1" smtClean="0"/>
-                        <a:t>Str</a:t>
-                      </a:r>
-                      <a:r>
-                        <a:rPr lang="en-US" dirty="0" smtClean="0"/>
+                        <a:rPr lang="en-US" altLang="zh-CN" dirty="0" err="1"/>
+                        <a:t>s</a:t>
+                      </a:r>
+                      <a:r>
+                        <a:rPr lang="en-US" dirty="0" err="1"/>
+                        <a:t>tr</a:t>
+                      </a:r>
+                      <a:r>
+                        <a:rPr lang="en-US" dirty="0"/>
                         <a:t>(list([1,2,3]))</a:t>
                       </a:r>
                     </a:p>
@@ -11822,11 +11590,19 @@
                         <a:defRPr/>
                       </a:pPr>
                       <a:r>
-                        <a:rPr lang="en-US" dirty="0" err="1" smtClean="0"/>
-                        <a:t>s.Upper</a:t>
-                      </a:r>
-                      <a:r>
-                        <a:rPr lang="en-US" dirty="0" smtClean="0"/>
+                        <a:rPr lang="en-US" dirty="0" err="1"/>
+                        <a:t>s.</a:t>
+                      </a:r>
+                      <a:r>
+                        <a:rPr lang="en-US" altLang="zh-CN" dirty="0" err="1"/>
+                        <a:t>u</a:t>
+                      </a:r>
+                      <a:r>
+                        <a:rPr lang="en-US" dirty="0" err="1"/>
+                        <a:t>pper</a:t>
+                      </a:r>
+                      <a:r>
+                        <a:rPr lang="en-US" dirty="0"/>
                         <a:t>()</a:t>
                       </a:r>
                     </a:p>
@@ -11849,13 +11625,13 @@
                         <a:defRPr/>
                       </a:pPr>
                       <a:r>
-                        <a:rPr lang="fr-FR" dirty="0" err="1" smtClean="0">
+                        <a:rPr lang="fr-FR" dirty="0" err="1">
                           <a:effectLst/>
                         </a:rPr>
                         <a:t>s</a:t>
                       </a:r>
                       <a:r>
-                        <a:rPr lang="fr-FR" sz="1800" kern="1200" dirty="0" err="1" smtClean="0">
+                        <a:rPr lang="fr-FR" sz="1800" kern="1200" dirty="0" err="1">
                           <a:solidFill>
                             <a:schemeClr val="dk1"/>
                           </a:solidFill>
@@ -11867,13 +11643,13 @@
                         <a:t>.</a:t>
                       </a:r>
                       <a:r>
-                        <a:rPr lang="fr-FR" dirty="0" err="1" smtClean="0">
+                        <a:rPr lang="fr-FR" dirty="0" err="1">
                           <a:effectLst/>
                         </a:rPr>
                         <a:t>replace</a:t>
                       </a:r>
                       <a:r>
-                        <a:rPr lang="fr-FR" sz="1800" kern="1200" dirty="0" smtClean="0">
+                        <a:rPr lang="fr-FR" sz="1800" kern="1200" dirty="0">
                           <a:solidFill>
                             <a:schemeClr val="dk1"/>
                           </a:solidFill>
@@ -11885,7 +11661,7 @@
                         <a:t>("</a:t>
                       </a:r>
                       <a:r>
-                        <a:rPr lang="fr-FR" sz="1800" kern="1200" dirty="0" err="1" smtClean="0">
+                        <a:rPr lang="fr-FR" sz="1800" kern="1200" dirty="0" err="1">
                           <a:solidFill>
                             <a:schemeClr val="dk1"/>
                           </a:solidFill>
@@ -11897,7 +11673,7 @@
                         <a:t>is</a:t>
                       </a:r>
                       <a:r>
-                        <a:rPr lang="fr-FR" sz="1800" kern="1200" dirty="0" smtClean="0">
+                        <a:rPr lang="fr-FR" sz="1800" kern="1200" dirty="0">
                           <a:solidFill>
                             <a:schemeClr val="dk1"/>
                           </a:solidFill>
@@ -11909,13 +11685,13 @@
                         <a:t>",</a:t>
                       </a:r>
                       <a:r>
-                        <a:rPr lang="fr-FR" dirty="0" smtClean="0">
+                        <a:rPr lang="fr-FR" dirty="0">
                           <a:effectLst/>
                         </a:rPr>
                         <a:t> </a:t>
                       </a:r>
                       <a:r>
-                        <a:rPr lang="fr-FR" sz="1800" kern="1200" dirty="0" smtClean="0">
+                        <a:rPr lang="fr-FR" sz="1800" kern="1200" dirty="0">
                           <a:solidFill>
                             <a:schemeClr val="dk1"/>
                           </a:solidFill>
@@ -11927,7 +11703,7 @@
                         <a:t>"</a:t>
                       </a:r>
                       <a:r>
-                        <a:rPr lang="fr-FR" sz="1800" kern="1200" dirty="0" err="1" smtClean="0">
+                        <a:rPr lang="fr-FR" sz="1800" kern="1200" dirty="0" err="1">
                           <a:solidFill>
                             <a:schemeClr val="dk1"/>
                           </a:solidFill>
@@ -11939,7 +11715,7 @@
                         <a:t>was</a:t>
                       </a:r>
                       <a:r>
-                        <a:rPr lang="fr-FR" sz="1800" kern="1200" dirty="0" smtClean="0">
+                        <a:rPr lang="fr-FR" sz="1800" kern="1200" dirty="0">
                           <a:solidFill>
                             <a:schemeClr val="dk1"/>
                           </a:solidFill>
@@ -11957,7 +11733,7 @@
                 </a:tc>
                 <a:extLst>
                   <a:ext uri="{0D108BD9-81ED-4DB2-BD59-A6C34878D82A}">
-                    <a16:rowId xmlns:a16="http://schemas.microsoft.com/office/drawing/2014/main" xmlns="" val="2334112346"/>
+                    <a16:rowId xmlns:a16="http://schemas.microsoft.com/office/drawing/2014/main" val="2334112346"/>
                   </a:ext>
                 </a:extLst>
               </a:tr>
@@ -11968,8 +11744,29 @@
                     <a:lstStyle/>
                     <a:p>
                       <a:r>
-                        <a:rPr lang="en-US" dirty="0" smtClean="0"/>
+                        <a:rPr lang="en-US" dirty="0"/>
                         <a:t>Tuple</a:t>
+                      </a:r>
+                    </a:p>
+                  </a:txBody>
+                  <a:tcPr anchor="ctr"/>
+                </a:tc>
+                <a:tc>
+                  <a:txBody>
+                    <a:bodyPr/>
+                    <a:lstStyle/>
+                    <a:p>
+                      <a:r>
+                        <a:rPr lang="en-US" sz="1800" b="0" i="0" kern="1200" dirty="0">
+                          <a:solidFill>
+                            <a:schemeClr val="dk1"/>
+                          </a:solidFill>
+                          <a:effectLst/>
+                          <a:latin typeface="+mn-lt"/>
+                          <a:ea typeface="+mn-ea"/>
+                          <a:cs typeface="+mn-cs"/>
+                        </a:rPr>
+                        <a:t>tuple(s)</a:t>
                       </a:r>
                       <a:endParaRPr lang="en-US" dirty="0"/>
                     </a:p>
@@ -11982,16 +11779,262 @@
                     <a:lstStyle/>
                     <a:p>
                       <a:r>
-                        <a:rPr lang="en-US" sz="1800" b="0" i="0" kern="1200" dirty="0" smtClean="0">
-                          <a:solidFill>
-                            <a:schemeClr val="dk1"/>
-                          </a:solidFill>
-                          <a:effectLst/>
-                          <a:latin typeface="+mn-lt"/>
-                          <a:ea typeface="+mn-ea"/>
-                          <a:cs typeface="+mn-cs"/>
-                        </a:rPr>
-                        <a:t>tuple(s)</a:t>
+                        <a:rPr lang="en-US" dirty="0">
+                          <a:effectLst/>
+                        </a:rPr>
+                        <a:t>t</a:t>
+                      </a:r>
+                      <a:r>
+                        <a:rPr lang="en-US" sz="1800" kern="1200" dirty="0">
+                          <a:solidFill>
+                            <a:schemeClr val="dk1"/>
+                          </a:solidFill>
+                          <a:effectLst/>
+                          <a:latin typeface="+mn-lt"/>
+                          <a:ea typeface="+mn-ea"/>
+                          <a:cs typeface="+mn-cs"/>
+                        </a:rPr>
+                        <a:t>=</a:t>
+                      </a:r>
+                      <a:r>
+                        <a:rPr lang="en-US" dirty="0">
+                          <a:effectLst/>
+                        </a:rPr>
+                        <a:t> tuple</a:t>
+                      </a:r>
+                      <a:r>
+                        <a:rPr lang="en-US" sz="1800" kern="1200" dirty="0">
+                          <a:solidFill>
+                            <a:schemeClr val="dk1"/>
+                          </a:solidFill>
+                          <a:effectLst/>
+                          <a:latin typeface="+mn-lt"/>
+                          <a:ea typeface="+mn-ea"/>
+                          <a:cs typeface="+mn-cs"/>
+                        </a:rPr>
+                        <a:t>([1,2,3,4])</a:t>
+                      </a:r>
+                      <a:endParaRPr lang="en-US" dirty="0"/>
+                    </a:p>
+                  </a:txBody>
+                  <a:tcPr anchor="ctr"/>
+                </a:tc>
+                <a:extLst>
+                  <a:ext uri="{0D108BD9-81ED-4DB2-BD59-A6C34878D82A}">
+                    <a16:rowId xmlns:a16="http://schemas.microsoft.com/office/drawing/2014/main" val="745536708"/>
+                  </a:ext>
+                </a:extLst>
+              </a:tr>
+              <a:tr h="370840">
+                <a:tc>
+                  <a:txBody>
+                    <a:bodyPr/>
+                    <a:lstStyle/>
+                    <a:p>
+                      <a:r>
+                        <a:rPr lang="en-US" dirty="0"/>
+                        <a:t>List</a:t>
+                      </a:r>
+                    </a:p>
+                  </a:txBody>
+                  <a:tcPr anchor="ctr"/>
+                </a:tc>
+                <a:tc>
+                  <a:txBody>
+                    <a:bodyPr/>
+                    <a:lstStyle/>
+                    <a:p>
+                      <a:r>
+                        <a:rPr lang="en-US" sz="1800" b="0" i="0" kern="1200" dirty="0">
+                          <a:solidFill>
+                            <a:schemeClr val="dk1"/>
+                          </a:solidFill>
+                          <a:effectLst/>
+                          <a:latin typeface="+mn-lt"/>
+                          <a:ea typeface="+mn-ea"/>
+                          <a:cs typeface="+mn-cs"/>
+                        </a:rPr>
+                        <a:t>list(s), </a:t>
+                      </a:r>
+                      <a:r>
+                        <a:rPr lang="en-US" sz="1800" b="0" i="0" kern="1200" dirty="0" err="1">
+                          <a:solidFill>
+                            <a:schemeClr val="dk1"/>
+                          </a:solidFill>
+                          <a:effectLst/>
+                          <a:latin typeface="+mn-lt"/>
+                          <a:ea typeface="+mn-ea"/>
+                          <a:cs typeface="+mn-cs"/>
+                        </a:rPr>
+                        <a:t>li.remove</a:t>
+                      </a:r>
+                      <a:r>
+                        <a:rPr lang="en-US" sz="1800" b="0" i="0" kern="1200" dirty="0">
+                          <a:solidFill>
+                            <a:schemeClr val="dk1"/>
+                          </a:solidFill>
+                          <a:effectLst/>
+                          <a:latin typeface="+mn-lt"/>
+                          <a:ea typeface="+mn-ea"/>
+                          <a:cs typeface="+mn-cs"/>
+                        </a:rPr>
+                        <a:t>(x),</a:t>
+                      </a:r>
+                      <a:r>
+                        <a:rPr lang="en-US" sz="1800" b="0" i="0" kern="1200" baseline="0" dirty="0">
+                          <a:solidFill>
+                            <a:schemeClr val="dk1"/>
+                          </a:solidFill>
+                          <a:effectLst/>
+                          <a:latin typeface="+mn-lt"/>
+                          <a:ea typeface="+mn-ea"/>
+                          <a:cs typeface="+mn-cs"/>
+                        </a:rPr>
+                        <a:t> </a:t>
+                      </a:r>
+                      <a:r>
+                        <a:rPr lang="en-US" sz="1800" b="0" i="0" kern="1200" baseline="0" dirty="0" err="1">
+                          <a:solidFill>
+                            <a:schemeClr val="dk1"/>
+                          </a:solidFill>
+                          <a:effectLst/>
+                          <a:latin typeface="+mn-lt"/>
+                          <a:ea typeface="+mn-ea"/>
+                          <a:cs typeface="+mn-cs"/>
+                        </a:rPr>
+                        <a:t>li.count</a:t>
+                      </a:r>
+                      <a:r>
+                        <a:rPr lang="en-US" sz="1800" b="0" i="0" kern="1200" baseline="0" dirty="0">
+                          <a:solidFill>
+                            <a:schemeClr val="dk1"/>
+                          </a:solidFill>
+                          <a:effectLst/>
+                          <a:latin typeface="+mn-lt"/>
+                          <a:ea typeface="+mn-ea"/>
+                          <a:cs typeface="+mn-cs"/>
+                        </a:rPr>
+                        <a:t>(x),</a:t>
+                      </a:r>
+                      <a:r>
+                        <a:rPr lang="en-US" sz="1800" b="0" i="0" kern="1200" baseline="0" dirty="0" err="1">
+                          <a:solidFill>
+                            <a:schemeClr val="dk1"/>
+                          </a:solidFill>
+                          <a:effectLst/>
+                          <a:latin typeface="+mn-lt"/>
+                          <a:ea typeface="+mn-ea"/>
+                          <a:cs typeface="+mn-cs"/>
+                        </a:rPr>
+                        <a:t>li.pop</a:t>
+                      </a:r>
+                      <a:r>
+                        <a:rPr lang="en-US" sz="1800" b="0" i="0" kern="1200" baseline="0" dirty="0">
+                          <a:solidFill>
+                            <a:schemeClr val="dk1"/>
+                          </a:solidFill>
+                          <a:effectLst/>
+                          <a:latin typeface="+mn-lt"/>
+                          <a:ea typeface="+mn-ea"/>
+                          <a:cs typeface="+mn-cs"/>
+                        </a:rPr>
+                        <a:t>(), </a:t>
+                      </a:r>
+                      <a:r>
+                        <a:rPr lang="en-US" sz="1800" b="0" i="0" kern="1200" baseline="0" dirty="0" err="1">
+                          <a:solidFill>
+                            <a:schemeClr val="dk1"/>
+                          </a:solidFill>
+                          <a:effectLst/>
+                          <a:latin typeface="+mn-lt"/>
+                          <a:ea typeface="+mn-ea"/>
+                          <a:cs typeface="+mn-cs"/>
+                        </a:rPr>
+                        <a:t>li.index</a:t>
+                      </a:r>
+                      <a:r>
+                        <a:rPr lang="en-US" sz="1800" b="0" i="0" kern="1200" baseline="0" dirty="0">
+                          <a:solidFill>
+                            <a:schemeClr val="dk1"/>
+                          </a:solidFill>
+                          <a:effectLst/>
+                          <a:latin typeface="+mn-lt"/>
+                          <a:ea typeface="+mn-ea"/>
+                          <a:cs typeface="+mn-cs"/>
+                        </a:rPr>
+                        <a:t>(x), </a:t>
+                      </a:r>
+                      <a:r>
+                        <a:rPr lang="en-US" sz="1800" b="0" i="0" kern="1200" baseline="0" dirty="0" err="1">
+                          <a:solidFill>
+                            <a:schemeClr val="dk1"/>
+                          </a:solidFill>
+                          <a:effectLst/>
+                          <a:latin typeface="+mn-lt"/>
+                          <a:ea typeface="+mn-ea"/>
+                          <a:cs typeface="+mn-cs"/>
+                        </a:rPr>
+                        <a:t>li.insert</a:t>
+                      </a:r>
+                      <a:r>
+                        <a:rPr lang="en-US" sz="1800" b="0" i="0" kern="1200" baseline="0" dirty="0">
+                          <a:solidFill>
+                            <a:schemeClr val="dk1"/>
+                          </a:solidFill>
+                          <a:effectLst/>
+                          <a:latin typeface="+mn-lt"/>
+                          <a:ea typeface="+mn-ea"/>
+                          <a:cs typeface="+mn-cs"/>
+                        </a:rPr>
+                        <a:t>(1, x), </a:t>
+                      </a:r>
+                      <a:r>
+                        <a:rPr lang="en-US" sz="1800" b="0" i="0" kern="1200" baseline="0" dirty="0" err="1">
+                          <a:solidFill>
+                            <a:schemeClr val="dk1"/>
+                          </a:solidFill>
+                          <a:effectLst/>
+                          <a:latin typeface="+mn-lt"/>
+                          <a:ea typeface="+mn-ea"/>
+                          <a:cs typeface="+mn-cs"/>
+                        </a:rPr>
+                        <a:t>li.sort</a:t>
+                      </a:r>
+                      <a:r>
+                        <a:rPr lang="en-US" sz="1800" b="0" i="0" kern="1200" baseline="0" dirty="0">
+                          <a:solidFill>
+                            <a:schemeClr val="dk1"/>
+                          </a:solidFill>
+                          <a:effectLst/>
+                          <a:latin typeface="+mn-lt"/>
+                          <a:ea typeface="+mn-ea"/>
+                          <a:cs typeface="+mn-cs"/>
+                        </a:rPr>
+                        <a:t>, </a:t>
+                      </a:r>
+                      <a:r>
+                        <a:rPr lang="en-US" sz="1800" b="0" i="0" kern="1200" baseline="0" dirty="0" err="1">
+                          <a:solidFill>
+                            <a:schemeClr val="dk1"/>
+                          </a:solidFill>
+                          <a:effectLst/>
+                          <a:latin typeface="+mn-lt"/>
+                          <a:ea typeface="+mn-ea"/>
+                          <a:cs typeface="+mn-cs"/>
+                        </a:rPr>
+                        <a:t>li.reverse</a:t>
+                      </a:r>
+                      <a:r>
+                        <a:rPr lang="en-US" sz="1800" b="0" i="0" kern="1200" baseline="0" dirty="0">
+                          <a:solidFill>
+                            <a:schemeClr val="dk1"/>
+                          </a:solidFill>
+                          <a:effectLst/>
+                          <a:latin typeface="+mn-lt"/>
+                          <a:ea typeface="+mn-ea"/>
+                          <a:cs typeface="+mn-cs"/>
+                        </a:rPr>
+                        <a:t>()</a:t>
                       </a:r>
                       <a:endParaRPr lang="en-US" dirty="0"/>
                     </a:p>
@@ -12004,40 +12047,10 @@
                     <a:lstStyle/>
                     <a:p>
                       <a:r>
-                        <a:rPr lang="en-US" dirty="0" smtClean="0">
-                          <a:effectLst/>
-                        </a:rPr>
-                        <a:t>t</a:t>
-                      </a:r>
-                      <a:r>
-                        <a:rPr lang="en-US" sz="1800" kern="1200" dirty="0" smtClean="0">
-                          <a:solidFill>
-                            <a:schemeClr val="dk1"/>
-                          </a:solidFill>
-                          <a:effectLst/>
-                          <a:latin typeface="+mn-lt"/>
-                          <a:ea typeface="+mn-ea"/>
-                          <a:cs typeface="+mn-cs"/>
-                        </a:rPr>
-                        <a:t>=</a:t>
-                      </a:r>
-                      <a:r>
-                        <a:rPr lang="en-US" dirty="0" smtClean="0">
-                          <a:effectLst/>
-                        </a:rPr>
-                        <a:t> tuple</a:t>
-                      </a:r>
-                      <a:r>
-                        <a:rPr lang="en-US" sz="1800" kern="1200" dirty="0" smtClean="0">
-                          <a:solidFill>
-                            <a:schemeClr val="dk1"/>
-                          </a:solidFill>
-                          <a:effectLst/>
-                          <a:latin typeface="+mn-lt"/>
-                          <a:ea typeface="+mn-ea"/>
-                          <a:cs typeface="+mn-cs"/>
-                        </a:rPr>
-                        <a:t>([1,2,3,4])</a:t>
+                        <a:rPr lang="en-US" dirty="0">
+                          <a:effectLst/>
+                        </a:rPr>
+                        <a:t>L = list(t), t[::2]</a:t>
                       </a:r>
                       <a:endParaRPr lang="en-US" dirty="0"/>
                     </a:p>
@@ -12046,7 +12059,7 @@
                 </a:tc>
                 <a:extLst>
                   <a:ext uri="{0D108BD9-81ED-4DB2-BD59-A6C34878D82A}">
-                    <a16:rowId xmlns:a16="http://schemas.microsoft.com/office/drawing/2014/main" xmlns="" val="745536708"/>
+                    <a16:rowId xmlns:a16="http://schemas.microsoft.com/office/drawing/2014/main" val="3584613779"/>
                   </a:ext>
                 </a:extLst>
               </a:tr>
@@ -12057,8 +12070,149 @@
                     <a:lstStyle/>
                     <a:p>
                       <a:r>
-                        <a:rPr lang="en-US" dirty="0" smtClean="0"/>
-                        <a:t>List</a:t>
+                        <a:rPr lang="en-US" dirty="0"/>
+                        <a:t>Dictionary</a:t>
+                      </a:r>
+                    </a:p>
+                  </a:txBody>
+                  <a:tcPr anchor="ctr"/>
+                </a:tc>
+                <a:tc>
+                  <a:txBody>
+                    <a:bodyPr/>
+                    <a:lstStyle/>
+                    <a:p>
+                      <a:r>
+                        <a:rPr lang="en-US" sz="1800" b="0" i="0" kern="1200" dirty="0" err="1">
+                          <a:solidFill>
+                            <a:schemeClr val="dk1"/>
+                          </a:solidFill>
+                          <a:effectLst/>
+                          <a:latin typeface="+mn-lt"/>
+                          <a:ea typeface="+mn-ea"/>
+                          <a:cs typeface="+mn-cs"/>
+                        </a:rPr>
+                        <a:t>dict</a:t>
+                      </a:r>
+                      <a:r>
+                        <a:rPr lang="en-US" sz="1800" b="0" i="0" kern="1200" dirty="0">
+                          <a:solidFill>
+                            <a:schemeClr val="dk1"/>
+                          </a:solidFill>
+                          <a:effectLst/>
+                          <a:latin typeface="+mn-lt"/>
+                          <a:ea typeface="+mn-ea"/>
+                          <a:cs typeface="+mn-cs"/>
+                        </a:rPr>
+                        <a:t>(s), </a:t>
+                      </a:r>
+                      <a:r>
+                        <a:rPr lang="en-US" sz="1800" b="0" i="0" kern="1200" dirty="0" err="1">
+                          <a:solidFill>
+                            <a:schemeClr val="dk1"/>
+                          </a:solidFill>
+                          <a:effectLst/>
+                          <a:latin typeface="+mn-lt"/>
+                          <a:ea typeface="+mn-ea"/>
+                          <a:cs typeface="+mn-cs"/>
+                        </a:rPr>
+                        <a:t>dict.keys</a:t>
+                      </a:r>
+                      <a:r>
+                        <a:rPr lang="en-US" sz="1800" b="0" i="0" kern="1200" dirty="0">
+                          <a:solidFill>
+                            <a:schemeClr val="dk1"/>
+                          </a:solidFill>
+                          <a:effectLst/>
+                          <a:latin typeface="+mn-lt"/>
+                          <a:ea typeface="+mn-ea"/>
+                          <a:cs typeface="+mn-cs"/>
+                        </a:rPr>
+                        <a:t>(), </a:t>
+                      </a:r>
+                      <a:r>
+                        <a:rPr lang="en-US" sz="1800" b="0" i="0" kern="1200" dirty="0" err="1">
+                          <a:solidFill>
+                            <a:schemeClr val="dk1"/>
+                          </a:solidFill>
+                          <a:effectLst/>
+                          <a:latin typeface="+mn-lt"/>
+                          <a:ea typeface="+mn-ea"/>
+                          <a:cs typeface="+mn-cs"/>
+                        </a:rPr>
+                        <a:t>dict.values</a:t>
+                      </a:r>
+                      <a:r>
+                        <a:rPr lang="en-US" sz="1800" b="0" i="0" kern="1200" dirty="0">
+                          <a:solidFill>
+                            <a:schemeClr val="dk1"/>
+                          </a:solidFill>
+                          <a:effectLst/>
+                          <a:latin typeface="+mn-lt"/>
+                          <a:ea typeface="+mn-ea"/>
+                          <a:cs typeface="+mn-cs"/>
+                        </a:rPr>
+                        <a:t>(), </a:t>
+                      </a:r>
+                      <a:r>
+                        <a:rPr lang="en-US" sz="1800" b="0" i="0" kern="1200" dirty="0" err="1">
+                          <a:solidFill>
+                            <a:schemeClr val="dk1"/>
+                          </a:solidFill>
+                          <a:effectLst/>
+                          <a:latin typeface="+mn-lt"/>
+                          <a:ea typeface="+mn-ea"/>
+                          <a:cs typeface="+mn-cs"/>
+                        </a:rPr>
+                        <a:t>dict.clear</a:t>
+                      </a:r>
+                      <a:r>
+                        <a:rPr lang="en-US" sz="1800" b="0" i="0" kern="1200" dirty="0">
+                          <a:solidFill>
+                            <a:schemeClr val="dk1"/>
+                          </a:solidFill>
+                          <a:effectLst/>
+                          <a:latin typeface="+mn-lt"/>
+                          <a:ea typeface="+mn-ea"/>
+                          <a:cs typeface="+mn-cs"/>
+                        </a:rPr>
+                        <a:t>(),</a:t>
+                      </a:r>
+                      <a:r>
+                        <a:rPr lang="en-US" sz="1800" b="0" i="0" kern="1200" baseline="0" dirty="0">
+                          <a:solidFill>
+                            <a:schemeClr val="dk1"/>
+                          </a:solidFill>
+                          <a:effectLst/>
+                          <a:latin typeface="+mn-lt"/>
+                          <a:ea typeface="+mn-ea"/>
+                          <a:cs typeface="+mn-cs"/>
+                        </a:rPr>
+                        <a:t> </a:t>
+                      </a:r>
+                      <a:r>
+                        <a:rPr lang="en-US" sz="1800" b="0" i="0" kern="1200" baseline="0" dirty="0" err="1">
+                          <a:solidFill>
+                            <a:schemeClr val="dk1"/>
+                          </a:solidFill>
+                          <a:effectLst/>
+                          <a:latin typeface="+mn-lt"/>
+                          <a:ea typeface="+mn-ea"/>
+                          <a:cs typeface="+mn-cs"/>
+                        </a:rPr>
+                        <a:t>dict.get</a:t>
+                      </a:r>
+                      <a:r>
+                        <a:rPr lang="en-US" sz="1800" b="0" i="0" kern="1200" baseline="0" dirty="0">
+                          <a:solidFill>
+                            <a:schemeClr val="dk1"/>
+                          </a:solidFill>
+                          <a:effectLst/>
+                          <a:latin typeface="+mn-lt"/>
+                          <a:ea typeface="+mn-ea"/>
+                          <a:cs typeface="+mn-cs"/>
+                        </a:rPr>
+                        <a:t>(key)</a:t>
                       </a:r>
                       <a:endParaRPr lang="en-US" dirty="0"/>
                     </a:p>
@@ -12071,410 +12225,25 @@
                     <a:lstStyle/>
                     <a:p>
                       <a:r>
-                        <a:rPr lang="en-US" sz="1800" b="0" i="0" kern="1200" dirty="0" smtClean="0">
-                          <a:solidFill>
-                            <a:schemeClr val="dk1"/>
-                          </a:solidFill>
-                          <a:effectLst/>
-                          <a:latin typeface="+mn-lt"/>
-                          <a:ea typeface="+mn-ea"/>
-                          <a:cs typeface="+mn-cs"/>
-                        </a:rPr>
-                        <a:t>list(s), </a:t>
-                      </a:r>
-                      <a:r>
-                        <a:rPr lang="en-US" sz="1800" b="0" i="0" kern="1200" dirty="0" err="1" smtClean="0">
-                          <a:solidFill>
-                            <a:schemeClr val="dk1"/>
-                          </a:solidFill>
-                          <a:effectLst/>
-                          <a:latin typeface="+mn-lt"/>
-                          <a:ea typeface="+mn-ea"/>
-                          <a:cs typeface="+mn-cs"/>
-                        </a:rPr>
-                        <a:t>li.remove</a:t>
-                      </a:r>
-                      <a:r>
-                        <a:rPr lang="en-US" sz="1800" b="0" i="0" kern="1200" dirty="0" smtClean="0">
-                          <a:solidFill>
-                            <a:schemeClr val="dk1"/>
-                          </a:solidFill>
-                          <a:effectLst/>
-                          <a:latin typeface="+mn-lt"/>
-                          <a:ea typeface="+mn-ea"/>
-                          <a:cs typeface="+mn-cs"/>
-                        </a:rPr>
-                        <a:t>(x),</a:t>
-                      </a:r>
-                      <a:r>
-                        <a:rPr lang="en-US" sz="1800" b="0" i="0" kern="1200" baseline="0" dirty="0" smtClean="0">
-                          <a:solidFill>
-                            <a:schemeClr val="dk1"/>
-                          </a:solidFill>
-                          <a:effectLst/>
-                          <a:latin typeface="+mn-lt"/>
-                          <a:ea typeface="+mn-ea"/>
-                          <a:cs typeface="+mn-cs"/>
-                        </a:rPr>
-                        <a:t> </a:t>
-                      </a:r>
-                      <a:r>
-                        <a:rPr lang="en-US" sz="1800" b="0" i="0" kern="1200" baseline="0" dirty="0" err="1" smtClean="0">
-                          <a:solidFill>
-                            <a:schemeClr val="dk1"/>
-                          </a:solidFill>
-                          <a:effectLst/>
-                          <a:latin typeface="+mn-lt"/>
-                          <a:ea typeface="+mn-ea"/>
-                          <a:cs typeface="+mn-cs"/>
-                        </a:rPr>
-                        <a:t>li.count</a:t>
-                      </a:r>
-                      <a:r>
-                        <a:rPr lang="en-US" sz="1800" b="0" i="0" kern="1200" baseline="0" dirty="0" smtClean="0">
-                          <a:solidFill>
-                            <a:schemeClr val="dk1"/>
-                          </a:solidFill>
-                          <a:effectLst/>
-                          <a:latin typeface="+mn-lt"/>
-                          <a:ea typeface="+mn-ea"/>
-                          <a:cs typeface="+mn-cs"/>
-                        </a:rPr>
-                        <a:t>(x),</a:t>
-                      </a:r>
-                      <a:r>
-                        <a:rPr lang="en-US" sz="1800" b="0" i="0" kern="1200" baseline="0" dirty="0" err="1" smtClean="0">
-                          <a:solidFill>
-                            <a:schemeClr val="dk1"/>
-                          </a:solidFill>
-                          <a:effectLst/>
-                          <a:latin typeface="+mn-lt"/>
-                          <a:ea typeface="+mn-ea"/>
-                          <a:cs typeface="+mn-cs"/>
-                        </a:rPr>
-                        <a:t>li.pop</a:t>
-                      </a:r>
-                      <a:r>
-                        <a:rPr lang="en-US" sz="1800" b="0" i="0" kern="1200" baseline="0" dirty="0" smtClean="0">
-                          <a:solidFill>
-                            <a:schemeClr val="dk1"/>
-                          </a:solidFill>
-                          <a:effectLst/>
-                          <a:latin typeface="+mn-lt"/>
-                          <a:ea typeface="+mn-ea"/>
-                          <a:cs typeface="+mn-cs"/>
-                        </a:rPr>
-                        <a:t>(), </a:t>
-                      </a:r>
-                      <a:r>
-                        <a:rPr lang="en-US" sz="1800" b="0" i="0" kern="1200" baseline="0" dirty="0" err="1" smtClean="0">
-                          <a:solidFill>
-                            <a:schemeClr val="dk1"/>
-                          </a:solidFill>
-                          <a:effectLst/>
-                          <a:latin typeface="+mn-lt"/>
-                          <a:ea typeface="+mn-ea"/>
-                          <a:cs typeface="+mn-cs"/>
-                        </a:rPr>
-                        <a:t>li.index</a:t>
-                      </a:r>
-                      <a:r>
-                        <a:rPr lang="en-US" sz="1800" b="0" i="0" kern="1200" baseline="0" dirty="0" smtClean="0">
-                          <a:solidFill>
-                            <a:schemeClr val="dk1"/>
-                          </a:solidFill>
-                          <a:effectLst/>
-                          <a:latin typeface="+mn-lt"/>
-                          <a:ea typeface="+mn-ea"/>
-                          <a:cs typeface="+mn-cs"/>
-                        </a:rPr>
-                        <a:t>(x), </a:t>
-                      </a:r>
-                      <a:r>
-                        <a:rPr lang="en-US" sz="1800" b="0" i="0" kern="1200" baseline="0" dirty="0" err="1" smtClean="0">
-                          <a:solidFill>
-                            <a:schemeClr val="dk1"/>
-                          </a:solidFill>
-                          <a:effectLst/>
-                          <a:latin typeface="+mn-lt"/>
-                          <a:ea typeface="+mn-ea"/>
-                          <a:cs typeface="+mn-cs"/>
-                        </a:rPr>
-                        <a:t>li.insert</a:t>
-                      </a:r>
-                      <a:r>
-                        <a:rPr lang="en-US" sz="1800" b="0" i="0" kern="1200" baseline="0" dirty="0" smtClean="0">
-                          <a:solidFill>
-                            <a:schemeClr val="dk1"/>
-                          </a:solidFill>
-                          <a:effectLst/>
-                          <a:latin typeface="+mn-lt"/>
-                          <a:ea typeface="+mn-ea"/>
-                          <a:cs typeface="+mn-cs"/>
-                        </a:rPr>
-                        <a:t>(1, x), </a:t>
-                      </a:r>
-                      <a:r>
-                        <a:rPr lang="en-US" sz="1800" b="0" i="0" kern="1200" baseline="0" dirty="0" err="1" smtClean="0">
-                          <a:solidFill>
-                            <a:schemeClr val="dk1"/>
-                          </a:solidFill>
-                          <a:effectLst/>
-                          <a:latin typeface="+mn-lt"/>
-                          <a:ea typeface="+mn-ea"/>
-                          <a:cs typeface="+mn-cs"/>
-                        </a:rPr>
-                        <a:t>li.sort</a:t>
-                      </a:r>
-                      <a:r>
-                        <a:rPr lang="en-US" sz="1800" b="0" i="0" kern="1200" baseline="0" dirty="0" smtClean="0">
-                          <a:solidFill>
-                            <a:schemeClr val="dk1"/>
-                          </a:solidFill>
-                          <a:effectLst/>
-                          <a:latin typeface="+mn-lt"/>
-                          <a:ea typeface="+mn-ea"/>
-                          <a:cs typeface="+mn-cs"/>
-                        </a:rPr>
-                        <a:t>, </a:t>
-                      </a:r>
-                      <a:r>
-                        <a:rPr lang="en-US" sz="1800" b="0" i="0" kern="1200" baseline="0" dirty="0" err="1" smtClean="0">
-                          <a:solidFill>
-                            <a:schemeClr val="dk1"/>
-                          </a:solidFill>
-                          <a:effectLst/>
-                          <a:latin typeface="+mn-lt"/>
-                          <a:ea typeface="+mn-ea"/>
-                          <a:cs typeface="+mn-cs"/>
-                        </a:rPr>
-                        <a:t>li.reverse</a:t>
-                      </a:r>
-                      <a:r>
-                        <a:rPr lang="en-US" sz="1800" b="0" i="0" kern="1200" baseline="0" dirty="0" smtClean="0">
-                          <a:solidFill>
-                            <a:schemeClr val="dk1"/>
-                          </a:solidFill>
-                          <a:effectLst/>
-                          <a:latin typeface="+mn-lt"/>
-                          <a:ea typeface="+mn-ea"/>
-                          <a:cs typeface="+mn-cs"/>
-                        </a:rPr>
-                        <a:t>()</a:t>
-                      </a:r>
-                      <a:endParaRPr lang="en-US" dirty="0"/>
-                    </a:p>
-                  </a:txBody>
-                  <a:tcPr anchor="ctr"/>
-                </a:tc>
-                <a:tc>
-                  <a:txBody>
-                    <a:bodyPr/>
-                    <a:lstStyle/>
-                    <a:p>
-                      <a:r>
-                        <a:rPr lang="en-US" dirty="0" smtClean="0">
-                          <a:effectLst/>
-                        </a:rPr>
-                        <a:t>L = list(t), t[::2]</a:t>
-                      </a:r>
-                      <a:endParaRPr lang="en-US" dirty="0"/>
-                    </a:p>
-                  </a:txBody>
-                  <a:tcPr anchor="ctr"/>
-                </a:tc>
-                <a:extLst>
-                  <a:ext uri="{0D108BD9-81ED-4DB2-BD59-A6C34878D82A}">
-                    <a16:rowId xmlns:a16="http://schemas.microsoft.com/office/drawing/2014/main" xmlns="" val="3584613779"/>
-                  </a:ext>
-                </a:extLst>
-              </a:tr>
-              <a:tr h="370840">
-                <a:tc>
-                  <a:txBody>
-                    <a:bodyPr/>
-                    <a:lstStyle/>
-                    <a:p>
-                      <a:r>
-                        <a:rPr lang="en-US" dirty="0" smtClean="0"/>
-                        <a:t>Dictionary</a:t>
-                      </a:r>
-                      <a:endParaRPr lang="en-US" dirty="0"/>
-                    </a:p>
-                  </a:txBody>
-                  <a:tcPr anchor="ctr"/>
-                </a:tc>
-                <a:tc>
-                  <a:txBody>
-                    <a:bodyPr/>
-                    <a:lstStyle/>
-                    <a:p>
-                      <a:r>
-                        <a:rPr lang="en-US" sz="1800" b="0" i="0" kern="1200" dirty="0" err="1" smtClean="0">
-                          <a:solidFill>
-                            <a:schemeClr val="dk1"/>
-                          </a:solidFill>
-                          <a:effectLst/>
-                          <a:latin typeface="+mn-lt"/>
-                          <a:ea typeface="+mn-ea"/>
-                          <a:cs typeface="+mn-cs"/>
+                        <a:rPr lang="fr-FR" dirty="0">
+                          <a:effectLst/>
+                        </a:rPr>
+                        <a:t> d = </a:t>
+                      </a:r>
+                      <a:r>
+                        <a:rPr lang="fr-FR" dirty="0" err="1">
+                          <a:effectLst/>
                         </a:rPr>
                         <a:t>dict</a:t>
                       </a:r>
                       <a:r>
-                        <a:rPr lang="en-US" sz="1800" b="0" i="0" kern="1200" dirty="0" smtClean="0">
-                          <a:solidFill>
-                            <a:schemeClr val="dk1"/>
-                          </a:solidFill>
-                          <a:effectLst/>
-                          <a:latin typeface="+mn-lt"/>
-                          <a:ea typeface="+mn-ea"/>
-                          <a:cs typeface="+mn-cs"/>
-                        </a:rPr>
-                        <a:t>(s), </a:t>
-                      </a:r>
-                      <a:r>
-                        <a:rPr lang="en-US" sz="1800" b="0" i="0" kern="1200" dirty="0" err="1" smtClean="0">
-                          <a:solidFill>
-                            <a:schemeClr val="dk1"/>
-                          </a:solidFill>
-                          <a:effectLst/>
-                          <a:latin typeface="+mn-lt"/>
-                          <a:ea typeface="+mn-ea"/>
-                          <a:cs typeface="+mn-cs"/>
-                        </a:rPr>
-                        <a:t>dict.keys</a:t>
-                      </a:r>
-                      <a:r>
-                        <a:rPr lang="en-US" sz="1800" b="0" i="0" kern="1200" dirty="0" smtClean="0">
-                          <a:solidFill>
-                            <a:schemeClr val="dk1"/>
-                          </a:solidFill>
-                          <a:effectLst/>
-                          <a:latin typeface="+mn-lt"/>
-                          <a:ea typeface="+mn-ea"/>
-                          <a:cs typeface="+mn-cs"/>
-                        </a:rPr>
-                        <a:t>(), </a:t>
-                      </a:r>
-                      <a:r>
-                        <a:rPr lang="en-US" sz="1800" b="0" i="0" kern="1200" dirty="0" err="1" smtClean="0">
-                          <a:solidFill>
-                            <a:schemeClr val="dk1"/>
-                          </a:solidFill>
-                          <a:effectLst/>
-                          <a:latin typeface="+mn-lt"/>
-                          <a:ea typeface="+mn-ea"/>
-                          <a:cs typeface="+mn-cs"/>
-                        </a:rPr>
-                        <a:t>dict.values</a:t>
-                      </a:r>
-                      <a:r>
-                        <a:rPr lang="en-US" sz="1800" b="0" i="0" kern="1200" dirty="0" smtClean="0">
-                          <a:solidFill>
-                            <a:schemeClr val="dk1"/>
-                          </a:solidFill>
-                          <a:effectLst/>
-                          <a:latin typeface="+mn-lt"/>
-                          <a:ea typeface="+mn-ea"/>
-                          <a:cs typeface="+mn-cs"/>
-                        </a:rPr>
-                        <a:t>(), </a:t>
-                      </a:r>
-                      <a:r>
-                        <a:rPr lang="en-US" sz="1800" b="0" i="0" kern="1200" dirty="0" err="1" smtClean="0">
-                          <a:solidFill>
-                            <a:schemeClr val="dk1"/>
-                          </a:solidFill>
-                          <a:effectLst/>
-                          <a:latin typeface="+mn-lt"/>
-                          <a:ea typeface="+mn-ea"/>
-                          <a:cs typeface="+mn-cs"/>
-                        </a:rPr>
-                        <a:t>dict.clear</a:t>
-                      </a:r>
-                      <a:r>
-                        <a:rPr lang="en-US" sz="1800" b="0" i="0" kern="1200" dirty="0" smtClean="0">
-                          <a:solidFill>
-                            <a:schemeClr val="dk1"/>
-                          </a:solidFill>
-                          <a:effectLst/>
-                          <a:latin typeface="+mn-lt"/>
-                          <a:ea typeface="+mn-ea"/>
-                          <a:cs typeface="+mn-cs"/>
-                        </a:rPr>
-                        <a:t>(),</a:t>
-                      </a:r>
-                      <a:r>
-                        <a:rPr lang="en-US" sz="1800" b="0" i="0" kern="1200" baseline="0" dirty="0" smtClean="0">
-                          <a:solidFill>
-                            <a:schemeClr val="dk1"/>
-                          </a:solidFill>
-                          <a:effectLst/>
-                          <a:latin typeface="+mn-lt"/>
-                          <a:ea typeface="+mn-ea"/>
-                          <a:cs typeface="+mn-cs"/>
-                        </a:rPr>
-                        <a:t> </a:t>
-                      </a:r>
-                      <a:r>
-                        <a:rPr lang="en-US" sz="1800" b="0" i="0" kern="1200" baseline="0" dirty="0" err="1" smtClean="0">
-                          <a:solidFill>
-                            <a:schemeClr val="dk1"/>
-                          </a:solidFill>
-                          <a:effectLst/>
-                          <a:latin typeface="+mn-lt"/>
-                          <a:ea typeface="+mn-ea"/>
-                          <a:cs typeface="+mn-cs"/>
-                        </a:rPr>
-                        <a:t>dict.get</a:t>
-                      </a:r>
-                      <a:r>
-                        <a:rPr lang="en-US" sz="1800" b="0" i="0" kern="1200" baseline="0" dirty="0" smtClean="0">
-                          <a:solidFill>
-                            <a:schemeClr val="dk1"/>
-                          </a:solidFill>
-                          <a:effectLst/>
-                          <a:latin typeface="+mn-lt"/>
-                          <a:ea typeface="+mn-ea"/>
-                          <a:cs typeface="+mn-cs"/>
-                        </a:rPr>
-                        <a:t>(key)</a:t>
-                      </a:r>
-                      <a:endParaRPr lang="en-US" dirty="0"/>
-                    </a:p>
-                  </a:txBody>
-                  <a:tcPr anchor="ctr"/>
-                </a:tc>
-                <a:tc>
-                  <a:txBody>
-                    <a:bodyPr/>
-                    <a:lstStyle/>
-                    <a:p>
-                      <a:r>
-                        <a:rPr lang="fr-FR" dirty="0" smtClean="0">
-                          <a:effectLst/>
-                        </a:rPr>
-                        <a:t> d = </a:t>
-                      </a:r>
-                      <a:r>
-                        <a:rPr lang="fr-FR" dirty="0" err="1" smtClean="0">
-                          <a:effectLst/>
-                        </a:rPr>
-                        <a:t>dict</a:t>
-                      </a:r>
-                      <a:r>
-                        <a:rPr lang="fr-FR" dirty="0" smtClean="0">
+                        <a:rPr lang="fr-FR" dirty="0">
                           <a:effectLst/>
                         </a:rPr>
                         <a:t>({"one":"1"})</a:t>
                       </a:r>
-                      <a:r>
-                        <a:rPr lang="fr-FR" dirty="0" smtClean="0"/>
-                        <a:t/>
-                      </a:r>
                       <a:br>
-                        <a:rPr lang="fr-FR" dirty="0" smtClean="0"/>
+                        <a:rPr lang="fr-FR" dirty="0"/>
                       </a:br>
                       <a:endParaRPr lang="en-US" dirty="0"/>
                     </a:p>
@@ -12483,7 +12252,7 @@
                 </a:tc>
                 <a:extLst>
                   <a:ext uri="{0D108BD9-81ED-4DB2-BD59-A6C34878D82A}">
-                    <a16:rowId xmlns:a16="http://schemas.microsoft.com/office/drawing/2014/main" xmlns="" val="2804741469"/>
+                    <a16:rowId xmlns:a16="http://schemas.microsoft.com/office/drawing/2014/main" val="2804741469"/>
                   </a:ext>
                 </a:extLst>
               </a:tr>
@@ -12555,17 +12324,9 @@
               <a:rPr lang="fr-FR" b="1" dirty="0" err="1"/>
               <a:t>Making</a:t>
             </a:r>
-            <a:r>
-              <a:rPr lang="fr-FR" b="1" dirty="0"/>
-              <a:t/>
-            </a:r>
             <a:br>
               <a:rPr lang="fr-FR" b="1" dirty="0"/>
             </a:br>
-            <a:r>
-              <a:rPr lang="en-US" b="1" dirty="0"/>
-              <a:t/>
-            </a:r>
             <a:br>
               <a:rPr lang="en-US" b="1" dirty="0"/>
             </a:br>
@@ -12602,21 +12363,21 @@
                 <a:gridCol w="3348512">
                   <a:extLst>
                     <a:ext uri="{9D8B030D-6E8A-4147-A177-3AD203B41FA5}">
-                      <a16:colId xmlns:a16="http://schemas.microsoft.com/office/drawing/2014/main" xmlns="" val="20000"/>
+                      <a16:colId xmlns:a16="http://schemas.microsoft.com/office/drawing/2014/main" val="20000"/>
                     </a:ext>
                   </a:extLst>
                 </a:gridCol>
                 <a:gridCol w="3348512">
                   <a:extLst>
                     <a:ext uri="{9D8B030D-6E8A-4147-A177-3AD203B41FA5}">
-                      <a16:colId xmlns:a16="http://schemas.microsoft.com/office/drawing/2014/main" xmlns="" val="20001"/>
+                      <a16:colId xmlns:a16="http://schemas.microsoft.com/office/drawing/2014/main" val="20001"/>
                     </a:ext>
                   </a:extLst>
                 </a:gridCol>
                 <a:gridCol w="3348512">
                   <a:extLst>
                     <a:ext uri="{9D8B030D-6E8A-4147-A177-3AD203B41FA5}">
-                      <a16:colId xmlns:a16="http://schemas.microsoft.com/office/drawing/2014/main" xmlns="" val="20002"/>
+                      <a16:colId xmlns:a16="http://schemas.microsoft.com/office/drawing/2014/main" val="20002"/>
                     </a:ext>
                   </a:extLst>
                 </a:gridCol>
@@ -12628,14 +12389,11 @@
                     <a:lstStyle/>
                     <a:p>
                       <a:r>
-                        <a:rPr lang="en-US" dirty="0" smtClean="0">
+                        <a:rPr lang="en-US" dirty="0">
                           <a:effectLst/>
                         </a:rPr>
                         <a:t>Statement</a:t>
                       </a:r>
-                      <a:endParaRPr lang="en-US" dirty="0">
-                        <a:effectLst/>
-                      </a:endParaRPr>
                     </a:p>
                   </a:txBody>
                   <a:tcPr anchor="ctr"/>
@@ -12670,7 +12428,7 @@
                 </a:tc>
                 <a:extLst>
                   <a:ext uri="{0D108BD9-81ED-4DB2-BD59-A6C34878D82A}">
-                    <a16:rowId xmlns:a16="http://schemas.microsoft.com/office/drawing/2014/main" xmlns="" val="10000"/>
+                    <a16:rowId xmlns:a16="http://schemas.microsoft.com/office/drawing/2014/main" val="10000"/>
                   </a:ext>
                 </a:extLst>
               </a:tr>
@@ -12681,11 +12439,11 @@
                     <a:lstStyle/>
                     <a:p>
                       <a:r>
-                        <a:rPr lang="en-US" dirty="0" smtClean="0"/>
+                        <a:rPr lang="en-US" dirty="0"/>
                         <a:t>If</a:t>
                       </a:r>
                       <a:r>
-                        <a:rPr lang="en-US" baseline="0" dirty="0" smtClean="0"/>
+                        <a:rPr lang="en-US" baseline="0" dirty="0"/>
                         <a:t> statement</a:t>
                       </a:r>
                       <a:endParaRPr lang="en-US" dirty="0"/>
@@ -12699,7 +12457,7 @@
                     <a:lstStyle/>
                     <a:p>
                       <a:r>
-                        <a:rPr lang="en-US" sz="1800" b="0" i="0" kern="1200" dirty="0" smtClean="0">
+                        <a:rPr lang="en-US" sz="1800" b="0" i="0" kern="1200" dirty="0">
                           <a:solidFill>
                             <a:schemeClr val="dk1"/>
                           </a:solidFill>
@@ -12711,7 +12469,7 @@
                         <a:t>An </a:t>
                       </a:r>
                       <a:r>
-                        <a:rPr lang="en-US" sz="1800" b="1" i="0" kern="1200" dirty="0" smtClean="0">
+                        <a:rPr lang="en-US" sz="1800" b="1" i="0" kern="1200" dirty="0">
                           <a:solidFill>
                             <a:schemeClr val="dk1"/>
                           </a:solidFill>
@@ -12723,7 +12481,7 @@
                         <a:t>if statement</a:t>
                       </a:r>
                       <a:r>
-                        <a:rPr lang="en-US" sz="1800" b="0" i="0" kern="1200" dirty="0" smtClean="0">
+                        <a:rPr lang="en-US" sz="1800" b="0" i="0" kern="1200" dirty="0">
                           <a:solidFill>
                             <a:schemeClr val="dk1"/>
                           </a:solidFill>
@@ -12735,7 +12493,7 @@
                         <a:t> consists of a </a:t>
                       </a:r>
                       <a:r>
-                        <a:rPr lang="en-US" sz="1800" b="0" i="0" kern="1200" dirty="0" err="1" smtClean="0">
+                        <a:rPr lang="en-US" sz="1800" b="0" i="0" kern="1200" dirty="0" err="1">
                           <a:solidFill>
                             <a:schemeClr val="dk1"/>
                           </a:solidFill>
@@ -12747,7 +12505,7 @@
                         <a:t>boolean</a:t>
                       </a:r>
                       <a:r>
-                        <a:rPr lang="en-US" sz="1800" b="0" i="0" kern="1200" dirty="0" smtClean="0">
+                        <a:rPr lang="en-US" sz="1800" b="0" i="0" kern="1200" dirty="0">
                           <a:solidFill>
                             <a:schemeClr val="dk1"/>
                           </a:solidFill>
@@ -12770,39 +12528,39 @@
                     <a:p>
                       <a:pPr algn="l"/>
                       <a:r>
-                        <a:rPr lang="en-US" dirty="0" err="1" smtClean="0"/>
+                        <a:rPr lang="en-US" dirty="0" err="1"/>
                         <a:t>var</a:t>
                       </a:r>
                       <a:r>
-                        <a:rPr lang="en-US" dirty="0" smtClean="0"/>
+                        <a:rPr lang="en-US" dirty="0"/>
                         <a:t> = 100</a:t>
                       </a:r>
                     </a:p>
                     <a:p>
                       <a:r>
-                        <a:rPr lang="en-US" dirty="0" smtClean="0"/>
+                        <a:rPr lang="en-US" dirty="0"/>
                         <a:t>if</a:t>
                       </a:r>
                       <a:r>
-                        <a:rPr lang="en-US" baseline="0" dirty="0" smtClean="0"/>
+                        <a:rPr lang="en-US" baseline="0" dirty="0"/>
                         <a:t> </a:t>
                       </a:r>
                       <a:r>
-                        <a:rPr lang="en-US" dirty="0" err="1" smtClean="0"/>
+                        <a:rPr lang="en-US" dirty="0" err="1"/>
                         <a:t>var</a:t>
                       </a:r>
                       <a:r>
-                        <a:rPr lang="en-US" dirty="0" smtClean="0"/>
+                        <a:rPr lang="en-US" dirty="0"/>
                         <a:t> == 100 : </a:t>
                       </a:r>
                     </a:p>
                     <a:p>
                       <a:r>
-                        <a:rPr lang="en-US" dirty="0" smtClean="0"/>
+                        <a:rPr lang="en-US" dirty="0"/>
                         <a:t>     print</a:t>
                       </a:r>
                       <a:r>
-                        <a:rPr lang="en-US" baseline="0" dirty="0" smtClean="0"/>
+                        <a:rPr lang="en-US" baseline="0" dirty="0"/>
                         <a:t> (“something”)</a:t>
                       </a:r>
                       <a:endParaRPr lang="en-US" dirty="0"/>
@@ -12812,7 +12570,7 @@
                 </a:tc>
                 <a:extLst>
                   <a:ext uri="{0D108BD9-81ED-4DB2-BD59-A6C34878D82A}">
-                    <a16:rowId xmlns:a16="http://schemas.microsoft.com/office/drawing/2014/main" xmlns="" val="10001"/>
+                    <a16:rowId xmlns:a16="http://schemas.microsoft.com/office/drawing/2014/main" val="10001"/>
                   </a:ext>
                 </a:extLst>
               </a:tr>
@@ -12823,11 +12581,11 @@
                     <a:lstStyle/>
                     <a:p>
                       <a:r>
-                        <a:rPr lang="en-US" dirty="0" smtClean="0"/>
+                        <a:rPr lang="en-US" dirty="0"/>
                         <a:t>If else</a:t>
                       </a:r>
                       <a:r>
-                        <a:rPr lang="en-US" baseline="0" dirty="0" smtClean="0"/>
+                        <a:rPr lang="en-US" baseline="0" dirty="0"/>
                         <a:t> statement</a:t>
                       </a:r>
                       <a:endParaRPr lang="en-US" dirty="0"/>
@@ -12842,16 +12600,10 @@
                     <a:p>
                       <a:pPr fontAlgn="t"/>
                       <a:r>
-                        <a:rPr lang="en-US" dirty="0" smtClean="0">
-                          <a:effectLst/>
-                        </a:rPr>
-                        <a:t>An</a:t>
-                      </a:r>
-                      <a:r>
                         <a:rPr lang="en-US" dirty="0">
                           <a:effectLst/>
                         </a:rPr>
-                        <a:t> </a:t>
+                        <a:t>An </a:t>
                       </a:r>
                       <a:r>
                         <a:rPr lang="en-US" b="1" dirty="0">
@@ -12899,51 +12651,51 @@
                     <a:lstStyle/>
                     <a:p>
                       <a:r>
-                        <a:rPr lang="en-US" dirty="0" err="1" smtClean="0"/>
+                        <a:rPr lang="en-US" dirty="0" err="1"/>
                         <a:t>var</a:t>
                       </a:r>
                       <a:r>
-                        <a:rPr lang="en-US" dirty="0" smtClean="0"/>
+                        <a:rPr lang="en-US" dirty="0"/>
                         <a:t> = 100</a:t>
                       </a:r>
                     </a:p>
                     <a:p>
                       <a:r>
-                        <a:rPr lang="en-US" dirty="0" smtClean="0"/>
+                        <a:rPr lang="en-US" dirty="0"/>
                         <a:t>if </a:t>
                       </a:r>
                       <a:r>
-                        <a:rPr lang="en-US" dirty="0" err="1" smtClean="0"/>
+                        <a:rPr lang="en-US" dirty="0" err="1"/>
                         <a:t>var</a:t>
                       </a:r>
                       <a:r>
-                        <a:rPr lang="en-US" dirty="0" smtClean="0"/>
+                        <a:rPr lang="en-US" dirty="0"/>
                         <a:t> == 100  : </a:t>
                       </a:r>
                     </a:p>
                     <a:p>
                       <a:r>
-                        <a:rPr lang="en-US" dirty="0" smtClean="0"/>
+                        <a:rPr lang="en-US" dirty="0"/>
                         <a:t>     print</a:t>
                       </a:r>
                       <a:r>
-                        <a:rPr lang="en-US" baseline="0" dirty="0" smtClean="0"/>
+                        <a:rPr lang="en-US" baseline="0" dirty="0"/>
                         <a:t> “something”</a:t>
                       </a:r>
                     </a:p>
                     <a:p>
                       <a:r>
-                        <a:rPr lang="en-US" baseline="0" dirty="0" smtClean="0"/>
+                        <a:rPr lang="en-US" baseline="0" dirty="0"/>
                         <a:t>else:</a:t>
                       </a:r>
                     </a:p>
                     <a:p>
                       <a:r>
-                        <a:rPr lang="en-US" dirty="0" smtClean="0"/>
+                        <a:rPr lang="en-US" dirty="0"/>
                         <a:t>     print</a:t>
                       </a:r>
                       <a:r>
-                        <a:rPr lang="en-US" baseline="0" dirty="0" smtClean="0"/>
+                        <a:rPr lang="en-US" baseline="0" dirty="0"/>
                         <a:t> “nothing”</a:t>
                       </a:r>
                       <a:endParaRPr lang="en-US" dirty="0"/>
@@ -12953,7 +12705,7 @@
                 </a:tc>
                 <a:extLst>
                   <a:ext uri="{0D108BD9-81ED-4DB2-BD59-A6C34878D82A}">
-                    <a16:rowId xmlns:a16="http://schemas.microsoft.com/office/drawing/2014/main" xmlns="" val="10002"/>
+                    <a16:rowId xmlns:a16="http://schemas.microsoft.com/office/drawing/2014/main" val="10002"/>
                   </a:ext>
                 </a:extLst>
               </a:tr>
@@ -12964,10 +12716,9 @@
                     <a:lstStyle/>
                     <a:p>
                       <a:r>
-                        <a:rPr lang="en-US" dirty="0" smtClean="0"/>
+                        <a:rPr lang="en-US" dirty="0"/>
                         <a:t>Nested if statement</a:t>
                       </a:r>
-                      <a:endParaRPr lang="en-US" dirty="0"/>
                     </a:p>
                   </a:txBody>
                   <a:tcPr anchor="ctr"/>
@@ -12979,7 +12730,7 @@
                     <a:p>
                       <a:pPr fontAlgn="t"/>
                       <a:r>
-                        <a:rPr lang="en-US" sz="1800" b="0" i="0" kern="1200" dirty="0" smtClean="0">
+                        <a:rPr lang="en-US" sz="1800" b="0" i="0" kern="1200" dirty="0">
                           <a:solidFill>
                             <a:schemeClr val="dk1"/>
                           </a:solidFill>
@@ -12991,7 +12742,7 @@
                         <a:t>You can use one </a:t>
                       </a:r>
                       <a:r>
-                        <a:rPr lang="en-US" sz="1800" b="1" i="0" kern="1200" dirty="0" smtClean="0">
+                        <a:rPr lang="en-US" sz="1800" b="1" i="0" kern="1200" dirty="0">
                           <a:solidFill>
                             <a:schemeClr val="dk1"/>
                           </a:solidFill>
@@ -13003,7 +12754,7 @@
                         <a:t>if</a:t>
                       </a:r>
                       <a:r>
-                        <a:rPr lang="en-US" sz="1800" b="0" i="0" kern="1200" dirty="0" smtClean="0">
+                        <a:rPr lang="en-US" sz="1800" b="0" i="0" kern="1200" dirty="0">
                           <a:solidFill>
                             <a:schemeClr val="dk1"/>
                           </a:solidFill>
@@ -13015,7 +12766,7 @@
                         <a:t> or </a:t>
                       </a:r>
                       <a:r>
-                        <a:rPr lang="en-US" sz="1800" b="1" i="0" kern="1200" dirty="0" smtClean="0">
+                        <a:rPr lang="en-US" sz="1800" b="1" i="0" kern="1200" dirty="0">
                           <a:solidFill>
                             <a:schemeClr val="dk1"/>
                           </a:solidFill>
@@ -13027,7 +12778,7 @@
                         <a:t>else if</a:t>
                       </a:r>
                       <a:r>
-                        <a:rPr lang="en-US" sz="1800" b="0" i="0" kern="1200" dirty="0" smtClean="0">
+                        <a:rPr lang="en-US" sz="1800" b="0" i="0" kern="1200" dirty="0">
                           <a:solidFill>
                             <a:schemeClr val="dk1"/>
                           </a:solidFill>
@@ -13039,7 +12790,7 @@
                         <a:t> statement inside another </a:t>
                       </a:r>
                       <a:r>
-                        <a:rPr lang="en-US" sz="1800" b="1" i="0" kern="1200" dirty="0" smtClean="0">
+                        <a:rPr lang="en-US" sz="1800" b="1" i="0" kern="1200" dirty="0">
                           <a:solidFill>
                             <a:schemeClr val="dk1"/>
                           </a:solidFill>
@@ -13051,7 +12802,7 @@
                         <a:t>if</a:t>
                       </a:r>
                       <a:r>
-                        <a:rPr lang="en-US" sz="1800" b="0" i="0" kern="1200" dirty="0" smtClean="0">
+                        <a:rPr lang="en-US" sz="1800" b="0" i="0" kern="1200" dirty="0">
                           <a:solidFill>
                             <a:schemeClr val="dk1"/>
                           </a:solidFill>
@@ -13063,7 +12814,7 @@
                         <a:t> or </a:t>
                       </a:r>
                       <a:r>
-                        <a:rPr lang="en-US" sz="1800" b="1" i="0" kern="1200" dirty="0" smtClean="0">
+                        <a:rPr lang="en-US" sz="1800" b="1" i="0" kern="1200" dirty="0">
                           <a:solidFill>
                             <a:schemeClr val="dk1"/>
                           </a:solidFill>
@@ -13075,7 +12826,7 @@
                         <a:t>else if</a:t>
                       </a:r>
                       <a:r>
-                        <a:rPr lang="en-US" sz="1800" b="0" i="0" kern="1200" dirty="0" smtClean="0">
+                        <a:rPr lang="en-US" sz="1800" b="0" i="0" kern="1200" dirty="0">
                           <a:solidFill>
                             <a:schemeClr val="dk1"/>
                           </a:solidFill>
@@ -13099,82 +12850,82 @@
                     <a:lstStyle/>
                     <a:p>
                       <a:r>
-                        <a:rPr lang="en-US" dirty="0" err="1" smtClean="0"/>
+                        <a:rPr lang="en-US" dirty="0" err="1"/>
                         <a:t>var</a:t>
                       </a:r>
                       <a:r>
-                        <a:rPr lang="en-US" dirty="0" smtClean="0"/>
+                        <a:rPr lang="en-US" dirty="0"/>
                         <a:t> = 100</a:t>
                       </a:r>
                     </a:p>
                     <a:p>
                       <a:r>
-                        <a:rPr lang="en-US" dirty="0" smtClean="0"/>
+                        <a:rPr lang="en-US" dirty="0"/>
                         <a:t>if ( </a:t>
                       </a:r>
                       <a:r>
-                        <a:rPr lang="en-US" dirty="0" err="1" smtClean="0"/>
+                        <a:rPr lang="en-US" dirty="0" err="1"/>
                         <a:t>var</a:t>
                       </a:r>
                       <a:r>
-                        <a:rPr lang="en-US" dirty="0" smtClean="0"/>
+                        <a:rPr lang="en-US" dirty="0"/>
                         <a:t> &gt;50) : </a:t>
                       </a:r>
                     </a:p>
                     <a:p>
                       <a:r>
-                        <a:rPr lang="en-US" dirty="0" smtClean="0"/>
+                        <a:rPr lang="en-US" dirty="0"/>
                         <a:t>     print</a:t>
                       </a:r>
                       <a:r>
-                        <a:rPr lang="en-US" baseline="0" dirty="0" smtClean="0"/>
+                        <a:rPr lang="en-US" baseline="0" dirty="0"/>
                         <a:t> “something”</a:t>
                       </a:r>
                     </a:p>
                     <a:p>
                       <a:r>
-                        <a:rPr lang="en-US" baseline="0" dirty="0" smtClean="0"/>
+                        <a:rPr lang="en-US" baseline="0" dirty="0"/>
                         <a:t>     if (</a:t>
                       </a:r>
                       <a:r>
-                        <a:rPr lang="en-US" baseline="0" dirty="0" err="1" smtClean="0"/>
+                        <a:rPr lang="en-US" baseline="0" dirty="0" err="1"/>
                         <a:t>var</a:t>
                       </a:r>
                       <a:r>
-                        <a:rPr lang="en-US" baseline="0" dirty="0" smtClean="0"/>
+                        <a:rPr lang="en-US" baseline="0" dirty="0"/>
                         <a:t> &gt;80): </a:t>
                       </a:r>
                     </a:p>
                     <a:p>
                       <a:r>
-                        <a:rPr lang="en-US" baseline="0" dirty="0" smtClean="0"/>
+                        <a:rPr lang="en-US" baseline="0" dirty="0"/>
                         <a:t>           print “</a:t>
                       </a:r>
                       <a:r>
-                        <a:rPr lang="en-US" baseline="0" dirty="0" err="1" smtClean="0"/>
+                        <a:rPr lang="en-US" baseline="0" dirty="0" err="1"/>
                         <a:t>greate</a:t>
                       </a:r>
                       <a:r>
-                        <a:rPr lang="en-US" baseline="0" dirty="0" smtClean="0"/>
+                        <a:rPr lang="en-US" baseline="0" dirty="0"/>
                         <a:t>”</a:t>
                       </a:r>
                     </a:p>
                     <a:p>
                       <a:r>
-                        <a:rPr lang="en-US" baseline="0" dirty="0" smtClean="0"/>
+                        <a:rPr lang="en-US" baseline="0" dirty="0"/>
                         <a:t>else:</a:t>
                       </a:r>
                     </a:p>
                     <a:p>
                       <a:r>
-                        <a:rPr lang="en-US" dirty="0" smtClean="0"/>
+                        <a:rPr lang="en-US" dirty="0"/>
                         <a:t>     print</a:t>
                       </a:r>
                       <a:r>
-                        <a:rPr lang="en-US" baseline="0" dirty="0" smtClean="0"/>
+                        <a:rPr lang="en-US" baseline="0" dirty="0"/>
                         <a:t> “nothing”</a:t>
                       </a:r>
-                      <a:endParaRPr lang="en-US" dirty="0" smtClean="0"/>
+                      <a:endParaRPr lang="en-US" dirty="0"/>
                     </a:p>
                     <a:p>
                       <a:endParaRPr lang="en-US" dirty="0"/>
@@ -13184,7 +12935,7 @@
                 </a:tc>
                 <a:extLst>
                   <a:ext uri="{0D108BD9-81ED-4DB2-BD59-A6C34878D82A}">
-                    <a16:rowId xmlns:a16="http://schemas.microsoft.com/office/drawing/2014/main" xmlns="" val="1860780884"/>
+                    <a16:rowId xmlns:a16="http://schemas.microsoft.com/office/drawing/2014/main" val="1860780884"/>
                   </a:ext>
                 </a:extLst>
               </a:tr>
@@ -13245,20 +12996,12 @@
           <a:lstStyle/>
           <a:p>
             <a:r>
-              <a:rPr lang="fr-FR" b="1" dirty="0" smtClean="0"/>
+              <a:rPr lang="fr-FR" b="1" dirty="0"/>
               <a:t>Loop</a:t>
-            </a:r>
-            <a:r>
-              <a:rPr lang="fr-FR" b="1" dirty="0"/>
-              <a:t/>
             </a:r>
             <a:br>
               <a:rPr lang="fr-FR" b="1" dirty="0"/>
             </a:br>
-            <a:r>
-              <a:rPr lang="en-US" b="1" dirty="0"/>
-              <a:t/>
-            </a:r>
             <a:br>
               <a:rPr lang="en-US" b="1" dirty="0"/>
             </a:br>
@@ -13276,7 +13019,7 @@
             <p:ph idx="1"/>
             <p:extLst>
               <p:ext uri="{D42A27DB-BD31-4B8C-83A1-F6EECF244321}">
-                <p14:modId xmlns:p14="http://schemas.microsoft.com/office/powerpoint/2010/main" val="1550542303"/>
+                <p14:modId xmlns:p14="http://schemas.microsoft.com/office/powerpoint/2010/main" val="1937754600"/>
               </p:ext>
             </p:extLst>
           </p:nvPr>
@@ -13295,21 +13038,21 @@
                 <a:gridCol w="2667000">
                   <a:extLst>
                     <a:ext uri="{9D8B030D-6E8A-4147-A177-3AD203B41FA5}">
-                      <a16:colId xmlns:a16="http://schemas.microsoft.com/office/drawing/2014/main" xmlns="" val="20000"/>
+                      <a16:colId xmlns:a16="http://schemas.microsoft.com/office/drawing/2014/main" val="20000"/>
                     </a:ext>
                   </a:extLst>
                 </a:gridCol>
                 <a:gridCol w="4030024">
                   <a:extLst>
                     <a:ext uri="{9D8B030D-6E8A-4147-A177-3AD203B41FA5}">
-                      <a16:colId xmlns:a16="http://schemas.microsoft.com/office/drawing/2014/main" xmlns="" val="20001"/>
+                      <a16:colId xmlns:a16="http://schemas.microsoft.com/office/drawing/2014/main" val="20001"/>
                     </a:ext>
                   </a:extLst>
                 </a:gridCol>
                 <a:gridCol w="3348512">
                   <a:extLst>
                     <a:ext uri="{9D8B030D-6E8A-4147-A177-3AD203B41FA5}">
-                      <a16:colId xmlns:a16="http://schemas.microsoft.com/office/drawing/2014/main" xmlns="" val="20002"/>
+                      <a16:colId xmlns:a16="http://schemas.microsoft.com/office/drawing/2014/main" val="20002"/>
                     </a:ext>
                   </a:extLst>
                 </a:gridCol>
@@ -13321,14 +13064,11 @@
                     <a:lstStyle/>
                     <a:p>
                       <a:r>
-                        <a:rPr lang="en-US" dirty="0" smtClean="0">
+                        <a:rPr lang="en-US" dirty="0">
                           <a:effectLst/>
                         </a:rPr>
                         <a:t>Statement</a:t>
                       </a:r>
-                      <a:endParaRPr lang="en-US" dirty="0">
-                        <a:effectLst/>
-                      </a:endParaRPr>
                     </a:p>
                   </a:txBody>
                   <a:tcPr anchor="ctr"/>
@@ -13363,7 +13103,7 @@
                 </a:tc>
                 <a:extLst>
                   <a:ext uri="{0D108BD9-81ED-4DB2-BD59-A6C34878D82A}">
-                    <a16:rowId xmlns:a16="http://schemas.microsoft.com/office/drawing/2014/main" xmlns="" val="10000"/>
+                    <a16:rowId xmlns:a16="http://schemas.microsoft.com/office/drawing/2014/main" val="10000"/>
                   </a:ext>
                 </a:extLst>
               </a:tr>
@@ -13374,11 +13114,11 @@
                     <a:lstStyle/>
                     <a:p>
                       <a:r>
-                        <a:rPr lang="en-US" dirty="0" smtClean="0"/>
+                        <a:rPr lang="en-US" dirty="0"/>
                         <a:t>While</a:t>
                       </a:r>
                       <a:r>
-                        <a:rPr lang="en-US" baseline="0" dirty="0" smtClean="0"/>
+                        <a:rPr lang="en-US" baseline="0" dirty="0"/>
                         <a:t> loop</a:t>
                       </a:r>
                       <a:endParaRPr lang="en-US" dirty="0"/>
@@ -13392,7 +13132,7 @@
                     <a:lstStyle/>
                     <a:p>
                       <a:r>
-                        <a:rPr lang="en-US" sz="1800" b="0" i="0" kern="1200" dirty="0" smtClean="0">
+                        <a:rPr lang="en-US" sz="1800" b="0" i="0" kern="1200" dirty="0">
                           <a:solidFill>
                             <a:schemeClr val="dk1"/>
                           </a:solidFill>
@@ -13414,55 +13154,58 @@
                     <a:lstStyle/>
                     <a:p>
                       <a:r>
-                        <a:rPr lang="en-US" dirty="0" err="1" smtClean="0"/>
-                        <a:t>Var</a:t>
-                      </a:r>
-                      <a:r>
-                        <a:rPr lang="en-US" baseline="0" dirty="0" smtClean="0"/>
+                        <a:rPr lang="en-US" dirty="0" err="1"/>
+                        <a:t>var</a:t>
+                      </a:r>
+                      <a:r>
+                        <a:rPr lang="en-US" dirty="0"/>
                         <a:t> =100</a:t>
                       </a:r>
                     </a:p>
                     <a:p>
                       <a:r>
-                        <a:rPr lang="en-US" baseline="0" dirty="0" smtClean="0"/>
-                        <a:t>While </a:t>
-                      </a:r>
-                      <a:r>
-                        <a:rPr lang="en-US" baseline="0" dirty="0" err="1" smtClean="0"/>
+                        <a:rPr lang="en-US" dirty="0"/>
+                        <a:t>while </a:t>
+                      </a:r>
+                      <a:r>
+                        <a:rPr lang="en-US" dirty="0" err="1"/>
                         <a:t>var</a:t>
                       </a:r>
                       <a:r>
-                        <a:rPr lang="en-US" baseline="0" dirty="0" smtClean="0"/>
+                        <a:rPr lang="en-US" dirty="0"/>
                         <a:t> &gt;50:</a:t>
                       </a:r>
                     </a:p>
                     <a:p>
                       <a:r>
-                        <a:rPr lang="en-US" baseline="0" dirty="0" smtClean="0"/>
-                        <a:t>      print </a:t>
-                      </a:r>
-                      <a:r>
-                        <a:rPr lang="en-US" baseline="0" dirty="0" err="1" smtClean="0"/>
+                        <a:rPr lang="en-US" dirty="0"/>
+                        <a:t>    print(</a:t>
+                      </a:r>
+                      <a:r>
+                        <a:rPr lang="en-US" dirty="0" err="1"/>
                         <a:t>var</a:t>
                       </a:r>
-                      <a:endParaRPr lang="en-US" baseline="0" dirty="0" smtClean="0"/>
+                      <a:r>
+                        <a:rPr lang="en-US" dirty="0"/>
+                        <a:t>)</a:t>
+                      </a:r>
                     </a:p>
                     <a:p>
                       <a:r>
-                        <a:rPr lang="en-US" baseline="0" dirty="0" smtClean="0"/>
-                        <a:t>       </a:t>
-                      </a:r>
-                      <a:r>
-                        <a:rPr lang="en-US" baseline="0" dirty="0" err="1" smtClean="0"/>
+                        <a:rPr lang="en-US" dirty="0"/>
+                        <a:t>    </a:t>
+                      </a:r>
+                      <a:r>
+                        <a:rPr lang="en-US" dirty="0" err="1"/>
                         <a:t>var</a:t>
                       </a:r>
                       <a:r>
-                        <a:rPr lang="en-US" baseline="0" dirty="0" smtClean="0"/>
+                        <a:rPr lang="en-US" dirty="0"/>
                         <a:t> -=10</a:t>
                       </a:r>
                     </a:p>
                     <a:p>
-                      <a:endParaRPr lang="en-US" baseline="0" dirty="0" smtClean="0"/>
+                      <a:endParaRPr lang="en-US" baseline="0" dirty="0"/>
                     </a:p>
                     <a:p>
                       <a:endParaRPr lang="en-US" dirty="0"/>
@@ -13472,7 +13215,7 @@
                 </a:tc>
                 <a:extLst>
                   <a:ext uri="{0D108BD9-81ED-4DB2-BD59-A6C34878D82A}">
-                    <a16:rowId xmlns:a16="http://schemas.microsoft.com/office/drawing/2014/main" xmlns="" val="10001"/>
+                    <a16:rowId xmlns:a16="http://schemas.microsoft.com/office/drawing/2014/main" val="10001"/>
                   </a:ext>
                 </a:extLst>
               </a:tr>
@@ -13483,11 +13226,11 @@
                     <a:lstStyle/>
                     <a:p>
                       <a:r>
-                        <a:rPr lang="en-US" dirty="0" smtClean="0"/>
+                        <a:rPr lang="en-US" dirty="0"/>
                         <a:t>for</a:t>
                       </a:r>
                       <a:r>
-                        <a:rPr lang="en-US" baseline="0" dirty="0" smtClean="0"/>
+                        <a:rPr lang="en-US" baseline="0" dirty="0"/>
                         <a:t> loop</a:t>
                       </a:r>
                       <a:endParaRPr lang="en-US" dirty="0"/>
@@ -13502,7 +13245,7 @@
                     <a:p>
                       <a:pPr fontAlgn="t"/>
                       <a:r>
-                        <a:rPr lang="en-US" sz="1800" b="0" i="0" kern="1200" dirty="0" smtClean="0">
+                        <a:rPr lang="en-US" sz="1800" b="0" i="0" kern="1200" dirty="0">
                           <a:solidFill>
                             <a:schemeClr val="dk1"/>
                           </a:solidFill>
@@ -13526,27 +13269,26 @@
                     <a:lstStyle/>
                     <a:p>
                       <a:r>
-                        <a:rPr lang="en-US" dirty="0" smtClean="0"/>
+                        <a:rPr lang="en-US" dirty="0"/>
                         <a:t>For x</a:t>
                       </a:r>
                       <a:r>
-                        <a:rPr lang="en-US" baseline="0" dirty="0" smtClean="0"/>
+                        <a:rPr lang="en-US" baseline="0" dirty="0"/>
                         <a:t> in range(20):</a:t>
                       </a:r>
                     </a:p>
                     <a:p>
                       <a:r>
-                        <a:rPr lang="en-US" baseline="0" dirty="0" smtClean="0"/>
+                        <a:rPr lang="en-US" baseline="0" dirty="0"/>
                         <a:t>     print x</a:t>
                       </a:r>
-                      <a:endParaRPr lang="en-US" baseline="0" dirty="0" smtClean="0"/>
                     </a:p>
                   </a:txBody>
                   <a:tcPr anchor="ctr"/>
                 </a:tc>
                 <a:extLst>
                   <a:ext uri="{0D108BD9-81ED-4DB2-BD59-A6C34878D82A}">
-                    <a16:rowId xmlns:a16="http://schemas.microsoft.com/office/drawing/2014/main" xmlns="" val="10002"/>
+                    <a16:rowId xmlns:a16="http://schemas.microsoft.com/office/drawing/2014/main" val="10002"/>
                   </a:ext>
                 </a:extLst>
               </a:tr>
@@ -13579,11 +13321,16 @@
                     <a:bodyPr/>
                     <a:lstStyle/>
                     <a:p>
-                      <a:endParaRPr lang="en-US" baseline="0" dirty="0" smtClean="0"/>
+                      <a:endParaRPr lang="en-US" baseline="0" dirty="0"/>
                     </a:p>
                   </a:txBody>
                   <a:tcPr anchor="ctr"/>
                 </a:tc>
+                <a:extLst>
+                  <a:ext uri="{0D108BD9-81ED-4DB2-BD59-A6C34878D82A}">
+                    <a16:rowId xmlns:a16="http://schemas.microsoft.com/office/drawing/2014/main" val="10003"/>
+                  </a:ext>
+                </a:extLst>
               </a:tr>
             </a:tbl>
           </a:graphicData>
@@ -13642,24 +13389,16 @@
           <a:lstStyle/>
           <a:p>
             <a:r>
-              <a:rPr lang="fr-FR" b="1" dirty="0" smtClean="0"/>
+              <a:rPr lang="fr-FR" b="1" dirty="0"/>
               <a:t>Loop Control </a:t>
             </a:r>
             <a:r>
-              <a:rPr lang="fr-FR" b="1" dirty="0" err="1" smtClean="0"/>
+              <a:rPr lang="fr-FR" b="1" dirty="0" err="1"/>
               <a:t>statement</a:t>
-            </a:r>
-            <a:r>
-              <a:rPr lang="fr-FR" b="1" dirty="0"/>
-              <a:t/>
             </a:r>
             <a:br>
               <a:rPr lang="fr-FR" b="1" dirty="0"/>
             </a:br>
-            <a:r>
-              <a:rPr lang="en-US" b="1" dirty="0"/>
-              <a:t/>
-            </a:r>
             <a:br>
               <a:rPr lang="en-US" b="1" dirty="0"/>
             </a:br>
@@ -13696,21 +13435,21 @@
                 <a:gridCol w="2667000">
                   <a:extLst>
                     <a:ext uri="{9D8B030D-6E8A-4147-A177-3AD203B41FA5}">
-                      <a16:colId xmlns:a16="http://schemas.microsoft.com/office/drawing/2014/main" xmlns="" val="20000"/>
+                      <a16:colId xmlns:a16="http://schemas.microsoft.com/office/drawing/2014/main" val="20000"/>
                     </a:ext>
                   </a:extLst>
                 </a:gridCol>
                 <a:gridCol w="4030024">
                   <a:extLst>
                     <a:ext uri="{9D8B030D-6E8A-4147-A177-3AD203B41FA5}">
-                      <a16:colId xmlns:a16="http://schemas.microsoft.com/office/drawing/2014/main" xmlns="" val="20001"/>
+                      <a16:colId xmlns:a16="http://schemas.microsoft.com/office/drawing/2014/main" val="20001"/>
                     </a:ext>
                   </a:extLst>
                 </a:gridCol>
                 <a:gridCol w="3348512">
                   <a:extLst>
                     <a:ext uri="{9D8B030D-6E8A-4147-A177-3AD203B41FA5}">
-                      <a16:colId xmlns:a16="http://schemas.microsoft.com/office/drawing/2014/main" xmlns="" val="20002"/>
+                      <a16:colId xmlns:a16="http://schemas.microsoft.com/office/drawing/2014/main" val="20002"/>
                     </a:ext>
                   </a:extLst>
                 </a:gridCol>
@@ -13722,14 +13461,11 @@
                     <a:lstStyle/>
                     <a:p>
                       <a:r>
-                        <a:rPr lang="en-US" dirty="0" smtClean="0">
+                        <a:rPr lang="en-US" dirty="0">
                           <a:effectLst/>
                         </a:rPr>
                         <a:t>Control Statement</a:t>
                       </a:r>
-                      <a:endParaRPr lang="en-US" dirty="0">
-                        <a:effectLst/>
-                      </a:endParaRPr>
                     </a:p>
                   </a:txBody>
                   <a:tcPr anchor="ctr"/>
@@ -13764,7 +13500,7 @@
                 </a:tc>
                 <a:extLst>
                   <a:ext uri="{0D108BD9-81ED-4DB2-BD59-A6C34878D82A}">
-                    <a16:rowId xmlns:a16="http://schemas.microsoft.com/office/drawing/2014/main" xmlns="" val="10000"/>
+                    <a16:rowId xmlns:a16="http://schemas.microsoft.com/office/drawing/2014/main" val="10000"/>
                   </a:ext>
                 </a:extLst>
               </a:tr>
@@ -13775,11 +13511,11 @@
                     <a:lstStyle/>
                     <a:p>
                       <a:r>
-                        <a:rPr lang="en-US" dirty="0" smtClean="0"/>
+                        <a:rPr lang="en-US" dirty="0"/>
                         <a:t>Break</a:t>
                       </a:r>
                       <a:r>
-                        <a:rPr lang="en-US" baseline="0" dirty="0" smtClean="0"/>
+                        <a:rPr lang="en-US" baseline="0" dirty="0"/>
                         <a:t> statement</a:t>
                       </a:r>
                       <a:endParaRPr lang="en-US" dirty="0"/>
@@ -13794,16 +13530,10 @@
                     <a:p>
                       <a:pPr fontAlgn="t"/>
                       <a:r>
-                        <a:rPr lang="en-US" dirty="0" smtClean="0">
-                          <a:effectLst/>
-                        </a:rPr>
-                        <a:t>Terminates </a:t>
-                      </a:r>
-                      <a:r>
                         <a:rPr lang="en-US" dirty="0">
                           <a:effectLst/>
                         </a:rPr>
-                        <a:t>the loop statement and transfers execution to the statement immediately following the loop.</a:t>
+                        <a:t>Terminates the loop statement and transfers execution to the statement immediately following the loop.</a:t>
                       </a:r>
                     </a:p>
                   </a:txBody>
@@ -13815,29 +13545,29 @@
                     <a:lstStyle/>
                     <a:p>
                       <a:r>
-                        <a:rPr lang="en-US" dirty="0" smtClean="0"/>
+                        <a:rPr lang="en-US" dirty="0"/>
                         <a:t>For x</a:t>
                       </a:r>
                       <a:r>
-                        <a:rPr lang="en-US" baseline="0" dirty="0" smtClean="0"/>
+                        <a:rPr lang="en-US" baseline="0" dirty="0"/>
                         <a:t> in range(20):</a:t>
                       </a:r>
                     </a:p>
                     <a:p>
                       <a:r>
-                        <a:rPr lang="en-US" baseline="0" dirty="0" smtClean="0"/>
+                        <a:rPr lang="en-US" baseline="0" dirty="0"/>
                         <a:t>        if(x==5):</a:t>
                       </a:r>
                     </a:p>
                     <a:p>
                       <a:r>
-                        <a:rPr lang="en-US" baseline="0" dirty="0" smtClean="0"/>
+                        <a:rPr lang="en-US" baseline="0" dirty="0"/>
                         <a:t>                break</a:t>
                       </a:r>
                     </a:p>
                     <a:p>
                       <a:r>
-                        <a:rPr lang="en-US" baseline="0" dirty="0" smtClean="0"/>
+                        <a:rPr lang="en-US" baseline="0" dirty="0"/>
                         <a:t>        print x</a:t>
                       </a:r>
                     </a:p>
@@ -13846,7 +13576,7 @@
                 </a:tc>
                 <a:extLst>
                   <a:ext uri="{0D108BD9-81ED-4DB2-BD59-A6C34878D82A}">
-                    <a16:rowId xmlns:a16="http://schemas.microsoft.com/office/drawing/2014/main" xmlns="" val="10001"/>
+                    <a16:rowId xmlns:a16="http://schemas.microsoft.com/office/drawing/2014/main" val="10001"/>
                   </a:ext>
                 </a:extLst>
               </a:tr>
@@ -13857,10 +13587,9 @@
                     <a:lstStyle/>
                     <a:p>
                       <a:r>
-                        <a:rPr lang="en-US" dirty="0" smtClean="0"/>
+                        <a:rPr lang="en-US" dirty="0"/>
                         <a:t>Continue statement</a:t>
                       </a:r>
-                      <a:endParaRPr lang="en-US" dirty="0"/>
                     </a:p>
                   </a:txBody>
                   <a:tcPr anchor="ctr"/>
@@ -13872,7 +13601,7 @@
                     <a:p>
                       <a:pPr fontAlgn="t"/>
                       <a:r>
-                        <a:rPr lang="en-US" sz="1800" b="0" i="0" kern="1200" dirty="0" smtClean="0">
+                        <a:rPr lang="en-US" sz="1800" b="0" i="0" kern="1200" dirty="0">
                           <a:solidFill>
                             <a:schemeClr val="dk1"/>
                           </a:solidFill>
@@ -13896,29 +13625,29 @@
                     <a:lstStyle/>
                     <a:p>
                       <a:r>
-                        <a:rPr lang="en-US" dirty="0" smtClean="0"/>
+                        <a:rPr lang="en-US" dirty="0"/>
                         <a:t>For x</a:t>
                       </a:r>
                       <a:r>
-                        <a:rPr lang="en-US" baseline="0" dirty="0" smtClean="0"/>
+                        <a:rPr lang="en-US" baseline="0" dirty="0"/>
                         <a:t> in range(20):</a:t>
                       </a:r>
                     </a:p>
                     <a:p>
                       <a:r>
-                        <a:rPr lang="en-US" baseline="0" dirty="0" smtClean="0"/>
+                        <a:rPr lang="en-US" baseline="0" dirty="0"/>
                         <a:t>        if(x==5):</a:t>
                       </a:r>
                     </a:p>
                     <a:p>
                       <a:r>
-                        <a:rPr lang="en-US" baseline="0" dirty="0" smtClean="0"/>
+                        <a:rPr lang="en-US" baseline="0" dirty="0"/>
                         <a:t>                continue</a:t>
                       </a:r>
                     </a:p>
                     <a:p>
                       <a:r>
-                        <a:rPr lang="en-US" baseline="0" dirty="0" smtClean="0"/>
+                        <a:rPr lang="en-US" baseline="0" dirty="0"/>
                         <a:t>        print x</a:t>
                       </a:r>
                     </a:p>
@@ -13930,7 +13659,7 @@
                 </a:tc>
                 <a:extLst>
                   <a:ext uri="{0D108BD9-81ED-4DB2-BD59-A6C34878D82A}">
-                    <a16:rowId xmlns:a16="http://schemas.microsoft.com/office/drawing/2014/main" xmlns="" val="10002"/>
+                    <a16:rowId xmlns:a16="http://schemas.microsoft.com/office/drawing/2014/main" val="10002"/>
                   </a:ext>
                 </a:extLst>
               </a:tr>
@@ -13941,10 +13670,9 @@
                     <a:lstStyle/>
                     <a:p>
                       <a:r>
-                        <a:rPr lang="en-US" dirty="0" smtClean="0"/>
+                        <a:rPr lang="en-US" dirty="0"/>
                         <a:t>Pass statement</a:t>
                       </a:r>
-                      <a:endParaRPr lang="en-US" dirty="0"/>
                     </a:p>
                   </a:txBody>
                   <a:tcPr anchor="ctr"/>
@@ -13956,7 +13684,7 @@
                     <a:p>
                       <a:pPr fontAlgn="t"/>
                       <a:r>
-                        <a:rPr lang="en-US" sz="1800" b="0" i="0" kern="1200" dirty="0" smtClean="0">
+                        <a:rPr lang="en-US" sz="1800" b="0" i="0" kern="1200" dirty="0">
                           <a:solidFill>
                             <a:schemeClr val="dk1"/>
                           </a:solidFill>
@@ -13980,25 +13708,25 @@
                     <a:lstStyle/>
                     <a:p>
                       <a:r>
-                        <a:rPr lang="en-US" dirty="0" smtClean="0"/>
+                        <a:rPr lang="en-US" dirty="0"/>
                         <a:t>Def </a:t>
                       </a:r>
                       <a:r>
-                        <a:rPr lang="en-US" dirty="0" err="1" smtClean="0"/>
+                        <a:rPr lang="en-US" dirty="0" err="1"/>
                         <a:t>functionname</a:t>
                       </a:r>
                       <a:r>
-                        <a:rPr lang="en-US" dirty="0" smtClean="0"/>
+                        <a:rPr lang="en-US" dirty="0"/>
                         <a:t>:</a:t>
                       </a:r>
                       <a:r>
-                        <a:rPr lang="en-US" baseline="0" dirty="0" smtClean="0"/>
+                        <a:rPr lang="en-US" baseline="0" dirty="0"/>
                         <a:t> </a:t>
                       </a:r>
                     </a:p>
                     <a:p>
                       <a:r>
-                        <a:rPr lang="en-US" dirty="0" smtClean="0"/>
+                        <a:rPr lang="en-US" dirty="0"/>
                         <a:t>       pass</a:t>
                       </a:r>
                     </a:p>
@@ -14010,7 +13738,7 @@
                 </a:tc>
                 <a:extLst>
                   <a:ext uri="{0D108BD9-81ED-4DB2-BD59-A6C34878D82A}">
-                    <a16:rowId xmlns:a16="http://schemas.microsoft.com/office/drawing/2014/main" xmlns="" val="1860780884"/>
+                    <a16:rowId xmlns:a16="http://schemas.microsoft.com/office/drawing/2014/main" val="1860780884"/>
                   </a:ext>
                 </a:extLst>
               </a:tr>
@@ -14050,7 +13778,7 @@
                 </a:tc>
                 <a:extLst>
                   <a:ext uri="{0D108BD9-81ED-4DB2-BD59-A6C34878D82A}">
-                    <a16:rowId xmlns:a16="http://schemas.microsoft.com/office/drawing/2014/main" xmlns="" val="2323740672"/>
+                    <a16:rowId xmlns:a16="http://schemas.microsoft.com/office/drawing/2014/main" val="2323740672"/>
                   </a:ext>
                 </a:extLst>
               </a:tr>
@@ -14111,12 +13839,8 @@
           <a:lstStyle/>
           <a:p>
             <a:r>
-              <a:rPr lang="fr-FR" b="1" dirty="0" err="1" smtClean="0"/>
+              <a:rPr lang="fr-FR" b="1" dirty="0" err="1"/>
               <a:t>Function</a:t>
-            </a:r>
-            <a:r>
-              <a:rPr lang="en-US" b="1" dirty="0"/>
-              <a:t/>
             </a:r>
             <a:br>
               <a:rPr lang="en-US" b="1" dirty="0"/>
@@ -14203,28 +13927,20 @@
           <a:lstStyle/>
           <a:p>
             <a:r>
-              <a:rPr lang="fr-FR" b="1" dirty="0" err="1" smtClean="0"/>
+              <a:rPr lang="fr-FR" b="1" dirty="0" err="1"/>
               <a:t>Defining</a:t>
             </a:r>
             <a:r>
-              <a:rPr lang="fr-FR" b="1" dirty="0" smtClean="0"/>
+              <a:rPr lang="fr-FR" b="1" dirty="0"/>
               <a:t> a </a:t>
             </a:r>
             <a:r>
-              <a:rPr lang="fr-FR" b="1" dirty="0" err="1" smtClean="0"/>
+              <a:rPr lang="fr-FR" b="1" dirty="0" err="1"/>
               <a:t>Function</a:t>
-            </a:r>
-            <a:r>
-              <a:rPr lang="fr-FR" b="1" dirty="0"/>
-              <a:t/>
             </a:r>
             <a:br>
               <a:rPr lang="fr-FR" b="1" dirty="0"/>
             </a:br>
-            <a:r>
-              <a:rPr lang="en-US" b="1" dirty="0"/>
-              <a:t/>
-            </a:r>
             <a:br>
               <a:rPr lang="en-US" b="1" dirty="0"/>
             </a:br>
@@ -14349,28 +14065,20 @@
           <a:lstStyle/>
           <a:p>
             <a:r>
-              <a:rPr lang="fr-FR" b="1" dirty="0" err="1" smtClean="0"/>
+              <a:rPr lang="fr-FR" b="1" dirty="0" err="1"/>
               <a:t>Calling</a:t>
             </a:r>
             <a:r>
-              <a:rPr lang="fr-FR" b="1" dirty="0" smtClean="0"/>
+              <a:rPr lang="fr-FR" b="1" dirty="0"/>
               <a:t> a </a:t>
             </a:r>
             <a:r>
-              <a:rPr lang="fr-FR" b="1" dirty="0" err="1" smtClean="0"/>
+              <a:rPr lang="fr-FR" b="1" dirty="0" err="1"/>
               <a:t>Function</a:t>
-            </a:r>
-            <a:r>
-              <a:rPr lang="fr-FR" b="1" dirty="0"/>
-              <a:t/>
             </a:r>
             <a:br>
               <a:rPr lang="fr-FR" b="1" dirty="0"/>
             </a:br>
-            <a:r>
-              <a:rPr lang="en-US" b="1" dirty="0"/>
-              <a:t/>
-            </a:r>
             <a:br>
               <a:rPr lang="en-US" b="1" dirty="0"/>
             </a:br>
@@ -14400,11 +14108,7 @@
             </a:pPr>
             <a:r>
               <a:rPr lang="en-US" dirty="0"/>
-              <a:t>Once the basic structure of a function is finalized, you can execute it by calling it from another function or directly from the Python prompt. Following is the example to call </a:t>
-            </a:r>
-            <a:r>
-              <a:rPr lang="en-US" dirty="0" smtClean="0"/>
-              <a:t>function </a:t>
+              <a:t>Once the basic structure of a function is finalized, you can execute it by calling it from another function or directly from the Python prompt. Following is the example to call function </a:t>
             </a:r>
           </a:p>
           <a:p>
@@ -14412,7 +14116,7 @@
               <a:buNone/>
             </a:pPr>
             <a:r>
-              <a:rPr lang="en-US" dirty="0" smtClean="0"/>
+              <a:rPr lang="en-US" dirty="0"/>
               <a:t>Ex.</a:t>
             </a:r>
           </a:p>
@@ -14425,27 +14129,27 @@
               <a:t>d</a:t>
             </a:r>
             <a:r>
-              <a:rPr lang="en-US" dirty="0" err="1" smtClean="0"/>
+              <a:rPr lang="en-US" dirty="0" err="1"/>
               <a:t>ef</a:t>
             </a:r>
             <a:r>
-              <a:rPr lang="en-US" dirty="0" smtClean="0"/>
+              <a:rPr lang="en-US" dirty="0"/>
               <a:t> </a:t>
             </a:r>
             <a:r>
-              <a:rPr lang="en-US" dirty="0" err="1" smtClean="0"/>
+              <a:rPr lang="en-US" dirty="0" err="1"/>
               <a:t>printme</a:t>
             </a:r>
             <a:r>
-              <a:rPr lang="en-US" dirty="0" smtClean="0"/>
+              <a:rPr lang="en-US" dirty="0"/>
               <a:t>(</a:t>
             </a:r>
             <a:r>
-              <a:rPr lang="en-US" dirty="0" err="1" smtClean="0"/>
+              <a:rPr lang="en-US" dirty="0" err="1"/>
               <a:t>str</a:t>
             </a:r>
             <a:r>
-              <a:rPr lang="en-US" dirty="0" smtClean="0"/>
+              <a:rPr lang="en-US" dirty="0"/>
               <a:t>):</a:t>
             </a:r>
           </a:p>
@@ -14455,21 +14159,16 @@
             </a:pPr>
             <a:r>
               <a:rPr lang="en-US" dirty="0"/>
-              <a:t>	</a:t>
-            </a:r>
-            <a:r>
-              <a:rPr lang="en-US" dirty="0" smtClean="0"/>
-              <a:t>print(</a:t>
-            </a:r>
-            <a:r>
-              <a:rPr lang="en-US" dirty="0" err="1" smtClean="0"/>
+              <a:t>	print(</a:t>
+            </a:r>
+            <a:r>
+              <a:rPr lang="en-US" dirty="0" err="1"/>
               <a:t>str</a:t>
             </a:r>
             <a:r>
-              <a:rPr lang="en-US" dirty="0" smtClean="0"/>
+              <a:rPr lang="en-US" dirty="0"/>
               <a:t>)</a:t>
             </a:r>
-            <a:endParaRPr lang="en-US" dirty="0"/>
           </a:p>
           <a:p>
             <a:pPr marL="0" indent="0">
@@ -14480,11 +14179,11 @@
               <a:t>p</a:t>
             </a:r>
             <a:r>
-              <a:rPr lang="en-US" dirty="0" err="1" smtClean="0"/>
+              <a:rPr lang="en-US" dirty="0" err="1"/>
               <a:t>rintme</a:t>
             </a:r>
             <a:r>
-              <a:rPr lang="en-US" dirty="0" smtClean="0"/>
+              <a:rPr lang="en-US" dirty="0"/>
               <a:t>(“hello world”)</a:t>
             </a:r>
           </a:p>
@@ -14497,14 +14196,13 @@
               <a:t>p</a:t>
             </a:r>
             <a:r>
-              <a:rPr lang="en-US" dirty="0" err="1" smtClean="0"/>
+              <a:rPr lang="en-US" dirty="0" err="1"/>
               <a:t>rintme</a:t>
             </a:r>
             <a:r>
-              <a:rPr lang="en-US" dirty="0" smtClean="0"/>
+              <a:rPr lang="en-US" dirty="0"/>
               <a:t>(“test”)</a:t>
             </a:r>
-            <a:endParaRPr lang="en-US" dirty="0"/>
           </a:p>
         </p:txBody>
       </p:sp>
@@ -14561,20 +14259,12 @@
           <a:lstStyle/>
           <a:p>
             <a:r>
-              <a:rPr lang="fr-FR" b="1" dirty="0" smtClean="0"/>
+              <a:rPr lang="fr-FR" b="1" dirty="0"/>
               <a:t>Module</a:t>
-            </a:r>
-            <a:r>
-              <a:rPr lang="fr-FR" b="1" dirty="0"/>
-              <a:t/>
             </a:r>
             <a:br>
               <a:rPr lang="fr-FR" b="1" dirty="0"/>
             </a:br>
-            <a:r>
-              <a:rPr lang="en-US" b="1" dirty="0"/>
-              <a:t/>
-            </a:r>
             <a:br>
               <a:rPr lang="en-US" b="1" dirty="0"/>
             </a:br>
@@ -14604,27 +14294,7 @@
             </a:pPr>
             <a:r>
               <a:rPr lang="en-US" dirty="0"/>
-              <a:t>A</a:t>
-            </a:r>
-            <a:r>
-              <a:rPr lang="en-US" dirty="0" smtClean="0"/>
-              <a:t> </a:t>
-            </a:r>
-            <a:r>
-              <a:rPr lang="en-US" dirty="0"/>
-              <a:t>module is a file consisting of Python code. A module can define functions, </a:t>
-            </a:r>
-            <a:r>
-              <a:rPr lang="en-US" dirty="0" smtClean="0"/>
-              <a:t>classes </a:t>
-            </a:r>
-            <a:r>
-              <a:rPr lang="en-US" dirty="0"/>
-              <a:t>and variables. A module can also include runnable code</a:t>
-            </a:r>
-            <a:r>
-              <a:rPr lang="en-US" dirty="0" smtClean="0"/>
-              <a:t>.</a:t>
+              <a:t>A module is a file consisting of Python code. A module can define functions, classes and variables. A module can also include runnable code.</a:t>
             </a:r>
           </a:p>
           <a:p>
@@ -14682,14 +14352,14 @@
             <a:pPr marL="0" indent="0">
               <a:buNone/>
             </a:pPr>
-            <a:endParaRPr lang="en-US" dirty="0" smtClean="0"/>
+            <a:endParaRPr lang="en-US" dirty="0"/>
           </a:p>
           <a:p>
             <a:pPr marL="0" indent="0">
               <a:buNone/>
             </a:pPr>
             <a:r>
-              <a:rPr lang="en-US" sz="1400" dirty="0" smtClean="0"/>
+              <a:rPr lang="en-US" sz="1400" dirty="0"/>
               <a:t>a.py</a:t>
             </a:r>
           </a:p>
@@ -14702,27 +14372,27 @@
               <a:t> </a:t>
             </a:r>
             <a:r>
-              <a:rPr lang="en-US" sz="1400" dirty="0" err="1" smtClean="0"/>
+              <a:rPr lang="en-US" sz="1400" dirty="0" err="1"/>
               <a:t>def</a:t>
             </a:r>
             <a:r>
-              <a:rPr lang="en-US" sz="1400" dirty="0" smtClean="0"/>
+              <a:rPr lang="en-US" sz="1400" dirty="0"/>
               <a:t> </a:t>
             </a:r>
             <a:r>
-              <a:rPr lang="en-US" sz="1400" dirty="0" err="1" smtClean="0"/>
+              <a:rPr lang="en-US" sz="1400" dirty="0" err="1"/>
               <a:t>printeme</a:t>
             </a:r>
             <a:r>
-              <a:rPr lang="en-US" sz="1400" dirty="0" smtClean="0"/>
+              <a:rPr lang="en-US" sz="1400" dirty="0"/>
               <a:t>(</a:t>
             </a:r>
             <a:r>
-              <a:rPr lang="en-US" sz="1400" dirty="0" err="1" smtClean="0"/>
+              <a:rPr lang="en-US" sz="1400" dirty="0" err="1"/>
               <a:t>str</a:t>
             </a:r>
             <a:r>
-              <a:rPr lang="en-US" sz="1400" dirty="0" smtClean="0"/>
+              <a:rPr lang="en-US" sz="1400" dirty="0"/>
               <a:t>):</a:t>
             </a:r>
           </a:p>
@@ -14732,18 +14402,14 @@
             </a:pPr>
             <a:r>
               <a:rPr lang="en-US" sz="1400" dirty="0"/>
-              <a:t> </a:t>
-            </a:r>
-            <a:r>
-              <a:rPr lang="en-US" sz="1400" dirty="0" smtClean="0"/>
-              <a:t>       print(</a:t>
-            </a:r>
-            <a:r>
-              <a:rPr lang="en-US" sz="1400" dirty="0" err="1" smtClean="0"/>
+              <a:t>        print(</a:t>
+            </a:r>
+            <a:r>
+              <a:rPr lang="en-US" sz="1400" dirty="0" err="1"/>
               <a:t>str</a:t>
             </a:r>
             <a:r>
-              <a:rPr lang="en-US" sz="1400" dirty="0" smtClean="0"/>
+              <a:rPr lang="en-US" sz="1400" dirty="0"/>
               <a:t>)</a:t>
             </a:r>
           </a:p>
@@ -14752,7 +14418,7 @@
               <a:buNone/>
             </a:pPr>
             <a:r>
-              <a:rPr lang="en-US" sz="1400" dirty="0" smtClean="0"/>
+              <a:rPr lang="en-US" sz="1400" dirty="0"/>
               <a:t>b.py</a:t>
             </a:r>
           </a:p>
@@ -14761,14 +14427,14 @@
               <a:buNone/>
             </a:pPr>
             <a:r>
-              <a:rPr lang="en-US" sz="1400" dirty="0" smtClean="0"/>
+              <a:rPr lang="en-US" sz="1400" dirty="0"/>
               <a:t> from a import </a:t>
             </a:r>
             <a:r>
-              <a:rPr lang="en-US" sz="1400" dirty="0" err="1" smtClean="0"/>
+              <a:rPr lang="en-US" sz="1400" dirty="0" err="1"/>
               <a:t>printme</a:t>
             </a:r>
-            <a:endParaRPr lang="en-US" sz="1400" dirty="0" smtClean="0"/>
+            <a:endParaRPr lang="en-US" sz="1400" dirty="0"/>
           </a:p>
           <a:p>
             <a:pPr marL="0" indent="0">
@@ -14776,18 +14442,14 @@
             </a:pPr>
             <a:r>
               <a:rPr lang="en-US" sz="1400" dirty="0"/>
-              <a:t> </a:t>
-            </a:r>
-            <a:r>
-              <a:rPr lang="en-US" sz="1400" dirty="0" smtClean="0"/>
-              <a:t> </a:t>
-            </a:r>
-            <a:r>
-              <a:rPr lang="en-US" sz="1400" dirty="0" err="1" smtClean="0"/>
+              <a:t>  </a:t>
+            </a:r>
+            <a:r>
+              <a:rPr lang="en-US" sz="1400" dirty="0" err="1"/>
               <a:t>printme</a:t>
             </a:r>
             <a:r>
-              <a:rPr lang="en-US" sz="1400" dirty="0" smtClean="0"/>
+              <a:rPr lang="en-US" sz="1400" dirty="0"/>
               <a:t>(“method from a file”)</a:t>
             </a:r>
           </a:p>

--- a/document/course2-3.pptx
+++ b/document/course2-3.pptx
@@ -237,7 +237,7 @@
           <a:p>
             <a:fld id="{90C9A26C-E32A-0842-B5B6-EF949C454305}" type="datetimeFigureOut">
               <a:rPr lang="en-US" smtClean="0"/>
-              <a:t>4/20/19</a:t>
+              <a:t>5/11/19</a:t>
             </a:fld>
             <a:endParaRPr lang="en-US"/>
           </a:p>
@@ -692,7 +692,7 @@
           <a:p>
             <a:fld id="{48A87A34-81AB-432B-8DAE-1953F412C126}" type="datetimeFigureOut">
               <a:rPr lang="en-US" smtClean="0"/>
-              <a:t>4/20/19</a:t>
+              <a:t>5/11/19</a:t>
             </a:fld>
             <a:endParaRPr lang="en-US" dirty="0"/>
           </a:p>
@@ -1026,7 +1026,7 @@
             <a:fld id="{48A87A34-81AB-432B-8DAE-1953F412C126}" type="datetimeFigureOut">
               <a:rPr lang="en-US" smtClean="0"/>
               <a:pPr/>
-              <a:t>4/20/19</a:t>
+              <a:t>5/11/19</a:t>
             </a:fld>
             <a:endParaRPr lang="en-US" dirty="0"/>
           </a:p>
@@ -1424,7 +1424,7 @@
             <a:fld id="{48A87A34-81AB-432B-8DAE-1953F412C126}" type="datetimeFigureOut">
               <a:rPr lang="en-US" smtClean="0"/>
               <a:pPr/>
-              <a:t>4/20/19</a:t>
+              <a:t>5/11/19</a:t>
             </a:fld>
             <a:endParaRPr lang="en-US" dirty="0"/>
           </a:p>
@@ -1757,7 +1757,7 @@
             <a:fld id="{48A87A34-81AB-432B-8DAE-1953F412C126}" type="datetimeFigureOut">
               <a:rPr lang="en-US" smtClean="0"/>
               <a:pPr/>
-              <a:t>4/20/19</a:t>
+              <a:t>5/11/19</a:t>
             </a:fld>
             <a:endParaRPr lang="en-US" dirty="0"/>
           </a:p>
@@ -2074,7 +2074,7 @@
             <a:fld id="{48A87A34-81AB-432B-8DAE-1953F412C126}" type="datetimeFigureOut">
               <a:rPr lang="en-US" smtClean="0"/>
               <a:pPr/>
-              <a:t>4/20/19</a:t>
+              <a:t>5/11/19</a:t>
             </a:fld>
             <a:endParaRPr lang="en-US" dirty="0"/>
           </a:p>
@@ -2467,7 +2467,7 @@
             <a:fld id="{48A87A34-81AB-432B-8DAE-1953F412C126}" type="datetimeFigureOut">
               <a:rPr lang="en-US" smtClean="0"/>
               <a:pPr/>
-              <a:t>4/20/19</a:t>
+              <a:t>5/11/19</a:t>
             </a:fld>
             <a:endParaRPr lang="en-US" dirty="0"/>
           </a:p>
@@ -2720,7 +2720,7 @@
           <a:p>
             <a:fld id="{48A87A34-81AB-432B-8DAE-1953F412C126}" type="datetimeFigureOut">
               <a:rPr lang="en-US" smtClean="0"/>
-              <a:t>4/20/19</a:t>
+              <a:t>5/11/19</a:t>
             </a:fld>
             <a:endParaRPr lang="en-US" dirty="0"/>
           </a:p>
@@ -2977,7 +2977,7 @@
           <a:p>
             <a:fld id="{48A87A34-81AB-432B-8DAE-1953F412C126}" type="datetimeFigureOut">
               <a:rPr lang="en-US" smtClean="0"/>
-              <a:t>4/20/19</a:t>
+              <a:t>5/11/19</a:t>
             </a:fld>
             <a:endParaRPr lang="en-US" dirty="0"/>
           </a:p>
@@ -3234,7 +3234,7 @@
           <a:p>
             <a:fld id="{48A87A34-81AB-432B-8DAE-1953F412C126}" type="datetimeFigureOut">
               <a:rPr lang="en-US" smtClean="0"/>
-              <a:t>4/20/19</a:t>
+              <a:t>5/11/19</a:t>
             </a:fld>
             <a:endParaRPr lang="en-US" dirty="0"/>
           </a:p>
@@ -3558,7 +3558,7 @@
           <a:p>
             <a:fld id="{48A87A34-81AB-432B-8DAE-1953F412C126}" type="datetimeFigureOut">
               <a:rPr lang="en-US" smtClean="0"/>
-              <a:t>4/20/19</a:t>
+              <a:t>5/11/19</a:t>
             </a:fld>
             <a:endParaRPr lang="en-US" dirty="0"/>
           </a:p>
@@ -3876,7 +3876,7 @@
           <a:p>
             <a:fld id="{48A87A34-81AB-432B-8DAE-1953F412C126}" type="datetimeFigureOut">
               <a:rPr lang="en-US" smtClean="0"/>
-              <a:t>4/20/19</a:t>
+              <a:t>5/11/19</a:t>
             </a:fld>
             <a:endParaRPr lang="en-US" dirty="0"/>
           </a:p>
@@ -4328,7 +4328,7 @@
           <a:p>
             <a:fld id="{48A87A34-81AB-432B-8DAE-1953F412C126}" type="datetimeFigureOut">
               <a:rPr lang="en-US" smtClean="0"/>
-              <a:t>4/20/19</a:t>
+              <a:t>5/11/19</a:t>
             </a:fld>
             <a:endParaRPr lang="en-US" dirty="0"/>
           </a:p>
@@ -4528,7 +4528,7 @@
           <a:p>
             <a:fld id="{48A87A34-81AB-432B-8DAE-1953F412C126}" type="datetimeFigureOut">
               <a:rPr lang="en-US" smtClean="0"/>
-              <a:t>4/20/19</a:t>
+              <a:t>5/11/19</a:t>
             </a:fld>
             <a:endParaRPr lang="en-US" dirty="0"/>
           </a:p>
@@ -4700,7 +4700,7 @@
           <a:p>
             <a:fld id="{48A87A34-81AB-432B-8DAE-1953F412C126}" type="datetimeFigureOut">
               <a:rPr lang="en-US" smtClean="0"/>
-              <a:t>4/20/19</a:t>
+              <a:t>5/11/19</a:t>
             </a:fld>
             <a:endParaRPr lang="en-US" dirty="0"/>
           </a:p>
@@ -5028,7 +5028,7 @@
           <a:p>
             <a:fld id="{48A87A34-81AB-432B-8DAE-1953F412C126}" type="datetimeFigureOut">
               <a:rPr lang="en-US" smtClean="0"/>
-              <a:t>4/20/19</a:t>
+              <a:t>5/11/19</a:t>
             </a:fld>
             <a:endParaRPr lang="en-US" dirty="0"/>
           </a:p>
@@ -5368,7 +5368,7 @@
           <a:p>
             <a:fld id="{48A87A34-81AB-432B-8DAE-1953F412C126}" type="datetimeFigureOut">
               <a:rPr lang="en-US" smtClean="0"/>
-              <a:t>4/20/19</a:t>
+              <a:t>5/11/19</a:t>
             </a:fld>
             <a:endParaRPr lang="en-US" dirty="0"/>
           </a:p>
@@ -7481,7 +7481,7 @@
             <a:fld id="{48A87A34-81AB-432B-8DAE-1953F412C126}" type="datetimeFigureOut">
               <a:rPr lang="en-US" smtClean="0"/>
               <a:pPr/>
-              <a:t>4/20/19</a:t>
+              <a:t>5/11/19</a:t>
             </a:fld>
             <a:endParaRPr lang="en-US" dirty="0"/>
           </a:p>
@@ -9593,7 +9593,7 @@
         </p:spPr>
         <p:txBody>
           <a:bodyPr>
-            <a:normAutofit fontScale="62500" lnSpcReduction="20000"/>
+            <a:noAutofit/>
           </a:bodyPr>
           <a:lstStyle/>
           <a:p>
@@ -9601,7 +9601,7 @@
               <a:buNone/>
             </a:pPr>
             <a:r>
-              <a:rPr lang="en-US" dirty="0"/>
+              <a:rPr lang="en-US" sz="1400" dirty="0"/>
               <a:t>class Person:</a:t>
             </a:r>
           </a:p>
@@ -9610,7 +9610,7 @@
               <a:buNone/>
             </a:pPr>
             <a:r>
-              <a:rPr lang="en-US" dirty="0"/>
+              <a:rPr lang="en-US" sz="1400" dirty="0"/>
               <a:t>    __name= ""</a:t>
             </a:r>
           </a:p>
@@ -9619,7 +9619,7 @@
               <a:buNone/>
             </a:pPr>
             <a:r>
-              <a:rPr lang="en-US" dirty="0"/>
+              <a:rPr lang="en-US" sz="1400" dirty="0"/>
               <a:t>    __age =0</a:t>
             </a:r>
           </a:p>
@@ -9627,30 +9627,30 @@
             <a:pPr marL="0" indent="0">
               <a:buNone/>
             </a:pPr>
-            <a:endParaRPr lang="en-US" dirty="0"/>
+            <a:endParaRPr lang="en-US" sz="1400" dirty="0"/>
           </a:p>
           <a:p>
             <a:pPr marL="0" indent="0">
               <a:buNone/>
             </a:pPr>
             <a:r>
-              <a:rPr lang="en-US" dirty="0"/>
+              <a:rPr lang="en-US" sz="1400" dirty="0"/>
               <a:t>    </a:t>
             </a:r>
             <a:r>
-              <a:rPr lang="en-US" dirty="0" err="1"/>
+              <a:rPr lang="en-US" sz="1400" dirty="0" err="1"/>
               <a:t>def</a:t>
             </a:r>
             <a:r>
-              <a:rPr lang="en-US" dirty="0"/>
+              <a:rPr lang="en-US" sz="1400" dirty="0"/>
               <a:t> __</a:t>
             </a:r>
             <a:r>
-              <a:rPr lang="en-US" dirty="0" err="1"/>
+              <a:rPr lang="en-US" sz="1400" dirty="0" err="1"/>
               <a:t>init</a:t>
             </a:r>
             <a:r>
-              <a:rPr lang="en-US" dirty="0"/>
+              <a:rPr lang="en-US" sz="1400" dirty="0"/>
               <a:t>__(self, name):</a:t>
             </a:r>
           </a:p>
@@ -9659,15 +9659,15 @@
               <a:buNone/>
             </a:pPr>
             <a:r>
-              <a:rPr lang="en-US" dirty="0"/>
+              <a:rPr lang="en-US" sz="1400" dirty="0"/>
               <a:t>        </a:t>
             </a:r>
             <a:r>
-              <a:rPr lang="en-US" dirty="0" err="1"/>
+              <a:rPr lang="en-US" sz="1400" dirty="0" err="1"/>
               <a:t>self.__name</a:t>
             </a:r>
             <a:r>
-              <a:rPr lang="en-US" dirty="0"/>
+              <a:rPr lang="en-US" sz="1400" dirty="0"/>
               <a:t> = name</a:t>
             </a:r>
           </a:p>
@@ -9675,30 +9675,30 @@
             <a:pPr marL="0" indent="0">
               <a:buNone/>
             </a:pPr>
-            <a:endParaRPr lang="en-US" dirty="0"/>
+            <a:endParaRPr lang="en-US" sz="1400" dirty="0"/>
           </a:p>
           <a:p>
             <a:pPr marL="0" indent="0">
               <a:buNone/>
             </a:pPr>
             <a:r>
-              <a:rPr lang="en-US" dirty="0"/>
+              <a:rPr lang="en-US" sz="1400" dirty="0"/>
               <a:t>    </a:t>
             </a:r>
             <a:r>
-              <a:rPr lang="en-US" dirty="0" err="1"/>
+              <a:rPr lang="en-US" sz="1400" dirty="0" err="1"/>
               <a:t>def</a:t>
             </a:r>
             <a:r>
-              <a:rPr lang="en-US" dirty="0"/>
+              <a:rPr lang="en-US" sz="1400" dirty="0"/>
               <a:t> </a:t>
             </a:r>
             <a:r>
-              <a:rPr lang="en-US" dirty="0" err="1"/>
+              <a:rPr lang="en-US" sz="1400" dirty="0" err="1"/>
               <a:t>getName</a:t>
             </a:r>
             <a:r>
-              <a:rPr lang="en-US" dirty="0"/>
+              <a:rPr lang="en-US" sz="1400" dirty="0"/>
               <a:t>(self):</a:t>
             </a:r>
           </a:p>
@@ -9707,69 +9707,53 @@
               <a:buNone/>
             </a:pPr>
             <a:r>
-              <a:rPr lang="en-US" dirty="0"/>
+              <a:rPr lang="en-US" sz="1400" dirty="0"/>
               <a:t>        return </a:t>
             </a:r>
             <a:r>
-              <a:rPr lang="en-US" dirty="0" err="1"/>
+              <a:rPr lang="en-US" sz="1400" dirty="0" err="1"/>
               <a:t>self.__name</a:t>
             </a:r>
-            <a:endParaRPr lang="en-US" dirty="0"/>
+            <a:endParaRPr lang="en-US" sz="1400" dirty="0"/>
           </a:p>
           <a:p>
             <a:pPr marL="0" indent="0">
               <a:buNone/>
             </a:pPr>
             <a:r>
-              <a:rPr lang="en-US"/>
-              <a:t>  </a:t>
-            </a:r>
-            <a:endParaRPr lang="en-US" dirty="0"/>
+              <a:rPr lang="en-US" sz="1400" dirty="0"/>
+              <a:t>    </a:t>
+            </a:r>
+            <a:r>
+              <a:rPr lang="en-US" sz="1400" dirty="0" err="1"/>
+              <a:t>def</a:t>
+            </a:r>
+            <a:r>
+              <a:rPr lang="en-US" sz="1400" dirty="0"/>
+              <a:t> __</a:t>
+            </a:r>
+            <a:r>
+              <a:rPr lang="en-US" sz="1400" dirty="0" err="1"/>
+              <a:t>str</a:t>
+            </a:r>
+            <a:r>
+              <a:rPr lang="en-US" sz="1400" dirty="0"/>
+              <a:t>__(self):</a:t>
+            </a:r>
           </a:p>
           <a:p>
             <a:pPr marL="0" indent="0">
               <a:buNone/>
             </a:pPr>
             <a:r>
-              <a:rPr lang="en-US" dirty="0"/>
-              <a:t>    </a:t>
-            </a:r>
-            <a:r>
-              <a:rPr lang="en-US" dirty="0" err="1"/>
-              <a:t>def</a:t>
-            </a:r>
-            <a:r>
-              <a:rPr lang="en-US" dirty="0"/>
-              <a:t> __</a:t>
-            </a:r>
-            <a:r>
-              <a:rPr lang="en-US" dirty="0" err="1"/>
-              <a:t>str</a:t>
-            </a:r>
-            <a:r>
-              <a:rPr lang="en-US" dirty="0"/>
-              <a:t>__(self):</a:t>
-            </a:r>
-          </a:p>
-          <a:p>
-            <a:pPr marL="0" indent="0">
-              <a:buNone/>
-            </a:pPr>
-            <a:r>
-              <a:rPr lang="en-US" dirty="0"/>
+              <a:rPr lang="en-US" sz="1400" dirty="0"/>
               <a:t>        return "name: %</a:t>
             </a:r>
             <a:r>
-              <a:rPr lang="en-US" dirty="0" err="1"/>
+              <a:rPr lang="en-US" sz="1400" dirty="0" err="1"/>
               <a:t>s"%self.__name</a:t>
             </a:r>
-            <a:endParaRPr lang="en-US" dirty="0"/>
-          </a:p>
-          <a:p>
-            <a:pPr marL="0" indent="0">
-              <a:buNone/>
-            </a:pPr>
-            <a:endParaRPr lang="en-US" dirty="0"/>
+            <a:endParaRPr lang="en-US" sz="1400" dirty="0"/>
           </a:p>
           <a:p>
             <a:pPr>
@@ -9777,23 +9761,23 @@
               <a:buChar char="•"/>
             </a:pPr>
             <a:r>
-              <a:rPr lang="en-US" dirty="0"/>
+              <a:rPr lang="en-US" sz="1400" dirty="0"/>
               <a:t>The first method </a:t>
             </a:r>
             <a:r>
-              <a:rPr lang="en-US" i="1" dirty="0"/>
+              <a:rPr lang="en-US" sz="1400" i="1" dirty="0"/>
               <a:t>__</a:t>
             </a:r>
             <a:r>
-              <a:rPr lang="en-US" i="1" dirty="0" err="1"/>
+              <a:rPr lang="en-US" sz="1400" i="1" dirty="0" err="1"/>
               <a:t>init</a:t>
             </a:r>
             <a:r>
-              <a:rPr lang="en-US" i="1" dirty="0"/>
+              <a:rPr lang="en-US" sz="1400" i="1" dirty="0"/>
               <a:t>__()</a:t>
             </a:r>
             <a:r>
-              <a:rPr lang="en-US" dirty="0"/>
+              <a:rPr lang="en-US" sz="1400" dirty="0"/>
               <a:t> is a special method, which is called class constructor or initialization method that Python calls when you create a new instance of this class.</a:t>
             </a:r>
           </a:p>
@@ -9803,15 +9787,15 @@
               <a:buChar char="•"/>
             </a:pPr>
             <a:r>
-              <a:rPr lang="en-US" dirty="0"/>
+              <a:rPr lang="en-US" sz="1400" dirty="0"/>
               <a:t> Python adds the </a:t>
             </a:r>
             <a:r>
-              <a:rPr lang="en-US" i="1" dirty="0"/>
+              <a:rPr lang="en-US" sz="1400" i="1" dirty="0"/>
               <a:t>self</a:t>
             </a:r>
             <a:r>
-              <a:rPr lang="en-US" dirty="0"/>
+              <a:rPr lang="en-US" sz="1400" dirty="0"/>
               <a:t> argument to the method; you do not need to include it when you call the methods.</a:t>
             </a:r>
           </a:p>
@@ -12344,7 +12328,7 @@
             <p:ph idx="1"/>
             <p:extLst>
               <p:ext uri="{D42A27DB-BD31-4B8C-83A1-F6EECF244321}">
-                <p14:modId xmlns:p14="http://schemas.microsoft.com/office/powerpoint/2010/main" val="2008601594"/>
+                <p14:modId xmlns:p14="http://schemas.microsoft.com/office/powerpoint/2010/main" val="1274852031"/>
               </p:ext>
             </p:extLst>
           </p:nvPr>
@@ -12676,11 +12660,19 @@
                     <a:p>
                       <a:r>
                         <a:rPr lang="en-US" dirty="0"/>
-                        <a:t>     print</a:t>
+                        <a:t>     </a:t>
+                      </a:r>
+                      <a:r>
+                        <a:rPr lang="en-US" dirty="0" err="1"/>
+                        <a:t>print</a:t>
+                      </a:r>
+                      <a:r>
+                        <a:rPr lang="en-US" baseline="0" dirty="0" err="1"/>
+                        <a:t>“something</a:t>
                       </a:r>
                       <a:r>
                         <a:rPr lang="en-US" baseline="0" dirty="0"/>
-                        <a:t> “something”</a:t>
+                        <a:t>”</a:t>
                       </a:r>
                     </a:p>
                     <a:p>
